--- a/Forum PI/MemoCards_forum.pptx
+++ b/Forum PI/MemoCards_forum.pptx
@@ -2,16 +2,16 @@
 <file path=ppt/presentation.xml><?xml version="1.0" encoding="utf-8"?>
 <p:presentation xmlns:a="http://schemas.openxmlformats.org/drawingml/2006/main" xmlns:r="http://schemas.openxmlformats.org/officeDocument/2006/relationships" xmlns:p="http://schemas.openxmlformats.org/presentationml/2006/main">
   <p:sldMasterIdLst>
-    <p:sldMasterId id="2147483648" r:id="rId1"/>
-    <p:sldMasterId id="2147483661" r:id="rId2"/>
+    <p:sldMasterId id="2147483661" r:id="rId1"/>
   </p:sldMasterIdLst>
   <p:sldIdLst>
-    <p:sldId id="256" r:id="rId3"/>
-    <p:sldId id="257" r:id="rId4"/>
-    <p:sldId id="265" r:id="rId5"/>
-    <p:sldId id="258" r:id="rId6"/>
-    <p:sldId id="262" r:id="rId7"/>
-    <p:sldId id="261" r:id="rId8"/>
+    <p:sldId id="256" r:id="rId2"/>
+    <p:sldId id="257" r:id="rId3"/>
+    <p:sldId id="265" r:id="rId4"/>
+    <p:sldId id="258" r:id="rId5"/>
+    <p:sldId id="260" r:id="rId6"/>
+    <p:sldId id="261" r:id="rId7"/>
+    <p:sldId id="262" r:id="rId8"/>
     <p:sldId id="263" r:id="rId9"/>
     <p:sldId id="264" r:id="rId10"/>
   </p:sldIdLst>
@@ -167,7 +167,7 @@
       </p:grpSpPr>
       <p:sp>
         <p:nvSpPr>
-          <p:cNvPr id="26" name="PlaceHolder 1"/>
+          <p:cNvPr id="67" name="PlaceHolder 1"/>
           <p:cNvSpPr>
             <a:spLocks noGrp="1"/>
           </p:cNvSpPr>
@@ -199,7 +199,7 @@
       </p:sp>
       <p:sp>
         <p:nvSpPr>
-          <p:cNvPr id="27" name="PlaceHolder 2"/>
+          <p:cNvPr id="68" name="PlaceHolder 2"/>
           <p:cNvSpPr>
             <a:spLocks noGrp="1"/>
           </p:cNvSpPr>
@@ -233,7 +233,7 @@
       </p:sp>
       <p:sp>
         <p:nvSpPr>
-          <p:cNvPr id="28" name="PlaceHolder 3"/>
+          <p:cNvPr id="69" name="PlaceHolder 3"/>
           <p:cNvSpPr>
             <a:spLocks noGrp="1"/>
           </p:cNvSpPr>
@@ -295,7 +295,7 @@
       </p:grpSpPr>
       <p:sp>
         <p:nvSpPr>
-          <p:cNvPr id="29" name="PlaceHolder 1"/>
+          <p:cNvPr id="70" name="PlaceHolder 1"/>
           <p:cNvSpPr>
             <a:spLocks noGrp="1"/>
           </p:cNvSpPr>
@@ -327,7 +327,7 @@
       </p:sp>
       <p:sp>
         <p:nvSpPr>
-          <p:cNvPr id="30" name="PlaceHolder 2"/>
+          <p:cNvPr id="71" name="PlaceHolder 2"/>
           <p:cNvSpPr>
             <a:spLocks noGrp="1"/>
           </p:cNvSpPr>
@@ -361,7 +361,7 @@
       </p:sp>
       <p:sp>
         <p:nvSpPr>
-          <p:cNvPr id="31" name="PlaceHolder 3"/>
+          <p:cNvPr id="72" name="PlaceHolder 3"/>
           <p:cNvSpPr>
             <a:spLocks noGrp="1"/>
           </p:cNvSpPr>
@@ -395,7 +395,7 @@
       </p:sp>
       <p:sp>
         <p:nvSpPr>
-          <p:cNvPr id="32" name="PlaceHolder 4"/>
+          <p:cNvPr id="73" name="PlaceHolder 4"/>
           <p:cNvSpPr>
             <a:spLocks noGrp="1"/>
           </p:cNvSpPr>
@@ -429,7 +429,7 @@
       </p:sp>
       <p:sp>
         <p:nvSpPr>
-          <p:cNvPr id="33" name="PlaceHolder 5"/>
+          <p:cNvPr id="74" name="PlaceHolder 5"/>
           <p:cNvSpPr>
             <a:spLocks noGrp="1"/>
           </p:cNvSpPr>
@@ -491,7 +491,7 @@
       </p:grpSpPr>
       <p:sp>
         <p:nvSpPr>
-          <p:cNvPr id="34" name="PlaceHolder 1"/>
+          <p:cNvPr id="75" name="PlaceHolder 1"/>
           <p:cNvSpPr>
             <a:spLocks noGrp="1"/>
           </p:cNvSpPr>
@@ -523,7 +523,7 @@
       </p:sp>
       <p:sp>
         <p:nvSpPr>
-          <p:cNvPr id="35" name="PlaceHolder 2"/>
+          <p:cNvPr id="76" name="PlaceHolder 2"/>
           <p:cNvSpPr>
             <a:spLocks noGrp="1"/>
           </p:cNvSpPr>
@@ -557,7 +557,7 @@
       </p:sp>
       <p:sp>
         <p:nvSpPr>
-          <p:cNvPr id="36" name="PlaceHolder 3"/>
+          <p:cNvPr id="77" name="PlaceHolder 3"/>
           <p:cNvSpPr>
             <a:spLocks noGrp="1"/>
           </p:cNvSpPr>
@@ -591,7 +591,7 @@
       </p:sp>
       <p:sp>
         <p:nvSpPr>
-          <p:cNvPr id="37" name="PlaceHolder 4"/>
+          <p:cNvPr id="78" name="PlaceHolder 4"/>
           <p:cNvSpPr>
             <a:spLocks noGrp="1"/>
           </p:cNvSpPr>
@@ -625,7 +625,7 @@
       </p:sp>
       <p:sp>
         <p:nvSpPr>
-          <p:cNvPr id="38" name="PlaceHolder 5"/>
+          <p:cNvPr id="79" name="PlaceHolder 5"/>
           <p:cNvSpPr>
             <a:spLocks noGrp="1"/>
           </p:cNvSpPr>
@@ -659,7 +659,7 @@
       </p:sp>
       <p:sp>
         <p:nvSpPr>
-          <p:cNvPr id="39" name="PlaceHolder 6"/>
+          <p:cNvPr id="80" name="PlaceHolder 6"/>
           <p:cNvSpPr>
             <a:spLocks noGrp="1"/>
           </p:cNvSpPr>
@@ -693,7 +693,7 @@
       </p:sp>
       <p:sp>
         <p:nvSpPr>
-          <p:cNvPr id="40" name="PlaceHolder 7"/>
+          <p:cNvPr id="81" name="PlaceHolder 7"/>
           <p:cNvSpPr>
             <a:spLocks noGrp="1"/>
           </p:cNvSpPr>
@@ -705,626 +705,6 @@
           <a:xfrm>
             <a:off x="838080" y="4098240"/>
             <a:ext cx="3385800" cy="2075040"/>
-          </a:xfrm>
-          <a:prstGeom prst="rect">
-            <a:avLst/>
-          </a:prstGeom>
-        </p:spPr>
-        <p:txBody>
-          <a:bodyPr lIns="0" tIns="0" rIns="0" bIns="0">
-            <a:normAutofit/>
-          </a:bodyPr>
-          <a:lstStyle/>
-          <a:p>
-            <a:endParaRPr lang="fr-FR" sz="2800" b="0" strike="noStrike" spc="-1">
-              <a:solidFill>
-                <a:srgbClr val="000000"/>
-              </a:solidFill>
-              <a:latin typeface="Calibri"/>
-            </a:endParaRPr>
-          </a:p>
-        </p:txBody>
-      </p:sp>
-    </p:spTree>
-  </p:cSld>
-  <p:clrMapOvr>
-    <a:masterClrMapping/>
-  </p:clrMapOvr>
-  <p:transition spd="slow">
-    <p:cover/>
-  </p:transition>
-</p:sldLayout>
-</file>
-
-<file path=ppt/slideLayouts/slideLayout13.xml><?xml version="1.0" encoding="utf-8"?>
-<p:sldLayout xmlns:a="http://schemas.openxmlformats.org/drawingml/2006/main" xmlns:r="http://schemas.openxmlformats.org/officeDocument/2006/relationships" xmlns:p="http://schemas.openxmlformats.org/presentationml/2006/main" type="blank" preserve="1">
-  <p:cSld name="Blank Slide">
-    <p:spTree>
-      <p:nvGrpSpPr>
-        <p:cNvPr id="1" name=""/>
-        <p:cNvGrpSpPr/>
-        <p:nvPr/>
-      </p:nvGrpSpPr>
-      <p:grpSpPr>
-        <a:xfrm>
-          <a:off x="0" y="0"/>
-          <a:ext cx="0" cy="0"/>
-          <a:chOff x="0" y="0"/>
-          <a:chExt cx="0" cy="0"/>
-        </a:xfrm>
-      </p:grpSpPr>
-    </p:spTree>
-  </p:cSld>
-  <p:clrMapOvr>
-    <a:masterClrMapping/>
-  </p:clrMapOvr>
-  <p:transition spd="slow">
-    <p:cover/>
-  </p:transition>
-</p:sldLayout>
-</file>
-
-<file path=ppt/slideLayouts/slideLayout14.xml><?xml version="1.0" encoding="utf-8"?>
-<p:sldLayout xmlns:a="http://schemas.openxmlformats.org/drawingml/2006/main" xmlns:r="http://schemas.openxmlformats.org/officeDocument/2006/relationships" xmlns:p="http://schemas.openxmlformats.org/presentationml/2006/main" type="tx" preserve="1">
-  <p:cSld name="Title Slide">
-    <p:spTree>
-      <p:nvGrpSpPr>
-        <p:cNvPr id="1" name=""/>
-        <p:cNvGrpSpPr/>
-        <p:nvPr/>
-      </p:nvGrpSpPr>
-      <p:grpSpPr>
-        <a:xfrm>
-          <a:off x="0" y="0"/>
-          <a:ext cx="0" cy="0"/>
-          <a:chOff x="0" y="0"/>
-          <a:chExt cx="0" cy="0"/>
-        </a:xfrm>
-      </p:grpSpPr>
-      <p:sp>
-        <p:nvSpPr>
-          <p:cNvPr id="46" name="PlaceHolder 1"/>
-          <p:cNvSpPr>
-            <a:spLocks noGrp="1"/>
-          </p:cNvSpPr>
-          <p:nvPr>
-            <p:ph type="title"/>
-          </p:nvPr>
-        </p:nvSpPr>
-        <p:spPr>
-          <a:xfrm>
-            <a:off x="838080" y="365040"/>
-            <a:ext cx="10515240" cy="1325160"/>
-          </a:xfrm>
-          <a:prstGeom prst="rect">
-            <a:avLst/>
-          </a:prstGeom>
-        </p:spPr>
-        <p:txBody>
-          <a:bodyPr lIns="0" tIns="0" rIns="0" bIns="0" anchor="ctr"/>
-          <a:lstStyle/>
-          <a:p>
-            <a:endParaRPr lang="fr-FR" sz="1800" b="0" strike="noStrike" spc="-1">
-              <a:solidFill>
-                <a:srgbClr val="000000"/>
-              </a:solidFill>
-              <a:latin typeface="Calibri"/>
-            </a:endParaRPr>
-          </a:p>
-        </p:txBody>
-      </p:sp>
-      <p:sp>
-        <p:nvSpPr>
-          <p:cNvPr id="47" name="PlaceHolder 2"/>
-          <p:cNvSpPr>
-            <a:spLocks noGrp="1"/>
-          </p:cNvSpPr>
-          <p:nvPr>
-            <p:ph type="subTitle"/>
-          </p:nvPr>
-        </p:nvSpPr>
-        <p:spPr>
-          <a:xfrm>
-            <a:off x="838080" y="1825560"/>
-            <a:ext cx="10515240" cy="4350960"/>
-          </a:xfrm>
-          <a:prstGeom prst="rect">
-            <a:avLst/>
-          </a:prstGeom>
-        </p:spPr>
-        <p:txBody>
-          <a:bodyPr lIns="0" tIns="0" rIns="0" bIns="0" anchor="ctr"/>
-          <a:lstStyle/>
-          <a:p>
-            <a:pPr algn="ctr"/>
-            <a:endParaRPr lang="fr-FR" sz="3200" b="0" strike="noStrike" spc="-1">
-              <a:latin typeface="Arial"/>
-            </a:endParaRPr>
-          </a:p>
-        </p:txBody>
-      </p:sp>
-    </p:spTree>
-  </p:cSld>
-  <p:clrMapOvr>
-    <a:masterClrMapping/>
-  </p:clrMapOvr>
-  <p:transition spd="slow">
-    <p:cover/>
-  </p:transition>
-</p:sldLayout>
-</file>
-
-<file path=ppt/slideLayouts/slideLayout15.xml><?xml version="1.0" encoding="utf-8"?>
-<p:sldLayout xmlns:a="http://schemas.openxmlformats.org/drawingml/2006/main" xmlns:r="http://schemas.openxmlformats.org/officeDocument/2006/relationships" xmlns:p="http://schemas.openxmlformats.org/presentationml/2006/main" type="obj" preserve="1">
-  <p:cSld name="Title, Content">
-    <p:spTree>
-      <p:nvGrpSpPr>
-        <p:cNvPr id="1" name=""/>
-        <p:cNvGrpSpPr/>
-        <p:nvPr/>
-      </p:nvGrpSpPr>
-      <p:grpSpPr>
-        <a:xfrm>
-          <a:off x="0" y="0"/>
-          <a:ext cx="0" cy="0"/>
-          <a:chOff x="0" y="0"/>
-          <a:chExt cx="0" cy="0"/>
-        </a:xfrm>
-      </p:grpSpPr>
-      <p:sp>
-        <p:nvSpPr>
-          <p:cNvPr id="48" name="PlaceHolder 1"/>
-          <p:cNvSpPr>
-            <a:spLocks noGrp="1"/>
-          </p:cNvSpPr>
-          <p:nvPr>
-            <p:ph type="title"/>
-          </p:nvPr>
-        </p:nvSpPr>
-        <p:spPr>
-          <a:xfrm>
-            <a:off x="838080" y="365040"/>
-            <a:ext cx="10515240" cy="1325160"/>
-          </a:xfrm>
-          <a:prstGeom prst="rect">
-            <a:avLst/>
-          </a:prstGeom>
-        </p:spPr>
-        <p:txBody>
-          <a:bodyPr lIns="0" tIns="0" rIns="0" bIns="0" anchor="ctr"/>
-          <a:lstStyle/>
-          <a:p>
-            <a:endParaRPr lang="fr-FR" sz="1800" b="0" strike="noStrike" spc="-1">
-              <a:solidFill>
-                <a:srgbClr val="000000"/>
-              </a:solidFill>
-              <a:latin typeface="Calibri"/>
-            </a:endParaRPr>
-          </a:p>
-        </p:txBody>
-      </p:sp>
-      <p:sp>
-        <p:nvSpPr>
-          <p:cNvPr id="49" name="PlaceHolder 2"/>
-          <p:cNvSpPr>
-            <a:spLocks noGrp="1"/>
-          </p:cNvSpPr>
-          <p:nvPr>
-            <p:ph type="body"/>
-          </p:nvPr>
-        </p:nvSpPr>
-        <p:spPr>
-          <a:xfrm>
-            <a:off x="838080" y="1825560"/>
-            <a:ext cx="10515240" cy="4350960"/>
-          </a:xfrm>
-          <a:prstGeom prst="rect">
-            <a:avLst/>
-          </a:prstGeom>
-        </p:spPr>
-        <p:txBody>
-          <a:bodyPr lIns="0" tIns="0" rIns="0" bIns="0">
-            <a:normAutofit/>
-          </a:bodyPr>
-          <a:lstStyle/>
-          <a:p>
-            <a:endParaRPr lang="fr-FR" sz="2800" b="0" strike="noStrike" spc="-1">
-              <a:solidFill>
-                <a:srgbClr val="000000"/>
-              </a:solidFill>
-              <a:latin typeface="Calibri"/>
-            </a:endParaRPr>
-          </a:p>
-        </p:txBody>
-      </p:sp>
-    </p:spTree>
-  </p:cSld>
-  <p:clrMapOvr>
-    <a:masterClrMapping/>
-  </p:clrMapOvr>
-  <p:transition spd="slow">
-    <p:cover/>
-  </p:transition>
-</p:sldLayout>
-</file>
-
-<file path=ppt/slideLayouts/slideLayout16.xml><?xml version="1.0" encoding="utf-8"?>
-<p:sldLayout xmlns:a="http://schemas.openxmlformats.org/drawingml/2006/main" xmlns:r="http://schemas.openxmlformats.org/officeDocument/2006/relationships" xmlns:p="http://schemas.openxmlformats.org/presentationml/2006/main" type="twoObj" preserve="1">
-  <p:cSld name="Title, 2 Content">
-    <p:spTree>
-      <p:nvGrpSpPr>
-        <p:cNvPr id="1" name=""/>
-        <p:cNvGrpSpPr/>
-        <p:nvPr/>
-      </p:nvGrpSpPr>
-      <p:grpSpPr>
-        <a:xfrm>
-          <a:off x="0" y="0"/>
-          <a:ext cx="0" cy="0"/>
-          <a:chOff x="0" y="0"/>
-          <a:chExt cx="0" cy="0"/>
-        </a:xfrm>
-      </p:grpSpPr>
-      <p:sp>
-        <p:nvSpPr>
-          <p:cNvPr id="50" name="PlaceHolder 1"/>
-          <p:cNvSpPr>
-            <a:spLocks noGrp="1"/>
-          </p:cNvSpPr>
-          <p:nvPr>
-            <p:ph type="title"/>
-          </p:nvPr>
-        </p:nvSpPr>
-        <p:spPr>
-          <a:xfrm>
-            <a:off x="838080" y="365040"/>
-            <a:ext cx="10515240" cy="1325160"/>
-          </a:xfrm>
-          <a:prstGeom prst="rect">
-            <a:avLst/>
-          </a:prstGeom>
-        </p:spPr>
-        <p:txBody>
-          <a:bodyPr lIns="0" tIns="0" rIns="0" bIns="0" anchor="ctr"/>
-          <a:lstStyle/>
-          <a:p>
-            <a:endParaRPr lang="fr-FR" sz="1800" b="0" strike="noStrike" spc="-1">
-              <a:solidFill>
-                <a:srgbClr val="000000"/>
-              </a:solidFill>
-              <a:latin typeface="Calibri"/>
-            </a:endParaRPr>
-          </a:p>
-        </p:txBody>
-      </p:sp>
-      <p:sp>
-        <p:nvSpPr>
-          <p:cNvPr id="51" name="PlaceHolder 2"/>
-          <p:cNvSpPr>
-            <a:spLocks noGrp="1"/>
-          </p:cNvSpPr>
-          <p:nvPr>
-            <p:ph type="body"/>
-          </p:nvPr>
-        </p:nvSpPr>
-        <p:spPr>
-          <a:xfrm>
-            <a:off x="838080" y="1825560"/>
-            <a:ext cx="5131080" cy="4350960"/>
-          </a:xfrm>
-          <a:prstGeom prst="rect">
-            <a:avLst/>
-          </a:prstGeom>
-        </p:spPr>
-        <p:txBody>
-          <a:bodyPr lIns="0" tIns="0" rIns="0" bIns="0">
-            <a:normAutofit/>
-          </a:bodyPr>
-          <a:lstStyle/>
-          <a:p>
-            <a:endParaRPr lang="fr-FR" sz="2800" b="0" strike="noStrike" spc="-1">
-              <a:solidFill>
-                <a:srgbClr val="000000"/>
-              </a:solidFill>
-              <a:latin typeface="Calibri"/>
-            </a:endParaRPr>
-          </a:p>
-        </p:txBody>
-      </p:sp>
-      <p:sp>
-        <p:nvSpPr>
-          <p:cNvPr id="52" name="PlaceHolder 3"/>
-          <p:cNvSpPr>
-            <a:spLocks noGrp="1"/>
-          </p:cNvSpPr>
-          <p:nvPr>
-            <p:ph type="body"/>
-          </p:nvPr>
-        </p:nvSpPr>
-        <p:spPr>
-          <a:xfrm>
-            <a:off x="6226200" y="1825560"/>
-            <a:ext cx="5131080" cy="4350960"/>
-          </a:xfrm>
-          <a:prstGeom prst="rect">
-            <a:avLst/>
-          </a:prstGeom>
-        </p:spPr>
-        <p:txBody>
-          <a:bodyPr lIns="0" tIns="0" rIns="0" bIns="0">
-            <a:normAutofit/>
-          </a:bodyPr>
-          <a:lstStyle/>
-          <a:p>
-            <a:endParaRPr lang="fr-FR" sz="2800" b="0" strike="noStrike" spc="-1">
-              <a:solidFill>
-                <a:srgbClr val="000000"/>
-              </a:solidFill>
-              <a:latin typeface="Calibri"/>
-            </a:endParaRPr>
-          </a:p>
-        </p:txBody>
-      </p:sp>
-    </p:spTree>
-  </p:cSld>
-  <p:clrMapOvr>
-    <a:masterClrMapping/>
-  </p:clrMapOvr>
-  <p:transition spd="slow">
-    <p:cover/>
-  </p:transition>
-</p:sldLayout>
-</file>
-
-<file path=ppt/slideLayouts/slideLayout17.xml><?xml version="1.0" encoding="utf-8"?>
-<p:sldLayout xmlns:a="http://schemas.openxmlformats.org/drawingml/2006/main" xmlns:r="http://schemas.openxmlformats.org/officeDocument/2006/relationships" xmlns:p="http://schemas.openxmlformats.org/presentationml/2006/main" type="titleOnly" preserve="1">
-  <p:cSld name="Title Only">
-    <p:spTree>
-      <p:nvGrpSpPr>
-        <p:cNvPr id="1" name=""/>
-        <p:cNvGrpSpPr/>
-        <p:nvPr/>
-      </p:nvGrpSpPr>
-      <p:grpSpPr>
-        <a:xfrm>
-          <a:off x="0" y="0"/>
-          <a:ext cx="0" cy="0"/>
-          <a:chOff x="0" y="0"/>
-          <a:chExt cx="0" cy="0"/>
-        </a:xfrm>
-      </p:grpSpPr>
-      <p:sp>
-        <p:nvSpPr>
-          <p:cNvPr id="53" name="PlaceHolder 1"/>
-          <p:cNvSpPr>
-            <a:spLocks noGrp="1"/>
-          </p:cNvSpPr>
-          <p:nvPr>
-            <p:ph type="title"/>
-          </p:nvPr>
-        </p:nvSpPr>
-        <p:spPr>
-          <a:xfrm>
-            <a:off x="838080" y="365040"/>
-            <a:ext cx="10515240" cy="1325160"/>
-          </a:xfrm>
-          <a:prstGeom prst="rect">
-            <a:avLst/>
-          </a:prstGeom>
-        </p:spPr>
-        <p:txBody>
-          <a:bodyPr lIns="0" tIns="0" rIns="0" bIns="0" anchor="ctr"/>
-          <a:lstStyle/>
-          <a:p>
-            <a:endParaRPr lang="fr-FR" sz="1800" b="0" strike="noStrike" spc="-1">
-              <a:solidFill>
-                <a:srgbClr val="000000"/>
-              </a:solidFill>
-              <a:latin typeface="Calibri"/>
-            </a:endParaRPr>
-          </a:p>
-        </p:txBody>
-      </p:sp>
-    </p:spTree>
-  </p:cSld>
-  <p:clrMapOvr>
-    <a:masterClrMapping/>
-  </p:clrMapOvr>
-  <p:transition spd="slow">
-    <p:cover/>
-  </p:transition>
-</p:sldLayout>
-</file>
-
-<file path=ppt/slideLayouts/slideLayout18.xml><?xml version="1.0" encoding="utf-8"?>
-<p:sldLayout xmlns:a="http://schemas.openxmlformats.org/drawingml/2006/main" xmlns:r="http://schemas.openxmlformats.org/officeDocument/2006/relationships" xmlns:p="http://schemas.openxmlformats.org/presentationml/2006/main" type="objOnly" preserve="1">
-  <p:cSld name="Centered Text">
-    <p:spTree>
-      <p:nvGrpSpPr>
-        <p:cNvPr id="1" name=""/>
-        <p:cNvGrpSpPr/>
-        <p:nvPr/>
-      </p:nvGrpSpPr>
-      <p:grpSpPr>
-        <a:xfrm>
-          <a:off x="0" y="0"/>
-          <a:ext cx="0" cy="0"/>
-          <a:chOff x="0" y="0"/>
-          <a:chExt cx="0" cy="0"/>
-        </a:xfrm>
-      </p:grpSpPr>
-      <p:sp>
-        <p:nvSpPr>
-          <p:cNvPr id="54" name="PlaceHolder 1"/>
-          <p:cNvSpPr>
-            <a:spLocks noGrp="1"/>
-          </p:cNvSpPr>
-          <p:nvPr>
-            <p:ph type="subTitle"/>
-          </p:nvPr>
-        </p:nvSpPr>
-        <p:spPr>
-          <a:xfrm>
-            <a:off x="838080" y="365040"/>
-            <a:ext cx="10515240" cy="6144120"/>
-          </a:xfrm>
-          <a:prstGeom prst="rect">
-            <a:avLst/>
-          </a:prstGeom>
-        </p:spPr>
-        <p:txBody>
-          <a:bodyPr lIns="0" tIns="0" rIns="0" bIns="0" anchor="ctr"/>
-          <a:lstStyle/>
-          <a:p>
-            <a:pPr algn="ctr"/>
-            <a:endParaRPr lang="fr-FR" sz="3200" b="0" strike="noStrike" spc="-1">
-              <a:latin typeface="Arial"/>
-            </a:endParaRPr>
-          </a:p>
-        </p:txBody>
-      </p:sp>
-    </p:spTree>
-  </p:cSld>
-  <p:clrMapOvr>
-    <a:masterClrMapping/>
-  </p:clrMapOvr>
-  <p:transition spd="slow">
-    <p:cover/>
-  </p:transition>
-</p:sldLayout>
-</file>
-
-<file path=ppt/slideLayouts/slideLayout19.xml><?xml version="1.0" encoding="utf-8"?>
-<p:sldLayout xmlns:a="http://schemas.openxmlformats.org/drawingml/2006/main" xmlns:r="http://schemas.openxmlformats.org/officeDocument/2006/relationships" xmlns:p="http://schemas.openxmlformats.org/presentationml/2006/main" type="twoObjAndObj" preserve="1">
-  <p:cSld name="Title, 2 Content and Content">
-    <p:spTree>
-      <p:nvGrpSpPr>
-        <p:cNvPr id="1" name=""/>
-        <p:cNvGrpSpPr/>
-        <p:nvPr/>
-      </p:nvGrpSpPr>
-      <p:grpSpPr>
-        <a:xfrm>
-          <a:off x="0" y="0"/>
-          <a:ext cx="0" cy="0"/>
-          <a:chOff x="0" y="0"/>
-          <a:chExt cx="0" cy="0"/>
-        </a:xfrm>
-      </p:grpSpPr>
-      <p:sp>
-        <p:nvSpPr>
-          <p:cNvPr id="55" name="PlaceHolder 1"/>
-          <p:cNvSpPr>
-            <a:spLocks noGrp="1"/>
-          </p:cNvSpPr>
-          <p:nvPr>
-            <p:ph type="title"/>
-          </p:nvPr>
-        </p:nvSpPr>
-        <p:spPr>
-          <a:xfrm>
-            <a:off x="838080" y="365040"/>
-            <a:ext cx="10515240" cy="1325160"/>
-          </a:xfrm>
-          <a:prstGeom prst="rect">
-            <a:avLst/>
-          </a:prstGeom>
-        </p:spPr>
-        <p:txBody>
-          <a:bodyPr lIns="0" tIns="0" rIns="0" bIns="0" anchor="ctr"/>
-          <a:lstStyle/>
-          <a:p>
-            <a:endParaRPr lang="fr-FR" sz="1800" b="0" strike="noStrike" spc="-1">
-              <a:solidFill>
-                <a:srgbClr val="000000"/>
-              </a:solidFill>
-              <a:latin typeface="Calibri"/>
-            </a:endParaRPr>
-          </a:p>
-        </p:txBody>
-      </p:sp>
-      <p:sp>
-        <p:nvSpPr>
-          <p:cNvPr id="56" name="PlaceHolder 2"/>
-          <p:cNvSpPr>
-            <a:spLocks noGrp="1"/>
-          </p:cNvSpPr>
-          <p:nvPr>
-            <p:ph type="body"/>
-          </p:nvPr>
-        </p:nvSpPr>
-        <p:spPr>
-          <a:xfrm>
-            <a:off x="838080" y="1825560"/>
-            <a:ext cx="5131080" cy="2075040"/>
-          </a:xfrm>
-          <a:prstGeom prst="rect">
-            <a:avLst/>
-          </a:prstGeom>
-        </p:spPr>
-        <p:txBody>
-          <a:bodyPr lIns="0" tIns="0" rIns="0" bIns="0">
-            <a:normAutofit/>
-          </a:bodyPr>
-          <a:lstStyle/>
-          <a:p>
-            <a:endParaRPr lang="fr-FR" sz="2800" b="0" strike="noStrike" spc="-1">
-              <a:solidFill>
-                <a:srgbClr val="000000"/>
-              </a:solidFill>
-              <a:latin typeface="Calibri"/>
-            </a:endParaRPr>
-          </a:p>
-        </p:txBody>
-      </p:sp>
-      <p:sp>
-        <p:nvSpPr>
-          <p:cNvPr id="57" name="PlaceHolder 3"/>
-          <p:cNvSpPr>
-            <a:spLocks noGrp="1"/>
-          </p:cNvSpPr>
-          <p:nvPr>
-            <p:ph type="body"/>
-          </p:nvPr>
-        </p:nvSpPr>
-        <p:spPr>
-          <a:xfrm>
-            <a:off x="838080" y="4098240"/>
-            <a:ext cx="5131080" cy="2075040"/>
-          </a:xfrm>
-          <a:prstGeom prst="rect">
-            <a:avLst/>
-          </a:prstGeom>
-        </p:spPr>
-        <p:txBody>
-          <a:bodyPr lIns="0" tIns="0" rIns="0" bIns="0">
-            <a:normAutofit/>
-          </a:bodyPr>
-          <a:lstStyle/>
-          <a:p>
-            <a:endParaRPr lang="fr-FR" sz="2800" b="0" strike="noStrike" spc="-1">
-              <a:solidFill>
-                <a:srgbClr val="000000"/>
-              </a:solidFill>
-              <a:latin typeface="Calibri"/>
-            </a:endParaRPr>
-          </a:p>
-        </p:txBody>
-      </p:sp>
-      <p:sp>
-        <p:nvSpPr>
-          <p:cNvPr id="58" name="PlaceHolder 4"/>
-          <p:cNvSpPr>
-            <a:spLocks noGrp="1"/>
-          </p:cNvSpPr>
-          <p:nvPr>
-            <p:ph type="body"/>
-          </p:nvPr>
-        </p:nvSpPr>
-        <p:spPr>
-          <a:xfrm>
-            <a:off x="6226200" y="1825560"/>
-            <a:ext cx="5131080" cy="4350960"/>
           </a:xfrm>
           <a:prstGeom prst="rect">
             <a:avLst/>
@@ -1375,7 +755,7 @@
       </p:grpSpPr>
       <p:sp>
         <p:nvSpPr>
-          <p:cNvPr id="5" name="PlaceHolder 1"/>
+          <p:cNvPr id="46" name="PlaceHolder 1"/>
           <p:cNvSpPr>
             <a:spLocks noGrp="1"/>
           </p:cNvSpPr>
@@ -1407,7 +787,7 @@
       </p:sp>
       <p:sp>
         <p:nvSpPr>
-          <p:cNvPr id="6" name="PlaceHolder 2"/>
+          <p:cNvPr id="47" name="PlaceHolder 2"/>
           <p:cNvSpPr>
             <a:spLocks noGrp="1"/>
           </p:cNvSpPr>
@@ -1431,918 +811,6 @@
             <a:pPr algn="ctr"/>
             <a:endParaRPr lang="fr-FR" sz="3200" b="0" strike="noStrike" spc="-1">
               <a:latin typeface="Arial"/>
-            </a:endParaRPr>
-          </a:p>
-        </p:txBody>
-      </p:sp>
-    </p:spTree>
-  </p:cSld>
-  <p:clrMapOvr>
-    <a:masterClrMapping/>
-  </p:clrMapOvr>
-  <p:transition spd="slow">
-    <p:cover/>
-  </p:transition>
-</p:sldLayout>
-</file>
-
-<file path=ppt/slideLayouts/slideLayout20.xml><?xml version="1.0" encoding="utf-8"?>
-<p:sldLayout xmlns:a="http://schemas.openxmlformats.org/drawingml/2006/main" xmlns:r="http://schemas.openxmlformats.org/officeDocument/2006/relationships" xmlns:p="http://schemas.openxmlformats.org/presentationml/2006/main" type="objAndTwoObj" preserve="1">
-  <p:cSld name="Title Content and 2 Content">
-    <p:spTree>
-      <p:nvGrpSpPr>
-        <p:cNvPr id="1" name=""/>
-        <p:cNvGrpSpPr/>
-        <p:nvPr/>
-      </p:nvGrpSpPr>
-      <p:grpSpPr>
-        <a:xfrm>
-          <a:off x="0" y="0"/>
-          <a:ext cx="0" cy="0"/>
-          <a:chOff x="0" y="0"/>
-          <a:chExt cx="0" cy="0"/>
-        </a:xfrm>
-      </p:grpSpPr>
-      <p:sp>
-        <p:nvSpPr>
-          <p:cNvPr id="59" name="PlaceHolder 1"/>
-          <p:cNvSpPr>
-            <a:spLocks noGrp="1"/>
-          </p:cNvSpPr>
-          <p:nvPr>
-            <p:ph type="title"/>
-          </p:nvPr>
-        </p:nvSpPr>
-        <p:spPr>
-          <a:xfrm>
-            <a:off x="838080" y="365040"/>
-            <a:ext cx="10515240" cy="1325160"/>
-          </a:xfrm>
-          <a:prstGeom prst="rect">
-            <a:avLst/>
-          </a:prstGeom>
-        </p:spPr>
-        <p:txBody>
-          <a:bodyPr lIns="0" tIns="0" rIns="0" bIns="0" anchor="ctr"/>
-          <a:lstStyle/>
-          <a:p>
-            <a:endParaRPr lang="fr-FR" sz="1800" b="0" strike="noStrike" spc="-1">
-              <a:solidFill>
-                <a:srgbClr val="000000"/>
-              </a:solidFill>
-              <a:latin typeface="Calibri"/>
-            </a:endParaRPr>
-          </a:p>
-        </p:txBody>
-      </p:sp>
-      <p:sp>
-        <p:nvSpPr>
-          <p:cNvPr id="60" name="PlaceHolder 2"/>
-          <p:cNvSpPr>
-            <a:spLocks noGrp="1"/>
-          </p:cNvSpPr>
-          <p:nvPr>
-            <p:ph type="body"/>
-          </p:nvPr>
-        </p:nvSpPr>
-        <p:spPr>
-          <a:xfrm>
-            <a:off x="838080" y="1825560"/>
-            <a:ext cx="5131080" cy="4350960"/>
-          </a:xfrm>
-          <a:prstGeom prst="rect">
-            <a:avLst/>
-          </a:prstGeom>
-        </p:spPr>
-        <p:txBody>
-          <a:bodyPr lIns="0" tIns="0" rIns="0" bIns="0">
-            <a:normAutofit/>
-          </a:bodyPr>
-          <a:lstStyle/>
-          <a:p>
-            <a:endParaRPr lang="fr-FR" sz="2800" b="0" strike="noStrike" spc="-1">
-              <a:solidFill>
-                <a:srgbClr val="000000"/>
-              </a:solidFill>
-              <a:latin typeface="Calibri"/>
-            </a:endParaRPr>
-          </a:p>
-        </p:txBody>
-      </p:sp>
-      <p:sp>
-        <p:nvSpPr>
-          <p:cNvPr id="61" name="PlaceHolder 3"/>
-          <p:cNvSpPr>
-            <a:spLocks noGrp="1"/>
-          </p:cNvSpPr>
-          <p:nvPr>
-            <p:ph type="body"/>
-          </p:nvPr>
-        </p:nvSpPr>
-        <p:spPr>
-          <a:xfrm>
-            <a:off x="6226200" y="1825560"/>
-            <a:ext cx="5131080" cy="2075040"/>
-          </a:xfrm>
-          <a:prstGeom prst="rect">
-            <a:avLst/>
-          </a:prstGeom>
-        </p:spPr>
-        <p:txBody>
-          <a:bodyPr lIns="0" tIns="0" rIns="0" bIns="0">
-            <a:normAutofit/>
-          </a:bodyPr>
-          <a:lstStyle/>
-          <a:p>
-            <a:endParaRPr lang="fr-FR" sz="2800" b="0" strike="noStrike" spc="-1">
-              <a:solidFill>
-                <a:srgbClr val="000000"/>
-              </a:solidFill>
-              <a:latin typeface="Calibri"/>
-            </a:endParaRPr>
-          </a:p>
-        </p:txBody>
-      </p:sp>
-      <p:sp>
-        <p:nvSpPr>
-          <p:cNvPr id="62" name="PlaceHolder 4"/>
-          <p:cNvSpPr>
-            <a:spLocks noGrp="1"/>
-          </p:cNvSpPr>
-          <p:nvPr>
-            <p:ph type="body"/>
-          </p:nvPr>
-        </p:nvSpPr>
-        <p:spPr>
-          <a:xfrm>
-            <a:off x="6226200" y="4098240"/>
-            <a:ext cx="5131080" cy="2075040"/>
-          </a:xfrm>
-          <a:prstGeom prst="rect">
-            <a:avLst/>
-          </a:prstGeom>
-        </p:spPr>
-        <p:txBody>
-          <a:bodyPr lIns="0" tIns="0" rIns="0" bIns="0">
-            <a:normAutofit/>
-          </a:bodyPr>
-          <a:lstStyle/>
-          <a:p>
-            <a:endParaRPr lang="fr-FR" sz="2800" b="0" strike="noStrike" spc="-1">
-              <a:solidFill>
-                <a:srgbClr val="000000"/>
-              </a:solidFill>
-              <a:latin typeface="Calibri"/>
-            </a:endParaRPr>
-          </a:p>
-        </p:txBody>
-      </p:sp>
-    </p:spTree>
-  </p:cSld>
-  <p:clrMapOvr>
-    <a:masterClrMapping/>
-  </p:clrMapOvr>
-  <p:transition spd="slow">
-    <p:cover/>
-  </p:transition>
-</p:sldLayout>
-</file>
-
-<file path=ppt/slideLayouts/slideLayout21.xml><?xml version="1.0" encoding="utf-8"?>
-<p:sldLayout xmlns:a="http://schemas.openxmlformats.org/drawingml/2006/main" xmlns:r="http://schemas.openxmlformats.org/officeDocument/2006/relationships" xmlns:p="http://schemas.openxmlformats.org/presentationml/2006/main" type="twoObjOverTx" preserve="1">
-  <p:cSld name="Title, 2 Content over Content">
-    <p:spTree>
-      <p:nvGrpSpPr>
-        <p:cNvPr id="1" name=""/>
-        <p:cNvGrpSpPr/>
-        <p:nvPr/>
-      </p:nvGrpSpPr>
-      <p:grpSpPr>
-        <a:xfrm>
-          <a:off x="0" y="0"/>
-          <a:ext cx="0" cy="0"/>
-          <a:chOff x="0" y="0"/>
-          <a:chExt cx="0" cy="0"/>
-        </a:xfrm>
-      </p:grpSpPr>
-      <p:sp>
-        <p:nvSpPr>
-          <p:cNvPr id="63" name="PlaceHolder 1"/>
-          <p:cNvSpPr>
-            <a:spLocks noGrp="1"/>
-          </p:cNvSpPr>
-          <p:nvPr>
-            <p:ph type="title"/>
-          </p:nvPr>
-        </p:nvSpPr>
-        <p:spPr>
-          <a:xfrm>
-            <a:off x="838080" y="365040"/>
-            <a:ext cx="10515240" cy="1325160"/>
-          </a:xfrm>
-          <a:prstGeom prst="rect">
-            <a:avLst/>
-          </a:prstGeom>
-        </p:spPr>
-        <p:txBody>
-          <a:bodyPr lIns="0" tIns="0" rIns="0" bIns="0" anchor="ctr"/>
-          <a:lstStyle/>
-          <a:p>
-            <a:endParaRPr lang="fr-FR" sz="1800" b="0" strike="noStrike" spc="-1">
-              <a:solidFill>
-                <a:srgbClr val="000000"/>
-              </a:solidFill>
-              <a:latin typeface="Calibri"/>
-            </a:endParaRPr>
-          </a:p>
-        </p:txBody>
-      </p:sp>
-      <p:sp>
-        <p:nvSpPr>
-          <p:cNvPr id="64" name="PlaceHolder 2"/>
-          <p:cNvSpPr>
-            <a:spLocks noGrp="1"/>
-          </p:cNvSpPr>
-          <p:nvPr>
-            <p:ph type="body"/>
-          </p:nvPr>
-        </p:nvSpPr>
-        <p:spPr>
-          <a:xfrm>
-            <a:off x="838080" y="1825560"/>
-            <a:ext cx="5131080" cy="2075040"/>
-          </a:xfrm>
-          <a:prstGeom prst="rect">
-            <a:avLst/>
-          </a:prstGeom>
-        </p:spPr>
-        <p:txBody>
-          <a:bodyPr lIns="0" tIns="0" rIns="0" bIns="0">
-            <a:normAutofit/>
-          </a:bodyPr>
-          <a:lstStyle/>
-          <a:p>
-            <a:endParaRPr lang="fr-FR" sz="2800" b="0" strike="noStrike" spc="-1">
-              <a:solidFill>
-                <a:srgbClr val="000000"/>
-              </a:solidFill>
-              <a:latin typeface="Calibri"/>
-            </a:endParaRPr>
-          </a:p>
-        </p:txBody>
-      </p:sp>
-      <p:sp>
-        <p:nvSpPr>
-          <p:cNvPr id="65" name="PlaceHolder 3"/>
-          <p:cNvSpPr>
-            <a:spLocks noGrp="1"/>
-          </p:cNvSpPr>
-          <p:nvPr>
-            <p:ph type="body"/>
-          </p:nvPr>
-        </p:nvSpPr>
-        <p:spPr>
-          <a:xfrm>
-            <a:off x="6226200" y="1825560"/>
-            <a:ext cx="5131080" cy="2075040"/>
-          </a:xfrm>
-          <a:prstGeom prst="rect">
-            <a:avLst/>
-          </a:prstGeom>
-        </p:spPr>
-        <p:txBody>
-          <a:bodyPr lIns="0" tIns="0" rIns="0" bIns="0">
-            <a:normAutofit/>
-          </a:bodyPr>
-          <a:lstStyle/>
-          <a:p>
-            <a:endParaRPr lang="fr-FR" sz="2800" b="0" strike="noStrike" spc="-1">
-              <a:solidFill>
-                <a:srgbClr val="000000"/>
-              </a:solidFill>
-              <a:latin typeface="Calibri"/>
-            </a:endParaRPr>
-          </a:p>
-        </p:txBody>
-      </p:sp>
-      <p:sp>
-        <p:nvSpPr>
-          <p:cNvPr id="66" name="PlaceHolder 4"/>
-          <p:cNvSpPr>
-            <a:spLocks noGrp="1"/>
-          </p:cNvSpPr>
-          <p:nvPr>
-            <p:ph type="body"/>
-          </p:nvPr>
-        </p:nvSpPr>
-        <p:spPr>
-          <a:xfrm>
-            <a:off x="838080" y="4098240"/>
-            <a:ext cx="10515240" cy="2075040"/>
-          </a:xfrm>
-          <a:prstGeom prst="rect">
-            <a:avLst/>
-          </a:prstGeom>
-        </p:spPr>
-        <p:txBody>
-          <a:bodyPr lIns="0" tIns="0" rIns="0" bIns="0">
-            <a:normAutofit/>
-          </a:bodyPr>
-          <a:lstStyle/>
-          <a:p>
-            <a:endParaRPr lang="fr-FR" sz="2800" b="0" strike="noStrike" spc="-1">
-              <a:solidFill>
-                <a:srgbClr val="000000"/>
-              </a:solidFill>
-              <a:latin typeface="Calibri"/>
-            </a:endParaRPr>
-          </a:p>
-        </p:txBody>
-      </p:sp>
-    </p:spTree>
-  </p:cSld>
-  <p:clrMapOvr>
-    <a:masterClrMapping/>
-  </p:clrMapOvr>
-  <p:transition spd="slow">
-    <p:cover/>
-  </p:transition>
-</p:sldLayout>
-</file>
-
-<file path=ppt/slideLayouts/slideLayout22.xml><?xml version="1.0" encoding="utf-8"?>
-<p:sldLayout xmlns:a="http://schemas.openxmlformats.org/drawingml/2006/main" xmlns:r="http://schemas.openxmlformats.org/officeDocument/2006/relationships" xmlns:p="http://schemas.openxmlformats.org/presentationml/2006/main" type="objOverTx" preserve="1">
-  <p:cSld name="Title, Content over Content">
-    <p:spTree>
-      <p:nvGrpSpPr>
-        <p:cNvPr id="1" name=""/>
-        <p:cNvGrpSpPr/>
-        <p:nvPr/>
-      </p:nvGrpSpPr>
-      <p:grpSpPr>
-        <a:xfrm>
-          <a:off x="0" y="0"/>
-          <a:ext cx="0" cy="0"/>
-          <a:chOff x="0" y="0"/>
-          <a:chExt cx="0" cy="0"/>
-        </a:xfrm>
-      </p:grpSpPr>
-      <p:sp>
-        <p:nvSpPr>
-          <p:cNvPr id="67" name="PlaceHolder 1"/>
-          <p:cNvSpPr>
-            <a:spLocks noGrp="1"/>
-          </p:cNvSpPr>
-          <p:nvPr>
-            <p:ph type="title"/>
-          </p:nvPr>
-        </p:nvSpPr>
-        <p:spPr>
-          <a:xfrm>
-            <a:off x="838080" y="365040"/>
-            <a:ext cx="10515240" cy="1325160"/>
-          </a:xfrm>
-          <a:prstGeom prst="rect">
-            <a:avLst/>
-          </a:prstGeom>
-        </p:spPr>
-        <p:txBody>
-          <a:bodyPr lIns="0" tIns="0" rIns="0" bIns="0" anchor="ctr"/>
-          <a:lstStyle/>
-          <a:p>
-            <a:endParaRPr lang="fr-FR" sz="1800" b="0" strike="noStrike" spc="-1">
-              <a:solidFill>
-                <a:srgbClr val="000000"/>
-              </a:solidFill>
-              <a:latin typeface="Calibri"/>
-            </a:endParaRPr>
-          </a:p>
-        </p:txBody>
-      </p:sp>
-      <p:sp>
-        <p:nvSpPr>
-          <p:cNvPr id="68" name="PlaceHolder 2"/>
-          <p:cNvSpPr>
-            <a:spLocks noGrp="1"/>
-          </p:cNvSpPr>
-          <p:nvPr>
-            <p:ph type="body"/>
-          </p:nvPr>
-        </p:nvSpPr>
-        <p:spPr>
-          <a:xfrm>
-            <a:off x="838080" y="1825560"/>
-            <a:ext cx="10515240" cy="2075040"/>
-          </a:xfrm>
-          <a:prstGeom prst="rect">
-            <a:avLst/>
-          </a:prstGeom>
-        </p:spPr>
-        <p:txBody>
-          <a:bodyPr lIns="0" tIns="0" rIns="0" bIns="0">
-            <a:normAutofit/>
-          </a:bodyPr>
-          <a:lstStyle/>
-          <a:p>
-            <a:endParaRPr lang="fr-FR" sz="2800" b="0" strike="noStrike" spc="-1">
-              <a:solidFill>
-                <a:srgbClr val="000000"/>
-              </a:solidFill>
-              <a:latin typeface="Calibri"/>
-            </a:endParaRPr>
-          </a:p>
-        </p:txBody>
-      </p:sp>
-      <p:sp>
-        <p:nvSpPr>
-          <p:cNvPr id="69" name="PlaceHolder 3"/>
-          <p:cNvSpPr>
-            <a:spLocks noGrp="1"/>
-          </p:cNvSpPr>
-          <p:nvPr>
-            <p:ph type="body"/>
-          </p:nvPr>
-        </p:nvSpPr>
-        <p:spPr>
-          <a:xfrm>
-            <a:off x="838080" y="4098240"/>
-            <a:ext cx="10515240" cy="2075040"/>
-          </a:xfrm>
-          <a:prstGeom prst="rect">
-            <a:avLst/>
-          </a:prstGeom>
-        </p:spPr>
-        <p:txBody>
-          <a:bodyPr lIns="0" tIns="0" rIns="0" bIns="0">
-            <a:normAutofit/>
-          </a:bodyPr>
-          <a:lstStyle/>
-          <a:p>
-            <a:endParaRPr lang="fr-FR" sz="2800" b="0" strike="noStrike" spc="-1">
-              <a:solidFill>
-                <a:srgbClr val="000000"/>
-              </a:solidFill>
-              <a:latin typeface="Calibri"/>
-            </a:endParaRPr>
-          </a:p>
-        </p:txBody>
-      </p:sp>
-    </p:spTree>
-  </p:cSld>
-  <p:clrMapOvr>
-    <a:masterClrMapping/>
-  </p:clrMapOvr>
-  <p:transition spd="slow">
-    <p:cover/>
-  </p:transition>
-</p:sldLayout>
-</file>
-
-<file path=ppt/slideLayouts/slideLayout23.xml><?xml version="1.0" encoding="utf-8"?>
-<p:sldLayout xmlns:a="http://schemas.openxmlformats.org/drawingml/2006/main" xmlns:r="http://schemas.openxmlformats.org/officeDocument/2006/relationships" xmlns:p="http://schemas.openxmlformats.org/presentationml/2006/main" type="fourObj" preserve="1">
-  <p:cSld name="Title, 4 Content">
-    <p:spTree>
-      <p:nvGrpSpPr>
-        <p:cNvPr id="1" name=""/>
-        <p:cNvGrpSpPr/>
-        <p:nvPr/>
-      </p:nvGrpSpPr>
-      <p:grpSpPr>
-        <a:xfrm>
-          <a:off x="0" y="0"/>
-          <a:ext cx="0" cy="0"/>
-          <a:chOff x="0" y="0"/>
-          <a:chExt cx="0" cy="0"/>
-        </a:xfrm>
-      </p:grpSpPr>
-      <p:sp>
-        <p:nvSpPr>
-          <p:cNvPr id="70" name="PlaceHolder 1"/>
-          <p:cNvSpPr>
-            <a:spLocks noGrp="1"/>
-          </p:cNvSpPr>
-          <p:nvPr>
-            <p:ph type="title"/>
-          </p:nvPr>
-        </p:nvSpPr>
-        <p:spPr>
-          <a:xfrm>
-            <a:off x="838080" y="365040"/>
-            <a:ext cx="10515240" cy="1325160"/>
-          </a:xfrm>
-          <a:prstGeom prst="rect">
-            <a:avLst/>
-          </a:prstGeom>
-        </p:spPr>
-        <p:txBody>
-          <a:bodyPr lIns="0" tIns="0" rIns="0" bIns="0" anchor="ctr"/>
-          <a:lstStyle/>
-          <a:p>
-            <a:endParaRPr lang="fr-FR" sz="1800" b="0" strike="noStrike" spc="-1">
-              <a:solidFill>
-                <a:srgbClr val="000000"/>
-              </a:solidFill>
-              <a:latin typeface="Calibri"/>
-            </a:endParaRPr>
-          </a:p>
-        </p:txBody>
-      </p:sp>
-      <p:sp>
-        <p:nvSpPr>
-          <p:cNvPr id="71" name="PlaceHolder 2"/>
-          <p:cNvSpPr>
-            <a:spLocks noGrp="1"/>
-          </p:cNvSpPr>
-          <p:nvPr>
-            <p:ph type="body"/>
-          </p:nvPr>
-        </p:nvSpPr>
-        <p:spPr>
-          <a:xfrm>
-            <a:off x="838080" y="1825560"/>
-            <a:ext cx="5131080" cy="2075040"/>
-          </a:xfrm>
-          <a:prstGeom prst="rect">
-            <a:avLst/>
-          </a:prstGeom>
-        </p:spPr>
-        <p:txBody>
-          <a:bodyPr lIns="0" tIns="0" rIns="0" bIns="0">
-            <a:normAutofit/>
-          </a:bodyPr>
-          <a:lstStyle/>
-          <a:p>
-            <a:endParaRPr lang="fr-FR" sz="2800" b="0" strike="noStrike" spc="-1">
-              <a:solidFill>
-                <a:srgbClr val="000000"/>
-              </a:solidFill>
-              <a:latin typeface="Calibri"/>
-            </a:endParaRPr>
-          </a:p>
-        </p:txBody>
-      </p:sp>
-      <p:sp>
-        <p:nvSpPr>
-          <p:cNvPr id="72" name="PlaceHolder 3"/>
-          <p:cNvSpPr>
-            <a:spLocks noGrp="1"/>
-          </p:cNvSpPr>
-          <p:nvPr>
-            <p:ph type="body"/>
-          </p:nvPr>
-        </p:nvSpPr>
-        <p:spPr>
-          <a:xfrm>
-            <a:off x="6226200" y="1825560"/>
-            <a:ext cx="5131080" cy="2075040"/>
-          </a:xfrm>
-          <a:prstGeom prst="rect">
-            <a:avLst/>
-          </a:prstGeom>
-        </p:spPr>
-        <p:txBody>
-          <a:bodyPr lIns="0" tIns="0" rIns="0" bIns="0">
-            <a:normAutofit/>
-          </a:bodyPr>
-          <a:lstStyle/>
-          <a:p>
-            <a:endParaRPr lang="fr-FR" sz="2800" b="0" strike="noStrike" spc="-1">
-              <a:solidFill>
-                <a:srgbClr val="000000"/>
-              </a:solidFill>
-              <a:latin typeface="Calibri"/>
-            </a:endParaRPr>
-          </a:p>
-        </p:txBody>
-      </p:sp>
-      <p:sp>
-        <p:nvSpPr>
-          <p:cNvPr id="73" name="PlaceHolder 4"/>
-          <p:cNvSpPr>
-            <a:spLocks noGrp="1"/>
-          </p:cNvSpPr>
-          <p:nvPr>
-            <p:ph type="body"/>
-          </p:nvPr>
-        </p:nvSpPr>
-        <p:spPr>
-          <a:xfrm>
-            <a:off x="6226200" y="4098240"/>
-            <a:ext cx="5131080" cy="2075040"/>
-          </a:xfrm>
-          <a:prstGeom prst="rect">
-            <a:avLst/>
-          </a:prstGeom>
-        </p:spPr>
-        <p:txBody>
-          <a:bodyPr lIns="0" tIns="0" rIns="0" bIns="0">
-            <a:normAutofit/>
-          </a:bodyPr>
-          <a:lstStyle/>
-          <a:p>
-            <a:endParaRPr lang="fr-FR" sz="2800" b="0" strike="noStrike" spc="-1">
-              <a:solidFill>
-                <a:srgbClr val="000000"/>
-              </a:solidFill>
-              <a:latin typeface="Calibri"/>
-            </a:endParaRPr>
-          </a:p>
-        </p:txBody>
-      </p:sp>
-      <p:sp>
-        <p:nvSpPr>
-          <p:cNvPr id="74" name="PlaceHolder 5"/>
-          <p:cNvSpPr>
-            <a:spLocks noGrp="1"/>
-          </p:cNvSpPr>
-          <p:nvPr>
-            <p:ph type="body"/>
-          </p:nvPr>
-        </p:nvSpPr>
-        <p:spPr>
-          <a:xfrm>
-            <a:off x="838080" y="4098240"/>
-            <a:ext cx="5131080" cy="2075040"/>
-          </a:xfrm>
-          <a:prstGeom prst="rect">
-            <a:avLst/>
-          </a:prstGeom>
-        </p:spPr>
-        <p:txBody>
-          <a:bodyPr lIns="0" tIns="0" rIns="0" bIns="0">
-            <a:normAutofit/>
-          </a:bodyPr>
-          <a:lstStyle/>
-          <a:p>
-            <a:endParaRPr lang="fr-FR" sz="2800" b="0" strike="noStrike" spc="-1">
-              <a:solidFill>
-                <a:srgbClr val="000000"/>
-              </a:solidFill>
-              <a:latin typeface="Calibri"/>
-            </a:endParaRPr>
-          </a:p>
-        </p:txBody>
-      </p:sp>
-    </p:spTree>
-  </p:cSld>
-  <p:clrMapOvr>
-    <a:masterClrMapping/>
-  </p:clrMapOvr>
-  <p:transition spd="slow">
-    <p:cover/>
-  </p:transition>
-</p:sldLayout>
-</file>
-
-<file path=ppt/slideLayouts/slideLayout24.xml><?xml version="1.0" encoding="utf-8"?>
-<p:sldLayout xmlns:a="http://schemas.openxmlformats.org/drawingml/2006/main" xmlns:r="http://schemas.openxmlformats.org/officeDocument/2006/relationships" xmlns:p="http://schemas.openxmlformats.org/presentationml/2006/main" type="blank" preserve="1">
-  <p:cSld name="Title, 6 Content">
-    <p:spTree>
-      <p:nvGrpSpPr>
-        <p:cNvPr id="1" name=""/>
-        <p:cNvGrpSpPr/>
-        <p:nvPr/>
-      </p:nvGrpSpPr>
-      <p:grpSpPr>
-        <a:xfrm>
-          <a:off x="0" y="0"/>
-          <a:ext cx="0" cy="0"/>
-          <a:chOff x="0" y="0"/>
-          <a:chExt cx="0" cy="0"/>
-        </a:xfrm>
-      </p:grpSpPr>
-      <p:sp>
-        <p:nvSpPr>
-          <p:cNvPr id="75" name="PlaceHolder 1"/>
-          <p:cNvSpPr>
-            <a:spLocks noGrp="1"/>
-          </p:cNvSpPr>
-          <p:nvPr>
-            <p:ph type="title"/>
-          </p:nvPr>
-        </p:nvSpPr>
-        <p:spPr>
-          <a:xfrm>
-            <a:off x="838080" y="365040"/>
-            <a:ext cx="10515240" cy="1325160"/>
-          </a:xfrm>
-          <a:prstGeom prst="rect">
-            <a:avLst/>
-          </a:prstGeom>
-        </p:spPr>
-        <p:txBody>
-          <a:bodyPr lIns="0" tIns="0" rIns="0" bIns="0" anchor="ctr"/>
-          <a:lstStyle/>
-          <a:p>
-            <a:endParaRPr lang="fr-FR" sz="1800" b="0" strike="noStrike" spc="-1">
-              <a:solidFill>
-                <a:srgbClr val="000000"/>
-              </a:solidFill>
-              <a:latin typeface="Calibri"/>
-            </a:endParaRPr>
-          </a:p>
-        </p:txBody>
-      </p:sp>
-      <p:sp>
-        <p:nvSpPr>
-          <p:cNvPr id="76" name="PlaceHolder 2"/>
-          <p:cNvSpPr>
-            <a:spLocks noGrp="1"/>
-          </p:cNvSpPr>
-          <p:nvPr>
-            <p:ph type="body"/>
-          </p:nvPr>
-        </p:nvSpPr>
-        <p:spPr>
-          <a:xfrm>
-            <a:off x="838080" y="1825560"/>
-            <a:ext cx="3385800" cy="2075040"/>
-          </a:xfrm>
-          <a:prstGeom prst="rect">
-            <a:avLst/>
-          </a:prstGeom>
-        </p:spPr>
-        <p:txBody>
-          <a:bodyPr lIns="0" tIns="0" rIns="0" bIns="0">
-            <a:normAutofit/>
-          </a:bodyPr>
-          <a:lstStyle/>
-          <a:p>
-            <a:endParaRPr lang="fr-FR" sz="2800" b="0" strike="noStrike" spc="-1">
-              <a:solidFill>
-                <a:srgbClr val="000000"/>
-              </a:solidFill>
-              <a:latin typeface="Calibri"/>
-            </a:endParaRPr>
-          </a:p>
-        </p:txBody>
-      </p:sp>
-      <p:sp>
-        <p:nvSpPr>
-          <p:cNvPr id="77" name="PlaceHolder 3"/>
-          <p:cNvSpPr>
-            <a:spLocks noGrp="1"/>
-          </p:cNvSpPr>
-          <p:nvPr>
-            <p:ph type="body"/>
-          </p:nvPr>
-        </p:nvSpPr>
-        <p:spPr>
-          <a:xfrm>
-            <a:off x="4393440" y="1825560"/>
-            <a:ext cx="3385800" cy="2075040"/>
-          </a:xfrm>
-          <a:prstGeom prst="rect">
-            <a:avLst/>
-          </a:prstGeom>
-        </p:spPr>
-        <p:txBody>
-          <a:bodyPr lIns="0" tIns="0" rIns="0" bIns="0">
-            <a:normAutofit/>
-          </a:bodyPr>
-          <a:lstStyle/>
-          <a:p>
-            <a:endParaRPr lang="fr-FR" sz="2800" b="0" strike="noStrike" spc="-1">
-              <a:solidFill>
-                <a:srgbClr val="000000"/>
-              </a:solidFill>
-              <a:latin typeface="Calibri"/>
-            </a:endParaRPr>
-          </a:p>
-        </p:txBody>
-      </p:sp>
-      <p:sp>
-        <p:nvSpPr>
-          <p:cNvPr id="78" name="PlaceHolder 4"/>
-          <p:cNvSpPr>
-            <a:spLocks noGrp="1"/>
-          </p:cNvSpPr>
-          <p:nvPr>
-            <p:ph type="body"/>
-          </p:nvPr>
-        </p:nvSpPr>
-        <p:spPr>
-          <a:xfrm>
-            <a:off x="7949160" y="1825560"/>
-            <a:ext cx="3385800" cy="2075040"/>
-          </a:xfrm>
-          <a:prstGeom prst="rect">
-            <a:avLst/>
-          </a:prstGeom>
-        </p:spPr>
-        <p:txBody>
-          <a:bodyPr lIns="0" tIns="0" rIns="0" bIns="0">
-            <a:normAutofit/>
-          </a:bodyPr>
-          <a:lstStyle/>
-          <a:p>
-            <a:endParaRPr lang="fr-FR" sz="2800" b="0" strike="noStrike" spc="-1">
-              <a:solidFill>
-                <a:srgbClr val="000000"/>
-              </a:solidFill>
-              <a:latin typeface="Calibri"/>
-            </a:endParaRPr>
-          </a:p>
-        </p:txBody>
-      </p:sp>
-      <p:sp>
-        <p:nvSpPr>
-          <p:cNvPr id="79" name="PlaceHolder 5"/>
-          <p:cNvSpPr>
-            <a:spLocks noGrp="1"/>
-          </p:cNvSpPr>
-          <p:nvPr>
-            <p:ph type="body"/>
-          </p:nvPr>
-        </p:nvSpPr>
-        <p:spPr>
-          <a:xfrm>
-            <a:off x="7949160" y="4098240"/>
-            <a:ext cx="3385800" cy="2075040"/>
-          </a:xfrm>
-          <a:prstGeom prst="rect">
-            <a:avLst/>
-          </a:prstGeom>
-        </p:spPr>
-        <p:txBody>
-          <a:bodyPr lIns="0" tIns="0" rIns="0" bIns="0">
-            <a:normAutofit/>
-          </a:bodyPr>
-          <a:lstStyle/>
-          <a:p>
-            <a:endParaRPr lang="fr-FR" sz="2800" b="0" strike="noStrike" spc="-1">
-              <a:solidFill>
-                <a:srgbClr val="000000"/>
-              </a:solidFill>
-              <a:latin typeface="Calibri"/>
-            </a:endParaRPr>
-          </a:p>
-        </p:txBody>
-      </p:sp>
-      <p:sp>
-        <p:nvSpPr>
-          <p:cNvPr id="80" name="PlaceHolder 6"/>
-          <p:cNvSpPr>
-            <a:spLocks noGrp="1"/>
-          </p:cNvSpPr>
-          <p:nvPr>
-            <p:ph type="body"/>
-          </p:nvPr>
-        </p:nvSpPr>
-        <p:spPr>
-          <a:xfrm>
-            <a:off x="4393440" y="4098240"/>
-            <a:ext cx="3385800" cy="2075040"/>
-          </a:xfrm>
-          <a:prstGeom prst="rect">
-            <a:avLst/>
-          </a:prstGeom>
-        </p:spPr>
-        <p:txBody>
-          <a:bodyPr lIns="0" tIns="0" rIns="0" bIns="0">
-            <a:normAutofit/>
-          </a:bodyPr>
-          <a:lstStyle/>
-          <a:p>
-            <a:endParaRPr lang="fr-FR" sz="2800" b="0" strike="noStrike" spc="-1">
-              <a:solidFill>
-                <a:srgbClr val="000000"/>
-              </a:solidFill>
-              <a:latin typeface="Calibri"/>
-            </a:endParaRPr>
-          </a:p>
-        </p:txBody>
-      </p:sp>
-      <p:sp>
-        <p:nvSpPr>
-          <p:cNvPr id="81" name="PlaceHolder 7"/>
-          <p:cNvSpPr>
-            <a:spLocks noGrp="1"/>
-          </p:cNvSpPr>
-          <p:nvPr>
-            <p:ph type="body"/>
-          </p:nvPr>
-        </p:nvSpPr>
-        <p:spPr>
-          <a:xfrm>
-            <a:off x="838080" y="4098240"/>
-            <a:ext cx="3385800" cy="2075040"/>
-          </a:xfrm>
-          <a:prstGeom prst="rect">
-            <a:avLst/>
-          </a:prstGeom>
-        </p:spPr>
-        <p:txBody>
-          <a:bodyPr lIns="0" tIns="0" rIns="0" bIns="0">
-            <a:normAutofit/>
-          </a:bodyPr>
-          <a:lstStyle/>
-          <a:p>
-            <a:endParaRPr lang="fr-FR" sz="2800" b="0" strike="noStrike" spc="-1">
-              <a:solidFill>
-                <a:srgbClr val="000000"/>
-              </a:solidFill>
-              <a:latin typeface="Calibri"/>
             </a:endParaRPr>
           </a:p>
         </p:txBody>
@@ -2377,7 +845,7 @@
       </p:grpSpPr>
       <p:sp>
         <p:nvSpPr>
-          <p:cNvPr id="7" name="PlaceHolder 1"/>
+          <p:cNvPr id="48" name="PlaceHolder 1"/>
           <p:cNvSpPr>
             <a:spLocks noGrp="1"/>
           </p:cNvSpPr>
@@ -2409,7 +877,7 @@
       </p:sp>
       <p:sp>
         <p:nvSpPr>
-          <p:cNvPr id="8" name="PlaceHolder 2"/>
+          <p:cNvPr id="49" name="PlaceHolder 2"/>
           <p:cNvSpPr>
             <a:spLocks noGrp="1"/>
           </p:cNvSpPr>
@@ -2471,7 +939,7 @@
       </p:grpSpPr>
       <p:sp>
         <p:nvSpPr>
-          <p:cNvPr id="9" name="PlaceHolder 1"/>
+          <p:cNvPr id="50" name="PlaceHolder 1"/>
           <p:cNvSpPr>
             <a:spLocks noGrp="1"/>
           </p:cNvSpPr>
@@ -2503,7 +971,7 @@
       </p:sp>
       <p:sp>
         <p:nvSpPr>
-          <p:cNvPr id="10" name="PlaceHolder 2"/>
+          <p:cNvPr id="51" name="PlaceHolder 2"/>
           <p:cNvSpPr>
             <a:spLocks noGrp="1"/>
           </p:cNvSpPr>
@@ -2537,7 +1005,7 @@
       </p:sp>
       <p:sp>
         <p:nvSpPr>
-          <p:cNvPr id="11" name="PlaceHolder 3"/>
+          <p:cNvPr id="52" name="PlaceHolder 3"/>
           <p:cNvSpPr>
             <a:spLocks noGrp="1"/>
           </p:cNvSpPr>
@@ -2599,7 +1067,7 @@
       </p:grpSpPr>
       <p:sp>
         <p:nvSpPr>
-          <p:cNvPr id="12" name="PlaceHolder 1"/>
+          <p:cNvPr id="53" name="PlaceHolder 1"/>
           <p:cNvSpPr>
             <a:spLocks noGrp="1"/>
           </p:cNvSpPr>
@@ -2659,7 +1127,7 @@
       </p:grpSpPr>
       <p:sp>
         <p:nvSpPr>
-          <p:cNvPr id="13" name="PlaceHolder 1"/>
+          <p:cNvPr id="54" name="PlaceHolder 1"/>
           <p:cNvSpPr>
             <a:spLocks noGrp="1"/>
           </p:cNvSpPr>
@@ -2717,7 +1185,7 @@
       </p:grpSpPr>
       <p:sp>
         <p:nvSpPr>
-          <p:cNvPr id="14" name="PlaceHolder 1"/>
+          <p:cNvPr id="55" name="PlaceHolder 1"/>
           <p:cNvSpPr>
             <a:spLocks noGrp="1"/>
           </p:cNvSpPr>
@@ -2749,7 +1217,7 @@
       </p:sp>
       <p:sp>
         <p:nvSpPr>
-          <p:cNvPr id="15" name="PlaceHolder 2"/>
+          <p:cNvPr id="56" name="PlaceHolder 2"/>
           <p:cNvSpPr>
             <a:spLocks noGrp="1"/>
           </p:cNvSpPr>
@@ -2783,7 +1251,7 @@
       </p:sp>
       <p:sp>
         <p:nvSpPr>
-          <p:cNvPr id="16" name="PlaceHolder 3"/>
+          <p:cNvPr id="57" name="PlaceHolder 3"/>
           <p:cNvSpPr>
             <a:spLocks noGrp="1"/>
           </p:cNvSpPr>
@@ -2817,7 +1285,7 @@
       </p:sp>
       <p:sp>
         <p:nvSpPr>
-          <p:cNvPr id="17" name="PlaceHolder 4"/>
+          <p:cNvPr id="58" name="PlaceHolder 4"/>
           <p:cNvSpPr>
             <a:spLocks noGrp="1"/>
           </p:cNvSpPr>
@@ -2879,7 +1347,7 @@
       </p:grpSpPr>
       <p:sp>
         <p:nvSpPr>
-          <p:cNvPr id="18" name="PlaceHolder 1"/>
+          <p:cNvPr id="59" name="PlaceHolder 1"/>
           <p:cNvSpPr>
             <a:spLocks noGrp="1"/>
           </p:cNvSpPr>
@@ -2911,7 +1379,7 @@
       </p:sp>
       <p:sp>
         <p:nvSpPr>
-          <p:cNvPr id="19" name="PlaceHolder 2"/>
+          <p:cNvPr id="60" name="PlaceHolder 2"/>
           <p:cNvSpPr>
             <a:spLocks noGrp="1"/>
           </p:cNvSpPr>
@@ -2945,7 +1413,7 @@
       </p:sp>
       <p:sp>
         <p:nvSpPr>
-          <p:cNvPr id="20" name="PlaceHolder 3"/>
+          <p:cNvPr id="61" name="PlaceHolder 3"/>
           <p:cNvSpPr>
             <a:spLocks noGrp="1"/>
           </p:cNvSpPr>
@@ -2979,7 +1447,7 @@
       </p:sp>
       <p:sp>
         <p:nvSpPr>
-          <p:cNvPr id="21" name="PlaceHolder 4"/>
+          <p:cNvPr id="62" name="PlaceHolder 4"/>
           <p:cNvSpPr>
             <a:spLocks noGrp="1"/>
           </p:cNvSpPr>
@@ -3041,7 +1509,7 @@
       </p:grpSpPr>
       <p:sp>
         <p:nvSpPr>
-          <p:cNvPr id="22" name="PlaceHolder 1"/>
+          <p:cNvPr id="63" name="PlaceHolder 1"/>
           <p:cNvSpPr>
             <a:spLocks noGrp="1"/>
           </p:cNvSpPr>
@@ -3073,7 +1541,7 @@
       </p:sp>
       <p:sp>
         <p:nvSpPr>
-          <p:cNvPr id="23" name="PlaceHolder 2"/>
+          <p:cNvPr id="64" name="PlaceHolder 2"/>
           <p:cNvSpPr>
             <a:spLocks noGrp="1"/>
           </p:cNvSpPr>
@@ -3107,7 +1575,7 @@
       </p:sp>
       <p:sp>
         <p:nvSpPr>
-          <p:cNvPr id="24" name="PlaceHolder 3"/>
+          <p:cNvPr id="65" name="PlaceHolder 3"/>
           <p:cNvSpPr>
             <a:spLocks noGrp="1"/>
           </p:cNvSpPr>
@@ -3141,7 +1609,7 @@
       </p:sp>
       <p:sp>
         <p:nvSpPr>
-          <p:cNvPr id="25" name="PlaceHolder 4"/>
+          <p:cNvPr id="66" name="PlaceHolder 4"/>
           <p:cNvSpPr>
             <a:spLocks noGrp="1"/>
           </p:cNvSpPr>
@@ -3211,675 +1679,6 @@
       </p:grpSpPr>
       <p:sp>
         <p:nvSpPr>
-          <p:cNvPr id="5" name="PlaceHolder 1"/>
-          <p:cNvSpPr>
-            <a:spLocks noGrp="1"/>
-          </p:cNvSpPr>
-          <p:nvPr>
-            <p:ph type="title"/>
-          </p:nvPr>
-        </p:nvSpPr>
-        <p:spPr>
-          <a:xfrm>
-            <a:off x="1523880" y="1122480"/>
-            <a:ext cx="9143640" cy="2387160"/>
-          </a:xfrm>
-          <a:prstGeom prst="rect">
-            <a:avLst/>
-          </a:prstGeom>
-        </p:spPr>
-        <p:txBody>
-          <a:bodyPr anchor="b"/>
-          <a:lstStyle/>
-          <a:p>
-            <a:pPr algn="ctr">
-              <a:lnSpc>
-                <a:spcPct val="100000"/>
-              </a:lnSpc>
-            </a:pPr>
-            <a:r>
-              <a:rPr lang="fr-FR" sz="6000" b="0" strike="noStrike" spc="-1">
-                <a:solidFill>
-                  <a:srgbClr val="000000"/>
-                </a:solidFill>
-                <a:latin typeface="Calibri Light"/>
-              </a:rPr>
-              <a:t>Modifiez le style du titre</a:t>
-            </a:r>
-            <a:endParaRPr lang="fr-FR" sz="6000" b="0" strike="noStrike" spc="-1">
-              <a:solidFill>
-                <a:srgbClr val="000000"/>
-              </a:solidFill>
-              <a:latin typeface="Calibri"/>
-            </a:endParaRPr>
-          </a:p>
-        </p:txBody>
-      </p:sp>
-      <p:sp>
-        <p:nvSpPr>
-          <p:cNvPr id="6" name="PlaceHolder 2"/>
-          <p:cNvSpPr>
-            <a:spLocks noGrp="1"/>
-          </p:cNvSpPr>
-          <p:nvPr>
-            <p:ph type="dt"/>
-          </p:nvPr>
-        </p:nvSpPr>
-        <p:spPr>
-          <a:xfrm>
-            <a:off x="838080" y="6356520"/>
-            <a:ext cx="2742840" cy="364680"/>
-          </a:xfrm>
-          <a:prstGeom prst="rect">
-            <a:avLst/>
-          </a:prstGeom>
-        </p:spPr>
-        <p:txBody>
-          <a:bodyPr anchor="ctr"/>
-          <a:lstStyle/>
-          <a:p>
-            <a:pPr>
-              <a:lnSpc>
-                <a:spcPct val="100000"/>
-              </a:lnSpc>
-            </a:pPr>
-            <a:fld id="{F1E1F58D-53A2-4EC9-AC37-0AB7FB48AC54}" type="datetime">
-              <a:rPr lang="fr-FR" sz="1200" b="0" strike="noStrike" spc="-1">
-                <a:solidFill>
-                  <a:srgbClr val="8B8B8B"/>
-                </a:solidFill>
-                <a:latin typeface="Calibri"/>
-              </a:rPr>
-              <a:t>28/01/2019</a:t>
-            </a:fld>
-            <a:endParaRPr lang="fr-FR" sz="1200" b="0" strike="noStrike" spc="-1">
-              <a:latin typeface="Times New Roman"/>
-            </a:endParaRPr>
-          </a:p>
-        </p:txBody>
-      </p:sp>
-      <p:sp>
-        <p:nvSpPr>
-          <p:cNvPr id="2" name="PlaceHolder 3"/>
-          <p:cNvSpPr>
-            <a:spLocks noGrp="1"/>
-          </p:cNvSpPr>
-          <p:nvPr>
-            <p:ph type="ftr"/>
-          </p:nvPr>
-        </p:nvSpPr>
-        <p:spPr>
-          <a:xfrm>
-            <a:off x="4038480" y="6356520"/>
-            <a:ext cx="4114440" cy="364680"/>
-          </a:xfrm>
-          <a:prstGeom prst="rect">
-            <a:avLst/>
-          </a:prstGeom>
-        </p:spPr>
-        <p:txBody>
-          <a:bodyPr anchor="ctr"/>
-          <a:lstStyle/>
-          <a:p>
-            <a:endParaRPr lang="fr-FR" sz="2400" b="0" strike="noStrike" spc="-1">
-              <a:latin typeface="Times New Roman"/>
-            </a:endParaRPr>
-          </a:p>
-        </p:txBody>
-      </p:sp>
-      <p:sp>
-        <p:nvSpPr>
-          <p:cNvPr id="3" name="PlaceHolder 4"/>
-          <p:cNvSpPr>
-            <a:spLocks noGrp="1"/>
-          </p:cNvSpPr>
-          <p:nvPr>
-            <p:ph type="sldNum"/>
-          </p:nvPr>
-        </p:nvSpPr>
-        <p:spPr>
-          <a:xfrm>
-            <a:off x="8610480" y="6356520"/>
-            <a:ext cx="2742840" cy="364680"/>
-          </a:xfrm>
-          <a:prstGeom prst="rect">
-            <a:avLst/>
-          </a:prstGeom>
-        </p:spPr>
-        <p:txBody>
-          <a:bodyPr anchor="ctr"/>
-          <a:lstStyle/>
-          <a:p>
-            <a:pPr algn="r">
-              <a:lnSpc>
-                <a:spcPct val="100000"/>
-              </a:lnSpc>
-            </a:pPr>
-            <a:fld id="{7939B94F-485A-464A-99D1-EAAE2B31BA44}" type="slidenum">
-              <a:rPr lang="fr-FR" sz="1200" b="0" strike="noStrike" spc="-1">
-                <a:solidFill>
-                  <a:srgbClr val="8B8B8B"/>
-                </a:solidFill>
-                <a:latin typeface="Calibri"/>
-              </a:rPr>
-              <a:t>‹N°›</a:t>
-            </a:fld>
-            <a:endParaRPr lang="fr-FR" sz="1200" b="0" strike="noStrike" spc="-1">
-              <a:latin typeface="Times New Roman"/>
-            </a:endParaRPr>
-          </a:p>
-        </p:txBody>
-      </p:sp>
-      <p:sp>
-        <p:nvSpPr>
-          <p:cNvPr id="4" name="PlaceHolder 5"/>
-          <p:cNvSpPr>
-            <a:spLocks noGrp="1"/>
-          </p:cNvSpPr>
-          <p:nvPr>
-            <p:ph type="body"/>
-          </p:nvPr>
-        </p:nvSpPr>
-        <p:spPr>
-          <a:xfrm>
-            <a:off x="609480" y="1604520"/>
-            <a:ext cx="10972440" cy="3977280"/>
-          </a:xfrm>
-          <a:prstGeom prst="rect">
-            <a:avLst/>
-          </a:prstGeom>
-        </p:spPr>
-        <p:txBody>
-          <a:bodyPr lIns="0" tIns="0" rIns="0" bIns="0">
-            <a:normAutofit/>
-          </a:bodyPr>
-          <a:lstStyle/>
-          <a:p>
-            <a:pPr marL="432000" indent="-324000">
-              <a:spcBef>
-                <a:spcPts val="1417"/>
-              </a:spcBef>
-              <a:buClr>
-                <a:srgbClr val="000000"/>
-              </a:buClr>
-              <a:buSzPct val="45000"/>
-              <a:buFont typeface="Wingdings" charset="2"/>
-              <a:buChar char=""/>
-            </a:pPr>
-            <a:r>
-              <a:rPr lang="fr-FR" sz="2800" b="0" strike="noStrike" spc="-1">
-                <a:solidFill>
-                  <a:srgbClr val="000000"/>
-                </a:solidFill>
-                <a:latin typeface="Calibri"/>
-              </a:rPr>
-              <a:t>Cliquez pour éditer le format du plan de texte</a:t>
-            </a:r>
-          </a:p>
-          <a:p>
-            <a:pPr marL="864000" lvl="1" indent="-324000">
-              <a:spcBef>
-                <a:spcPts val="1134"/>
-              </a:spcBef>
-              <a:buClr>
-                <a:srgbClr val="000000"/>
-              </a:buClr>
-              <a:buSzPct val="75000"/>
-              <a:buFont typeface="Symbol" charset="2"/>
-              <a:buChar char=""/>
-            </a:pPr>
-            <a:r>
-              <a:rPr lang="fr-FR" sz="2000" b="0" strike="noStrike" spc="-1">
-                <a:solidFill>
-                  <a:srgbClr val="000000"/>
-                </a:solidFill>
-                <a:latin typeface="Calibri"/>
-              </a:rPr>
-              <a:t>Second niveau de plan</a:t>
-            </a:r>
-          </a:p>
-          <a:p>
-            <a:pPr marL="1296000" lvl="2" indent="-288000">
-              <a:spcBef>
-                <a:spcPts val="850"/>
-              </a:spcBef>
-              <a:buClr>
-                <a:srgbClr val="000000"/>
-              </a:buClr>
-              <a:buSzPct val="45000"/>
-              <a:buFont typeface="Wingdings" charset="2"/>
-              <a:buChar char=""/>
-            </a:pPr>
-            <a:r>
-              <a:rPr lang="fr-FR" sz="1800" b="0" strike="noStrike" spc="-1">
-                <a:solidFill>
-                  <a:srgbClr val="000000"/>
-                </a:solidFill>
-                <a:latin typeface="Calibri"/>
-              </a:rPr>
-              <a:t>Troisième niveau de plan</a:t>
-            </a:r>
-          </a:p>
-          <a:p>
-            <a:pPr marL="1728000" lvl="3" indent="-216000">
-              <a:spcBef>
-                <a:spcPts val="567"/>
-              </a:spcBef>
-              <a:buClr>
-                <a:srgbClr val="000000"/>
-              </a:buClr>
-              <a:buSzPct val="75000"/>
-              <a:buFont typeface="Symbol" charset="2"/>
-              <a:buChar char=""/>
-            </a:pPr>
-            <a:r>
-              <a:rPr lang="fr-FR" sz="1800" b="0" strike="noStrike" spc="-1">
-                <a:solidFill>
-                  <a:srgbClr val="000000"/>
-                </a:solidFill>
-                <a:latin typeface="Calibri"/>
-              </a:rPr>
-              <a:t>Quatrième niveau de plan</a:t>
-            </a:r>
-          </a:p>
-          <a:p>
-            <a:pPr marL="2160000" lvl="4" indent="-216000">
-              <a:spcBef>
-                <a:spcPts val="283"/>
-              </a:spcBef>
-              <a:buClr>
-                <a:srgbClr val="000000"/>
-              </a:buClr>
-              <a:buSzPct val="45000"/>
-              <a:buFont typeface="Wingdings" charset="2"/>
-              <a:buChar char=""/>
-            </a:pPr>
-            <a:r>
-              <a:rPr lang="fr-FR" sz="2000" b="0" strike="noStrike" spc="-1">
-                <a:solidFill>
-                  <a:srgbClr val="000000"/>
-                </a:solidFill>
-                <a:latin typeface="Calibri"/>
-              </a:rPr>
-              <a:t>Cinquième niveau de plan</a:t>
-            </a:r>
-          </a:p>
-          <a:p>
-            <a:pPr marL="2592000" lvl="5" indent="-216000">
-              <a:spcBef>
-                <a:spcPts val="283"/>
-              </a:spcBef>
-              <a:buClr>
-                <a:srgbClr val="000000"/>
-              </a:buClr>
-              <a:buSzPct val="45000"/>
-              <a:buFont typeface="Wingdings" charset="2"/>
-              <a:buChar char=""/>
-            </a:pPr>
-            <a:r>
-              <a:rPr lang="fr-FR" sz="2000" b="0" strike="noStrike" spc="-1">
-                <a:solidFill>
-                  <a:srgbClr val="000000"/>
-                </a:solidFill>
-                <a:latin typeface="Calibri"/>
-              </a:rPr>
-              <a:t>Sixième niveau de plan</a:t>
-            </a:r>
-          </a:p>
-          <a:p>
-            <a:pPr marL="3024000" lvl="6" indent="-216000">
-              <a:spcBef>
-                <a:spcPts val="283"/>
-              </a:spcBef>
-              <a:buClr>
-                <a:srgbClr val="000000"/>
-              </a:buClr>
-              <a:buSzPct val="45000"/>
-              <a:buFont typeface="Wingdings" charset="2"/>
-              <a:buChar char=""/>
-            </a:pPr>
-            <a:r>
-              <a:rPr lang="fr-FR" sz="2000" b="0" strike="noStrike" spc="-1">
-                <a:solidFill>
-                  <a:srgbClr val="000000"/>
-                </a:solidFill>
-                <a:latin typeface="Calibri"/>
-              </a:rPr>
-              <a:t>Septième niveau de plan</a:t>
-            </a:r>
-          </a:p>
-        </p:txBody>
-      </p:sp>
-    </p:spTree>
-  </p:cSld>
-  <p:clrMap bg1="lt1" tx1="dk1" bg2="lt2" tx2="dk2" accent1="accent1" accent2="accent2" accent3="accent3" accent4="accent4" accent5="accent5" accent6="accent6" hlink="hlink" folHlink="folHlink"/>
-  <p:sldLayoutIdLst>
-    <p:sldLayoutId id="2147483649" r:id="rId1"/>
-    <p:sldLayoutId id="2147483650" r:id="rId2"/>
-    <p:sldLayoutId id="2147483651" r:id="rId3"/>
-    <p:sldLayoutId id="2147483652" r:id="rId4"/>
-    <p:sldLayoutId id="2147483653" r:id="rId5"/>
-    <p:sldLayoutId id="2147483654" r:id="rId6"/>
-    <p:sldLayoutId id="2147483655" r:id="rId7"/>
-    <p:sldLayoutId id="2147483656" r:id="rId8"/>
-    <p:sldLayoutId id="2147483657" r:id="rId9"/>
-    <p:sldLayoutId id="2147483658" r:id="rId10"/>
-    <p:sldLayoutId id="2147483659" r:id="rId11"/>
-    <p:sldLayoutId id="2147483660" r:id="rId12"/>
-  </p:sldLayoutIdLst>
-  <p:transition spd="slow">
-    <p:cover/>
-  </p:transition>
-  <p:txStyles>
-    <p:titleStyle>
-      <a:lvl1pPr algn="l" defTabSz="914400" rtl="0" eaLnBrk="1" latinLnBrk="0" hangingPunct="1">
-        <a:lnSpc>
-          <a:spcPct val="90000"/>
-        </a:lnSpc>
-        <a:spcBef>
-          <a:spcPct val="0"/>
-        </a:spcBef>
-        <a:buNone/>
-        <a:defRPr sz="4400" kern="1200">
-          <a:solidFill>
-            <a:schemeClr val="tx1"/>
-          </a:solidFill>
-          <a:latin typeface="+mj-lt"/>
-          <a:ea typeface="+mj-ea"/>
-          <a:cs typeface="+mj-cs"/>
-        </a:defRPr>
-      </a:lvl1pPr>
-    </p:titleStyle>
-    <p:bodyStyle>
-      <a:lvl1pPr marL="228600" indent="-228600" algn="l" defTabSz="914400" rtl="0" eaLnBrk="1" latinLnBrk="0" hangingPunct="1">
-        <a:lnSpc>
-          <a:spcPct val="90000"/>
-        </a:lnSpc>
-        <a:spcBef>
-          <a:spcPts val="1000"/>
-        </a:spcBef>
-        <a:buFont typeface="Arial" panose="020B0604020202020204" pitchFamily="34" charset="0"/>
-        <a:buChar char="•"/>
-        <a:defRPr sz="2800" kern="1200">
-          <a:solidFill>
-            <a:schemeClr val="tx1"/>
-          </a:solidFill>
-          <a:latin typeface="+mn-lt"/>
-          <a:ea typeface="+mn-ea"/>
-          <a:cs typeface="+mn-cs"/>
-        </a:defRPr>
-      </a:lvl1pPr>
-      <a:lvl2pPr marL="685800" indent="-228600" algn="l" defTabSz="914400" rtl="0" eaLnBrk="1" latinLnBrk="0" hangingPunct="1">
-        <a:lnSpc>
-          <a:spcPct val="90000"/>
-        </a:lnSpc>
-        <a:spcBef>
-          <a:spcPts val="500"/>
-        </a:spcBef>
-        <a:buFont typeface="Arial" panose="020B0604020202020204" pitchFamily="34" charset="0"/>
-        <a:buChar char="•"/>
-        <a:defRPr sz="2400" kern="1200">
-          <a:solidFill>
-            <a:schemeClr val="tx1"/>
-          </a:solidFill>
-          <a:latin typeface="+mn-lt"/>
-          <a:ea typeface="+mn-ea"/>
-          <a:cs typeface="+mn-cs"/>
-        </a:defRPr>
-      </a:lvl2pPr>
-      <a:lvl3pPr marL="1143000" indent="-228600" algn="l" defTabSz="914400" rtl="0" eaLnBrk="1" latinLnBrk="0" hangingPunct="1">
-        <a:lnSpc>
-          <a:spcPct val="90000"/>
-        </a:lnSpc>
-        <a:spcBef>
-          <a:spcPts val="500"/>
-        </a:spcBef>
-        <a:buFont typeface="Arial" panose="020B0604020202020204" pitchFamily="34" charset="0"/>
-        <a:buChar char="•"/>
-        <a:defRPr sz="2000" kern="1200">
-          <a:solidFill>
-            <a:schemeClr val="tx1"/>
-          </a:solidFill>
-          <a:latin typeface="+mn-lt"/>
-          <a:ea typeface="+mn-ea"/>
-          <a:cs typeface="+mn-cs"/>
-        </a:defRPr>
-      </a:lvl3pPr>
-      <a:lvl4pPr marL="1600200" indent="-228600" algn="l" defTabSz="914400" rtl="0" eaLnBrk="1" latinLnBrk="0" hangingPunct="1">
-        <a:lnSpc>
-          <a:spcPct val="90000"/>
-        </a:lnSpc>
-        <a:spcBef>
-          <a:spcPts val="500"/>
-        </a:spcBef>
-        <a:buFont typeface="Arial" panose="020B0604020202020204" pitchFamily="34" charset="0"/>
-        <a:buChar char="•"/>
-        <a:defRPr sz="1800" kern="1200">
-          <a:solidFill>
-            <a:schemeClr val="tx1"/>
-          </a:solidFill>
-          <a:latin typeface="+mn-lt"/>
-          <a:ea typeface="+mn-ea"/>
-          <a:cs typeface="+mn-cs"/>
-        </a:defRPr>
-      </a:lvl4pPr>
-      <a:lvl5pPr marL="2057400" indent="-228600" algn="l" defTabSz="914400" rtl="0" eaLnBrk="1" latinLnBrk="0" hangingPunct="1">
-        <a:lnSpc>
-          <a:spcPct val="90000"/>
-        </a:lnSpc>
-        <a:spcBef>
-          <a:spcPts val="500"/>
-        </a:spcBef>
-        <a:buFont typeface="Arial" panose="020B0604020202020204" pitchFamily="34" charset="0"/>
-        <a:buChar char="•"/>
-        <a:defRPr sz="1800" kern="1200">
-          <a:solidFill>
-            <a:schemeClr val="tx1"/>
-          </a:solidFill>
-          <a:latin typeface="+mn-lt"/>
-          <a:ea typeface="+mn-ea"/>
-          <a:cs typeface="+mn-cs"/>
-        </a:defRPr>
-      </a:lvl5pPr>
-      <a:lvl6pPr marL="2514600" indent="-228600" algn="l" defTabSz="914400" rtl="0" eaLnBrk="1" latinLnBrk="0" hangingPunct="1">
-        <a:lnSpc>
-          <a:spcPct val="90000"/>
-        </a:lnSpc>
-        <a:spcBef>
-          <a:spcPts val="500"/>
-        </a:spcBef>
-        <a:buFont typeface="Arial" panose="020B0604020202020204" pitchFamily="34" charset="0"/>
-        <a:buChar char="•"/>
-        <a:defRPr sz="1800" kern="1200">
-          <a:solidFill>
-            <a:schemeClr val="tx1"/>
-          </a:solidFill>
-          <a:latin typeface="+mn-lt"/>
-          <a:ea typeface="+mn-ea"/>
-          <a:cs typeface="+mn-cs"/>
-        </a:defRPr>
-      </a:lvl6pPr>
-      <a:lvl7pPr marL="2971800" indent="-228600" algn="l" defTabSz="914400" rtl="0" eaLnBrk="1" latinLnBrk="0" hangingPunct="1">
-        <a:lnSpc>
-          <a:spcPct val="90000"/>
-        </a:lnSpc>
-        <a:spcBef>
-          <a:spcPts val="500"/>
-        </a:spcBef>
-        <a:buFont typeface="Arial" panose="020B0604020202020204" pitchFamily="34" charset="0"/>
-        <a:buChar char="•"/>
-        <a:defRPr sz="1800" kern="1200">
-          <a:solidFill>
-            <a:schemeClr val="tx1"/>
-          </a:solidFill>
-          <a:latin typeface="+mn-lt"/>
-          <a:ea typeface="+mn-ea"/>
-          <a:cs typeface="+mn-cs"/>
-        </a:defRPr>
-      </a:lvl7pPr>
-      <a:lvl8pPr marL="3429000" indent="-228600" algn="l" defTabSz="914400" rtl="0" eaLnBrk="1" latinLnBrk="0" hangingPunct="1">
-        <a:lnSpc>
-          <a:spcPct val="90000"/>
-        </a:lnSpc>
-        <a:spcBef>
-          <a:spcPts val="500"/>
-        </a:spcBef>
-        <a:buFont typeface="Arial" panose="020B0604020202020204" pitchFamily="34" charset="0"/>
-        <a:buChar char="•"/>
-        <a:defRPr sz="1800" kern="1200">
-          <a:solidFill>
-            <a:schemeClr val="tx1"/>
-          </a:solidFill>
-          <a:latin typeface="+mn-lt"/>
-          <a:ea typeface="+mn-ea"/>
-          <a:cs typeface="+mn-cs"/>
-        </a:defRPr>
-      </a:lvl8pPr>
-      <a:lvl9pPr marL="3886200" indent="-228600" algn="l" defTabSz="914400" rtl="0" eaLnBrk="1" latinLnBrk="0" hangingPunct="1">
-        <a:lnSpc>
-          <a:spcPct val="90000"/>
-        </a:lnSpc>
-        <a:spcBef>
-          <a:spcPts val="500"/>
-        </a:spcBef>
-        <a:buFont typeface="Arial" panose="020B0604020202020204" pitchFamily="34" charset="0"/>
-        <a:buChar char="•"/>
-        <a:defRPr sz="1800" kern="1200">
-          <a:solidFill>
-            <a:schemeClr val="tx1"/>
-          </a:solidFill>
-          <a:latin typeface="+mn-lt"/>
-          <a:ea typeface="+mn-ea"/>
-          <a:cs typeface="+mn-cs"/>
-        </a:defRPr>
-      </a:lvl9pPr>
-    </p:bodyStyle>
-    <p:otherStyle>
-      <a:defPPr>
-        <a:defRPr lang="fr-FR"/>
-      </a:defPPr>
-      <a:lvl1pPr marL="0" algn="l" defTabSz="914400" rtl="0" eaLnBrk="1" latinLnBrk="0" hangingPunct="1">
-        <a:defRPr sz="1800" kern="1200">
-          <a:solidFill>
-            <a:schemeClr val="tx1"/>
-          </a:solidFill>
-          <a:latin typeface="+mn-lt"/>
-          <a:ea typeface="+mn-ea"/>
-          <a:cs typeface="+mn-cs"/>
-        </a:defRPr>
-      </a:lvl1pPr>
-      <a:lvl2pPr marL="457200" algn="l" defTabSz="914400" rtl="0" eaLnBrk="1" latinLnBrk="0" hangingPunct="1">
-        <a:defRPr sz="1800" kern="1200">
-          <a:solidFill>
-            <a:schemeClr val="tx1"/>
-          </a:solidFill>
-          <a:latin typeface="+mn-lt"/>
-          <a:ea typeface="+mn-ea"/>
-          <a:cs typeface="+mn-cs"/>
-        </a:defRPr>
-      </a:lvl2pPr>
-      <a:lvl3pPr marL="914400" algn="l" defTabSz="914400" rtl="0" eaLnBrk="1" latinLnBrk="0" hangingPunct="1">
-        <a:defRPr sz="1800" kern="1200">
-          <a:solidFill>
-            <a:schemeClr val="tx1"/>
-          </a:solidFill>
-          <a:latin typeface="+mn-lt"/>
-          <a:ea typeface="+mn-ea"/>
-          <a:cs typeface="+mn-cs"/>
-        </a:defRPr>
-      </a:lvl3pPr>
-      <a:lvl4pPr marL="1371600" algn="l" defTabSz="914400" rtl="0" eaLnBrk="1" latinLnBrk="0" hangingPunct="1">
-        <a:defRPr sz="1800" kern="1200">
-          <a:solidFill>
-            <a:schemeClr val="tx1"/>
-          </a:solidFill>
-          <a:latin typeface="+mn-lt"/>
-          <a:ea typeface="+mn-ea"/>
-          <a:cs typeface="+mn-cs"/>
-        </a:defRPr>
-      </a:lvl4pPr>
-      <a:lvl5pPr marL="1828800" algn="l" defTabSz="914400" rtl="0" eaLnBrk="1" latinLnBrk="0" hangingPunct="1">
-        <a:defRPr sz="1800" kern="1200">
-          <a:solidFill>
-            <a:schemeClr val="tx1"/>
-          </a:solidFill>
-          <a:latin typeface="+mn-lt"/>
-          <a:ea typeface="+mn-ea"/>
-          <a:cs typeface="+mn-cs"/>
-        </a:defRPr>
-      </a:lvl5pPr>
-      <a:lvl6pPr marL="2286000" algn="l" defTabSz="914400" rtl="0" eaLnBrk="1" latinLnBrk="0" hangingPunct="1">
-        <a:defRPr sz="1800" kern="1200">
-          <a:solidFill>
-            <a:schemeClr val="tx1"/>
-          </a:solidFill>
-          <a:latin typeface="+mn-lt"/>
-          <a:ea typeface="+mn-ea"/>
-          <a:cs typeface="+mn-cs"/>
-        </a:defRPr>
-      </a:lvl6pPr>
-      <a:lvl7pPr marL="2743200" algn="l" defTabSz="914400" rtl="0" eaLnBrk="1" latinLnBrk="0" hangingPunct="1">
-        <a:defRPr sz="1800" kern="1200">
-          <a:solidFill>
-            <a:schemeClr val="tx1"/>
-          </a:solidFill>
-          <a:latin typeface="+mn-lt"/>
-          <a:ea typeface="+mn-ea"/>
-          <a:cs typeface="+mn-cs"/>
-        </a:defRPr>
-      </a:lvl7pPr>
-      <a:lvl8pPr marL="3200400" algn="l" defTabSz="914400" rtl="0" eaLnBrk="1" latinLnBrk="0" hangingPunct="1">
-        <a:defRPr sz="1800" kern="1200">
-          <a:solidFill>
-            <a:schemeClr val="tx1"/>
-          </a:solidFill>
-          <a:latin typeface="+mn-lt"/>
-          <a:ea typeface="+mn-ea"/>
-          <a:cs typeface="+mn-cs"/>
-        </a:defRPr>
-      </a:lvl8pPr>
-      <a:lvl9pPr marL="3657600" algn="l" defTabSz="914400" rtl="0" eaLnBrk="1" latinLnBrk="0" hangingPunct="1">
-        <a:defRPr sz="1800" kern="1200">
-          <a:solidFill>
-            <a:schemeClr val="tx1"/>
-          </a:solidFill>
-          <a:latin typeface="+mn-lt"/>
-          <a:ea typeface="+mn-ea"/>
-          <a:cs typeface="+mn-cs"/>
-        </a:defRPr>
-      </a:lvl9pPr>
-    </p:otherStyle>
-  </p:txStyles>
-</p:sldMaster>
-</file>
-
-<file path=ppt/slideMasters/slideMaster2.xml><?xml version="1.0" encoding="utf-8"?>
-<p:sldMaster xmlns:a="http://schemas.openxmlformats.org/drawingml/2006/main" xmlns:r="http://schemas.openxmlformats.org/officeDocument/2006/relationships" xmlns:p="http://schemas.openxmlformats.org/presentationml/2006/main">
-  <p:cSld>
-    <p:bg>
-      <p:bgPr>
-        <a:solidFill>
-          <a:srgbClr val="FFFFFF"/>
-        </a:solidFill>
-        <a:effectLst/>
-      </p:bgPr>
-    </p:bg>
-    <p:spTree>
-      <p:nvGrpSpPr>
-        <p:cNvPr id="1" name=""/>
-        <p:cNvGrpSpPr/>
-        <p:nvPr/>
-      </p:nvGrpSpPr>
-      <p:grpSpPr>
-        <a:xfrm>
-          <a:off x="0" y="0"/>
-          <a:ext cx="0" cy="0"/>
-          <a:chOff x="0" y="0"/>
-          <a:chExt cx="0" cy="0"/>
-        </a:xfrm>
-      </p:grpSpPr>
-      <p:sp>
-        <p:nvSpPr>
           <p:cNvPr id="41" name="PlaceHolder 1"/>
           <p:cNvSpPr>
             <a:spLocks noGrp="1"/>
@@ -4095,7 +1894,7 @@
                 </a:solidFill>
                 <a:latin typeface="Calibri"/>
               </a:rPr>
-              <a:t>28/01/2019</a:t>
+              <a:t>29/01/2019</a:t>
             </a:fld>
             <a:endParaRPr lang="fr-FR" sz="1200" b="0" strike="noStrike" spc="-1">
               <a:latin typeface="Times New Roman"/>
@@ -4836,36 +2635,6 @@
           <a:chExt cx="0" cy="0"/>
         </a:xfrm>
       </p:grpSpPr>
-      <p:pic>
-        <p:nvPicPr>
-          <p:cNvPr id="9" name="Image 8">
-            <a:extLst>
-              <a:ext uri="{FF2B5EF4-FFF2-40B4-BE49-F238E27FC236}">
-                <a16:creationId xmlns:a16="http://schemas.microsoft.com/office/drawing/2014/main" id="{A94D3568-DE33-47A3-8009-78B6DDB7CAD6}"/>
-              </a:ext>
-            </a:extLst>
-          </p:cNvPr>
-          <p:cNvPicPr>
-            <a:picLocks noChangeAspect="1"/>
-          </p:cNvPicPr>
-          <p:nvPr/>
-        </p:nvPicPr>
-        <p:blipFill>
-          <a:blip r:embed="rId2"/>
-          <a:stretch>
-            <a:fillRect/>
-          </a:stretch>
-        </p:blipFill>
-        <p:spPr>
-          <a:xfrm>
-            <a:off x="-6967" y="1724400"/>
-            <a:ext cx="12189007" cy="4569480"/>
-          </a:xfrm>
-          <a:prstGeom prst="rect">
-            <a:avLst/>
-          </a:prstGeom>
-        </p:spPr>
-      </p:pic>
       <p:sp>
         <p:nvSpPr>
           <p:cNvPr id="89" name="CustomShape 1"/>
@@ -4952,8 +2721,8 @@
         </p:nvSpPr>
         <p:spPr>
           <a:xfrm>
-            <a:off x="829916" y="2592744"/>
-            <a:ext cx="10515240" cy="2832791"/>
+            <a:off x="838080" y="1724400"/>
+            <a:ext cx="10515240" cy="4395240"/>
           </a:xfrm>
           <a:prstGeom prst="rect">
             <a:avLst/>
@@ -4981,14 +2750,20 @@
               <a:buChar char="q"/>
             </a:pPr>
             <a:r>
-              <a:rPr lang="fr-FR" sz="4400" b="0" strike="noStrike" spc="-1" dirty="0">
+              <a:rPr lang="fr-FR" sz="3200" spc="-1" dirty="0">
                 <a:solidFill>
                   <a:srgbClr val="000000"/>
                 </a:solidFill>
                 <a:latin typeface="Calibri"/>
               </a:rPr>
-              <a:t>Présentation des flashcards</a:t>
+              <a:t>Concept des flashcards</a:t>
             </a:r>
+            <a:endParaRPr lang="fr-FR" sz="3200" b="0" strike="noStrike" spc="-1" dirty="0">
+              <a:solidFill>
+                <a:srgbClr val="000000"/>
+              </a:solidFill>
+              <a:latin typeface="Calibri"/>
+            </a:endParaRPr>
           </a:p>
           <a:p>
             <a:pPr marL="571860" indent="-571500">
@@ -5005,7 +2780,7 @@
               <a:buChar char="q"/>
             </a:pPr>
             <a:r>
-              <a:rPr lang="fr-FR" sz="4400" b="0" strike="noStrike" spc="-1" dirty="0">
+              <a:rPr lang="fr-FR" sz="3200" b="0" strike="noStrike" spc="-1" dirty="0">
                 <a:solidFill>
                   <a:srgbClr val="000000"/>
                 </a:solidFill>
@@ -5029,20 +2804,14 @@
               <a:buChar char="q"/>
             </a:pPr>
             <a:r>
-              <a:rPr lang="fr-FR" sz="4400" spc="-1" dirty="0">
+              <a:rPr lang="fr-FR" sz="3200" b="0" strike="noStrike" spc="-1" dirty="0">
                 <a:solidFill>
                   <a:srgbClr val="000000"/>
                 </a:solidFill>
                 <a:latin typeface="Calibri"/>
               </a:rPr>
-              <a:t>Outils utilisés</a:t>
+              <a:t>MCD (Modèle conceptuel de données)</a:t>
             </a:r>
-            <a:endParaRPr lang="fr-FR" sz="4400" b="0" strike="noStrike" spc="-1" dirty="0">
-              <a:solidFill>
-                <a:srgbClr val="000000"/>
-              </a:solidFill>
-              <a:latin typeface="Calibri"/>
-            </a:endParaRPr>
           </a:p>
           <a:p>
             <a:pPr marL="571860" indent="-571500">
@@ -5059,7 +2828,61 @@
               <a:buChar char="q"/>
             </a:pPr>
             <a:r>
-              <a:rPr lang="fr-FR" sz="4400" b="0" strike="noStrike" spc="-1" dirty="0">
+              <a:rPr lang="fr-FR" sz="3200" b="0" strike="noStrike" spc="-1" dirty="0">
+                <a:solidFill>
+                  <a:srgbClr val="000000"/>
+                </a:solidFill>
+                <a:latin typeface="Calibri"/>
+              </a:rPr>
+              <a:t>Différentes fonctionnalités</a:t>
+            </a:r>
+            <a:endParaRPr lang="fr-FR" sz="3200" spc="-1" dirty="0">
+              <a:solidFill>
+                <a:srgbClr val="000000"/>
+              </a:solidFill>
+              <a:latin typeface="Calibri"/>
+            </a:endParaRPr>
+          </a:p>
+          <a:p>
+            <a:pPr marL="571860" indent="-571500">
+              <a:lnSpc>
+                <a:spcPct val="90000"/>
+              </a:lnSpc>
+              <a:spcBef>
+                <a:spcPts val="1001"/>
+              </a:spcBef>
+              <a:buClr>
+                <a:srgbClr val="000000"/>
+              </a:buClr>
+              <a:buFont typeface="Wingdings" panose="05000000000000000000" pitchFamily="2" charset="2"/>
+              <a:buChar char="q"/>
+            </a:pPr>
+            <a:r>
+              <a:rPr lang="fr-FR" sz="3200" spc="-1" dirty="0">
+                <a:solidFill>
+                  <a:srgbClr val="000000"/>
+                </a:solidFill>
+                <a:latin typeface="Calibri"/>
+              </a:rPr>
+              <a:t>Outils utilisés</a:t>
+            </a:r>
+          </a:p>
+          <a:p>
+            <a:pPr marL="571860" indent="-571500">
+              <a:lnSpc>
+                <a:spcPct val="90000"/>
+              </a:lnSpc>
+              <a:spcBef>
+                <a:spcPts val="1001"/>
+              </a:spcBef>
+              <a:buClr>
+                <a:srgbClr val="000000"/>
+              </a:buClr>
+              <a:buFont typeface="Wingdings" panose="05000000000000000000" pitchFamily="2" charset="2"/>
+              <a:buChar char="q"/>
+            </a:pPr>
+            <a:r>
+              <a:rPr lang="fr-FR" sz="3200" b="0" strike="noStrike" spc="-1" dirty="0">
                 <a:solidFill>
                   <a:srgbClr val="000000"/>
                 </a:solidFill>
@@ -5067,6 +2890,36 @@
               </a:rPr>
               <a:t>Démonstration du site</a:t>
             </a:r>
+          </a:p>
+          <a:p>
+            <a:pPr marL="571860" indent="-571500">
+              <a:lnSpc>
+                <a:spcPct val="90000"/>
+              </a:lnSpc>
+              <a:spcBef>
+                <a:spcPts val="1001"/>
+              </a:spcBef>
+              <a:buClr>
+                <a:srgbClr val="000000"/>
+              </a:buClr>
+              <a:buFont typeface="Wingdings" panose="05000000000000000000" pitchFamily="2" charset="2"/>
+              <a:buChar char="q"/>
+            </a:pPr>
+            <a:r>
+              <a:rPr lang="fr-FR" sz="3200" spc="-1" dirty="0">
+                <a:solidFill>
+                  <a:srgbClr val="000000"/>
+                </a:solidFill>
+                <a:latin typeface="Calibri"/>
+              </a:rPr>
+              <a:t>Evolutions possibles</a:t>
+            </a:r>
+            <a:endParaRPr lang="fr-FR" sz="3200" b="0" strike="noStrike" spc="-1" dirty="0">
+              <a:solidFill>
+                <a:srgbClr val="000000"/>
+              </a:solidFill>
+              <a:latin typeface="Calibri"/>
+            </a:endParaRPr>
           </a:p>
           <a:p>
             <a:pPr>
@@ -5077,7 +2930,7 @@
                 <a:spcPts val="1001"/>
               </a:spcBef>
             </a:pPr>
-            <a:endParaRPr lang="fr-FR" sz="4400" b="0" strike="noStrike" spc="-1" dirty="0">
+            <a:endParaRPr lang="fr-FR" sz="3200" b="0" strike="noStrike" spc="-1" dirty="0">
               <a:solidFill>
                 <a:srgbClr val="000000"/>
               </a:solidFill>
@@ -5095,7 +2948,7 @@
               <a:buFont typeface="Wingdings" panose="05000000000000000000" pitchFamily="2" charset="2"/>
               <a:buChar char="q"/>
             </a:pPr>
-            <a:endParaRPr lang="fr-FR" sz="4400" b="0" strike="noStrike" spc="-1" dirty="0">
+            <a:endParaRPr lang="fr-FR" sz="3200" b="0" strike="noStrike" spc="-1" dirty="0">
               <a:solidFill>
                 <a:srgbClr val="000000"/>
               </a:solidFill>
@@ -5157,7 +3010,7 @@
           <p:nvPr/>
         </p:nvPicPr>
         <p:blipFill>
-          <a:blip r:embed="rId3"/>
+          <a:blip r:embed="rId2"/>
           <a:stretch/>
         </p:blipFill>
         <p:spPr>
@@ -5175,10 +3028,10 @@
       </p:pic>
       <p:pic>
         <p:nvPicPr>
-          <p:cNvPr id="5" name="Graphique 4" descr="Enseignant">
+          <p:cNvPr id="7" name="Graphique 6" descr="Enseignant">
             <a:extLst>
               <a:ext uri="{FF2B5EF4-FFF2-40B4-BE49-F238E27FC236}">
-                <a16:creationId xmlns:a16="http://schemas.microsoft.com/office/drawing/2014/main" id="{D9D7BA67-4D12-45BA-81F5-48BF861C1C30}"/>
+                <a16:creationId xmlns:a16="http://schemas.microsoft.com/office/drawing/2014/main" id="{8A0846A3-A392-4B82-AF45-4C3F262731D5}"/>
               </a:ext>
             </a:extLst>
           </p:cNvPr>
@@ -5188,13 +3041,13 @@
           <p:nvPr/>
         </p:nvPicPr>
         <p:blipFill>
-          <a:blip r:embed="rId4">
+          <a:blip r:embed="rId3">
             <a:extLst>
               <a:ext uri="{28A0092B-C50C-407E-A947-70E740481C1C}">
                 <a14:useLocalDpi xmlns:a14="http://schemas.microsoft.com/office/drawing/2010/main" val="0"/>
               </a:ext>
               <a:ext uri="{96DAC541-7B7A-43D3-8B79-37D633B846F1}">
-                <asvg:svgBlip xmlns:asvg="http://schemas.microsoft.com/office/drawing/2016/SVG/main" r:embed="rId5"/>
+                <asvg:svgBlip xmlns:asvg="http://schemas.microsoft.com/office/drawing/2016/SVG/main" r:embed="rId4"/>
               </a:ext>
             </a:extLst>
           </a:blip>
@@ -5267,36 +3120,6 @@
           <a:chExt cx="0" cy="0"/>
         </a:xfrm>
       </p:grpSpPr>
-      <p:pic>
-        <p:nvPicPr>
-          <p:cNvPr id="9" name="Image 8">
-            <a:extLst>
-              <a:ext uri="{FF2B5EF4-FFF2-40B4-BE49-F238E27FC236}">
-                <a16:creationId xmlns:a16="http://schemas.microsoft.com/office/drawing/2014/main" id="{A94D3568-DE33-47A3-8009-78B6DDB7CAD6}"/>
-              </a:ext>
-            </a:extLst>
-          </p:cNvPr>
-          <p:cNvPicPr>
-            <a:picLocks noChangeAspect="1"/>
-          </p:cNvPicPr>
-          <p:nvPr/>
-        </p:nvPicPr>
-        <p:blipFill>
-          <a:blip r:embed="rId2"/>
-          <a:stretch>
-            <a:fillRect/>
-          </a:stretch>
-        </p:blipFill>
-        <p:spPr>
-          <a:xfrm>
-            <a:off x="-6967" y="1724400"/>
-            <a:ext cx="12189007" cy="4569480"/>
-          </a:xfrm>
-          <a:prstGeom prst="rect">
-            <a:avLst/>
-          </a:prstGeom>
-        </p:spPr>
-      </p:pic>
       <p:sp>
         <p:nvSpPr>
           <p:cNvPr id="89" name="CustomShape 1"/>
@@ -5404,22 +3227,22 @@
               </a:lnSpc>
             </a:pPr>
             <a:r>
-              <a:rPr lang="fr-FR" sz="4400" b="1" strike="noStrike" spc="-1" dirty="0">
-                <a:solidFill>
-                  <a:srgbClr val="000000"/>
-                </a:solidFill>
-                <a:latin typeface="Calibri Light"/>
-              </a:rPr>
-              <a:t>Présentation des flashc</a:t>
-            </a:r>
-            <a:r>
               <a:rPr lang="fr-FR" sz="4400" b="1" spc="-1" dirty="0">
                 <a:solidFill>
                   <a:srgbClr val="000000"/>
                 </a:solidFill>
                 <a:latin typeface="Calibri Light"/>
               </a:rPr>
-              <a:t>ards</a:t>
+              <a:t>Concept des flash </a:t>
+            </a:r>
+            <a:r>
+              <a:rPr lang="fr-FR" sz="4400" b="1" spc="-1" dirty="0" err="1">
+                <a:solidFill>
+                  <a:srgbClr val="000000"/>
+                </a:solidFill>
+                <a:latin typeface="Calibri Light"/>
+              </a:rPr>
+              <a:t>cards</a:t>
             </a:r>
             <a:endParaRPr lang="fr-FR" sz="4400" b="0" strike="noStrike" spc="-1" dirty="0">
               <a:solidFill>
@@ -5437,7 +3260,7 @@
           <p:nvPr/>
         </p:nvPicPr>
         <p:blipFill>
-          <a:blip r:embed="rId3"/>
+          <a:blip r:embed="rId2"/>
           <a:stretch/>
         </p:blipFill>
         <p:spPr>
@@ -5455,10 +3278,10 @@
       </p:pic>
       <p:pic>
         <p:nvPicPr>
-          <p:cNvPr id="10" name="Image 9">
+          <p:cNvPr id="8" name="Image 7">
             <a:extLst>
               <a:ext uri="{FF2B5EF4-FFF2-40B4-BE49-F238E27FC236}">
-                <a16:creationId xmlns:a16="http://schemas.microsoft.com/office/drawing/2014/main" id="{C6FFF71B-F106-4D6B-92BB-DF8A67380548}"/>
+                <a16:creationId xmlns:a16="http://schemas.microsoft.com/office/drawing/2014/main" id="{4AD03A0D-A1A5-4695-9FFC-6757658FC6F9}"/>
               </a:ext>
             </a:extLst>
           </p:cNvPr>
@@ -5468,7 +3291,7 @@
           <p:nvPr/>
         </p:nvPicPr>
         <p:blipFill>
-          <a:blip r:embed="rId4">
+          <a:blip r:embed="rId3">
             <a:extLst>
               <a:ext uri="{28A0092B-C50C-407E-A947-70E740481C1C}">
                 <a14:useLocalDpi xmlns:a14="http://schemas.microsoft.com/office/drawing/2010/main" val="0"/>
@@ -5481,8 +3304,8 @@
         </p:blipFill>
         <p:spPr>
           <a:xfrm>
-            <a:off x="-6967" y="1998719"/>
-            <a:ext cx="12198967" cy="3833961"/>
+            <a:off x="1843378" y="2460713"/>
+            <a:ext cx="8504644" cy="2672888"/>
           </a:xfrm>
           <a:prstGeom prst="rect">
             <a:avLst/>
@@ -5492,7 +3315,7 @@
     </p:spTree>
     <p:extLst>
       <p:ext uri="{BB962C8B-B14F-4D97-AF65-F5344CB8AC3E}">
-        <p14:creationId xmlns:p14="http://schemas.microsoft.com/office/powerpoint/2010/main" val="3215640893"/>
+        <p14:creationId xmlns:p14="http://schemas.microsoft.com/office/powerpoint/2010/main" val="3004479353"/>
       </p:ext>
     </p:extLst>
   </p:cSld>
@@ -5549,36 +3372,6 @@
           <a:chExt cx="0" cy="0"/>
         </a:xfrm>
       </p:grpSpPr>
-      <p:pic>
-        <p:nvPicPr>
-          <p:cNvPr id="8" name="Image 7">
-            <a:extLst>
-              <a:ext uri="{FF2B5EF4-FFF2-40B4-BE49-F238E27FC236}">
-                <a16:creationId xmlns:a16="http://schemas.microsoft.com/office/drawing/2014/main" id="{75F56856-5748-4B24-A94E-CBCC67247C9C}"/>
-              </a:ext>
-            </a:extLst>
-          </p:cNvPr>
-          <p:cNvPicPr>
-            <a:picLocks noChangeAspect="1"/>
-          </p:cNvPicPr>
-          <p:nvPr/>
-        </p:nvPicPr>
-        <p:blipFill>
-          <a:blip r:embed="rId2"/>
-          <a:stretch>
-            <a:fillRect/>
-          </a:stretch>
-        </p:blipFill>
-        <p:spPr>
-          <a:xfrm>
-            <a:off x="-6967" y="1724400"/>
-            <a:ext cx="12189007" cy="4569480"/>
-          </a:xfrm>
-          <a:prstGeom prst="rect">
-            <a:avLst/>
-          </a:prstGeom>
-        </p:spPr>
-      </p:pic>
       <p:sp>
         <p:nvSpPr>
           <p:cNvPr id="94" name="CustomShape 1"/>
@@ -5700,7 +3493,7 @@
               </a:lnSpc>
             </a:pPr>
             <a:r>
-              <a:rPr lang="fr-FR" sz="4400" b="1" strike="noStrike" spc="-1" dirty="0">
+              <a:rPr lang="fr-FR" sz="4400" b="1" strike="noStrike" spc="-1">
                 <a:solidFill>
                   <a:srgbClr val="000000"/>
                 </a:solidFill>
@@ -5708,7 +3501,7 @@
               </a:rPr>
               <a:t>Objectifs du projet</a:t>
             </a:r>
-            <a:endParaRPr lang="fr-FR" sz="4400" b="0" strike="noStrike" spc="-1" dirty="0">
+            <a:endParaRPr lang="fr-FR" sz="4400" b="0" strike="noStrike" spc="-1">
               <a:latin typeface="Arial"/>
             </a:endParaRPr>
           </a:p>
@@ -5723,7 +3516,7 @@
         <p:spPr>
           <a:xfrm>
             <a:off x="0" y="1724400"/>
-            <a:ext cx="12192000" cy="4323240"/>
+            <a:ext cx="12115800" cy="4323240"/>
           </a:xfrm>
           <a:prstGeom prst="rect">
             <a:avLst/>
@@ -5910,10 +3703,33 @@
       </p:sp>
       <p:pic>
         <p:nvPicPr>
+          <p:cNvPr id="98" name="Image 11"/>
+          <p:cNvPicPr/>
+          <p:nvPr/>
+        </p:nvPicPr>
+        <p:blipFill>
+          <a:blip r:embed="rId2"/>
+          <a:stretch/>
+        </p:blipFill>
+        <p:spPr>
+          <a:xfrm>
+            <a:off x="10107720" y="6285960"/>
+            <a:ext cx="1938240" cy="497520"/>
+          </a:xfrm>
+          <a:prstGeom prst="rect">
+            <a:avLst/>
+          </a:prstGeom>
+          <a:ln>
+            <a:noFill/>
+          </a:ln>
+        </p:spPr>
+      </p:pic>
+      <p:pic>
+        <p:nvPicPr>
           <p:cNvPr id="7" name="Graphique 6" descr="Centre de cible">
             <a:extLst>
               <a:ext uri="{FF2B5EF4-FFF2-40B4-BE49-F238E27FC236}">
-                <a16:creationId xmlns:a16="http://schemas.microsoft.com/office/drawing/2014/main" id="{44F7BB8A-1FE8-4149-904A-204274B3D5C3}"/>
+                <a16:creationId xmlns:a16="http://schemas.microsoft.com/office/drawing/2014/main" id="{39474764-E119-4E24-8CB5-D09CD2674149}"/>
               </a:ext>
             </a:extLst>
           </p:cNvPr>
@@ -5945,35 +3761,6 @@
           <a:prstGeom prst="rect">
             <a:avLst/>
           </a:prstGeom>
-        </p:spPr>
-      </p:pic>
-      <p:pic>
-        <p:nvPicPr>
-          <p:cNvPr id="10" name="Image 12">
-            <a:extLst>
-              <a:ext uri="{FF2B5EF4-FFF2-40B4-BE49-F238E27FC236}">
-                <a16:creationId xmlns:a16="http://schemas.microsoft.com/office/drawing/2014/main" id="{047FE2FF-C58E-48FD-BEE8-FA6072EEB012}"/>
-              </a:ext>
-            </a:extLst>
-          </p:cNvPr>
-          <p:cNvPicPr/>
-          <p:nvPr/>
-        </p:nvPicPr>
-        <p:blipFill>
-          <a:blip r:embed="rId5"/>
-          <a:stretch/>
-        </p:blipFill>
-        <p:spPr>
-          <a:xfrm>
-            <a:off x="10153800" y="6291720"/>
-            <a:ext cx="1938240" cy="497520"/>
-          </a:xfrm>
-          <a:prstGeom prst="rect">
-            <a:avLst/>
-          </a:prstGeom>
-          <a:ln>
-            <a:noFill/>
-          </a:ln>
         </p:spPr>
       </p:pic>
     </p:spTree>
@@ -6031,46 +3818,16 @@
           <a:chExt cx="0" cy="0"/>
         </a:xfrm>
       </p:grpSpPr>
-      <p:pic>
-        <p:nvPicPr>
-          <p:cNvPr id="7" name="Image 6">
-            <a:extLst>
-              <a:ext uri="{FF2B5EF4-FFF2-40B4-BE49-F238E27FC236}">
-                <a16:creationId xmlns:a16="http://schemas.microsoft.com/office/drawing/2014/main" id="{1A056EA6-4D8B-4A11-912A-3A37FBD39C7B}"/>
-              </a:ext>
-            </a:extLst>
-          </p:cNvPr>
-          <p:cNvPicPr>
-            <a:picLocks noChangeAspect="1"/>
-          </p:cNvPicPr>
-          <p:nvPr/>
-        </p:nvPicPr>
-        <p:blipFill>
-          <a:blip r:embed="rId2"/>
-          <a:stretch>
-            <a:fillRect/>
-          </a:stretch>
-        </p:blipFill>
-        <p:spPr>
-          <a:xfrm>
-            <a:off x="-8464" y="1724400"/>
-            <a:ext cx="12189007" cy="4323240"/>
-          </a:xfrm>
-          <a:prstGeom prst="rect">
-            <a:avLst/>
-          </a:prstGeom>
-        </p:spPr>
-      </p:pic>
-      <p:sp>
-        <p:nvSpPr>
-          <p:cNvPr id="114" name="CustomShape 1"/>
+      <p:sp>
+        <p:nvSpPr>
+          <p:cNvPr id="107" name="CustomShape 3"/>
           <p:cNvSpPr/>
           <p:nvPr/>
         </p:nvSpPr>
         <p:spPr>
           <a:xfrm flipH="1" flipV="1">
-            <a:off x="0" y="6047640"/>
-            <a:ext cx="12191760" cy="899640"/>
+            <a:off x="360" y="5957280"/>
+            <a:ext cx="12191760" cy="900360"/>
           </a:xfrm>
           <a:prstGeom prst="rect">
             <a:avLst/>
@@ -6102,7 +3859,7 @@
       </p:sp>
       <p:sp>
         <p:nvSpPr>
-          <p:cNvPr id="115" name="CustomShape 2"/>
+          <p:cNvPr id="104" name="CustomShape 1"/>
           <p:cNvSpPr/>
           <p:nvPr/>
         </p:nvSpPr>
@@ -6138,23 +3895,10 @@
           </a:effectRef>
           <a:fontRef idx="minor"/>
         </p:style>
-        <p:txBody>
-          <a:bodyPr/>
-          <a:lstStyle/>
-          <a:p>
-            <a:endParaRPr lang="fr-FR" dirty="0"/>
-          </a:p>
-        </p:txBody>
-      </p:sp>
-      <p:sp>
-        <p:nvSpPr>
-          <p:cNvPr id="14" name="CustomShape 3">
-            <a:extLst>
-              <a:ext uri="{FF2B5EF4-FFF2-40B4-BE49-F238E27FC236}">
-                <a16:creationId xmlns:a16="http://schemas.microsoft.com/office/drawing/2014/main" id="{A018A6DB-178A-4F0E-879F-A32CD8FF989E}"/>
-              </a:ext>
-            </a:extLst>
-          </p:cNvPr>
+      </p:sp>
+      <p:sp>
+        <p:nvSpPr>
+          <p:cNvPr id="105" name="CustomShape 2"/>
           <p:cNvSpPr/>
           <p:nvPr/>
         </p:nvSpPr>
@@ -6195,13 +3939,13 @@
               </a:lnSpc>
             </a:pPr>
             <a:r>
-              <a:rPr lang="fr-FR" sz="4400" b="1" spc="-1" dirty="0">
+              <a:rPr lang="fr-FR" sz="4400" b="1" strike="noStrike" spc="-1" dirty="0">
                 <a:solidFill>
                   <a:srgbClr val="000000"/>
                 </a:solidFill>
                 <a:latin typeface="Calibri Light"/>
               </a:rPr>
-              <a:t>Outils utilisés</a:t>
+              <a:t>MCD (Modèle conceptuel de données)</a:t>
             </a:r>
             <a:endParaRPr lang="fr-FR" sz="4400" b="0" strike="noStrike" spc="-1" dirty="0">
               <a:latin typeface="Arial"/>
@@ -6211,23 +3955,17 @@
       </p:sp>
       <p:pic>
         <p:nvPicPr>
-          <p:cNvPr id="9" name="Image 12">
-            <a:extLst>
-              <a:ext uri="{FF2B5EF4-FFF2-40B4-BE49-F238E27FC236}">
-                <a16:creationId xmlns:a16="http://schemas.microsoft.com/office/drawing/2014/main" id="{C525465B-22E6-4DCD-ABA9-AA798B6D1BE3}"/>
-              </a:ext>
-            </a:extLst>
-          </p:cNvPr>
+          <p:cNvPr id="108" name="Image 11"/>
           <p:cNvPicPr/>
           <p:nvPr/>
         </p:nvPicPr>
         <p:blipFill>
-          <a:blip r:embed="rId3"/>
+          <a:blip r:embed="rId2"/>
           <a:stretch/>
         </p:blipFill>
         <p:spPr>
           <a:xfrm>
-            <a:off x="10153800" y="6291720"/>
+            <a:off x="10157760" y="6198480"/>
             <a:ext cx="1938240" cy="497520"/>
           </a:xfrm>
           <a:prstGeom prst="rect">
@@ -6238,77 +3976,12 @@
           </a:ln>
         </p:spPr>
       </p:pic>
-      <p:sp>
-        <p:nvSpPr>
-          <p:cNvPr id="12" name="TextShape 4">
+      <p:pic>
+        <p:nvPicPr>
+          <p:cNvPr id="6" name="Image 5">
             <a:extLst>
               <a:ext uri="{FF2B5EF4-FFF2-40B4-BE49-F238E27FC236}">
-                <a16:creationId xmlns:a16="http://schemas.microsoft.com/office/drawing/2014/main" id="{4A1E2866-A398-49F9-900B-004111320EF5}"/>
-              </a:ext>
-            </a:extLst>
-          </p:cNvPr>
-          <p:cNvSpPr txBox="1"/>
-          <p:nvPr/>
-        </p:nvSpPr>
-        <p:spPr>
-          <a:xfrm>
-            <a:off x="11458" y="1854318"/>
-            <a:ext cx="12169086" cy="777071"/>
-          </a:xfrm>
-          <a:prstGeom prst="rect">
-            <a:avLst/>
-          </a:prstGeom>
-          <a:noFill/>
-          <a:ln>
-            <a:noFill/>
-          </a:ln>
-        </p:spPr>
-        <p:txBody>
-          <a:bodyPr lIns="90000" tIns="45000" rIns="90000" bIns="45000"/>
-          <a:lstStyle/>
-          <a:p>
-            <a:pPr>
-              <a:buClr>
-                <a:srgbClr val="000000"/>
-              </a:buClr>
-              <a:buSzPct val="45000"/>
-            </a:pPr>
-            <a:r>
-              <a:rPr lang="fr-FR" sz="4400" spc="-1" dirty="0">
-                <a:latin typeface="Arial"/>
-              </a:rPr>
-              <a:t>    </a:t>
-            </a:r>
-            <a:r>
-              <a:rPr lang="fr-FR" sz="4400" b="0" strike="noStrike" spc="-1" dirty="0">
-                <a:latin typeface="Arial"/>
-              </a:rPr>
-              <a:t>Gestion du projet 			  </a:t>
-            </a:r>
-            <a:r>
-              <a:rPr lang="fr-FR" sz="4400" spc="-1" dirty="0"/>
-              <a:t>Technologies</a:t>
-            </a:r>
-          </a:p>
-          <a:p>
-            <a:pPr>
-              <a:buClr>
-                <a:srgbClr val="000000"/>
-              </a:buClr>
-              <a:buSzPct val="45000"/>
-            </a:pPr>
-            <a:endParaRPr lang="fr-FR" sz="4400" b="0" strike="noStrike" spc="-1" dirty="0">
-              <a:latin typeface="Arial"/>
-            </a:endParaRPr>
-          </a:p>
-        </p:txBody>
-      </p:sp>
-      <p:pic>
-        <p:nvPicPr>
-          <p:cNvPr id="5" name="Image 4">
-            <a:extLst>
-              <a:ext uri="{FF2B5EF4-FFF2-40B4-BE49-F238E27FC236}">
-                <a16:creationId xmlns:a16="http://schemas.microsoft.com/office/drawing/2014/main" id="{DEBE286D-E486-41DF-BE04-1B164CC75C13}"/>
+                <a16:creationId xmlns:a16="http://schemas.microsoft.com/office/drawing/2014/main" id="{4ECBF500-4D86-4013-9F7D-666F4DFF050A}"/>
               </a:ext>
             </a:extLst>
           </p:cNvPr>
@@ -6318,7 +3991,7 @@
           <p:nvPr/>
         </p:nvPicPr>
         <p:blipFill>
-          <a:blip r:embed="rId4">
+          <a:blip r:embed="rId3">
             <a:extLst>
               <a:ext uri="{28A0092B-C50C-407E-A947-70E740481C1C}">
                 <a14:useLocalDpi xmlns:a14="http://schemas.microsoft.com/office/drawing/2010/main" val="0"/>
@@ -6331,337 +4004,12 @@
         </p:blipFill>
         <p:spPr>
           <a:xfrm>
-            <a:off x="262824" y="3176107"/>
-            <a:ext cx="2895600" cy="742950"/>
-          </a:xfrm>
-          <a:prstGeom prst="rect">
-            <a:avLst/>
-          </a:prstGeom>
-        </p:spPr>
-      </p:pic>
-      <p:pic>
-        <p:nvPicPr>
-          <p:cNvPr id="1028" name="Picture 4" descr="RÃ©sultat de recherche d'images pour &quot;trello logo&quot;">
-            <a:extLst>
-              <a:ext uri="{FF2B5EF4-FFF2-40B4-BE49-F238E27FC236}">
-                <a16:creationId xmlns:a16="http://schemas.microsoft.com/office/drawing/2014/main" id="{02ABE16C-75A1-4E12-AA7B-E67DBC1B28F0}"/>
-              </a:ext>
-            </a:extLst>
-          </p:cNvPr>
-          <p:cNvPicPr>
-            <a:picLocks noChangeAspect="1" noChangeArrowheads="1"/>
-          </p:cNvPicPr>
-          <p:nvPr/>
-        </p:nvPicPr>
-        <p:blipFill>
-          <a:blip r:embed="rId5">
-            <a:extLst>
-              <a:ext uri="{28A0092B-C50C-407E-A947-70E740481C1C}">
-                <a14:useLocalDpi xmlns:a14="http://schemas.microsoft.com/office/drawing/2010/main" val="0"/>
-              </a:ext>
-            </a:extLst>
-          </a:blip>
-          <a:srcRect/>
-          <a:stretch>
-            <a:fillRect/>
-          </a:stretch>
-        </p:blipFill>
-        <p:spPr bwMode="auto">
-          <a:xfrm>
-            <a:off x="2930385" y="4558108"/>
-            <a:ext cx="2767668" cy="850481"/>
-          </a:xfrm>
-          <a:prstGeom prst="rect">
-            <a:avLst/>
-          </a:prstGeom>
-          <a:noFill/>
-          <a:extLst>
-            <a:ext uri="{909E8E84-426E-40DD-AFC4-6F175D3DCCD1}">
-              <a14:hiddenFill xmlns:a14="http://schemas.microsoft.com/office/drawing/2010/main">
-                <a:solidFill>
-                  <a:srgbClr val="FFFFFF"/>
-                </a:solidFill>
-              </a14:hiddenFill>
-            </a:ext>
-          </a:extLst>
-        </p:spPr>
-      </p:pic>
-      <p:cxnSp>
-        <p:nvCxnSpPr>
-          <p:cNvPr id="13" name="Connecteur droit 12">
-            <a:extLst>
-              <a:ext uri="{FF2B5EF4-FFF2-40B4-BE49-F238E27FC236}">
-                <a16:creationId xmlns:a16="http://schemas.microsoft.com/office/drawing/2014/main" id="{FE13016C-4585-4208-A8C6-7B4BC58D51F6}"/>
-              </a:ext>
-            </a:extLst>
-          </p:cNvPr>
-          <p:cNvCxnSpPr>
-            <a:stCxn id="12" idx="2"/>
-          </p:cNvCxnSpPr>
-          <p:nvPr/>
-        </p:nvCxnSpPr>
-        <p:spPr>
-          <a:xfrm flipH="1">
-            <a:off x="6096000" y="2631389"/>
-            <a:ext cx="1" cy="3096080"/>
-          </a:xfrm>
-          <a:prstGeom prst="line">
-            <a:avLst/>
-          </a:prstGeom>
-          <a:ln>
-            <a:solidFill>
-              <a:schemeClr val="tx1"/>
-            </a:solidFill>
-          </a:ln>
-        </p:spPr>
-        <p:style>
-          <a:lnRef idx="1">
-            <a:schemeClr val="dk1"/>
-          </a:lnRef>
-          <a:fillRef idx="0">
-            <a:schemeClr val="dk1"/>
-          </a:fillRef>
-          <a:effectRef idx="0">
-            <a:schemeClr val="dk1"/>
-          </a:effectRef>
-          <a:fontRef idx="minor">
-            <a:schemeClr val="tx1"/>
-          </a:fontRef>
-        </p:style>
-      </p:cxnSp>
-      <p:pic>
-        <p:nvPicPr>
-          <p:cNvPr id="1030" name="Picture 6" descr="RÃ©sultat de recherche d'images pour &quot;php&quot;">
-            <a:extLst>
-              <a:ext uri="{FF2B5EF4-FFF2-40B4-BE49-F238E27FC236}">
-                <a16:creationId xmlns:a16="http://schemas.microsoft.com/office/drawing/2014/main" id="{ECF539ED-C701-4F39-B04C-3908C597B815}"/>
-              </a:ext>
-            </a:extLst>
-          </p:cNvPr>
-          <p:cNvPicPr>
-            <a:picLocks noChangeAspect="1" noChangeArrowheads="1"/>
-          </p:cNvPicPr>
-          <p:nvPr/>
-        </p:nvPicPr>
-        <p:blipFill>
-          <a:blip r:embed="rId6">
-            <a:extLst>
-              <a:ext uri="{28A0092B-C50C-407E-A947-70E740481C1C}">
-                <a14:useLocalDpi xmlns:a14="http://schemas.microsoft.com/office/drawing/2010/main" val="0"/>
-              </a:ext>
-            </a:extLst>
-          </a:blip>
-          <a:srcRect/>
-          <a:stretch>
-            <a:fillRect/>
-          </a:stretch>
-        </p:blipFill>
-        <p:spPr bwMode="auto">
-          <a:xfrm>
-            <a:off x="8673355" y="3919057"/>
-            <a:ext cx="1355646" cy="732049"/>
-          </a:xfrm>
-          <a:prstGeom prst="rect">
-            <a:avLst/>
-          </a:prstGeom>
-          <a:noFill/>
-          <a:extLst>
-            <a:ext uri="{909E8E84-426E-40DD-AFC4-6F175D3DCCD1}">
-              <a14:hiddenFill xmlns:a14="http://schemas.microsoft.com/office/drawing/2010/main">
-                <a:solidFill>
-                  <a:srgbClr val="FFFFFF"/>
-                </a:solidFill>
-              </a14:hiddenFill>
-            </a:ext>
-          </a:extLst>
-        </p:spPr>
-      </p:pic>
-      <p:pic>
-        <p:nvPicPr>
-          <p:cNvPr id="1032" name="Picture 8" descr="RÃ©sultat de recherche d'images pour &quot;mysql&quot;">
-            <a:extLst>
-              <a:ext uri="{FF2B5EF4-FFF2-40B4-BE49-F238E27FC236}">
-                <a16:creationId xmlns:a16="http://schemas.microsoft.com/office/drawing/2014/main" id="{95AC936F-ADC7-41B8-92BB-411D9751066D}"/>
-              </a:ext>
-            </a:extLst>
-          </p:cNvPr>
-          <p:cNvPicPr>
-            <a:picLocks noChangeAspect="1" noChangeArrowheads="1"/>
-          </p:cNvPicPr>
-          <p:nvPr/>
-        </p:nvPicPr>
-        <p:blipFill>
-          <a:blip r:embed="rId7">
-            <a:extLst>
-              <a:ext uri="{28A0092B-C50C-407E-A947-70E740481C1C}">
-                <a14:useLocalDpi xmlns:a14="http://schemas.microsoft.com/office/drawing/2010/main" val="0"/>
-              </a:ext>
-            </a:extLst>
-          </a:blip>
-          <a:srcRect/>
-          <a:stretch>
-            <a:fillRect/>
-          </a:stretch>
-        </p:blipFill>
-        <p:spPr bwMode="auto">
-          <a:xfrm>
-            <a:off x="10236289" y="2762070"/>
-            <a:ext cx="1603643" cy="829888"/>
-          </a:xfrm>
-          <a:prstGeom prst="rect">
-            <a:avLst/>
-          </a:prstGeom>
-          <a:noFill/>
-          <a:extLst>
-            <a:ext uri="{909E8E84-426E-40DD-AFC4-6F175D3DCCD1}">
-              <a14:hiddenFill xmlns:a14="http://schemas.microsoft.com/office/drawing/2010/main">
-                <a:solidFill>
-                  <a:srgbClr val="FFFFFF"/>
-                </a:solidFill>
-              </a14:hiddenFill>
-            </a:ext>
-          </a:extLst>
-        </p:spPr>
-      </p:pic>
-      <p:pic>
-        <p:nvPicPr>
-          <p:cNvPr id="1034" name="Picture 10" descr="RÃ©sultat de recherche d'images pour &quot;javascript&quot;">
-            <a:extLst>
-              <a:ext uri="{FF2B5EF4-FFF2-40B4-BE49-F238E27FC236}">
-                <a16:creationId xmlns:a16="http://schemas.microsoft.com/office/drawing/2014/main" id="{4F4E85AE-4FAC-4638-854F-78EA1A39451F}"/>
-              </a:ext>
-            </a:extLst>
-          </p:cNvPr>
-          <p:cNvPicPr>
-            <a:picLocks noChangeAspect="1" noChangeArrowheads="1"/>
-          </p:cNvPicPr>
-          <p:nvPr/>
-        </p:nvPicPr>
-        <p:blipFill>
-          <a:blip r:embed="rId8">
-            <a:extLst>
-              <a:ext uri="{28A0092B-C50C-407E-A947-70E740481C1C}">
-                <a14:useLocalDpi xmlns:a14="http://schemas.microsoft.com/office/drawing/2010/main" val="0"/>
-              </a:ext>
-            </a:extLst>
-          </a:blip>
-          <a:srcRect/>
-          <a:stretch>
-            <a:fillRect/>
-          </a:stretch>
-        </p:blipFill>
-        <p:spPr bwMode="auto">
-          <a:xfrm>
-            <a:off x="6951949" y="2674896"/>
-            <a:ext cx="829887" cy="829887"/>
-          </a:xfrm>
-          <a:prstGeom prst="rect">
-            <a:avLst/>
-          </a:prstGeom>
-          <a:noFill/>
-          <a:extLst>
-            <a:ext uri="{909E8E84-426E-40DD-AFC4-6F175D3DCCD1}">
-              <a14:hiddenFill xmlns:a14="http://schemas.microsoft.com/office/drawing/2010/main">
-                <a:solidFill>
-                  <a:srgbClr val="FFFFFF"/>
-                </a:solidFill>
-              </a14:hiddenFill>
-            </a:ext>
-          </a:extLst>
-        </p:spPr>
-      </p:pic>
-      <p:pic>
-        <p:nvPicPr>
-          <p:cNvPr id="1036" name="Picture 12" descr="RÃ©sultat de recherche d'images pour &quot;html&quot;">
-            <a:extLst>
-              <a:ext uri="{FF2B5EF4-FFF2-40B4-BE49-F238E27FC236}">
-                <a16:creationId xmlns:a16="http://schemas.microsoft.com/office/drawing/2014/main" id="{416A4E6A-3F25-4332-80E0-BDDD26FCEEE8}"/>
-              </a:ext>
-            </a:extLst>
-          </p:cNvPr>
-          <p:cNvPicPr>
-            <a:picLocks noChangeAspect="1" noChangeArrowheads="1"/>
-          </p:cNvPicPr>
-          <p:nvPr/>
-        </p:nvPicPr>
-        <p:blipFill>
-          <a:blip r:embed="rId9">
-            <a:extLst>
-              <a:ext uri="{28A0092B-C50C-407E-A947-70E740481C1C}">
-                <a14:useLocalDpi xmlns:a14="http://schemas.microsoft.com/office/drawing/2010/main" val="0"/>
-              </a:ext>
-            </a:extLst>
-          </a:blip>
-          <a:srcRect/>
-          <a:stretch>
-            <a:fillRect/>
-          </a:stretch>
-        </p:blipFill>
-        <p:spPr bwMode="auto">
-          <a:xfrm>
-            <a:off x="10997744" y="4831304"/>
-            <a:ext cx="1094296" cy="1094296"/>
-          </a:xfrm>
-          <a:prstGeom prst="rect">
-            <a:avLst/>
-          </a:prstGeom>
-          <a:noFill/>
-          <a:extLst>
-            <a:ext uri="{909E8E84-426E-40DD-AFC4-6F175D3DCCD1}">
-              <a14:hiddenFill xmlns:a14="http://schemas.microsoft.com/office/drawing/2010/main">
-                <a:solidFill>
-                  <a:srgbClr val="FFFFFF"/>
-                </a:solidFill>
-              </a14:hiddenFill>
-            </a:ext>
-          </a:extLst>
-        </p:spPr>
-      </p:pic>
-      <p:pic>
-        <p:nvPicPr>
-          <p:cNvPr id="1038" name="Picture 14" descr="RÃ©sultat de recherche d'images pour &quot;css&quot;">
-            <a:extLst>
-              <a:ext uri="{FF2B5EF4-FFF2-40B4-BE49-F238E27FC236}">
-                <a16:creationId xmlns:a16="http://schemas.microsoft.com/office/drawing/2014/main" id="{D072646B-B8B0-4C6D-B8CC-70B3F7F7B6CB}"/>
-              </a:ext>
-            </a:extLst>
-          </p:cNvPr>
-          <p:cNvPicPr>
-            <a:picLocks noChangeAspect="1" noChangeArrowheads="1"/>
-          </p:cNvPicPr>
-          <p:nvPr/>
-        </p:nvPicPr>
-        <p:blipFill>
-          <a:blip r:embed="rId10">
-            <a:extLst>
-              <a:ext uri="{28A0092B-C50C-407E-A947-70E740481C1C}">
-                <a14:useLocalDpi xmlns:a14="http://schemas.microsoft.com/office/drawing/2010/main" val="0"/>
-              </a:ext>
-            </a:extLst>
-          </a:blip>
-          <a:srcRect/>
-          <a:stretch>
-            <a:fillRect/>
-          </a:stretch>
-        </p:blipFill>
-        <p:spPr bwMode="auto">
-          <a:xfrm>
-            <a:off x="7018421" y="4651106"/>
-            <a:ext cx="859039" cy="1211969"/>
-          </a:xfrm>
-          <a:prstGeom prst="rect">
-            <a:avLst/>
-          </a:prstGeom>
-          <a:noFill/>
-          <a:extLst>
-            <a:ext uri="{909E8E84-426E-40DD-AFC4-6F175D3DCCD1}">
-              <a14:hiddenFill xmlns:a14="http://schemas.microsoft.com/office/drawing/2010/main">
-                <a:solidFill>
-                  <a:srgbClr val="FFFFFF"/>
-                </a:solidFill>
-              </a14:hiddenFill>
-            </a:ext>
-          </a:extLst>
+            <a:off x="1286391" y="1174271"/>
+            <a:ext cx="9278529" cy="5683369"/>
+          </a:xfrm>
+          <a:prstGeom prst="rect">
+            <a:avLst/>
+          </a:prstGeom>
         </p:spPr>
       </p:pic>
     </p:spTree>
@@ -6719,36 +4067,6 @@
           <a:chExt cx="0" cy="0"/>
         </a:xfrm>
       </p:grpSpPr>
-      <p:pic>
-        <p:nvPicPr>
-          <p:cNvPr id="8" name="Image 7">
-            <a:extLst>
-              <a:ext uri="{FF2B5EF4-FFF2-40B4-BE49-F238E27FC236}">
-                <a16:creationId xmlns:a16="http://schemas.microsoft.com/office/drawing/2014/main" id="{50239648-C0D2-4B7C-A1F3-1A2C0EAC036F}"/>
-              </a:ext>
-            </a:extLst>
-          </p:cNvPr>
-          <p:cNvPicPr>
-            <a:picLocks noChangeAspect="1"/>
-          </p:cNvPicPr>
-          <p:nvPr/>
-        </p:nvPicPr>
-        <p:blipFill>
-          <a:blip r:embed="rId2"/>
-          <a:stretch>
-            <a:fillRect/>
-          </a:stretch>
-        </p:blipFill>
-        <p:spPr>
-          <a:xfrm>
-            <a:off x="-6967" y="1724400"/>
-            <a:ext cx="12189007" cy="4323240"/>
-          </a:xfrm>
-          <a:prstGeom prst="rect">
-            <a:avLst/>
-          </a:prstGeom>
-        </p:spPr>
-      </p:pic>
       <p:sp>
         <p:nvSpPr>
           <p:cNvPr id="109" name="CustomShape 1"/>
@@ -6787,13 +4105,6 @@
           </a:effectRef>
           <a:fontRef idx="minor"/>
         </p:style>
-        <p:txBody>
-          <a:bodyPr/>
-          <a:lstStyle/>
-          <a:p>
-            <a:endParaRPr lang="fr-FR" dirty="0"/>
-          </a:p>
-        </p:txBody>
       </p:sp>
       <p:sp>
         <p:nvSpPr>
@@ -6877,20 +4188,40 @@
               </a:lnSpc>
             </a:pPr>
             <a:r>
-              <a:rPr lang="fr-FR" sz="4400" b="1" spc="-1" dirty="0">
+              <a:rPr lang="fr-FR" sz="4400" b="1" strike="noStrike" spc="-1" dirty="0">
                 <a:solidFill>
                   <a:srgbClr val="000000"/>
                 </a:solidFill>
                 <a:latin typeface="Calibri Light"/>
               </a:rPr>
-              <a:t>Fonctions du site</a:t>
+              <a:t>Différentes fonctionnalités</a:t>
             </a:r>
-            <a:endParaRPr lang="fr-FR" sz="4400" b="0" strike="noStrike" spc="-1" dirty="0">
-              <a:latin typeface="Arial"/>
-            </a:endParaRPr>
           </a:p>
         </p:txBody>
       </p:sp>
+      <p:pic>
+        <p:nvPicPr>
+          <p:cNvPr id="112" name="Image 11"/>
+          <p:cNvPicPr/>
+          <p:nvPr/>
+        </p:nvPicPr>
+        <p:blipFill>
+          <a:blip r:embed="rId2"/>
+          <a:stretch/>
+        </p:blipFill>
+        <p:spPr>
+          <a:xfrm>
+            <a:off x="10064880" y="6201720"/>
+            <a:ext cx="1938240" cy="497520"/>
+          </a:xfrm>
+          <a:prstGeom prst="rect">
+            <a:avLst/>
+          </a:prstGeom>
+          <a:ln>
+            <a:noFill/>
+          </a:ln>
+        </p:spPr>
+      </p:pic>
       <p:sp>
         <p:nvSpPr>
           <p:cNvPr id="113" name="TextShape 4"/>
@@ -6923,7 +4254,7 @@
               <a:buChar char="q"/>
             </a:pPr>
             <a:r>
-              <a:rPr lang="fr-FR" sz="4400" b="0" strike="noStrike" spc="-1" dirty="0">
+              <a:rPr lang="fr-FR" sz="4800" b="0" strike="noStrike" spc="-1" dirty="0">
                 <a:latin typeface="Arial"/>
               </a:rPr>
               <a:t>I. Inscription</a:t>
@@ -6939,7 +4270,7 @@
               <a:buChar char="q"/>
             </a:pPr>
             <a:r>
-              <a:rPr lang="fr-FR" sz="4400" b="0" strike="noStrike" spc="-1" dirty="0">
+              <a:rPr lang="fr-FR" sz="4800" b="0" strike="noStrike" spc="-1" dirty="0">
                 <a:latin typeface="Arial"/>
               </a:rPr>
               <a:t>II. Profil</a:t>
@@ -6955,7 +4286,7 @@
               <a:buChar char="q"/>
             </a:pPr>
             <a:r>
-              <a:rPr lang="fr-FR" sz="4400" b="0" strike="noStrike" spc="-1" dirty="0">
+              <a:rPr lang="fr-FR" sz="4800" b="0" strike="noStrike" spc="-1" dirty="0">
                 <a:latin typeface="Arial"/>
               </a:rPr>
               <a:t>III. Inventaire de deck</a:t>
@@ -6971,7 +4302,7 @@
               <a:buChar char="q"/>
             </a:pPr>
             <a:r>
-              <a:rPr lang="fr-FR" sz="4400" b="0" strike="noStrike" spc="-1" dirty="0">
+              <a:rPr lang="fr-FR" sz="4800" b="0" strike="noStrike" spc="-1" dirty="0">
                 <a:latin typeface="Arial"/>
               </a:rPr>
               <a:t>IV. Forum</a:t>
@@ -6987,26 +4318,23 @@
               <a:buChar char="q"/>
             </a:pPr>
             <a:r>
-              <a:rPr lang="fr-FR" sz="4400" spc="-1" dirty="0">
+              <a:rPr lang="fr-FR" sz="4800" spc="-1" dirty="0">
                 <a:latin typeface="Arial"/>
               </a:rPr>
               <a:t>V. </a:t>
             </a:r>
             <a:r>
-              <a:rPr lang="fr-FR" sz="4400" spc="-1" dirty="0" err="1">
+              <a:rPr lang="fr-FR" sz="4800" spc="-1" dirty="0" err="1">
                 <a:latin typeface="Arial"/>
               </a:rPr>
               <a:t>Cards</a:t>
             </a:r>
             <a:r>
-              <a:rPr lang="fr-FR" sz="4400" spc="-1" dirty="0">
+              <a:rPr lang="fr-FR" sz="4800" spc="-1" dirty="0">
                 <a:latin typeface="Arial"/>
               </a:rPr>
               <a:t> Store</a:t>
             </a:r>
-            <a:endParaRPr lang="fr-FR" sz="4400" b="0" strike="noStrike" spc="-1" dirty="0">
-              <a:latin typeface="Arial"/>
-            </a:endParaRPr>
           </a:p>
           <a:p>
             <a:pPr marL="685800" indent="-685800">
@@ -7018,49 +4346,20 @@
               <a:buChar char="q"/>
             </a:pPr>
             <a:r>
-              <a:rPr lang="fr-FR" sz="4400" b="0" strike="noStrike" spc="-1" dirty="0">
+              <a:rPr lang="fr-FR" sz="4800" spc="-1" dirty="0">
                 <a:latin typeface="Arial"/>
               </a:rPr>
-              <a:t>Algorithme de jeu</a:t>
+              <a:t>Partie 	admin</a:t>
             </a:r>
           </a:p>
         </p:txBody>
       </p:sp>
       <p:pic>
         <p:nvPicPr>
-          <p:cNvPr id="10" name="Image 12">
+          <p:cNvPr id="7" name="Graphique 6" descr="Liste de vérification">
             <a:extLst>
               <a:ext uri="{FF2B5EF4-FFF2-40B4-BE49-F238E27FC236}">
-                <a16:creationId xmlns:a16="http://schemas.microsoft.com/office/drawing/2014/main" id="{84FB0011-4AF7-45E2-AD01-7C9A2C0CCA92}"/>
-              </a:ext>
-            </a:extLst>
-          </p:cNvPr>
-          <p:cNvPicPr/>
-          <p:nvPr/>
-        </p:nvPicPr>
-        <p:blipFill>
-          <a:blip r:embed="rId3"/>
-          <a:stretch/>
-        </p:blipFill>
-        <p:spPr>
-          <a:xfrm>
-            <a:off x="10153800" y="6291720"/>
-            <a:ext cx="1938240" cy="497520"/>
-          </a:xfrm>
-          <a:prstGeom prst="rect">
-            <a:avLst/>
-          </a:prstGeom>
-          <a:ln>
-            <a:noFill/>
-          </a:ln>
-        </p:spPr>
-      </p:pic>
-      <p:pic>
-        <p:nvPicPr>
-          <p:cNvPr id="3" name="Graphique 2" descr="Liste de vérification">
-            <a:extLst>
-              <a:ext uri="{FF2B5EF4-FFF2-40B4-BE49-F238E27FC236}">
-                <a16:creationId xmlns:a16="http://schemas.microsoft.com/office/drawing/2014/main" id="{9C808E2C-52CA-4036-A396-C9D491A87E98}"/>
+                <a16:creationId xmlns:a16="http://schemas.microsoft.com/office/drawing/2014/main" id="{3033DF42-8063-45ED-93C2-112ABDE082DF}"/>
               </a:ext>
             </a:extLst>
           </p:cNvPr>
@@ -7070,13 +4369,13 @@
           <p:nvPr/>
         </p:nvPicPr>
         <p:blipFill>
-          <a:blip r:embed="rId4">
+          <a:blip r:embed="rId3">
             <a:extLst>
               <a:ext uri="{28A0092B-C50C-407E-A947-70E740481C1C}">
                 <a14:useLocalDpi xmlns:a14="http://schemas.microsoft.com/office/drawing/2010/main" val="0"/>
               </a:ext>
               <a:ext uri="{96DAC541-7B7A-43D3-8B79-37D633B846F1}">
-                <asvg:svgBlip xmlns:asvg="http://schemas.microsoft.com/office/drawing/2016/SVG/main" r:embed="rId5"/>
+                <asvg:svgBlip xmlns:asvg="http://schemas.microsoft.com/office/drawing/2016/SVG/main" r:embed="rId4"/>
               </a:ext>
             </a:extLst>
           </a:blip>
@@ -7151,10 +4450,10 @@
       </p:grpSpPr>
       <p:pic>
         <p:nvPicPr>
-          <p:cNvPr id="8" name="Image 7">
+          <p:cNvPr id="7" name="Image 6">
             <a:extLst>
               <a:ext uri="{FF2B5EF4-FFF2-40B4-BE49-F238E27FC236}">
-                <a16:creationId xmlns:a16="http://schemas.microsoft.com/office/drawing/2014/main" id="{BDF6DAFE-D26A-4CC8-A799-FC0CE34D8166}"/>
+                <a16:creationId xmlns:a16="http://schemas.microsoft.com/office/drawing/2014/main" id="{1A056EA6-4D8B-4A11-912A-3A37FBD39C7B}"/>
               </a:ext>
             </a:extLst>
           </p:cNvPr>
@@ -7171,7 +4470,7 @@
         </p:blipFill>
         <p:spPr>
           <a:xfrm>
-            <a:off x="-6967" y="1724400"/>
+            <a:off x="-8464" y="1724400"/>
             <a:ext cx="12189007" cy="4323240"/>
           </a:xfrm>
           <a:prstGeom prst="rect">
@@ -7181,7 +4480,7 @@
       </p:pic>
       <p:sp>
         <p:nvSpPr>
-          <p:cNvPr id="122" name="CustomShape 1"/>
+          <p:cNvPr id="114" name="CustomShape 1"/>
           <p:cNvSpPr/>
           <p:nvPr/>
         </p:nvSpPr>
@@ -7220,7 +4519,7 @@
       </p:sp>
       <p:sp>
         <p:nvSpPr>
-          <p:cNvPr id="123" name="CustomShape 2"/>
+          <p:cNvPr id="115" name="CustomShape 2"/>
           <p:cNvSpPr/>
           <p:nvPr/>
         </p:nvSpPr>
@@ -7256,10 +4555,23 @@
           </a:effectRef>
           <a:fontRef idx="minor"/>
         </p:style>
-      </p:sp>
-      <p:sp>
-        <p:nvSpPr>
-          <p:cNvPr id="124" name="CustomShape 3"/>
+        <p:txBody>
+          <a:bodyPr/>
+          <a:lstStyle/>
+          <a:p>
+            <a:endParaRPr lang="fr-FR" dirty="0"/>
+          </a:p>
+        </p:txBody>
+      </p:sp>
+      <p:sp>
+        <p:nvSpPr>
+          <p:cNvPr id="14" name="CustomShape 3">
+            <a:extLst>
+              <a:ext uri="{FF2B5EF4-FFF2-40B4-BE49-F238E27FC236}">
+                <a16:creationId xmlns:a16="http://schemas.microsoft.com/office/drawing/2014/main" id="{A018A6DB-178A-4F0E-879F-A32CD8FF989E}"/>
+              </a:ext>
+            </a:extLst>
+          </p:cNvPr>
           <p:cNvSpPr/>
           <p:nvPr/>
         </p:nvSpPr>
@@ -7300,13 +4612,13 @@
               </a:lnSpc>
             </a:pPr>
             <a:r>
-              <a:rPr lang="fr-FR" sz="4400" b="1" strike="noStrike" spc="-1" dirty="0">
+              <a:rPr lang="fr-FR" sz="4400" b="1" spc="-1" dirty="0">
                 <a:solidFill>
                   <a:srgbClr val="000000"/>
                 </a:solidFill>
                 <a:latin typeface="Calibri Light"/>
               </a:rPr>
-              <a:t>Démonstration du site</a:t>
+              <a:t>Outils utilisés</a:t>
             </a:r>
             <a:endParaRPr lang="fr-FR" sz="4400" b="0" strike="noStrike" spc="-1" dirty="0">
               <a:latin typeface="Arial"/>
@@ -7316,10 +4628,104 @@
       </p:sp>
       <p:pic>
         <p:nvPicPr>
-          <p:cNvPr id="2" name="Image 1">
+          <p:cNvPr id="9" name="Image 12">
             <a:extLst>
               <a:ext uri="{FF2B5EF4-FFF2-40B4-BE49-F238E27FC236}">
-                <a16:creationId xmlns:a16="http://schemas.microsoft.com/office/drawing/2014/main" id="{C9274AC7-D411-455C-9681-1B9A86ADC904}"/>
+                <a16:creationId xmlns:a16="http://schemas.microsoft.com/office/drawing/2014/main" id="{C525465B-22E6-4DCD-ABA9-AA798B6D1BE3}"/>
+              </a:ext>
+            </a:extLst>
+          </p:cNvPr>
+          <p:cNvPicPr/>
+          <p:nvPr/>
+        </p:nvPicPr>
+        <p:blipFill>
+          <a:blip r:embed="rId3"/>
+          <a:stretch/>
+        </p:blipFill>
+        <p:spPr>
+          <a:xfrm>
+            <a:off x="10153800" y="6291720"/>
+            <a:ext cx="1938240" cy="497520"/>
+          </a:xfrm>
+          <a:prstGeom prst="rect">
+            <a:avLst/>
+          </a:prstGeom>
+          <a:ln>
+            <a:noFill/>
+          </a:ln>
+        </p:spPr>
+      </p:pic>
+      <p:sp>
+        <p:nvSpPr>
+          <p:cNvPr id="12" name="TextShape 4">
+            <a:extLst>
+              <a:ext uri="{FF2B5EF4-FFF2-40B4-BE49-F238E27FC236}">
+                <a16:creationId xmlns:a16="http://schemas.microsoft.com/office/drawing/2014/main" id="{4A1E2866-A398-49F9-900B-004111320EF5}"/>
+              </a:ext>
+            </a:extLst>
+          </p:cNvPr>
+          <p:cNvSpPr txBox="1"/>
+          <p:nvPr/>
+        </p:nvSpPr>
+        <p:spPr>
+          <a:xfrm>
+            <a:off x="11458" y="1854318"/>
+            <a:ext cx="12169086" cy="777071"/>
+          </a:xfrm>
+          <a:prstGeom prst="rect">
+            <a:avLst/>
+          </a:prstGeom>
+          <a:noFill/>
+          <a:ln>
+            <a:noFill/>
+          </a:ln>
+        </p:spPr>
+        <p:txBody>
+          <a:bodyPr lIns="90000" tIns="45000" rIns="90000" bIns="45000"/>
+          <a:lstStyle/>
+          <a:p>
+            <a:pPr>
+              <a:buClr>
+                <a:srgbClr val="000000"/>
+              </a:buClr>
+              <a:buSzPct val="45000"/>
+            </a:pPr>
+            <a:r>
+              <a:rPr lang="fr-FR" sz="4400" spc="-1" dirty="0">
+                <a:latin typeface="Arial"/>
+              </a:rPr>
+              <a:t>    </a:t>
+            </a:r>
+            <a:r>
+              <a:rPr lang="fr-FR" sz="4400" b="0" strike="noStrike" spc="-1" dirty="0">
+                <a:latin typeface="Arial"/>
+              </a:rPr>
+              <a:t>Gestion du projet 			  </a:t>
+            </a:r>
+            <a:r>
+              <a:rPr lang="fr-FR" sz="4400" spc="-1" dirty="0"/>
+              <a:t>Technologies</a:t>
+            </a:r>
+          </a:p>
+          <a:p>
+            <a:pPr>
+              <a:buClr>
+                <a:srgbClr val="000000"/>
+              </a:buClr>
+              <a:buSzPct val="45000"/>
+            </a:pPr>
+            <a:endParaRPr lang="fr-FR" sz="4400" b="0" strike="noStrike" spc="-1" dirty="0">
+              <a:latin typeface="Arial"/>
+            </a:endParaRPr>
+          </a:p>
+        </p:txBody>
+      </p:sp>
+      <p:pic>
+        <p:nvPicPr>
+          <p:cNvPr id="5" name="Image 4">
+            <a:extLst>
+              <a:ext uri="{FF2B5EF4-FFF2-40B4-BE49-F238E27FC236}">
+                <a16:creationId xmlns:a16="http://schemas.microsoft.com/office/drawing/2014/main" id="{DEBE286D-E486-41DF-BE04-1B164CC75C13}"/>
               </a:ext>
             </a:extLst>
           </p:cNvPr>
@@ -7329,15 +4735,21 @@
           <p:nvPr/>
         </p:nvPicPr>
         <p:blipFill>
-          <a:blip r:embed="rId3"/>
+          <a:blip r:embed="rId4">
+            <a:extLst>
+              <a:ext uri="{28A0092B-C50C-407E-A947-70E740481C1C}">
+                <a14:useLocalDpi xmlns:a14="http://schemas.microsoft.com/office/drawing/2010/main" val="0"/>
+              </a:ext>
+            </a:extLst>
+          </a:blip>
           <a:stretch>
             <a:fillRect/>
           </a:stretch>
         </p:blipFill>
         <p:spPr>
           <a:xfrm>
-            <a:off x="994224" y="1724401"/>
-            <a:ext cx="7685758" cy="4323239"/>
+            <a:off x="262824" y="3176107"/>
+            <a:ext cx="2895600" cy="742950"/>
           </a:xfrm>
           <a:prstGeom prst="rect">
             <a:avLst/>
@@ -7346,44 +4758,15 @@
       </p:pic>
       <p:pic>
         <p:nvPicPr>
-          <p:cNvPr id="9" name="Image 12">
+          <p:cNvPr id="1028" name="Picture 4" descr="RÃ©sultat de recherche d'images pour &quot;trello logo&quot;">
             <a:extLst>
               <a:ext uri="{FF2B5EF4-FFF2-40B4-BE49-F238E27FC236}">
-                <a16:creationId xmlns:a16="http://schemas.microsoft.com/office/drawing/2014/main" id="{3F27531E-73BB-43CF-99CF-7ED0B66E92F6}"/>
-              </a:ext>
-            </a:extLst>
-          </p:cNvPr>
-          <p:cNvPicPr/>
-          <p:nvPr/>
-        </p:nvPicPr>
-        <p:blipFill>
-          <a:blip r:embed="rId4"/>
-          <a:stretch/>
-        </p:blipFill>
-        <p:spPr>
-          <a:xfrm>
-            <a:off x="10153800" y="6291720"/>
-            <a:ext cx="1938240" cy="497520"/>
-          </a:xfrm>
-          <a:prstGeom prst="rect">
-            <a:avLst/>
-          </a:prstGeom>
-          <a:ln>
-            <a:noFill/>
-          </a:ln>
-        </p:spPr>
-      </p:pic>
-      <p:pic>
-        <p:nvPicPr>
-          <p:cNvPr id="4" name="Graphique 3" descr="Télévision">
-            <a:extLst>
-              <a:ext uri="{FF2B5EF4-FFF2-40B4-BE49-F238E27FC236}">
-                <a16:creationId xmlns:a16="http://schemas.microsoft.com/office/drawing/2014/main" id="{0ADCD81B-08D8-4925-A71B-E7324CDAA7F5}"/>
+                <a16:creationId xmlns:a16="http://schemas.microsoft.com/office/drawing/2014/main" id="{02ABE16C-75A1-4E12-AA7B-E67DBC1B28F0}"/>
               </a:ext>
             </a:extLst>
           </p:cNvPr>
           <p:cNvPicPr>
-            <a:picLocks noChangeAspect="1"/>
+            <a:picLocks noChangeAspect="1" noChangeArrowheads="1"/>
           </p:cNvPicPr>
           <p:nvPr/>
         </p:nvPicPr>
@@ -7393,23 +4776,309 @@
               <a:ext uri="{28A0092B-C50C-407E-A947-70E740481C1C}">
                 <a14:useLocalDpi xmlns:a14="http://schemas.microsoft.com/office/drawing/2010/main" val="0"/>
               </a:ext>
-              <a:ext uri="{96DAC541-7B7A-43D3-8B79-37D633B846F1}">
-                <asvg:svgBlip xmlns:asvg="http://schemas.microsoft.com/office/drawing/2016/SVG/main" r:embed="rId6"/>
-              </a:ext>
             </a:extLst>
           </a:blip>
+          <a:srcRect/>
           <a:stretch>
             <a:fillRect/>
           </a:stretch>
         </p:blipFill>
-        <p:spPr>
-          <a:xfrm>
-            <a:off x="10564920" y="1724399"/>
-            <a:ext cx="1617119" cy="1617119"/>
-          </a:xfrm>
-          <a:prstGeom prst="rect">
-            <a:avLst/>
-          </a:prstGeom>
+        <p:spPr bwMode="auto">
+          <a:xfrm>
+            <a:off x="2930385" y="4558108"/>
+            <a:ext cx="2767668" cy="850481"/>
+          </a:xfrm>
+          <a:prstGeom prst="rect">
+            <a:avLst/>
+          </a:prstGeom>
+          <a:noFill/>
+          <a:extLst>
+            <a:ext uri="{909E8E84-426E-40DD-AFC4-6F175D3DCCD1}">
+              <a14:hiddenFill xmlns:a14="http://schemas.microsoft.com/office/drawing/2010/main">
+                <a:solidFill>
+                  <a:srgbClr val="FFFFFF"/>
+                </a:solidFill>
+              </a14:hiddenFill>
+            </a:ext>
+          </a:extLst>
+        </p:spPr>
+      </p:pic>
+      <p:cxnSp>
+        <p:nvCxnSpPr>
+          <p:cNvPr id="13" name="Connecteur droit 12">
+            <a:extLst>
+              <a:ext uri="{FF2B5EF4-FFF2-40B4-BE49-F238E27FC236}">
+                <a16:creationId xmlns:a16="http://schemas.microsoft.com/office/drawing/2014/main" id="{FE13016C-4585-4208-A8C6-7B4BC58D51F6}"/>
+              </a:ext>
+            </a:extLst>
+          </p:cNvPr>
+          <p:cNvCxnSpPr>
+            <a:stCxn id="12" idx="2"/>
+          </p:cNvCxnSpPr>
+          <p:nvPr/>
+        </p:nvCxnSpPr>
+        <p:spPr>
+          <a:xfrm flipH="1">
+            <a:off x="6096000" y="2631389"/>
+            <a:ext cx="1" cy="3096080"/>
+          </a:xfrm>
+          <a:prstGeom prst="line">
+            <a:avLst/>
+          </a:prstGeom>
+          <a:ln>
+            <a:solidFill>
+              <a:schemeClr val="tx1"/>
+            </a:solidFill>
+          </a:ln>
+        </p:spPr>
+        <p:style>
+          <a:lnRef idx="1">
+            <a:schemeClr val="dk1"/>
+          </a:lnRef>
+          <a:fillRef idx="0">
+            <a:schemeClr val="dk1"/>
+          </a:fillRef>
+          <a:effectRef idx="0">
+            <a:schemeClr val="dk1"/>
+          </a:effectRef>
+          <a:fontRef idx="minor">
+            <a:schemeClr val="tx1"/>
+          </a:fontRef>
+        </p:style>
+      </p:cxnSp>
+      <p:pic>
+        <p:nvPicPr>
+          <p:cNvPr id="1030" name="Picture 6" descr="RÃ©sultat de recherche d'images pour &quot;php&quot;">
+            <a:extLst>
+              <a:ext uri="{FF2B5EF4-FFF2-40B4-BE49-F238E27FC236}">
+                <a16:creationId xmlns:a16="http://schemas.microsoft.com/office/drawing/2014/main" id="{ECF539ED-C701-4F39-B04C-3908C597B815}"/>
+              </a:ext>
+            </a:extLst>
+          </p:cNvPr>
+          <p:cNvPicPr>
+            <a:picLocks noChangeAspect="1" noChangeArrowheads="1"/>
+          </p:cNvPicPr>
+          <p:nvPr/>
+        </p:nvPicPr>
+        <p:blipFill>
+          <a:blip r:embed="rId6">
+            <a:extLst>
+              <a:ext uri="{28A0092B-C50C-407E-A947-70E740481C1C}">
+                <a14:useLocalDpi xmlns:a14="http://schemas.microsoft.com/office/drawing/2010/main" val="0"/>
+              </a:ext>
+            </a:extLst>
+          </a:blip>
+          <a:srcRect/>
+          <a:stretch>
+            <a:fillRect/>
+          </a:stretch>
+        </p:blipFill>
+        <p:spPr bwMode="auto">
+          <a:xfrm>
+            <a:off x="8673355" y="3919057"/>
+            <a:ext cx="1355646" cy="732049"/>
+          </a:xfrm>
+          <a:prstGeom prst="rect">
+            <a:avLst/>
+          </a:prstGeom>
+          <a:noFill/>
+          <a:extLst>
+            <a:ext uri="{909E8E84-426E-40DD-AFC4-6F175D3DCCD1}">
+              <a14:hiddenFill xmlns:a14="http://schemas.microsoft.com/office/drawing/2010/main">
+                <a:solidFill>
+                  <a:srgbClr val="FFFFFF"/>
+                </a:solidFill>
+              </a14:hiddenFill>
+            </a:ext>
+          </a:extLst>
+        </p:spPr>
+      </p:pic>
+      <p:pic>
+        <p:nvPicPr>
+          <p:cNvPr id="1032" name="Picture 8" descr="RÃ©sultat de recherche d'images pour &quot;mysql&quot;">
+            <a:extLst>
+              <a:ext uri="{FF2B5EF4-FFF2-40B4-BE49-F238E27FC236}">
+                <a16:creationId xmlns:a16="http://schemas.microsoft.com/office/drawing/2014/main" id="{95AC936F-ADC7-41B8-92BB-411D9751066D}"/>
+              </a:ext>
+            </a:extLst>
+          </p:cNvPr>
+          <p:cNvPicPr>
+            <a:picLocks noChangeAspect="1" noChangeArrowheads="1"/>
+          </p:cNvPicPr>
+          <p:nvPr/>
+        </p:nvPicPr>
+        <p:blipFill>
+          <a:blip r:embed="rId7">
+            <a:extLst>
+              <a:ext uri="{28A0092B-C50C-407E-A947-70E740481C1C}">
+                <a14:useLocalDpi xmlns:a14="http://schemas.microsoft.com/office/drawing/2010/main" val="0"/>
+              </a:ext>
+            </a:extLst>
+          </a:blip>
+          <a:srcRect/>
+          <a:stretch>
+            <a:fillRect/>
+          </a:stretch>
+        </p:blipFill>
+        <p:spPr bwMode="auto">
+          <a:xfrm>
+            <a:off x="10236289" y="2762070"/>
+            <a:ext cx="1603643" cy="829888"/>
+          </a:xfrm>
+          <a:prstGeom prst="rect">
+            <a:avLst/>
+          </a:prstGeom>
+          <a:noFill/>
+          <a:extLst>
+            <a:ext uri="{909E8E84-426E-40DD-AFC4-6F175D3DCCD1}">
+              <a14:hiddenFill xmlns:a14="http://schemas.microsoft.com/office/drawing/2010/main">
+                <a:solidFill>
+                  <a:srgbClr val="FFFFFF"/>
+                </a:solidFill>
+              </a14:hiddenFill>
+            </a:ext>
+          </a:extLst>
+        </p:spPr>
+      </p:pic>
+      <p:pic>
+        <p:nvPicPr>
+          <p:cNvPr id="1034" name="Picture 10" descr="RÃ©sultat de recherche d'images pour &quot;javascript&quot;">
+            <a:extLst>
+              <a:ext uri="{FF2B5EF4-FFF2-40B4-BE49-F238E27FC236}">
+                <a16:creationId xmlns:a16="http://schemas.microsoft.com/office/drawing/2014/main" id="{4F4E85AE-4FAC-4638-854F-78EA1A39451F}"/>
+              </a:ext>
+            </a:extLst>
+          </p:cNvPr>
+          <p:cNvPicPr>
+            <a:picLocks noChangeAspect="1" noChangeArrowheads="1"/>
+          </p:cNvPicPr>
+          <p:nvPr/>
+        </p:nvPicPr>
+        <p:blipFill>
+          <a:blip r:embed="rId8">
+            <a:extLst>
+              <a:ext uri="{28A0092B-C50C-407E-A947-70E740481C1C}">
+                <a14:useLocalDpi xmlns:a14="http://schemas.microsoft.com/office/drawing/2010/main" val="0"/>
+              </a:ext>
+            </a:extLst>
+          </a:blip>
+          <a:srcRect/>
+          <a:stretch>
+            <a:fillRect/>
+          </a:stretch>
+        </p:blipFill>
+        <p:spPr bwMode="auto">
+          <a:xfrm>
+            <a:off x="6951949" y="2674896"/>
+            <a:ext cx="829887" cy="829887"/>
+          </a:xfrm>
+          <a:prstGeom prst="rect">
+            <a:avLst/>
+          </a:prstGeom>
+          <a:noFill/>
+          <a:extLst>
+            <a:ext uri="{909E8E84-426E-40DD-AFC4-6F175D3DCCD1}">
+              <a14:hiddenFill xmlns:a14="http://schemas.microsoft.com/office/drawing/2010/main">
+                <a:solidFill>
+                  <a:srgbClr val="FFFFFF"/>
+                </a:solidFill>
+              </a14:hiddenFill>
+            </a:ext>
+          </a:extLst>
+        </p:spPr>
+      </p:pic>
+      <p:pic>
+        <p:nvPicPr>
+          <p:cNvPr id="1036" name="Picture 12" descr="RÃ©sultat de recherche d'images pour &quot;html&quot;">
+            <a:extLst>
+              <a:ext uri="{FF2B5EF4-FFF2-40B4-BE49-F238E27FC236}">
+                <a16:creationId xmlns:a16="http://schemas.microsoft.com/office/drawing/2014/main" id="{416A4E6A-3F25-4332-80E0-BDDD26FCEEE8}"/>
+              </a:ext>
+            </a:extLst>
+          </p:cNvPr>
+          <p:cNvPicPr>
+            <a:picLocks noChangeAspect="1" noChangeArrowheads="1"/>
+          </p:cNvPicPr>
+          <p:nvPr/>
+        </p:nvPicPr>
+        <p:blipFill>
+          <a:blip r:embed="rId9">
+            <a:extLst>
+              <a:ext uri="{28A0092B-C50C-407E-A947-70E740481C1C}">
+                <a14:useLocalDpi xmlns:a14="http://schemas.microsoft.com/office/drawing/2010/main" val="0"/>
+              </a:ext>
+            </a:extLst>
+          </a:blip>
+          <a:srcRect/>
+          <a:stretch>
+            <a:fillRect/>
+          </a:stretch>
+        </p:blipFill>
+        <p:spPr bwMode="auto">
+          <a:xfrm>
+            <a:off x="10997744" y="4831304"/>
+            <a:ext cx="1094296" cy="1094296"/>
+          </a:xfrm>
+          <a:prstGeom prst="rect">
+            <a:avLst/>
+          </a:prstGeom>
+          <a:noFill/>
+          <a:extLst>
+            <a:ext uri="{909E8E84-426E-40DD-AFC4-6F175D3DCCD1}">
+              <a14:hiddenFill xmlns:a14="http://schemas.microsoft.com/office/drawing/2010/main">
+                <a:solidFill>
+                  <a:srgbClr val="FFFFFF"/>
+                </a:solidFill>
+              </a14:hiddenFill>
+            </a:ext>
+          </a:extLst>
+        </p:spPr>
+      </p:pic>
+      <p:pic>
+        <p:nvPicPr>
+          <p:cNvPr id="1038" name="Picture 14" descr="RÃ©sultat de recherche d'images pour &quot;css&quot;">
+            <a:extLst>
+              <a:ext uri="{FF2B5EF4-FFF2-40B4-BE49-F238E27FC236}">
+                <a16:creationId xmlns:a16="http://schemas.microsoft.com/office/drawing/2014/main" id="{D072646B-B8B0-4C6D-B8CC-70B3F7F7B6CB}"/>
+              </a:ext>
+            </a:extLst>
+          </p:cNvPr>
+          <p:cNvPicPr>
+            <a:picLocks noChangeAspect="1" noChangeArrowheads="1"/>
+          </p:cNvPicPr>
+          <p:nvPr/>
+        </p:nvPicPr>
+        <p:blipFill>
+          <a:blip r:embed="rId10">
+            <a:extLst>
+              <a:ext uri="{28A0092B-C50C-407E-A947-70E740481C1C}">
+                <a14:useLocalDpi xmlns:a14="http://schemas.microsoft.com/office/drawing/2010/main" val="0"/>
+              </a:ext>
+            </a:extLst>
+          </a:blip>
+          <a:srcRect/>
+          <a:stretch>
+            <a:fillRect/>
+          </a:stretch>
+        </p:blipFill>
+        <p:spPr bwMode="auto">
+          <a:xfrm>
+            <a:off x="7018421" y="4651106"/>
+            <a:ext cx="859039" cy="1211969"/>
+          </a:xfrm>
+          <a:prstGeom prst="rect">
+            <a:avLst/>
+          </a:prstGeom>
+          <a:noFill/>
+          <a:extLst>
+            <a:ext uri="{909E8E84-426E-40DD-AFC4-6F175D3DCCD1}">
+              <a14:hiddenFill xmlns:a14="http://schemas.microsoft.com/office/drawing/2010/main">
+                <a:solidFill>
+                  <a:srgbClr val="FFFFFF"/>
+                </a:solidFill>
+              </a14:hiddenFill>
+            </a:ext>
+          </a:extLst>
         </p:spPr>
       </p:pic>
     </p:spTree>
@@ -7467,46 +5136,16 @@
           <a:chExt cx="0" cy="0"/>
         </a:xfrm>
       </p:grpSpPr>
-      <p:pic>
-        <p:nvPicPr>
-          <p:cNvPr id="7" name="Image 6">
-            <a:extLst>
-              <a:ext uri="{FF2B5EF4-FFF2-40B4-BE49-F238E27FC236}">
-                <a16:creationId xmlns:a16="http://schemas.microsoft.com/office/drawing/2014/main" id="{65907812-D476-4D3F-A318-AEE3F83498ED}"/>
-              </a:ext>
-            </a:extLst>
-          </p:cNvPr>
-          <p:cNvPicPr>
-            <a:picLocks noChangeAspect="1"/>
-          </p:cNvPicPr>
-          <p:nvPr/>
-        </p:nvPicPr>
-        <p:blipFill>
-          <a:blip r:embed="rId2"/>
-          <a:stretch>
-            <a:fillRect/>
-          </a:stretch>
-        </p:blipFill>
-        <p:spPr>
-          <a:xfrm>
-            <a:off x="-6967" y="1724400"/>
-            <a:ext cx="12189007" cy="4323240"/>
-          </a:xfrm>
-          <a:prstGeom prst="rect">
-            <a:avLst/>
-          </a:prstGeom>
-        </p:spPr>
-      </p:pic>
-      <p:sp>
-        <p:nvSpPr>
-          <p:cNvPr id="127" name="CustomShape 1"/>
+      <p:sp>
+        <p:nvSpPr>
+          <p:cNvPr id="122" name="CustomShape 1"/>
           <p:cNvSpPr/>
           <p:nvPr/>
         </p:nvSpPr>
         <p:spPr>
           <a:xfrm flipH="1" flipV="1">
-            <a:off x="0" y="6047640"/>
-            <a:ext cx="12191760" cy="898920"/>
+            <a:off x="0" y="5634360"/>
+            <a:ext cx="12191760" cy="1312920"/>
           </a:xfrm>
           <a:prstGeom prst="rect">
             <a:avLst/>
@@ -7538,7 +5177,7 @@
       </p:sp>
       <p:sp>
         <p:nvSpPr>
-          <p:cNvPr id="128" name="CustomShape 2"/>
+          <p:cNvPr id="123" name="CustomShape 2"/>
           <p:cNvSpPr/>
           <p:nvPr/>
         </p:nvSpPr>
@@ -7577,7 +5216,7 @@
       </p:sp>
       <p:sp>
         <p:nvSpPr>
-          <p:cNvPr id="129" name="CustomShape 3"/>
+          <p:cNvPr id="124" name="CustomShape 3"/>
           <p:cNvSpPr/>
           <p:nvPr/>
         </p:nvSpPr>
@@ -7624,6 +5263,249 @@
                 </a:solidFill>
                 <a:latin typeface="Calibri Light"/>
               </a:rPr>
+              <a:t>Démonstration du site</a:t>
+            </a:r>
+            <a:endParaRPr lang="fr-FR" sz="4400" b="0" strike="noStrike" spc="-1" dirty="0">
+              <a:latin typeface="Arial"/>
+            </a:endParaRPr>
+          </a:p>
+        </p:txBody>
+      </p:sp>
+      <p:pic>
+        <p:nvPicPr>
+          <p:cNvPr id="126" name="Image 11"/>
+          <p:cNvPicPr/>
+          <p:nvPr/>
+        </p:nvPicPr>
+        <p:blipFill>
+          <a:blip r:embed="rId2"/>
+          <a:stretch/>
+        </p:blipFill>
+        <p:spPr>
+          <a:xfrm>
+            <a:off x="9976320" y="6177600"/>
+            <a:ext cx="1938240" cy="497520"/>
+          </a:xfrm>
+          <a:prstGeom prst="rect">
+            <a:avLst/>
+          </a:prstGeom>
+          <a:ln>
+            <a:noFill/>
+          </a:ln>
+        </p:spPr>
+      </p:pic>
+      <p:pic>
+        <p:nvPicPr>
+          <p:cNvPr id="2" name="Image 1">
+            <a:extLst>
+              <a:ext uri="{FF2B5EF4-FFF2-40B4-BE49-F238E27FC236}">
+                <a16:creationId xmlns:a16="http://schemas.microsoft.com/office/drawing/2014/main" id="{C9274AC7-D411-455C-9681-1B9A86ADC904}"/>
+              </a:ext>
+            </a:extLst>
+          </p:cNvPr>
+          <p:cNvPicPr>
+            <a:picLocks noChangeAspect="1"/>
+          </p:cNvPicPr>
+          <p:nvPr/>
+        </p:nvPicPr>
+        <p:blipFill>
+          <a:blip r:embed="rId3"/>
+          <a:stretch>
+            <a:fillRect/>
+          </a:stretch>
+        </p:blipFill>
+        <p:spPr>
+          <a:xfrm>
+            <a:off x="2620480" y="1724400"/>
+            <a:ext cx="6951040" cy="3909960"/>
+          </a:xfrm>
+          <a:prstGeom prst="rect">
+            <a:avLst/>
+          </a:prstGeom>
+        </p:spPr>
+      </p:pic>
+    </p:spTree>
+  </p:cSld>
+  <p:clrMapOvr>
+    <a:masterClrMapping/>
+  </p:clrMapOvr>
+  <p:transition spd="slow">
+    <p:cover/>
+  </p:transition>
+  <p:timing>
+    <p:tnLst>
+      <p:par>
+        <p:cTn id="1" dur="indefinite" restart="never" nodeType="tmRoot">
+          <p:childTnLst>
+            <p:seq>
+              <p:cTn id="2" nodeType="mainSeq"/>
+              <p:prevCondLst>
+                <p:cond evt="onPrev" delay="0">
+                  <p:tgtEl>
+                    <p:sldTgt/>
+                  </p:tgtEl>
+                </p:cond>
+              </p:prevCondLst>
+              <p:nextCondLst>
+                <p:cond evt="onNext" delay="0">
+                  <p:tgtEl>
+                    <p:sldTgt/>
+                  </p:tgtEl>
+                </p:cond>
+              </p:nextCondLst>
+            </p:seq>
+          </p:childTnLst>
+        </p:cTn>
+      </p:par>
+    </p:tnLst>
+  </p:timing>
+</p:sld>
+</file>
+
+<file path=ppt/slides/slide9.xml><?xml version="1.0" encoding="utf-8"?>
+<p:sld xmlns:a="http://schemas.openxmlformats.org/drawingml/2006/main" xmlns:r="http://schemas.openxmlformats.org/officeDocument/2006/relationships" xmlns:p="http://schemas.openxmlformats.org/presentationml/2006/main">
+  <p:cSld>
+    <p:spTree>
+      <p:nvGrpSpPr>
+        <p:cNvPr id="1" name=""/>
+        <p:cNvGrpSpPr/>
+        <p:nvPr/>
+      </p:nvGrpSpPr>
+      <p:grpSpPr>
+        <a:xfrm>
+          <a:off x="0" y="0"/>
+          <a:ext cx="0" cy="0"/>
+          <a:chOff x="0" y="0"/>
+          <a:chExt cx="0" cy="0"/>
+        </a:xfrm>
+      </p:grpSpPr>
+      <p:sp>
+        <p:nvSpPr>
+          <p:cNvPr id="127" name="CustomShape 1"/>
+          <p:cNvSpPr/>
+          <p:nvPr/>
+        </p:nvSpPr>
+        <p:spPr>
+          <a:xfrm flipH="1" flipV="1">
+            <a:off x="0" y="6192000"/>
+            <a:ext cx="12191760" cy="754560"/>
+          </a:xfrm>
+          <a:prstGeom prst="rect">
+            <a:avLst/>
+          </a:prstGeom>
+          <a:solidFill>
+            <a:schemeClr val="accent3">
+              <a:lumMod val="60000"/>
+              <a:lumOff val="40000"/>
+            </a:schemeClr>
+          </a:solidFill>
+          <a:ln>
+            <a:noFill/>
+          </a:ln>
+        </p:spPr>
+        <p:style>
+          <a:lnRef idx="2">
+            <a:schemeClr val="accent1">
+              <a:shade val="50000"/>
+            </a:schemeClr>
+          </a:lnRef>
+          <a:fillRef idx="1">
+            <a:schemeClr val="accent1"/>
+          </a:fillRef>
+          <a:effectRef idx="0">
+            <a:schemeClr val="accent1"/>
+          </a:effectRef>
+          <a:fontRef idx="minor"/>
+        </p:style>
+      </p:sp>
+      <p:sp>
+        <p:nvSpPr>
+          <p:cNvPr id="128" name="CustomShape 2"/>
+          <p:cNvSpPr/>
+          <p:nvPr/>
+        </p:nvSpPr>
+        <p:spPr>
+          <a:xfrm flipH="1" flipV="1">
+            <a:off x="0" y="0"/>
+            <a:ext cx="12191760" cy="1724400"/>
+          </a:xfrm>
+          <a:prstGeom prst="rect">
+            <a:avLst/>
+          </a:prstGeom>
+          <a:solidFill>
+            <a:schemeClr val="accent3">
+              <a:lumMod val="60000"/>
+              <a:lumOff val="40000"/>
+            </a:schemeClr>
+          </a:solidFill>
+          <a:ln>
+            <a:noFill/>
+          </a:ln>
+        </p:spPr>
+        <p:style>
+          <a:lnRef idx="2">
+            <a:schemeClr val="accent1">
+              <a:shade val="50000"/>
+            </a:schemeClr>
+          </a:lnRef>
+          <a:fillRef idx="1">
+            <a:schemeClr val="accent1"/>
+          </a:fillRef>
+          <a:effectRef idx="0">
+            <a:schemeClr val="accent1"/>
+          </a:effectRef>
+          <a:fontRef idx="minor"/>
+        </p:style>
+      </p:sp>
+      <p:sp>
+        <p:nvSpPr>
+          <p:cNvPr id="129" name="CustomShape 3"/>
+          <p:cNvSpPr/>
+          <p:nvPr/>
+        </p:nvSpPr>
+        <p:spPr>
+          <a:xfrm>
+            <a:off x="1626840" y="182520"/>
+            <a:ext cx="8938080" cy="1325160"/>
+          </a:xfrm>
+          <a:prstGeom prst="rect">
+            <a:avLst/>
+          </a:prstGeom>
+          <a:noFill/>
+          <a:ln>
+            <a:noFill/>
+          </a:ln>
+        </p:spPr>
+        <p:style>
+          <a:lnRef idx="0">
+            <a:scrgbClr r="0" g="0" b="0"/>
+          </a:lnRef>
+          <a:fillRef idx="0">
+            <a:scrgbClr r="0" g="0" b="0"/>
+          </a:fillRef>
+          <a:effectRef idx="0">
+            <a:scrgbClr r="0" g="0" b="0"/>
+          </a:effectRef>
+          <a:fontRef idx="minor"/>
+        </p:style>
+        <p:txBody>
+          <a:bodyPr anchor="ctr">
+            <a:normAutofit/>
+          </a:bodyPr>
+          <a:lstStyle/>
+          <a:p>
+            <a:pPr algn="ctr">
+              <a:lnSpc>
+                <a:spcPct val="100000"/>
+              </a:lnSpc>
+            </a:pPr>
+            <a:r>
+              <a:rPr lang="fr-FR" sz="4400" b="1" strike="noStrike" spc="-1" dirty="0">
+                <a:solidFill>
+                  <a:srgbClr val="000000"/>
+                </a:solidFill>
+                <a:latin typeface="Calibri Light"/>
+              </a:rPr>
               <a:t>Evolutions possibles</a:t>
             </a:r>
             <a:endParaRPr lang="fr-FR" sz="4400" b="0" strike="noStrike" spc="-1" dirty="0">
@@ -7640,8 +5522,8 @@
         </p:nvSpPr>
         <p:spPr>
           <a:xfrm>
-            <a:off x="946326" y="3132180"/>
-            <a:ext cx="10515240" cy="1507680"/>
+            <a:off x="838260" y="2298992"/>
+            <a:ext cx="10515240" cy="3318416"/>
           </a:xfrm>
           <a:prstGeom prst="rect">
             <a:avLst/>
@@ -7666,13 +5548,13 @@
               <a:buChar char="q"/>
             </a:pPr>
             <a:r>
-              <a:rPr lang="fr-FR" sz="4800" b="0" strike="noStrike" spc="-1" dirty="0">
+              <a:rPr lang="fr-FR" sz="4000" b="0" strike="noStrike" spc="-1" dirty="0">
                 <a:solidFill>
                   <a:srgbClr val="000000"/>
                 </a:solidFill>
                 <a:latin typeface="Calibri"/>
               </a:rPr>
-              <a:t>Mobile</a:t>
+              <a:t>Plusieurs langues possibles</a:t>
             </a:r>
           </a:p>
           <a:p>
@@ -7687,20 +5569,83 @@
               <a:buChar char="q"/>
             </a:pPr>
             <a:r>
-              <a:rPr lang="fr-FR" sz="4800" spc="-1" dirty="0">
+              <a:rPr lang="fr-FR" sz="4000" spc="-1" dirty="0">
                 <a:solidFill>
                   <a:srgbClr val="000000"/>
                 </a:solidFill>
                 <a:latin typeface="Calibri"/>
               </a:rPr>
-              <a:t>Hébergement</a:t>
+              <a:t>Suggestions en fonction des hobbies</a:t>
             </a:r>
-            <a:endParaRPr lang="fr-FR" sz="4800" b="0" strike="noStrike" spc="-1" dirty="0">
+            <a:endParaRPr lang="fr-FR" sz="4000" b="0" strike="noStrike" spc="-1" dirty="0">
               <a:solidFill>
                 <a:srgbClr val="000000"/>
               </a:solidFill>
               <a:latin typeface="Calibri"/>
             </a:endParaRPr>
+          </a:p>
+          <a:p>
+            <a:pPr marL="457200" indent="-457200">
+              <a:lnSpc>
+                <a:spcPct val="90000"/>
+              </a:lnSpc>
+              <a:spcBef>
+                <a:spcPts val="1001"/>
+              </a:spcBef>
+              <a:buFont typeface="Wingdings" panose="05000000000000000000" pitchFamily="2" charset="2"/>
+              <a:buChar char="q"/>
+            </a:pPr>
+            <a:r>
+              <a:rPr lang="fr-FR" sz="4000" b="0" strike="noStrike" spc="-1" dirty="0">
+                <a:solidFill>
+                  <a:srgbClr val="000000"/>
+                </a:solidFill>
+                <a:latin typeface="Calibri"/>
+              </a:rPr>
+              <a:t>Date d’échéance</a:t>
+            </a:r>
+          </a:p>
+          <a:p>
+            <a:pPr marL="457200" indent="-457200">
+              <a:lnSpc>
+                <a:spcPct val="90000"/>
+              </a:lnSpc>
+              <a:spcBef>
+                <a:spcPts val="1001"/>
+              </a:spcBef>
+              <a:buFont typeface="Wingdings" panose="05000000000000000000" pitchFamily="2" charset="2"/>
+              <a:buChar char="q"/>
+            </a:pPr>
+            <a:r>
+              <a:rPr lang="fr-FR" sz="4000" spc="-1" dirty="0">
+                <a:solidFill>
+                  <a:srgbClr val="000000"/>
+                </a:solidFill>
+                <a:latin typeface="Calibri"/>
+              </a:rPr>
+              <a:t>Historique des parties jouées</a:t>
+            </a:r>
+          </a:p>
+          <a:p>
+            <a:pPr marL="457200" indent="-457200">
+              <a:lnSpc>
+                <a:spcPct val="90000"/>
+              </a:lnSpc>
+              <a:spcBef>
+                <a:spcPts val="1001"/>
+              </a:spcBef>
+              <a:buFont typeface="Wingdings" panose="05000000000000000000" pitchFamily="2" charset="2"/>
+              <a:buChar char="q"/>
+            </a:pPr>
+            <a:r>
+              <a:rPr lang="fr-FR" sz="4000" b="0" strike="noStrike" spc="-1" dirty="0">
+                <a:solidFill>
+                  <a:srgbClr val="000000"/>
+                </a:solidFill>
+                <a:latin typeface="Calibri"/>
+              </a:rPr>
+              <a:t>Back office</a:t>
+            </a:r>
           </a:p>
           <a:p>
             <a:pPr>
@@ -7711,7 +5656,7 @@
                 <a:spcPts val="1001"/>
               </a:spcBef>
             </a:pPr>
-            <a:endParaRPr lang="fr-FR" sz="4800" b="0" strike="noStrike" spc="-1" dirty="0">
+            <a:endParaRPr lang="fr-FR" sz="4000" b="0" strike="noStrike" spc="-1" dirty="0">
               <a:solidFill>
                 <a:srgbClr val="000000"/>
               </a:solidFill>
@@ -7722,23 +5667,17 @@
       </p:sp>
       <p:pic>
         <p:nvPicPr>
-          <p:cNvPr id="8" name="Image 12">
-            <a:extLst>
-              <a:ext uri="{FF2B5EF4-FFF2-40B4-BE49-F238E27FC236}">
-                <a16:creationId xmlns:a16="http://schemas.microsoft.com/office/drawing/2014/main" id="{3E0ED33C-2750-4D48-A733-E39F3857DFB9}"/>
-              </a:ext>
-            </a:extLst>
-          </p:cNvPr>
+          <p:cNvPr id="131" name="Image 2"/>
           <p:cNvPicPr/>
           <p:nvPr/>
         </p:nvPicPr>
         <p:blipFill>
-          <a:blip r:embed="rId3"/>
+          <a:blip r:embed="rId2"/>
           <a:stretch/>
         </p:blipFill>
         <p:spPr>
           <a:xfrm>
-            <a:off x="10153800" y="6291720"/>
+            <a:off x="10162800" y="6294600"/>
             <a:ext cx="1938240" cy="497520"/>
           </a:xfrm>
           <a:prstGeom prst="rect">
@@ -7751,10 +5690,10 @@
       </p:pic>
       <p:pic>
         <p:nvPicPr>
-          <p:cNvPr id="3" name="Graphique 2" descr="Tendance à la hausse">
+          <p:cNvPr id="7" name="Graphique 6" descr="Tendance à la hausse">
             <a:extLst>
               <a:ext uri="{FF2B5EF4-FFF2-40B4-BE49-F238E27FC236}">
-                <a16:creationId xmlns:a16="http://schemas.microsoft.com/office/drawing/2014/main" id="{2C81F1A9-4067-470A-A85C-A876E633E0C0}"/>
+                <a16:creationId xmlns:a16="http://schemas.microsoft.com/office/drawing/2014/main" id="{E9E6A170-F6F4-4196-A72B-2712DAF06FC2}"/>
               </a:ext>
             </a:extLst>
           </p:cNvPr>
@@ -7764,13 +5703,13 @@
           <p:nvPr/>
         </p:nvPicPr>
         <p:blipFill>
-          <a:blip r:embed="rId4">
+          <a:blip r:embed="rId3">
             <a:extLst>
               <a:ext uri="{28A0092B-C50C-407E-A947-70E740481C1C}">
                 <a14:useLocalDpi xmlns:a14="http://schemas.microsoft.com/office/drawing/2010/main" val="0"/>
               </a:ext>
               <a:ext uri="{96DAC541-7B7A-43D3-8B79-37D633B846F1}">
-                <asvg:svgBlip xmlns:asvg="http://schemas.microsoft.com/office/drawing/2016/SVG/main" r:embed="rId5"/>
+                <asvg:svgBlip xmlns:asvg="http://schemas.microsoft.com/office/drawing/2016/SVG/main" r:embed="rId4"/>
               </a:ext>
             </a:extLst>
           </a:blip>
@@ -7780,7 +5719,7 @@
         </p:blipFill>
         <p:spPr>
           <a:xfrm>
-            <a:off x="10489015" y="1724400"/>
+            <a:off x="9998564" y="3111687"/>
             <a:ext cx="1693025" cy="1693025"/>
           </a:xfrm>
           <a:prstGeom prst="rect">
@@ -8049,229 +5988,4 @@
   <a:objectDefaults/>
   <a:extraClrSchemeLst/>
 </a:theme>
-</file>
-
-<file path=ppt/theme/theme2.xml><?xml version="1.0" encoding="utf-8"?>
-<a:theme xmlns:a="http://schemas.openxmlformats.org/drawingml/2006/main" name="Office Theme">
-  <a:themeElements>
-    <a:clrScheme name="Office">
-      <a:dk1>
-        <a:sysClr val="windowText" lastClr="000000"/>
-      </a:dk1>
-      <a:lt1>
-        <a:sysClr val="window" lastClr="FFFFFF"/>
-      </a:lt1>
-      <a:dk2>
-        <a:srgbClr val="44546A"/>
-      </a:dk2>
-      <a:lt2>
-        <a:srgbClr val="E7E6E6"/>
-      </a:lt2>
-      <a:accent1>
-        <a:srgbClr val="4472C4"/>
-      </a:accent1>
-      <a:accent2>
-        <a:srgbClr val="ED7D31"/>
-      </a:accent2>
-      <a:accent3>
-        <a:srgbClr val="A5A5A5"/>
-      </a:accent3>
-      <a:accent4>
-        <a:srgbClr val="FFC000"/>
-      </a:accent4>
-      <a:accent5>
-        <a:srgbClr val="5B9BD5"/>
-      </a:accent5>
-      <a:accent6>
-        <a:srgbClr val="70AD47"/>
-      </a:accent6>
-      <a:hlink>
-        <a:srgbClr val="0563C1"/>
-      </a:hlink>
-      <a:folHlink>
-        <a:srgbClr val="954F72"/>
-      </a:folHlink>
-    </a:clrScheme>
-    <a:fontScheme name="Office">
-      <a:majorFont>
-        <a:latin typeface="Arial"/>
-        <a:ea typeface="DejaVu Sans"/>
-        <a:cs typeface="DejaVu Sans"/>
-      </a:majorFont>
-      <a:minorFont>
-        <a:latin typeface="Arial"/>
-        <a:ea typeface="DejaVu Sans"/>
-        <a:cs typeface="DejaVu Sans"/>
-      </a:minorFont>
-    </a:fontScheme>
-    <a:fmtScheme name="Office">
-      <a:fillStyleLst>
-        <a:solidFill>
-          <a:schemeClr val="phClr"/>
-        </a:solidFill>
-        <a:gradFill rotWithShape="1">
-          <a:gsLst>
-            <a:gs pos="0">
-              <a:schemeClr val="phClr">
-                <a:tint val="50000"/>
-                <a:satMod val="300000"/>
-              </a:schemeClr>
-            </a:gs>
-            <a:gs pos="35000">
-              <a:schemeClr val="phClr">
-                <a:tint val="37000"/>
-                <a:satMod val="300000"/>
-              </a:schemeClr>
-            </a:gs>
-            <a:gs pos="100000">
-              <a:schemeClr val="phClr">
-                <a:tint val="15000"/>
-                <a:satMod val="350000"/>
-              </a:schemeClr>
-            </a:gs>
-          </a:gsLst>
-          <a:lin ang="16200000" scaled="1"/>
-        </a:gradFill>
-        <a:gradFill rotWithShape="1">
-          <a:gsLst>
-            <a:gs pos="0">
-              <a:schemeClr val="phClr">
-                <a:shade val="51000"/>
-                <a:satMod val="130000"/>
-              </a:schemeClr>
-            </a:gs>
-            <a:gs pos="80000">
-              <a:schemeClr val="phClr">
-                <a:shade val="93000"/>
-                <a:satMod val="130000"/>
-              </a:schemeClr>
-            </a:gs>
-            <a:gs pos="100000">
-              <a:schemeClr val="phClr">
-                <a:shade val="94000"/>
-                <a:satMod val="135000"/>
-              </a:schemeClr>
-            </a:gs>
-          </a:gsLst>
-          <a:lin ang="16200000" scaled="0"/>
-        </a:gradFill>
-      </a:fillStyleLst>
-      <a:lnStyleLst>
-        <a:ln w="9525" cap="flat" cmpd="sng" algn="ctr">
-          <a:solidFill>
-            <a:schemeClr val="phClr">
-              <a:shade val="95000"/>
-              <a:satMod val="105000"/>
-            </a:schemeClr>
-          </a:solidFill>
-          <a:prstDash val="solid"/>
-        </a:ln>
-        <a:ln w="25400" cap="flat" cmpd="sng" algn="ctr">
-          <a:solidFill>
-            <a:schemeClr val="phClr"/>
-          </a:solidFill>
-          <a:prstDash val="solid"/>
-        </a:ln>
-        <a:ln w="38100" cap="flat" cmpd="sng" algn="ctr">
-          <a:solidFill>
-            <a:schemeClr val="phClr"/>
-          </a:solidFill>
-          <a:prstDash val="solid"/>
-        </a:ln>
-      </a:lnStyleLst>
-      <a:effectStyleLst>
-        <a:effectStyle>
-          <a:effectLst>
-            <a:outerShdw blurRad="40000" dist="20000" dir="5400000" rotWithShape="0">
-              <a:srgbClr val="000000">
-                <a:alpha val="38000"/>
-              </a:srgbClr>
-            </a:outerShdw>
-          </a:effectLst>
-        </a:effectStyle>
-        <a:effectStyle>
-          <a:effectLst>
-            <a:outerShdw blurRad="40000" dist="23000" dir="5400000" rotWithShape="0">
-              <a:srgbClr val="000000">
-                <a:alpha val="35000"/>
-              </a:srgbClr>
-            </a:outerShdw>
-          </a:effectLst>
-        </a:effectStyle>
-        <a:effectStyle>
-          <a:effectLst>
-            <a:outerShdw blurRad="40000" dist="23000" dir="5400000" rotWithShape="0">
-              <a:srgbClr val="000000">
-                <a:alpha val="35000"/>
-              </a:srgbClr>
-            </a:outerShdw>
-          </a:effectLst>
-          <a:scene3d>
-            <a:camera prst="orthographicFront">
-              <a:rot lat="0" lon="0" rev="0"/>
-            </a:camera>
-            <a:lightRig rig="threePt" dir="t">
-              <a:rot lat="0" lon="0" rev="1200000"/>
-            </a:lightRig>
-          </a:scene3d>
-          <a:sp3d>
-            <a:bevelT w="63500" h="25400"/>
-          </a:sp3d>
-        </a:effectStyle>
-      </a:effectStyleLst>
-      <a:bgFillStyleLst>
-        <a:solidFill>
-          <a:schemeClr val="phClr"/>
-        </a:solidFill>
-        <a:gradFill rotWithShape="1">
-          <a:gsLst>
-            <a:gs pos="0">
-              <a:schemeClr val="phClr">
-                <a:tint val="40000"/>
-                <a:satMod val="350000"/>
-              </a:schemeClr>
-            </a:gs>
-            <a:gs pos="40000">
-              <a:schemeClr val="phClr">
-                <a:tint val="45000"/>
-                <a:shade val="99000"/>
-                <a:satMod val="350000"/>
-              </a:schemeClr>
-            </a:gs>
-            <a:gs pos="100000">
-              <a:schemeClr val="phClr">
-                <a:shade val="20000"/>
-                <a:satMod val="255000"/>
-              </a:schemeClr>
-            </a:gs>
-          </a:gsLst>
-          <a:path path="circle">
-            <a:fillToRect l="50000" t="-80000" r="50000" b="180000"/>
-          </a:path>
-        </a:gradFill>
-        <a:gradFill rotWithShape="1">
-          <a:gsLst>
-            <a:gs pos="0">
-              <a:schemeClr val="phClr">
-                <a:tint val="80000"/>
-                <a:satMod val="300000"/>
-              </a:schemeClr>
-            </a:gs>
-            <a:gs pos="100000">
-              <a:schemeClr val="phClr">
-                <a:shade val="30000"/>
-                <a:satMod val="200000"/>
-              </a:schemeClr>
-            </a:gs>
-          </a:gsLst>
-          <a:path path="circle">
-            <a:fillToRect l="50000" t="50000" r="50000" b="50000"/>
-          </a:path>
-        </a:gradFill>
-      </a:bgFillStyleLst>
-    </a:fmtScheme>
-  </a:themeElements>
-  <a:objectDefaults/>
-  <a:extraClrSchemeLst/>
-</a:theme>
 </file>
--- a/Forum PI/MemoCards_forum.pptx
+++ b/Forum PI/MemoCards_forum.pptx
@@ -2635,6 +2635,36 @@
           <a:chExt cx="0" cy="0"/>
         </a:xfrm>
       </p:grpSpPr>
+      <p:pic>
+        <p:nvPicPr>
+          <p:cNvPr id="8" name="Image 7">
+            <a:extLst>
+              <a:ext uri="{FF2B5EF4-FFF2-40B4-BE49-F238E27FC236}">
+                <a16:creationId xmlns:a16="http://schemas.microsoft.com/office/drawing/2014/main" id="{44D39BA9-132C-4E42-B536-400438D29BCD}"/>
+              </a:ext>
+            </a:extLst>
+          </p:cNvPr>
+          <p:cNvPicPr>
+            <a:picLocks noChangeAspect="1"/>
+          </p:cNvPicPr>
+          <p:nvPr/>
+        </p:nvPicPr>
+        <p:blipFill>
+          <a:blip r:embed="rId2"/>
+          <a:stretch>
+            <a:fillRect/>
+          </a:stretch>
+        </p:blipFill>
+        <p:spPr>
+          <a:xfrm>
+            <a:off x="0" y="1724400"/>
+            <a:ext cx="12189007" cy="4395240"/>
+          </a:xfrm>
+          <a:prstGeom prst="rect">
+            <a:avLst/>
+          </a:prstGeom>
+        </p:spPr>
+      </p:pic>
       <p:sp>
         <p:nvSpPr>
           <p:cNvPr id="89" name="CustomShape 1"/>
@@ -3010,7 +3040,7 @@
           <p:nvPr/>
         </p:nvPicPr>
         <p:blipFill>
-          <a:blip r:embed="rId2"/>
+          <a:blip r:embed="rId3"/>
           <a:stretch/>
         </p:blipFill>
         <p:spPr>
@@ -3041,13 +3071,13 @@
           <p:nvPr/>
         </p:nvPicPr>
         <p:blipFill>
-          <a:blip r:embed="rId3">
+          <a:blip r:embed="rId4">
             <a:extLst>
               <a:ext uri="{28A0092B-C50C-407E-A947-70E740481C1C}">
                 <a14:useLocalDpi xmlns:a14="http://schemas.microsoft.com/office/drawing/2010/main" val="0"/>
               </a:ext>
               <a:ext uri="{96DAC541-7B7A-43D3-8B79-37D633B846F1}">
-                <asvg:svgBlip xmlns:asvg="http://schemas.microsoft.com/office/drawing/2016/SVG/main" r:embed="rId4"/>
+                <asvg:svgBlip xmlns:asvg="http://schemas.microsoft.com/office/drawing/2016/SVG/main" r:embed="rId5"/>
               </a:ext>
             </a:extLst>
           </a:blip>
@@ -3304,8 +3334,8 @@
         </p:blipFill>
         <p:spPr>
           <a:xfrm>
-            <a:off x="1843378" y="2460713"/>
-            <a:ext cx="8504644" cy="2672888"/>
+            <a:off x="241" y="2071225"/>
+            <a:ext cx="12191759" cy="3831695"/>
           </a:xfrm>
           <a:prstGeom prst="rect">
             <a:avLst/>
@@ -3372,6 +3402,36 @@
           <a:chExt cx="0" cy="0"/>
         </a:xfrm>
       </p:grpSpPr>
+      <p:pic>
+        <p:nvPicPr>
+          <p:cNvPr id="8" name="Image 7">
+            <a:extLst>
+              <a:ext uri="{FF2B5EF4-FFF2-40B4-BE49-F238E27FC236}">
+                <a16:creationId xmlns:a16="http://schemas.microsoft.com/office/drawing/2014/main" id="{BBEF3EF1-1A65-4BC0-8248-30089ACD9B9D}"/>
+              </a:ext>
+            </a:extLst>
+          </p:cNvPr>
+          <p:cNvPicPr>
+            <a:picLocks noChangeAspect="1"/>
+          </p:cNvPicPr>
+          <p:nvPr/>
+        </p:nvPicPr>
+        <p:blipFill>
+          <a:blip r:embed="rId2"/>
+          <a:stretch>
+            <a:fillRect/>
+          </a:stretch>
+        </p:blipFill>
+        <p:spPr>
+          <a:xfrm>
+            <a:off x="-6967" y="1724400"/>
+            <a:ext cx="12189007" cy="4323240"/>
+          </a:xfrm>
+          <a:prstGeom prst="rect">
+            <a:avLst/>
+          </a:prstGeom>
+        </p:spPr>
+      </p:pic>
       <p:sp>
         <p:nvSpPr>
           <p:cNvPr id="94" name="CustomShape 1"/>
@@ -3708,7 +3768,7 @@
           <p:nvPr/>
         </p:nvPicPr>
         <p:blipFill>
-          <a:blip r:embed="rId2"/>
+          <a:blip r:embed="rId3"/>
           <a:stretch/>
         </p:blipFill>
         <p:spPr>
@@ -3739,13 +3799,13 @@
           <p:nvPr/>
         </p:nvPicPr>
         <p:blipFill>
-          <a:blip r:embed="rId3">
+          <a:blip r:embed="rId4">
             <a:extLst>
               <a:ext uri="{28A0092B-C50C-407E-A947-70E740481C1C}">
                 <a14:useLocalDpi xmlns:a14="http://schemas.microsoft.com/office/drawing/2010/main" val="0"/>
               </a:ext>
               <a:ext uri="{96DAC541-7B7A-43D3-8B79-37D633B846F1}">
-                <asvg:svgBlip xmlns:asvg="http://schemas.microsoft.com/office/drawing/2016/SVG/main" r:embed="rId4"/>
+                <asvg:svgBlip xmlns:asvg="http://schemas.microsoft.com/office/drawing/2016/SVG/main" r:embed="rId5"/>
               </a:ext>
             </a:extLst>
           </a:blip>
@@ -3818,6 +3878,36 @@
           <a:chExt cx="0" cy="0"/>
         </a:xfrm>
       </p:grpSpPr>
+      <p:pic>
+        <p:nvPicPr>
+          <p:cNvPr id="7" name="Image 6">
+            <a:extLst>
+              <a:ext uri="{FF2B5EF4-FFF2-40B4-BE49-F238E27FC236}">
+                <a16:creationId xmlns:a16="http://schemas.microsoft.com/office/drawing/2014/main" id="{71D0B2F5-96BD-4807-850B-06C97FFCC209}"/>
+              </a:ext>
+            </a:extLst>
+          </p:cNvPr>
+          <p:cNvPicPr>
+            <a:picLocks noChangeAspect="1"/>
+          </p:cNvPicPr>
+          <p:nvPr/>
+        </p:nvPicPr>
+        <p:blipFill>
+          <a:blip r:embed="rId2"/>
+          <a:stretch>
+            <a:fillRect/>
+          </a:stretch>
+        </p:blipFill>
+        <p:spPr>
+          <a:xfrm>
+            <a:off x="-6967" y="1724400"/>
+            <a:ext cx="12189007" cy="4323240"/>
+          </a:xfrm>
+          <a:prstGeom prst="rect">
+            <a:avLst/>
+          </a:prstGeom>
+        </p:spPr>
+      </p:pic>
       <p:sp>
         <p:nvSpPr>
           <p:cNvPr id="107" name="CustomShape 3"/>
@@ -3960,7 +4050,7 @@
           <p:nvPr/>
         </p:nvPicPr>
         <p:blipFill>
-          <a:blip r:embed="rId2"/>
+          <a:blip r:embed="rId3"/>
           <a:stretch/>
         </p:blipFill>
         <p:spPr>
@@ -3991,7 +4081,7 @@
           <p:nvPr/>
         </p:nvPicPr>
         <p:blipFill>
-          <a:blip r:embed="rId3">
+          <a:blip r:embed="rId4">
             <a:extLst>
               <a:ext uri="{28A0092B-C50C-407E-A947-70E740481C1C}">
                 <a14:useLocalDpi xmlns:a14="http://schemas.microsoft.com/office/drawing/2010/main" val="0"/>
@@ -4067,6 +4157,36 @@
           <a:chExt cx="0" cy="0"/>
         </a:xfrm>
       </p:grpSpPr>
+      <p:pic>
+        <p:nvPicPr>
+          <p:cNvPr id="8" name="Image 7">
+            <a:extLst>
+              <a:ext uri="{FF2B5EF4-FFF2-40B4-BE49-F238E27FC236}">
+                <a16:creationId xmlns:a16="http://schemas.microsoft.com/office/drawing/2014/main" id="{A2850D16-3DA6-402C-9D00-58786679C98C}"/>
+              </a:ext>
+            </a:extLst>
+          </p:cNvPr>
+          <p:cNvPicPr>
+            <a:picLocks noChangeAspect="1"/>
+          </p:cNvPicPr>
+          <p:nvPr/>
+        </p:nvPicPr>
+        <p:blipFill>
+          <a:blip r:embed="rId2"/>
+          <a:stretch>
+            <a:fillRect/>
+          </a:stretch>
+        </p:blipFill>
+        <p:spPr>
+          <a:xfrm>
+            <a:off x="-6967" y="1724400"/>
+            <a:ext cx="12189007" cy="4323240"/>
+          </a:xfrm>
+          <a:prstGeom prst="rect">
+            <a:avLst/>
+          </a:prstGeom>
+        </p:spPr>
+      </p:pic>
       <p:sp>
         <p:nvSpPr>
           <p:cNvPr id="109" name="CustomShape 1"/>
@@ -4206,7 +4326,7 @@
           <p:nvPr/>
         </p:nvPicPr>
         <p:blipFill>
-          <a:blip r:embed="rId2"/>
+          <a:blip r:embed="rId3"/>
           <a:stretch/>
         </p:blipFill>
         <p:spPr>
@@ -4369,13 +4489,13 @@
           <p:nvPr/>
         </p:nvPicPr>
         <p:blipFill>
-          <a:blip r:embed="rId3">
+          <a:blip r:embed="rId4">
             <a:extLst>
               <a:ext uri="{28A0092B-C50C-407E-A947-70E740481C1C}">
                 <a14:useLocalDpi xmlns:a14="http://schemas.microsoft.com/office/drawing/2010/main" val="0"/>
               </a:ext>
               <a:ext uri="{96DAC541-7B7A-43D3-8B79-37D633B846F1}">
-                <asvg:svgBlip xmlns:asvg="http://schemas.microsoft.com/office/drawing/2016/SVG/main" r:embed="rId4"/>
+                <asvg:svgBlip xmlns:asvg="http://schemas.microsoft.com/office/drawing/2016/SVG/main" r:embed="rId5"/>
               </a:ext>
             </a:extLst>
           </a:blip>
@@ -5136,6 +5256,36 @@
           <a:chExt cx="0" cy="0"/>
         </a:xfrm>
       </p:grpSpPr>
+      <p:pic>
+        <p:nvPicPr>
+          <p:cNvPr id="7" name="Image 6">
+            <a:extLst>
+              <a:ext uri="{FF2B5EF4-FFF2-40B4-BE49-F238E27FC236}">
+                <a16:creationId xmlns:a16="http://schemas.microsoft.com/office/drawing/2014/main" id="{DD40A4E3-1245-4E99-9303-3B61B36DF6D7}"/>
+              </a:ext>
+            </a:extLst>
+          </p:cNvPr>
+          <p:cNvPicPr>
+            <a:picLocks noChangeAspect="1"/>
+          </p:cNvPicPr>
+          <p:nvPr/>
+        </p:nvPicPr>
+        <p:blipFill>
+          <a:blip r:embed="rId2"/>
+          <a:stretch>
+            <a:fillRect/>
+          </a:stretch>
+        </p:blipFill>
+        <p:spPr>
+          <a:xfrm>
+            <a:off x="-6967" y="1724400"/>
+            <a:ext cx="12189007" cy="4323240"/>
+          </a:xfrm>
+          <a:prstGeom prst="rect">
+            <a:avLst/>
+          </a:prstGeom>
+        </p:spPr>
+      </p:pic>
       <p:sp>
         <p:nvSpPr>
           <p:cNvPr id="122" name="CustomShape 1"/>
@@ -5278,7 +5428,7 @@
           <p:nvPr/>
         </p:nvPicPr>
         <p:blipFill>
-          <a:blip r:embed="rId2"/>
+          <a:blip r:embed="rId3"/>
           <a:stretch/>
         </p:blipFill>
         <p:spPr>
@@ -5309,7 +5459,7 @@
           <p:nvPr/>
         </p:nvPicPr>
         <p:blipFill>
-          <a:blip r:embed="rId3"/>
+          <a:blip r:embed="rId4"/>
           <a:stretch>
             <a:fillRect/>
           </a:stretch>
@@ -5379,6 +5529,36 @@
           <a:chExt cx="0" cy="0"/>
         </a:xfrm>
       </p:grpSpPr>
+      <p:pic>
+        <p:nvPicPr>
+          <p:cNvPr id="8" name="Image 7">
+            <a:extLst>
+              <a:ext uri="{FF2B5EF4-FFF2-40B4-BE49-F238E27FC236}">
+                <a16:creationId xmlns:a16="http://schemas.microsoft.com/office/drawing/2014/main" id="{308C7AE3-1B29-40B5-A88B-8B7303F03832}"/>
+              </a:ext>
+            </a:extLst>
+          </p:cNvPr>
+          <p:cNvPicPr>
+            <a:picLocks noChangeAspect="1"/>
+          </p:cNvPicPr>
+          <p:nvPr/>
+        </p:nvPicPr>
+        <p:blipFill>
+          <a:blip r:embed="rId2"/>
+          <a:stretch>
+            <a:fillRect/>
+          </a:stretch>
+        </p:blipFill>
+        <p:spPr>
+          <a:xfrm>
+            <a:off x="0" y="1690200"/>
+            <a:ext cx="12189007" cy="4501800"/>
+          </a:xfrm>
+          <a:prstGeom prst="rect">
+            <a:avLst/>
+          </a:prstGeom>
+        </p:spPr>
+      </p:pic>
       <p:sp>
         <p:nvSpPr>
           <p:cNvPr id="127" name="CustomShape 1"/>
@@ -5672,7 +5852,7 @@
           <p:nvPr/>
         </p:nvPicPr>
         <p:blipFill>
-          <a:blip r:embed="rId2"/>
+          <a:blip r:embed="rId3"/>
           <a:stretch/>
         </p:blipFill>
         <p:spPr>
@@ -5703,13 +5883,13 @@
           <p:nvPr/>
         </p:nvPicPr>
         <p:blipFill>
-          <a:blip r:embed="rId3">
+          <a:blip r:embed="rId4">
             <a:extLst>
               <a:ext uri="{28A0092B-C50C-407E-A947-70E740481C1C}">
                 <a14:useLocalDpi xmlns:a14="http://schemas.microsoft.com/office/drawing/2010/main" val="0"/>
               </a:ext>
               <a:ext uri="{96DAC541-7B7A-43D3-8B79-37D633B846F1}">
-                <asvg:svgBlip xmlns:asvg="http://schemas.microsoft.com/office/drawing/2016/SVG/main" r:embed="rId4"/>
+                <asvg:svgBlip xmlns:asvg="http://schemas.microsoft.com/office/drawing/2016/SVG/main" r:embed="rId5"/>
               </a:ext>
             </a:extLst>
           </a:blip>

--- a/Forum PI/MemoCards_forum.pptx
+++ b/Forum PI/MemoCards_forum.pptx
@@ -2,16 +2,16 @@
 <file path=ppt/presentation.xml><?xml version="1.0" encoding="utf-8"?>
 <p:presentation xmlns:a="http://schemas.openxmlformats.org/drawingml/2006/main" xmlns:r="http://schemas.openxmlformats.org/officeDocument/2006/relationships" xmlns:p="http://schemas.openxmlformats.org/presentationml/2006/main">
   <p:sldMasterIdLst>
-    <p:sldMasterId id="2147483648" r:id="rId1"/>
-    <p:sldMasterId id="2147483661" r:id="rId2"/>
+    <p:sldMasterId id="2147483661" r:id="rId1"/>
   </p:sldMasterIdLst>
   <p:sldIdLst>
-    <p:sldId id="256" r:id="rId3"/>
-    <p:sldId id="257" r:id="rId4"/>
-    <p:sldId id="265" r:id="rId5"/>
-    <p:sldId id="258" r:id="rId6"/>
-    <p:sldId id="262" r:id="rId7"/>
-    <p:sldId id="261" r:id="rId8"/>
+    <p:sldId id="256" r:id="rId2"/>
+    <p:sldId id="257" r:id="rId3"/>
+    <p:sldId id="265" r:id="rId4"/>
+    <p:sldId id="258" r:id="rId5"/>
+    <p:sldId id="260" r:id="rId6"/>
+    <p:sldId id="261" r:id="rId7"/>
+    <p:sldId id="262" r:id="rId8"/>
     <p:sldId id="263" r:id="rId9"/>
     <p:sldId id="264" r:id="rId10"/>
   </p:sldIdLst>
@@ -167,7 +167,7 @@
       </p:grpSpPr>
       <p:sp>
         <p:nvSpPr>
-          <p:cNvPr id="26" name="PlaceHolder 1"/>
+          <p:cNvPr id="67" name="PlaceHolder 1"/>
           <p:cNvSpPr>
             <a:spLocks noGrp="1"/>
           </p:cNvSpPr>
@@ -199,7 +199,7 @@
       </p:sp>
       <p:sp>
         <p:nvSpPr>
-          <p:cNvPr id="27" name="PlaceHolder 2"/>
+          <p:cNvPr id="68" name="PlaceHolder 2"/>
           <p:cNvSpPr>
             <a:spLocks noGrp="1"/>
           </p:cNvSpPr>
@@ -233,7 +233,7 @@
       </p:sp>
       <p:sp>
         <p:nvSpPr>
-          <p:cNvPr id="28" name="PlaceHolder 3"/>
+          <p:cNvPr id="69" name="PlaceHolder 3"/>
           <p:cNvSpPr>
             <a:spLocks noGrp="1"/>
           </p:cNvSpPr>
@@ -295,7 +295,7 @@
       </p:grpSpPr>
       <p:sp>
         <p:nvSpPr>
-          <p:cNvPr id="29" name="PlaceHolder 1"/>
+          <p:cNvPr id="70" name="PlaceHolder 1"/>
           <p:cNvSpPr>
             <a:spLocks noGrp="1"/>
           </p:cNvSpPr>
@@ -327,7 +327,7 @@
       </p:sp>
       <p:sp>
         <p:nvSpPr>
-          <p:cNvPr id="30" name="PlaceHolder 2"/>
+          <p:cNvPr id="71" name="PlaceHolder 2"/>
           <p:cNvSpPr>
             <a:spLocks noGrp="1"/>
           </p:cNvSpPr>
@@ -361,7 +361,7 @@
       </p:sp>
       <p:sp>
         <p:nvSpPr>
-          <p:cNvPr id="31" name="PlaceHolder 3"/>
+          <p:cNvPr id="72" name="PlaceHolder 3"/>
           <p:cNvSpPr>
             <a:spLocks noGrp="1"/>
           </p:cNvSpPr>
@@ -395,7 +395,7 @@
       </p:sp>
       <p:sp>
         <p:nvSpPr>
-          <p:cNvPr id="32" name="PlaceHolder 4"/>
+          <p:cNvPr id="73" name="PlaceHolder 4"/>
           <p:cNvSpPr>
             <a:spLocks noGrp="1"/>
           </p:cNvSpPr>
@@ -429,7 +429,7 @@
       </p:sp>
       <p:sp>
         <p:nvSpPr>
-          <p:cNvPr id="33" name="PlaceHolder 5"/>
+          <p:cNvPr id="74" name="PlaceHolder 5"/>
           <p:cNvSpPr>
             <a:spLocks noGrp="1"/>
           </p:cNvSpPr>
@@ -491,7 +491,7 @@
       </p:grpSpPr>
       <p:sp>
         <p:nvSpPr>
-          <p:cNvPr id="34" name="PlaceHolder 1"/>
+          <p:cNvPr id="75" name="PlaceHolder 1"/>
           <p:cNvSpPr>
             <a:spLocks noGrp="1"/>
           </p:cNvSpPr>
@@ -523,7 +523,7 @@
       </p:sp>
       <p:sp>
         <p:nvSpPr>
-          <p:cNvPr id="35" name="PlaceHolder 2"/>
+          <p:cNvPr id="76" name="PlaceHolder 2"/>
           <p:cNvSpPr>
             <a:spLocks noGrp="1"/>
           </p:cNvSpPr>
@@ -557,7 +557,7 @@
       </p:sp>
       <p:sp>
         <p:nvSpPr>
-          <p:cNvPr id="36" name="PlaceHolder 3"/>
+          <p:cNvPr id="77" name="PlaceHolder 3"/>
           <p:cNvSpPr>
             <a:spLocks noGrp="1"/>
           </p:cNvSpPr>
@@ -591,7 +591,7 @@
       </p:sp>
       <p:sp>
         <p:nvSpPr>
-          <p:cNvPr id="37" name="PlaceHolder 4"/>
+          <p:cNvPr id="78" name="PlaceHolder 4"/>
           <p:cNvSpPr>
             <a:spLocks noGrp="1"/>
           </p:cNvSpPr>
@@ -625,7 +625,7 @@
       </p:sp>
       <p:sp>
         <p:nvSpPr>
-          <p:cNvPr id="38" name="PlaceHolder 5"/>
+          <p:cNvPr id="79" name="PlaceHolder 5"/>
           <p:cNvSpPr>
             <a:spLocks noGrp="1"/>
           </p:cNvSpPr>
@@ -659,7 +659,7 @@
       </p:sp>
       <p:sp>
         <p:nvSpPr>
-          <p:cNvPr id="39" name="PlaceHolder 6"/>
+          <p:cNvPr id="80" name="PlaceHolder 6"/>
           <p:cNvSpPr>
             <a:spLocks noGrp="1"/>
           </p:cNvSpPr>
@@ -693,7 +693,7 @@
       </p:sp>
       <p:sp>
         <p:nvSpPr>
-          <p:cNvPr id="40" name="PlaceHolder 7"/>
+          <p:cNvPr id="81" name="PlaceHolder 7"/>
           <p:cNvSpPr>
             <a:spLocks noGrp="1"/>
           </p:cNvSpPr>
@@ -705,626 +705,6 @@
           <a:xfrm>
             <a:off x="838080" y="4098240"/>
             <a:ext cx="3385800" cy="2075040"/>
-          </a:xfrm>
-          <a:prstGeom prst="rect">
-            <a:avLst/>
-          </a:prstGeom>
-        </p:spPr>
-        <p:txBody>
-          <a:bodyPr lIns="0" tIns="0" rIns="0" bIns="0">
-            <a:normAutofit/>
-          </a:bodyPr>
-          <a:lstStyle/>
-          <a:p>
-            <a:endParaRPr lang="fr-FR" sz="2800" b="0" strike="noStrike" spc="-1">
-              <a:solidFill>
-                <a:srgbClr val="000000"/>
-              </a:solidFill>
-              <a:latin typeface="Calibri"/>
-            </a:endParaRPr>
-          </a:p>
-        </p:txBody>
-      </p:sp>
-    </p:spTree>
-  </p:cSld>
-  <p:clrMapOvr>
-    <a:masterClrMapping/>
-  </p:clrMapOvr>
-  <p:transition spd="slow">
-    <p:cover/>
-  </p:transition>
-</p:sldLayout>
-</file>
-
-<file path=ppt/slideLayouts/slideLayout13.xml><?xml version="1.0" encoding="utf-8"?>
-<p:sldLayout xmlns:a="http://schemas.openxmlformats.org/drawingml/2006/main" xmlns:r="http://schemas.openxmlformats.org/officeDocument/2006/relationships" xmlns:p="http://schemas.openxmlformats.org/presentationml/2006/main" type="blank" preserve="1">
-  <p:cSld name="Blank Slide">
-    <p:spTree>
-      <p:nvGrpSpPr>
-        <p:cNvPr id="1" name=""/>
-        <p:cNvGrpSpPr/>
-        <p:nvPr/>
-      </p:nvGrpSpPr>
-      <p:grpSpPr>
-        <a:xfrm>
-          <a:off x="0" y="0"/>
-          <a:ext cx="0" cy="0"/>
-          <a:chOff x="0" y="0"/>
-          <a:chExt cx="0" cy="0"/>
-        </a:xfrm>
-      </p:grpSpPr>
-    </p:spTree>
-  </p:cSld>
-  <p:clrMapOvr>
-    <a:masterClrMapping/>
-  </p:clrMapOvr>
-  <p:transition spd="slow">
-    <p:cover/>
-  </p:transition>
-</p:sldLayout>
-</file>
-
-<file path=ppt/slideLayouts/slideLayout14.xml><?xml version="1.0" encoding="utf-8"?>
-<p:sldLayout xmlns:a="http://schemas.openxmlformats.org/drawingml/2006/main" xmlns:r="http://schemas.openxmlformats.org/officeDocument/2006/relationships" xmlns:p="http://schemas.openxmlformats.org/presentationml/2006/main" type="tx" preserve="1">
-  <p:cSld name="Title Slide">
-    <p:spTree>
-      <p:nvGrpSpPr>
-        <p:cNvPr id="1" name=""/>
-        <p:cNvGrpSpPr/>
-        <p:nvPr/>
-      </p:nvGrpSpPr>
-      <p:grpSpPr>
-        <a:xfrm>
-          <a:off x="0" y="0"/>
-          <a:ext cx="0" cy="0"/>
-          <a:chOff x="0" y="0"/>
-          <a:chExt cx="0" cy="0"/>
-        </a:xfrm>
-      </p:grpSpPr>
-      <p:sp>
-        <p:nvSpPr>
-          <p:cNvPr id="46" name="PlaceHolder 1"/>
-          <p:cNvSpPr>
-            <a:spLocks noGrp="1"/>
-          </p:cNvSpPr>
-          <p:nvPr>
-            <p:ph type="title"/>
-          </p:nvPr>
-        </p:nvSpPr>
-        <p:spPr>
-          <a:xfrm>
-            <a:off x="838080" y="365040"/>
-            <a:ext cx="10515240" cy="1325160"/>
-          </a:xfrm>
-          <a:prstGeom prst="rect">
-            <a:avLst/>
-          </a:prstGeom>
-        </p:spPr>
-        <p:txBody>
-          <a:bodyPr lIns="0" tIns="0" rIns="0" bIns="0" anchor="ctr"/>
-          <a:lstStyle/>
-          <a:p>
-            <a:endParaRPr lang="fr-FR" sz="1800" b="0" strike="noStrike" spc="-1">
-              <a:solidFill>
-                <a:srgbClr val="000000"/>
-              </a:solidFill>
-              <a:latin typeface="Calibri"/>
-            </a:endParaRPr>
-          </a:p>
-        </p:txBody>
-      </p:sp>
-      <p:sp>
-        <p:nvSpPr>
-          <p:cNvPr id="47" name="PlaceHolder 2"/>
-          <p:cNvSpPr>
-            <a:spLocks noGrp="1"/>
-          </p:cNvSpPr>
-          <p:nvPr>
-            <p:ph type="subTitle"/>
-          </p:nvPr>
-        </p:nvSpPr>
-        <p:spPr>
-          <a:xfrm>
-            <a:off x="838080" y="1825560"/>
-            <a:ext cx="10515240" cy="4350960"/>
-          </a:xfrm>
-          <a:prstGeom prst="rect">
-            <a:avLst/>
-          </a:prstGeom>
-        </p:spPr>
-        <p:txBody>
-          <a:bodyPr lIns="0" tIns="0" rIns="0" bIns="0" anchor="ctr"/>
-          <a:lstStyle/>
-          <a:p>
-            <a:pPr algn="ctr"/>
-            <a:endParaRPr lang="fr-FR" sz="3200" b="0" strike="noStrike" spc="-1">
-              <a:latin typeface="Arial"/>
-            </a:endParaRPr>
-          </a:p>
-        </p:txBody>
-      </p:sp>
-    </p:spTree>
-  </p:cSld>
-  <p:clrMapOvr>
-    <a:masterClrMapping/>
-  </p:clrMapOvr>
-  <p:transition spd="slow">
-    <p:cover/>
-  </p:transition>
-</p:sldLayout>
-</file>
-
-<file path=ppt/slideLayouts/slideLayout15.xml><?xml version="1.0" encoding="utf-8"?>
-<p:sldLayout xmlns:a="http://schemas.openxmlformats.org/drawingml/2006/main" xmlns:r="http://schemas.openxmlformats.org/officeDocument/2006/relationships" xmlns:p="http://schemas.openxmlformats.org/presentationml/2006/main" type="obj" preserve="1">
-  <p:cSld name="Title, Content">
-    <p:spTree>
-      <p:nvGrpSpPr>
-        <p:cNvPr id="1" name=""/>
-        <p:cNvGrpSpPr/>
-        <p:nvPr/>
-      </p:nvGrpSpPr>
-      <p:grpSpPr>
-        <a:xfrm>
-          <a:off x="0" y="0"/>
-          <a:ext cx="0" cy="0"/>
-          <a:chOff x="0" y="0"/>
-          <a:chExt cx="0" cy="0"/>
-        </a:xfrm>
-      </p:grpSpPr>
-      <p:sp>
-        <p:nvSpPr>
-          <p:cNvPr id="48" name="PlaceHolder 1"/>
-          <p:cNvSpPr>
-            <a:spLocks noGrp="1"/>
-          </p:cNvSpPr>
-          <p:nvPr>
-            <p:ph type="title"/>
-          </p:nvPr>
-        </p:nvSpPr>
-        <p:spPr>
-          <a:xfrm>
-            <a:off x="838080" y="365040"/>
-            <a:ext cx="10515240" cy="1325160"/>
-          </a:xfrm>
-          <a:prstGeom prst="rect">
-            <a:avLst/>
-          </a:prstGeom>
-        </p:spPr>
-        <p:txBody>
-          <a:bodyPr lIns="0" tIns="0" rIns="0" bIns="0" anchor="ctr"/>
-          <a:lstStyle/>
-          <a:p>
-            <a:endParaRPr lang="fr-FR" sz="1800" b="0" strike="noStrike" spc="-1">
-              <a:solidFill>
-                <a:srgbClr val="000000"/>
-              </a:solidFill>
-              <a:latin typeface="Calibri"/>
-            </a:endParaRPr>
-          </a:p>
-        </p:txBody>
-      </p:sp>
-      <p:sp>
-        <p:nvSpPr>
-          <p:cNvPr id="49" name="PlaceHolder 2"/>
-          <p:cNvSpPr>
-            <a:spLocks noGrp="1"/>
-          </p:cNvSpPr>
-          <p:nvPr>
-            <p:ph type="body"/>
-          </p:nvPr>
-        </p:nvSpPr>
-        <p:spPr>
-          <a:xfrm>
-            <a:off x="838080" y="1825560"/>
-            <a:ext cx="10515240" cy="4350960"/>
-          </a:xfrm>
-          <a:prstGeom prst="rect">
-            <a:avLst/>
-          </a:prstGeom>
-        </p:spPr>
-        <p:txBody>
-          <a:bodyPr lIns="0" tIns="0" rIns="0" bIns="0">
-            <a:normAutofit/>
-          </a:bodyPr>
-          <a:lstStyle/>
-          <a:p>
-            <a:endParaRPr lang="fr-FR" sz="2800" b="0" strike="noStrike" spc="-1">
-              <a:solidFill>
-                <a:srgbClr val="000000"/>
-              </a:solidFill>
-              <a:latin typeface="Calibri"/>
-            </a:endParaRPr>
-          </a:p>
-        </p:txBody>
-      </p:sp>
-    </p:spTree>
-  </p:cSld>
-  <p:clrMapOvr>
-    <a:masterClrMapping/>
-  </p:clrMapOvr>
-  <p:transition spd="slow">
-    <p:cover/>
-  </p:transition>
-</p:sldLayout>
-</file>
-
-<file path=ppt/slideLayouts/slideLayout16.xml><?xml version="1.0" encoding="utf-8"?>
-<p:sldLayout xmlns:a="http://schemas.openxmlformats.org/drawingml/2006/main" xmlns:r="http://schemas.openxmlformats.org/officeDocument/2006/relationships" xmlns:p="http://schemas.openxmlformats.org/presentationml/2006/main" type="twoObj" preserve="1">
-  <p:cSld name="Title, 2 Content">
-    <p:spTree>
-      <p:nvGrpSpPr>
-        <p:cNvPr id="1" name=""/>
-        <p:cNvGrpSpPr/>
-        <p:nvPr/>
-      </p:nvGrpSpPr>
-      <p:grpSpPr>
-        <a:xfrm>
-          <a:off x="0" y="0"/>
-          <a:ext cx="0" cy="0"/>
-          <a:chOff x="0" y="0"/>
-          <a:chExt cx="0" cy="0"/>
-        </a:xfrm>
-      </p:grpSpPr>
-      <p:sp>
-        <p:nvSpPr>
-          <p:cNvPr id="50" name="PlaceHolder 1"/>
-          <p:cNvSpPr>
-            <a:spLocks noGrp="1"/>
-          </p:cNvSpPr>
-          <p:nvPr>
-            <p:ph type="title"/>
-          </p:nvPr>
-        </p:nvSpPr>
-        <p:spPr>
-          <a:xfrm>
-            <a:off x="838080" y="365040"/>
-            <a:ext cx="10515240" cy="1325160"/>
-          </a:xfrm>
-          <a:prstGeom prst="rect">
-            <a:avLst/>
-          </a:prstGeom>
-        </p:spPr>
-        <p:txBody>
-          <a:bodyPr lIns="0" tIns="0" rIns="0" bIns="0" anchor="ctr"/>
-          <a:lstStyle/>
-          <a:p>
-            <a:endParaRPr lang="fr-FR" sz="1800" b="0" strike="noStrike" spc="-1">
-              <a:solidFill>
-                <a:srgbClr val="000000"/>
-              </a:solidFill>
-              <a:latin typeface="Calibri"/>
-            </a:endParaRPr>
-          </a:p>
-        </p:txBody>
-      </p:sp>
-      <p:sp>
-        <p:nvSpPr>
-          <p:cNvPr id="51" name="PlaceHolder 2"/>
-          <p:cNvSpPr>
-            <a:spLocks noGrp="1"/>
-          </p:cNvSpPr>
-          <p:nvPr>
-            <p:ph type="body"/>
-          </p:nvPr>
-        </p:nvSpPr>
-        <p:spPr>
-          <a:xfrm>
-            <a:off x="838080" y="1825560"/>
-            <a:ext cx="5131080" cy="4350960"/>
-          </a:xfrm>
-          <a:prstGeom prst="rect">
-            <a:avLst/>
-          </a:prstGeom>
-        </p:spPr>
-        <p:txBody>
-          <a:bodyPr lIns="0" tIns="0" rIns="0" bIns="0">
-            <a:normAutofit/>
-          </a:bodyPr>
-          <a:lstStyle/>
-          <a:p>
-            <a:endParaRPr lang="fr-FR" sz="2800" b="0" strike="noStrike" spc="-1">
-              <a:solidFill>
-                <a:srgbClr val="000000"/>
-              </a:solidFill>
-              <a:latin typeface="Calibri"/>
-            </a:endParaRPr>
-          </a:p>
-        </p:txBody>
-      </p:sp>
-      <p:sp>
-        <p:nvSpPr>
-          <p:cNvPr id="52" name="PlaceHolder 3"/>
-          <p:cNvSpPr>
-            <a:spLocks noGrp="1"/>
-          </p:cNvSpPr>
-          <p:nvPr>
-            <p:ph type="body"/>
-          </p:nvPr>
-        </p:nvSpPr>
-        <p:spPr>
-          <a:xfrm>
-            <a:off x="6226200" y="1825560"/>
-            <a:ext cx="5131080" cy="4350960"/>
-          </a:xfrm>
-          <a:prstGeom prst="rect">
-            <a:avLst/>
-          </a:prstGeom>
-        </p:spPr>
-        <p:txBody>
-          <a:bodyPr lIns="0" tIns="0" rIns="0" bIns="0">
-            <a:normAutofit/>
-          </a:bodyPr>
-          <a:lstStyle/>
-          <a:p>
-            <a:endParaRPr lang="fr-FR" sz="2800" b="0" strike="noStrike" spc="-1">
-              <a:solidFill>
-                <a:srgbClr val="000000"/>
-              </a:solidFill>
-              <a:latin typeface="Calibri"/>
-            </a:endParaRPr>
-          </a:p>
-        </p:txBody>
-      </p:sp>
-    </p:spTree>
-  </p:cSld>
-  <p:clrMapOvr>
-    <a:masterClrMapping/>
-  </p:clrMapOvr>
-  <p:transition spd="slow">
-    <p:cover/>
-  </p:transition>
-</p:sldLayout>
-</file>
-
-<file path=ppt/slideLayouts/slideLayout17.xml><?xml version="1.0" encoding="utf-8"?>
-<p:sldLayout xmlns:a="http://schemas.openxmlformats.org/drawingml/2006/main" xmlns:r="http://schemas.openxmlformats.org/officeDocument/2006/relationships" xmlns:p="http://schemas.openxmlformats.org/presentationml/2006/main" type="titleOnly" preserve="1">
-  <p:cSld name="Title Only">
-    <p:spTree>
-      <p:nvGrpSpPr>
-        <p:cNvPr id="1" name=""/>
-        <p:cNvGrpSpPr/>
-        <p:nvPr/>
-      </p:nvGrpSpPr>
-      <p:grpSpPr>
-        <a:xfrm>
-          <a:off x="0" y="0"/>
-          <a:ext cx="0" cy="0"/>
-          <a:chOff x="0" y="0"/>
-          <a:chExt cx="0" cy="0"/>
-        </a:xfrm>
-      </p:grpSpPr>
-      <p:sp>
-        <p:nvSpPr>
-          <p:cNvPr id="53" name="PlaceHolder 1"/>
-          <p:cNvSpPr>
-            <a:spLocks noGrp="1"/>
-          </p:cNvSpPr>
-          <p:nvPr>
-            <p:ph type="title"/>
-          </p:nvPr>
-        </p:nvSpPr>
-        <p:spPr>
-          <a:xfrm>
-            <a:off x="838080" y="365040"/>
-            <a:ext cx="10515240" cy="1325160"/>
-          </a:xfrm>
-          <a:prstGeom prst="rect">
-            <a:avLst/>
-          </a:prstGeom>
-        </p:spPr>
-        <p:txBody>
-          <a:bodyPr lIns="0" tIns="0" rIns="0" bIns="0" anchor="ctr"/>
-          <a:lstStyle/>
-          <a:p>
-            <a:endParaRPr lang="fr-FR" sz="1800" b="0" strike="noStrike" spc="-1">
-              <a:solidFill>
-                <a:srgbClr val="000000"/>
-              </a:solidFill>
-              <a:latin typeface="Calibri"/>
-            </a:endParaRPr>
-          </a:p>
-        </p:txBody>
-      </p:sp>
-    </p:spTree>
-  </p:cSld>
-  <p:clrMapOvr>
-    <a:masterClrMapping/>
-  </p:clrMapOvr>
-  <p:transition spd="slow">
-    <p:cover/>
-  </p:transition>
-</p:sldLayout>
-</file>
-
-<file path=ppt/slideLayouts/slideLayout18.xml><?xml version="1.0" encoding="utf-8"?>
-<p:sldLayout xmlns:a="http://schemas.openxmlformats.org/drawingml/2006/main" xmlns:r="http://schemas.openxmlformats.org/officeDocument/2006/relationships" xmlns:p="http://schemas.openxmlformats.org/presentationml/2006/main" type="objOnly" preserve="1">
-  <p:cSld name="Centered Text">
-    <p:spTree>
-      <p:nvGrpSpPr>
-        <p:cNvPr id="1" name=""/>
-        <p:cNvGrpSpPr/>
-        <p:nvPr/>
-      </p:nvGrpSpPr>
-      <p:grpSpPr>
-        <a:xfrm>
-          <a:off x="0" y="0"/>
-          <a:ext cx="0" cy="0"/>
-          <a:chOff x="0" y="0"/>
-          <a:chExt cx="0" cy="0"/>
-        </a:xfrm>
-      </p:grpSpPr>
-      <p:sp>
-        <p:nvSpPr>
-          <p:cNvPr id="54" name="PlaceHolder 1"/>
-          <p:cNvSpPr>
-            <a:spLocks noGrp="1"/>
-          </p:cNvSpPr>
-          <p:nvPr>
-            <p:ph type="subTitle"/>
-          </p:nvPr>
-        </p:nvSpPr>
-        <p:spPr>
-          <a:xfrm>
-            <a:off x="838080" y="365040"/>
-            <a:ext cx="10515240" cy="6144120"/>
-          </a:xfrm>
-          <a:prstGeom prst="rect">
-            <a:avLst/>
-          </a:prstGeom>
-        </p:spPr>
-        <p:txBody>
-          <a:bodyPr lIns="0" tIns="0" rIns="0" bIns="0" anchor="ctr"/>
-          <a:lstStyle/>
-          <a:p>
-            <a:pPr algn="ctr"/>
-            <a:endParaRPr lang="fr-FR" sz="3200" b="0" strike="noStrike" spc="-1">
-              <a:latin typeface="Arial"/>
-            </a:endParaRPr>
-          </a:p>
-        </p:txBody>
-      </p:sp>
-    </p:spTree>
-  </p:cSld>
-  <p:clrMapOvr>
-    <a:masterClrMapping/>
-  </p:clrMapOvr>
-  <p:transition spd="slow">
-    <p:cover/>
-  </p:transition>
-</p:sldLayout>
-</file>
-
-<file path=ppt/slideLayouts/slideLayout19.xml><?xml version="1.0" encoding="utf-8"?>
-<p:sldLayout xmlns:a="http://schemas.openxmlformats.org/drawingml/2006/main" xmlns:r="http://schemas.openxmlformats.org/officeDocument/2006/relationships" xmlns:p="http://schemas.openxmlformats.org/presentationml/2006/main" type="twoObjAndObj" preserve="1">
-  <p:cSld name="Title, 2 Content and Content">
-    <p:spTree>
-      <p:nvGrpSpPr>
-        <p:cNvPr id="1" name=""/>
-        <p:cNvGrpSpPr/>
-        <p:nvPr/>
-      </p:nvGrpSpPr>
-      <p:grpSpPr>
-        <a:xfrm>
-          <a:off x="0" y="0"/>
-          <a:ext cx="0" cy="0"/>
-          <a:chOff x="0" y="0"/>
-          <a:chExt cx="0" cy="0"/>
-        </a:xfrm>
-      </p:grpSpPr>
-      <p:sp>
-        <p:nvSpPr>
-          <p:cNvPr id="55" name="PlaceHolder 1"/>
-          <p:cNvSpPr>
-            <a:spLocks noGrp="1"/>
-          </p:cNvSpPr>
-          <p:nvPr>
-            <p:ph type="title"/>
-          </p:nvPr>
-        </p:nvSpPr>
-        <p:spPr>
-          <a:xfrm>
-            <a:off x="838080" y="365040"/>
-            <a:ext cx="10515240" cy="1325160"/>
-          </a:xfrm>
-          <a:prstGeom prst="rect">
-            <a:avLst/>
-          </a:prstGeom>
-        </p:spPr>
-        <p:txBody>
-          <a:bodyPr lIns="0" tIns="0" rIns="0" bIns="0" anchor="ctr"/>
-          <a:lstStyle/>
-          <a:p>
-            <a:endParaRPr lang="fr-FR" sz="1800" b="0" strike="noStrike" spc="-1">
-              <a:solidFill>
-                <a:srgbClr val="000000"/>
-              </a:solidFill>
-              <a:latin typeface="Calibri"/>
-            </a:endParaRPr>
-          </a:p>
-        </p:txBody>
-      </p:sp>
-      <p:sp>
-        <p:nvSpPr>
-          <p:cNvPr id="56" name="PlaceHolder 2"/>
-          <p:cNvSpPr>
-            <a:spLocks noGrp="1"/>
-          </p:cNvSpPr>
-          <p:nvPr>
-            <p:ph type="body"/>
-          </p:nvPr>
-        </p:nvSpPr>
-        <p:spPr>
-          <a:xfrm>
-            <a:off x="838080" y="1825560"/>
-            <a:ext cx="5131080" cy="2075040"/>
-          </a:xfrm>
-          <a:prstGeom prst="rect">
-            <a:avLst/>
-          </a:prstGeom>
-        </p:spPr>
-        <p:txBody>
-          <a:bodyPr lIns="0" tIns="0" rIns="0" bIns="0">
-            <a:normAutofit/>
-          </a:bodyPr>
-          <a:lstStyle/>
-          <a:p>
-            <a:endParaRPr lang="fr-FR" sz="2800" b="0" strike="noStrike" spc="-1">
-              <a:solidFill>
-                <a:srgbClr val="000000"/>
-              </a:solidFill>
-              <a:latin typeface="Calibri"/>
-            </a:endParaRPr>
-          </a:p>
-        </p:txBody>
-      </p:sp>
-      <p:sp>
-        <p:nvSpPr>
-          <p:cNvPr id="57" name="PlaceHolder 3"/>
-          <p:cNvSpPr>
-            <a:spLocks noGrp="1"/>
-          </p:cNvSpPr>
-          <p:nvPr>
-            <p:ph type="body"/>
-          </p:nvPr>
-        </p:nvSpPr>
-        <p:spPr>
-          <a:xfrm>
-            <a:off x="838080" y="4098240"/>
-            <a:ext cx="5131080" cy="2075040"/>
-          </a:xfrm>
-          <a:prstGeom prst="rect">
-            <a:avLst/>
-          </a:prstGeom>
-        </p:spPr>
-        <p:txBody>
-          <a:bodyPr lIns="0" tIns="0" rIns="0" bIns="0">
-            <a:normAutofit/>
-          </a:bodyPr>
-          <a:lstStyle/>
-          <a:p>
-            <a:endParaRPr lang="fr-FR" sz="2800" b="0" strike="noStrike" spc="-1">
-              <a:solidFill>
-                <a:srgbClr val="000000"/>
-              </a:solidFill>
-              <a:latin typeface="Calibri"/>
-            </a:endParaRPr>
-          </a:p>
-        </p:txBody>
-      </p:sp>
-      <p:sp>
-        <p:nvSpPr>
-          <p:cNvPr id="58" name="PlaceHolder 4"/>
-          <p:cNvSpPr>
-            <a:spLocks noGrp="1"/>
-          </p:cNvSpPr>
-          <p:nvPr>
-            <p:ph type="body"/>
-          </p:nvPr>
-        </p:nvSpPr>
-        <p:spPr>
-          <a:xfrm>
-            <a:off x="6226200" y="1825560"/>
-            <a:ext cx="5131080" cy="4350960"/>
           </a:xfrm>
           <a:prstGeom prst="rect">
             <a:avLst/>
@@ -1375,7 +755,7 @@
       </p:grpSpPr>
       <p:sp>
         <p:nvSpPr>
-          <p:cNvPr id="5" name="PlaceHolder 1"/>
+          <p:cNvPr id="46" name="PlaceHolder 1"/>
           <p:cNvSpPr>
             <a:spLocks noGrp="1"/>
           </p:cNvSpPr>
@@ -1407,7 +787,7 @@
       </p:sp>
       <p:sp>
         <p:nvSpPr>
-          <p:cNvPr id="6" name="PlaceHolder 2"/>
+          <p:cNvPr id="47" name="PlaceHolder 2"/>
           <p:cNvSpPr>
             <a:spLocks noGrp="1"/>
           </p:cNvSpPr>
@@ -1431,918 +811,6 @@
             <a:pPr algn="ctr"/>
             <a:endParaRPr lang="fr-FR" sz="3200" b="0" strike="noStrike" spc="-1">
               <a:latin typeface="Arial"/>
-            </a:endParaRPr>
-          </a:p>
-        </p:txBody>
-      </p:sp>
-    </p:spTree>
-  </p:cSld>
-  <p:clrMapOvr>
-    <a:masterClrMapping/>
-  </p:clrMapOvr>
-  <p:transition spd="slow">
-    <p:cover/>
-  </p:transition>
-</p:sldLayout>
-</file>
-
-<file path=ppt/slideLayouts/slideLayout20.xml><?xml version="1.0" encoding="utf-8"?>
-<p:sldLayout xmlns:a="http://schemas.openxmlformats.org/drawingml/2006/main" xmlns:r="http://schemas.openxmlformats.org/officeDocument/2006/relationships" xmlns:p="http://schemas.openxmlformats.org/presentationml/2006/main" type="objAndTwoObj" preserve="1">
-  <p:cSld name="Title Content and 2 Content">
-    <p:spTree>
-      <p:nvGrpSpPr>
-        <p:cNvPr id="1" name=""/>
-        <p:cNvGrpSpPr/>
-        <p:nvPr/>
-      </p:nvGrpSpPr>
-      <p:grpSpPr>
-        <a:xfrm>
-          <a:off x="0" y="0"/>
-          <a:ext cx="0" cy="0"/>
-          <a:chOff x="0" y="0"/>
-          <a:chExt cx="0" cy="0"/>
-        </a:xfrm>
-      </p:grpSpPr>
-      <p:sp>
-        <p:nvSpPr>
-          <p:cNvPr id="59" name="PlaceHolder 1"/>
-          <p:cNvSpPr>
-            <a:spLocks noGrp="1"/>
-          </p:cNvSpPr>
-          <p:nvPr>
-            <p:ph type="title"/>
-          </p:nvPr>
-        </p:nvSpPr>
-        <p:spPr>
-          <a:xfrm>
-            <a:off x="838080" y="365040"/>
-            <a:ext cx="10515240" cy="1325160"/>
-          </a:xfrm>
-          <a:prstGeom prst="rect">
-            <a:avLst/>
-          </a:prstGeom>
-        </p:spPr>
-        <p:txBody>
-          <a:bodyPr lIns="0" tIns="0" rIns="0" bIns="0" anchor="ctr"/>
-          <a:lstStyle/>
-          <a:p>
-            <a:endParaRPr lang="fr-FR" sz="1800" b="0" strike="noStrike" spc="-1">
-              <a:solidFill>
-                <a:srgbClr val="000000"/>
-              </a:solidFill>
-              <a:latin typeface="Calibri"/>
-            </a:endParaRPr>
-          </a:p>
-        </p:txBody>
-      </p:sp>
-      <p:sp>
-        <p:nvSpPr>
-          <p:cNvPr id="60" name="PlaceHolder 2"/>
-          <p:cNvSpPr>
-            <a:spLocks noGrp="1"/>
-          </p:cNvSpPr>
-          <p:nvPr>
-            <p:ph type="body"/>
-          </p:nvPr>
-        </p:nvSpPr>
-        <p:spPr>
-          <a:xfrm>
-            <a:off x="838080" y="1825560"/>
-            <a:ext cx="5131080" cy="4350960"/>
-          </a:xfrm>
-          <a:prstGeom prst="rect">
-            <a:avLst/>
-          </a:prstGeom>
-        </p:spPr>
-        <p:txBody>
-          <a:bodyPr lIns="0" tIns="0" rIns="0" bIns="0">
-            <a:normAutofit/>
-          </a:bodyPr>
-          <a:lstStyle/>
-          <a:p>
-            <a:endParaRPr lang="fr-FR" sz="2800" b="0" strike="noStrike" spc="-1">
-              <a:solidFill>
-                <a:srgbClr val="000000"/>
-              </a:solidFill>
-              <a:latin typeface="Calibri"/>
-            </a:endParaRPr>
-          </a:p>
-        </p:txBody>
-      </p:sp>
-      <p:sp>
-        <p:nvSpPr>
-          <p:cNvPr id="61" name="PlaceHolder 3"/>
-          <p:cNvSpPr>
-            <a:spLocks noGrp="1"/>
-          </p:cNvSpPr>
-          <p:nvPr>
-            <p:ph type="body"/>
-          </p:nvPr>
-        </p:nvSpPr>
-        <p:spPr>
-          <a:xfrm>
-            <a:off x="6226200" y="1825560"/>
-            <a:ext cx="5131080" cy="2075040"/>
-          </a:xfrm>
-          <a:prstGeom prst="rect">
-            <a:avLst/>
-          </a:prstGeom>
-        </p:spPr>
-        <p:txBody>
-          <a:bodyPr lIns="0" tIns="0" rIns="0" bIns="0">
-            <a:normAutofit/>
-          </a:bodyPr>
-          <a:lstStyle/>
-          <a:p>
-            <a:endParaRPr lang="fr-FR" sz="2800" b="0" strike="noStrike" spc="-1">
-              <a:solidFill>
-                <a:srgbClr val="000000"/>
-              </a:solidFill>
-              <a:latin typeface="Calibri"/>
-            </a:endParaRPr>
-          </a:p>
-        </p:txBody>
-      </p:sp>
-      <p:sp>
-        <p:nvSpPr>
-          <p:cNvPr id="62" name="PlaceHolder 4"/>
-          <p:cNvSpPr>
-            <a:spLocks noGrp="1"/>
-          </p:cNvSpPr>
-          <p:nvPr>
-            <p:ph type="body"/>
-          </p:nvPr>
-        </p:nvSpPr>
-        <p:spPr>
-          <a:xfrm>
-            <a:off x="6226200" y="4098240"/>
-            <a:ext cx="5131080" cy="2075040"/>
-          </a:xfrm>
-          <a:prstGeom prst="rect">
-            <a:avLst/>
-          </a:prstGeom>
-        </p:spPr>
-        <p:txBody>
-          <a:bodyPr lIns="0" tIns="0" rIns="0" bIns="0">
-            <a:normAutofit/>
-          </a:bodyPr>
-          <a:lstStyle/>
-          <a:p>
-            <a:endParaRPr lang="fr-FR" sz="2800" b="0" strike="noStrike" spc="-1">
-              <a:solidFill>
-                <a:srgbClr val="000000"/>
-              </a:solidFill>
-              <a:latin typeface="Calibri"/>
-            </a:endParaRPr>
-          </a:p>
-        </p:txBody>
-      </p:sp>
-    </p:spTree>
-  </p:cSld>
-  <p:clrMapOvr>
-    <a:masterClrMapping/>
-  </p:clrMapOvr>
-  <p:transition spd="slow">
-    <p:cover/>
-  </p:transition>
-</p:sldLayout>
-</file>
-
-<file path=ppt/slideLayouts/slideLayout21.xml><?xml version="1.0" encoding="utf-8"?>
-<p:sldLayout xmlns:a="http://schemas.openxmlformats.org/drawingml/2006/main" xmlns:r="http://schemas.openxmlformats.org/officeDocument/2006/relationships" xmlns:p="http://schemas.openxmlformats.org/presentationml/2006/main" type="twoObjOverTx" preserve="1">
-  <p:cSld name="Title, 2 Content over Content">
-    <p:spTree>
-      <p:nvGrpSpPr>
-        <p:cNvPr id="1" name=""/>
-        <p:cNvGrpSpPr/>
-        <p:nvPr/>
-      </p:nvGrpSpPr>
-      <p:grpSpPr>
-        <a:xfrm>
-          <a:off x="0" y="0"/>
-          <a:ext cx="0" cy="0"/>
-          <a:chOff x="0" y="0"/>
-          <a:chExt cx="0" cy="0"/>
-        </a:xfrm>
-      </p:grpSpPr>
-      <p:sp>
-        <p:nvSpPr>
-          <p:cNvPr id="63" name="PlaceHolder 1"/>
-          <p:cNvSpPr>
-            <a:spLocks noGrp="1"/>
-          </p:cNvSpPr>
-          <p:nvPr>
-            <p:ph type="title"/>
-          </p:nvPr>
-        </p:nvSpPr>
-        <p:spPr>
-          <a:xfrm>
-            <a:off x="838080" y="365040"/>
-            <a:ext cx="10515240" cy="1325160"/>
-          </a:xfrm>
-          <a:prstGeom prst="rect">
-            <a:avLst/>
-          </a:prstGeom>
-        </p:spPr>
-        <p:txBody>
-          <a:bodyPr lIns="0" tIns="0" rIns="0" bIns="0" anchor="ctr"/>
-          <a:lstStyle/>
-          <a:p>
-            <a:endParaRPr lang="fr-FR" sz="1800" b="0" strike="noStrike" spc="-1">
-              <a:solidFill>
-                <a:srgbClr val="000000"/>
-              </a:solidFill>
-              <a:latin typeface="Calibri"/>
-            </a:endParaRPr>
-          </a:p>
-        </p:txBody>
-      </p:sp>
-      <p:sp>
-        <p:nvSpPr>
-          <p:cNvPr id="64" name="PlaceHolder 2"/>
-          <p:cNvSpPr>
-            <a:spLocks noGrp="1"/>
-          </p:cNvSpPr>
-          <p:nvPr>
-            <p:ph type="body"/>
-          </p:nvPr>
-        </p:nvSpPr>
-        <p:spPr>
-          <a:xfrm>
-            <a:off x="838080" y="1825560"/>
-            <a:ext cx="5131080" cy="2075040"/>
-          </a:xfrm>
-          <a:prstGeom prst="rect">
-            <a:avLst/>
-          </a:prstGeom>
-        </p:spPr>
-        <p:txBody>
-          <a:bodyPr lIns="0" tIns="0" rIns="0" bIns="0">
-            <a:normAutofit/>
-          </a:bodyPr>
-          <a:lstStyle/>
-          <a:p>
-            <a:endParaRPr lang="fr-FR" sz="2800" b="0" strike="noStrike" spc="-1">
-              <a:solidFill>
-                <a:srgbClr val="000000"/>
-              </a:solidFill>
-              <a:latin typeface="Calibri"/>
-            </a:endParaRPr>
-          </a:p>
-        </p:txBody>
-      </p:sp>
-      <p:sp>
-        <p:nvSpPr>
-          <p:cNvPr id="65" name="PlaceHolder 3"/>
-          <p:cNvSpPr>
-            <a:spLocks noGrp="1"/>
-          </p:cNvSpPr>
-          <p:nvPr>
-            <p:ph type="body"/>
-          </p:nvPr>
-        </p:nvSpPr>
-        <p:spPr>
-          <a:xfrm>
-            <a:off x="6226200" y="1825560"/>
-            <a:ext cx="5131080" cy="2075040"/>
-          </a:xfrm>
-          <a:prstGeom prst="rect">
-            <a:avLst/>
-          </a:prstGeom>
-        </p:spPr>
-        <p:txBody>
-          <a:bodyPr lIns="0" tIns="0" rIns="0" bIns="0">
-            <a:normAutofit/>
-          </a:bodyPr>
-          <a:lstStyle/>
-          <a:p>
-            <a:endParaRPr lang="fr-FR" sz="2800" b="0" strike="noStrike" spc="-1">
-              <a:solidFill>
-                <a:srgbClr val="000000"/>
-              </a:solidFill>
-              <a:latin typeface="Calibri"/>
-            </a:endParaRPr>
-          </a:p>
-        </p:txBody>
-      </p:sp>
-      <p:sp>
-        <p:nvSpPr>
-          <p:cNvPr id="66" name="PlaceHolder 4"/>
-          <p:cNvSpPr>
-            <a:spLocks noGrp="1"/>
-          </p:cNvSpPr>
-          <p:nvPr>
-            <p:ph type="body"/>
-          </p:nvPr>
-        </p:nvSpPr>
-        <p:spPr>
-          <a:xfrm>
-            <a:off x="838080" y="4098240"/>
-            <a:ext cx="10515240" cy="2075040"/>
-          </a:xfrm>
-          <a:prstGeom prst="rect">
-            <a:avLst/>
-          </a:prstGeom>
-        </p:spPr>
-        <p:txBody>
-          <a:bodyPr lIns="0" tIns="0" rIns="0" bIns="0">
-            <a:normAutofit/>
-          </a:bodyPr>
-          <a:lstStyle/>
-          <a:p>
-            <a:endParaRPr lang="fr-FR" sz="2800" b="0" strike="noStrike" spc="-1">
-              <a:solidFill>
-                <a:srgbClr val="000000"/>
-              </a:solidFill>
-              <a:latin typeface="Calibri"/>
-            </a:endParaRPr>
-          </a:p>
-        </p:txBody>
-      </p:sp>
-    </p:spTree>
-  </p:cSld>
-  <p:clrMapOvr>
-    <a:masterClrMapping/>
-  </p:clrMapOvr>
-  <p:transition spd="slow">
-    <p:cover/>
-  </p:transition>
-</p:sldLayout>
-</file>
-
-<file path=ppt/slideLayouts/slideLayout22.xml><?xml version="1.0" encoding="utf-8"?>
-<p:sldLayout xmlns:a="http://schemas.openxmlformats.org/drawingml/2006/main" xmlns:r="http://schemas.openxmlformats.org/officeDocument/2006/relationships" xmlns:p="http://schemas.openxmlformats.org/presentationml/2006/main" type="objOverTx" preserve="1">
-  <p:cSld name="Title, Content over Content">
-    <p:spTree>
-      <p:nvGrpSpPr>
-        <p:cNvPr id="1" name=""/>
-        <p:cNvGrpSpPr/>
-        <p:nvPr/>
-      </p:nvGrpSpPr>
-      <p:grpSpPr>
-        <a:xfrm>
-          <a:off x="0" y="0"/>
-          <a:ext cx="0" cy="0"/>
-          <a:chOff x="0" y="0"/>
-          <a:chExt cx="0" cy="0"/>
-        </a:xfrm>
-      </p:grpSpPr>
-      <p:sp>
-        <p:nvSpPr>
-          <p:cNvPr id="67" name="PlaceHolder 1"/>
-          <p:cNvSpPr>
-            <a:spLocks noGrp="1"/>
-          </p:cNvSpPr>
-          <p:nvPr>
-            <p:ph type="title"/>
-          </p:nvPr>
-        </p:nvSpPr>
-        <p:spPr>
-          <a:xfrm>
-            <a:off x="838080" y="365040"/>
-            <a:ext cx="10515240" cy="1325160"/>
-          </a:xfrm>
-          <a:prstGeom prst="rect">
-            <a:avLst/>
-          </a:prstGeom>
-        </p:spPr>
-        <p:txBody>
-          <a:bodyPr lIns="0" tIns="0" rIns="0" bIns="0" anchor="ctr"/>
-          <a:lstStyle/>
-          <a:p>
-            <a:endParaRPr lang="fr-FR" sz="1800" b="0" strike="noStrike" spc="-1">
-              <a:solidFill>
-                <a:srgbClr val="000000"/>
-              </a:solidFill>
-              <a:latin typeface="Calibri"/>
-            </a:endParaRPr>
-          </a:p>
-        </p:txBody>
-      </p:sp>
-      <p:sp>
-        <p:nvSpPr>
-          <p:cNvPr id="68" name="PlaceHolder 2"/>
-          <p:cNvSpPr>
-            <a:spLocks noGrp="1"/>
-          </p:cNvSpPr>
-          <p:nvPr>
-            <p:ph type="body"/>
-          </p:nvPr>
-        </p:nvSpPr>
-        <p:spPr>
-          <a:xfrm>
-            <a:off x="838080" y="1825560"/>
-            <a:ext cx="10515240" cy="2075040"/>
-          </a:xfrm>
-          <a:prstGeom prst="rect">
-            <a:avLst/>
-          </a:prstGeom>
-        </p:spPr>
-        <p:txBody>
-          <a:bodyPr lIns="0" tIns="0" rIns="0" bIns="0">
-            <a:normAutofit/>
-          </a:bodyPr>
-          <a:lstStyle/>
-          <a:p>
-            <a:endParaRPr lang="fr-FR" sz="2800" b="0" strike="noStrike" spc="-1">
-              <a:solidFill>
-                <a:srgbClr val="000000"/>
-              </a:solidFill>
-              <a:latin typeface="Calibri"/>
-            </a:endParaRPr>
-          </a:p>
-        </p:txBody>
-      </p:sp>
-      <p:sp>
-        <p:nvSpPr>
-          <p:cNvPr id="69" name="PlaceHolder 3"/>
-          <p:cNvSpPr>
-            <a:spLocks noGrp="1"/>
-          </p:cNvSpPr>
-          <p:nvPr>
-            <p:ph type="body"/>
-          </p:nvPr>
-        </p:nvSpPr>
-        <p:spPr>
-          <a:xfrm>
-            <a:off x="838080" y="4098240"/>
-            <a:ext cx="10515240" cy="2075040"/>
-          </a:xfrm>
-          <a:prstGeom prst="rect">
-            <a:avLst/>
-          </a:prstGeom>
-        </p:spPr>
-        <p:txBody>
-          <a:bodyPr lIns="0" tIns="0" rIns="0" bIns="0">
-            <a:normAutofit/>
-          </a:bodyPr>
-          <a:lstStyle/>
-          <a:p>
-            <a:endParaRPr lang="fr-FR" sz="2800" b="0" strike="noStrike" spc="-1">
-              <a:solidFill>
-                <a:srgbClr val="000000"/>
-              </a:solidFill>
-              <a:latin typeface="Calibri"/>
-            </a:endParaRPr>
-          </a:p>
-        </p:txBody>
-      </p:sp>
-    </p:spTree>
-  </p:cSld>
-  <p:clrMapOvr>
-    <a:masterClrMapping/>
-  </p:clrMapOvr>
-  <p:transition spd="slow">
-    <p:cover/>
-  </p:transition>
-</p:sldLayout>
-</file>
-
-<file path=ppt/slideLayouts/slideLayout23.xml><?xml version="1.0" encoding="utf-8"?>
-<p:sldLayout xmlns:a="http://schemas.openxmlformats.org/drawingml/2006/main" xmlns:r="http://schemas.openxmlformats.org/officeDocument/2006/relationships" xmlns:p="http://schemas.openxmlformats.org/presentationml/2006/main" type="fourObj" preserve="1">
-  <p:cSld name="Title, 4 Content">
-    <p:spTree>
-      <p:nvGrpSpPr>
-        <p:cNvPr id="1" name=""/>
-        <p:cNvGrpSpPr/>
-        <p:nvPr/>
-      </p:nvGrpSpPr>
-      <p:grpSpPr>
-        <a:xfrm>
-          <a:off x="0" y="0"/>
-          <a:ext cx="0" cy="0"/>
-          <a:chOff x="0" y="0"/>
-          <a:chExt cx="0" cy="0"/>
-        </a:xfrm>
-      </p:grpSpPr>
-      <p:sp>
-        <p:nvSpPr>
-          <p:cNvPr id="70" name="PlaceHolder 1"/>
-          <p:cNvSpPr>
-            <a:spLocks noGrp="1"/>
-          </p:cNvSpPr>
-          <p:nvPr>
-            <p:ph type="title"/>
-          </p:nvPr>
-        </p:nvSpPr>
-        <p:spPr>
-          <a:xfrm>
-            <a:off x="838080" y="365040"/>
-            <a:ext cx="10515240" cy="1325160"/>
-          </a:xfrm>
-          <a:prstGeom prst="rect">
-            <a:avLst/>
-          </a:prstGeom>
-        </p:spPr>
-        <p:txBody>
-          <a:bodyPr lIns="0" tIns="0" rIns="0" bIns="0" anchor="ctr"/>
-          <a:lstStyle/>
-          <a:p>
-            <a:endParaRPr lang="fr-FR" sz="1800" b="0" strike="noStrike" spc="-1">
-              <a:solidFill>
-                <a:srgbClr val="000000"/>
-              </a:solidFill>
-              <a:latin typeface="Calibri"/>
-            </a:endParaRPr>
-          </a:p>
-        </p:txBody>
-      </p:sp>
-      <p:sp>
-        <p:nvSpPr>
-          <p:cNvPr id="71" name="PlaceHolder 2"/>
-          <p:cNvSpPr>
-            <a:spLocks noGrp="1"/>
-          </p:cNvSpPr>
-          <p:nvPr>
-            <p:ph type="body"/>
-          </p:nvPr>
-        </p:nvSpPr>
-        <p:spPr>
-          <a:xfrm>
-            <a:off x="838080" y="1825560"/>
-            <a:ext cx="5131080" cy="2075040"/>
-          </a:xfrm>
-          <a:prstGeom prst="rect">
-            <a:avLst/>
-          </a:prstGeom>
-        </p:spPr>
-        <p:txBody>
-          <a:bodyPr lIns="0" tIns="0" rIns="0" bIns="0">
-            <a:normAutofit/>
-          </a:bodyPr>
-          <a:lstStyle/>
-          <a:p>
-            <a:endParaRPr lang="fr-FR" sz="2800" b="0" strike="noStrike" spc="-1">
-              <a:solidFill>
-                <a:srgbClr val="000000"/>
-              </a:solidFill>
-              <a:latin typeface="Calibri"/>
-            </a:endParaRPr>
-          </a:p>
-        </p:txBody>
-      </p:sp>
-      <p:sp>
-        <p:nvSpPr>
-          <p:cNvPr id="72" name="PlaceHolder 3"/>
-          <p:cNvSpPr>
-            <a:spLocks noGrp="1"/>
-          </p:cNvSpPr>
-          <p:nvPr>
-            <p:ph type="body"/>
-          </p:nvPr>
-        </p:nvSpPr>
-        <p:spPr>
-          <a:xfrm>
-            <a:off x="6226200" y="1825560"/>
-            <a:ext cx="5131080" cy="2075040"/>
-          </a:xfrm>
-          <a:prstGeom prst="rect">
-            <a:avLst/>
-          </a:prstGeom>
-        </p:spPr>
-        <p:txBody>
-          <a:bodyPr lIns="0" tIns="0" rIns="0" bIns="0">
-            <a:normAutofit/>
-          </a:bodyPr>
-          <a:lstStyle/>
-          <a:p>
-            <a:endParaRPr lang="fr-FR" sz="2800" b="0" strike="noStrike" spc="-1">
-              <a:solidFill>
-                <a:srgbClr val="000000"/>
-              </a:solidFill>
-              <a:latin typeface="Calibri"/>
-            </a:endParaRPr>
-          </a:p>
-        </p:txBody>
-      </p:sp>
-      <p:sp>
-        <p:nvSpPr>
-          <p:cNvPr id="73" name="PlaceHolder 4"/>
-          <p:cNvSpPr>
-            <a:spLocks noGrp="1"/>
-          </p:cNvSpPr>
-          <p:nvPr>
-            <p:ph type="body"/>
-          </p:nvPr>
-        </p:nvSpPr>
-        <p:spPr>
-          <a:xfrm>
-            <a:off x="6226200" y="4098240"/>
-            <a:ext cx="5131080" cy="2075040"/>
-          </a:xfrm>
-          <a:prstGeom prst="rect">
-            <a:avLst/>
-          </a:prstGeom>
-        </p:spPr>
-        <p:txBody>
-          <a:bodyPr lIns="0" tIns="0" rIns="0" bIns="0">
-            <a:normAutofit/>
-          </a:bodyPr>
-          <a:lstStyle/>
-          <a:p>
-            <a:endParaRPr lang="fr-FR" sz="2800" b="0" strike="noStrike" spc="-1">
-              <a:solidFill>
-                <a:srgbClr val="000000"/>
-              </a:solidFill>
-              <a:latin typeface="Calibri"/>
-            </a:endParaRPr>
-          </a:p>
-        </p:txBody>
-      </p:sp>
-      <p:sp>
-        <p:nvSpPr>
-          <p:cNvPr id="74" name="PlaceHolder 5"/>
-          <p:cNvSpPr>
-            <a:spLocks noGrp="1"/>
-          </p:cNvSpPr>
-          <p:nvPr>
-            <p:ph type="body"/>
-          </p:nvPr>
-        </p:nvSpPr>
-        <p:spPr>
-          <a:xfrm>
-            <a:off x="838080" y="4098240"/>
-            <a:ext cx="5131080" cy="2075040"/>
-          </a:xfrm>
-          <a:prstGeom prst="rect">
-            <a:avLst/>
-          </a:prstGeom>
-        </p:spPr>
-        <p:txBody>
-          <a:bodyPr lIns="0" tIns="0" rIns="0" bIns="0">
-            <a:normAutofit/>
-          </a:bodyPr>
-          <a:lstStyle/>
-          <a:p>
-            <a:endParaRPr lang="fr-FR" sz="2800" b="0" strike="noStrike" spc="-1">
-              <a:solidFill>
-                <a:srgbClr val="000000"/>
-              </a:solidFill>
-              <a:latin typeface="Calibri"/>
-            </a:endParaRPr>
-          </a:p>
-        </p:txBody>
-      </p:sp>
-    </p:spTree>
-  </p:cSld>
-  <p:clrMapOvr>
-    <a:masterClrMapping/>
-  </p:clrMapOvr>
-  <p:transition spd="slow">
-    <p:cover/>
-  </p:transition>
-</p:sldLayout>
-</file>
-
-<file path=ppt/slideLayouts/slideLayout24.xml><?xml version="1.0" encoding="utf-8"?>
-<p:sldLayout xmlns:a="http://schemas.openxmlformats.org/drawingml/2006/main" xmlns:r="http://schemas.openxmlformats.org/officeDocument/2006/relationships" xmlns:p="http://schemas.openxmlformats.org/presentationml/2006/main" type="blank" preserve="1">
-  <p:cSld name="Title, 6 Content">
-    <p:spTree>
-      <p:nvGrpSpPr>
-        <p:cNvPr id="1" name=""/>
-        <p:cNvGrpSpPr/>
-        <p:nvPr/>
-      </p:nvGrpSpPr>
-      <p:grpSpPr>
-        <a:xfrm>
-          <a:off x="0" y="0"/>
-          <a:ext cx="0" cy="0"/>
-          <a:chOff x="0" y="0"/>
-          <a:chExt cx="0" cy="0"/>
-        </a:xfrm>
-      </p:grpSpPr>
-      <p:sp>
-        <p:nvSpPr>
-          <p:cNvPr id="75" name="PlaceHolder 1"/>
-          <p:cNvSpPr>
-            <a:spLocks noGrp="1"/>
-          </p:cNvSpPr>
-          <p:nvPr>
-            <p:ph type="title"/>
-          </p:nvPr>
-        </p:nvSpPr>
-        <p:spPr>
-          <a:xfrm>
-            <a:off x="838080" y="365040"/>
-            <a:ext cx="10515240" cy="1325160"/>
-          </a:xfrm>
-          <a:prstGeom prst="rect">
-            <a:avLst/>
-          </a:prstGeom>
-        </p:spPr>
-        <p:txBody>
-          <a:bodyPr lIns="0" tIns="0" rIns="0" bIns="0" anchor="ctr"/>
-          <a:lstStyle/>
-          <a:p>
-            <a:endParaRPr lang="fr-FR" sz="1800" b="0" strike="noStrike" spc="-1">
-              <a:solidFill>
-                <a:srgbClr val="000000"/>
-              </a:solidFill>
-              <a:latin typeface="Calibri"/>
-            </a:endParaRPr>
-          </a:p>
-        </p:txBody>
-      </p:sp>
-      <p:sp>
-        <p:nvSpPr>
-          <p:cNvPr id="76" name="PlaceHolder 2"/>
-          <p:cNvSpPr>
-            <a:spLocks noGrp="1"/>
-          </p:cNvSpPr>
-          <p:nvPr>
-            <p:ph type="body"/>
-          </p:nvPr>
-        </p:nvSpPr>
-        <p:spPr>
-          <a:xfrm>
-            <a:off x="838080" y="1825560"/>
-            <a:ext cx="3385800" cy="2075040"/>
-          </a:xfrm>
-          <a:prstGeom prst="rect">
-            <a:avLst/>
-          </a:prstGeom>
-        </p:spPr>
-        <p:txBody>
-          <a:bodyPr lIns="0" tIns="0" rIns="0" bIns="0">
-            <a:normAutofit/>
-          </a:bodyPr>
-          <a:lstStyle/>
-          <a:p>
-            <a:endParaRPr lang="fr-FR" sz="2800" b="0" strike="noStrike" spc="-1">
-              <a:solidFill>
-                <a:srgbClr val="000000"/>
-              </a:solidFill>
-              <a:latin typeface="Calibri"/>
-            </a:endParaRPr>
-          </a:p>
-        </p:txBody>
-      </p:sp>
-      <p:sp>
-        <p:nvSpPr>
-          <p:cNvPr id="77" name="PlaceHolder 3"/>
-          <p:cNvSpPr>
-            <a:spLocks noGrp="1"/>
-          </p:cNvSpPr>
-          <p:nvPr>
-            <p:ph type="body"/>
-          </p:nvPr>
-        </p:nvSpPr>
-        <p:spPr>
-          <a:xfrm>
-            <a:off x="4393440" y="1825560"/>
-            <a:ext cx="3385800" cy="2075040"/>
-          </a:xfrm>
-          <a:prstGeom prst="rect">
-            <a:avLst/>
-          </a:prstGeom>
-        </p:spPr>
-        <p:txBody>
-          <a:bodyPr lIns="0" tIns="0" rIns="0" bIns="0">
-            <a:normAutofit/>
-          </a:bodyPr>
-          <a:lstStyle/>
-          <a:p>
-            <a:endParaRPr lang="fr-FR" sz="2800" b="0" strike="noStrike" spc="-1">
-              <a:solidFill>
-                <a:srgbClr val="000000"/>
-              </a:solidFill>
-              <a:latin typeface="Calibri"/>
-            </a:endParaRPr>
-          </a:p>
-        </p:txBody>
-      </p:sp>
-      <p:sp>
-        <p:nvSpPr>
-          <p:cNvPr id="78" name="PlaceHolder 4"/>
-          <p:cNvSpPr>
-            <a:spLocks noGrp="1"/>
-          </p:cNvSpPr>
-          <p:nvPr>
-            <p:ph type="body"/>
-          </p:nvPr>
-        </p:nvSpPr>
-        <p:spPr>
-          <a:xfrm>
-            <a:off x="7949160" y="1825560"/>
-            <a:ext cx="3385800" cy="2075040"/>
-          </a:xfrm>
-          <a:prstGeom prst="rect">
-            <a:avLst/>
-          </a:prstGeom>
-        </p:spPr>
-        <p:txBody>
-          <a:bodyPr lIns="0" tIns="0" rIns="0" bIns="0">
-            <a:normAutofit/>
-          </a:bodyPr>
-          <a:lstStyle/>
-          <a:p>
-            <a:endParaRPr lang="fr-FR" sz="2800" b="0" strike="noStrike" spc="-1">
-              <a:solidFill>
-                <a:srgbClr val="000000"/>
-              </a:solidFill>
-              <a:latin typeface="Calibri"/>
-            </a:endParaRPr>
-          </a:p>
-        </p:txBody>
-      </p:sp>
-      <p:sp>
-        <p:nvSpPr>
-          <p:cNvPr id="79" name="PlaceHolder 5"/>
-          <p:cNvSpPr>
-            <a:spLocks noGrp="1"/>
-          </p:cNvSpPr>
-          <p:nvPr>
-            <p:ph type="body"/>
-          </p:nvPr>
-        </p:nvSpPr>
-        <p:spPr>
-          <a:xfrm>
-            <a:off x="7949160" y="4098240"/>
-            <a:ext cx="3385800" cy="2075040"/>
-          </a:xfrm>
-          <a:prstGeom prst="rect">
-            <a:avLst/>
-          </a:prstGeom>
-        </p:spPr>
-        <p:txBody>
-          <a:bodyPr lIns="0" tIns="0" rIns="0" bIns="0">
-            <a:normAutofit/>
-          </a:bodyPr>
-          <a:lstStyle/>
-          <a:p>
-            <a:endParaRPr lang="fr-FR" sz="2800" b="0" strike="noStrike" spc="-1">
-              <a:solidFill>
-                <a:srgbClr val="000000"/>
-              </a:solidFill>
-              <a:latin typeface="Calibri"/>
-            </a:endParaRPr>
-          </a:p>
-        </p:txBody>
-      </p:sp>
-      <p:sp>
-        <p:nvSpPr>
-          <p:cNvPr id="80" name="PlaceHolder 6"/>
-          <p:cNvSpPr>
-            <a:spLocks noGrp="1"/>
-          </p:cNvSpPr>
-          <p:nvPr>
-            <p:ph type="body"/>
-          </p:nvPr>
-        </p:nvSpPr>
-        <p:spPr>
-          <a:xfrm>
-            <a:off x="4393440" y="4098240"/>
-            <a:ext cx="3385800" cy="2075040"/>
-          </a:xfrm>
-          <a:prstGeom prst="rect">
-            <a:avLst/>
-          </a:prstGeom>
-        </p:spPr>
-        <p:txBody>
-          <a:bodyPr lIns="0" tIns="0" rIns="0" bIns="0">
-            <a:normAutofit/>
-          </a:bodyPr>
-          <a:lstStyle/>
-          <a:p>
-            <a:endParaRPr lang="fr-FR" sz="2800" b="0" strike="noStrike" spc="-1">
-              <a:solidFill>
-                <a:srgbClr val="000000"/>
-              </a:solidFill>
-              <a:latin typeface="Calibri"/>
-            </a:endParaRPr>
-          </a:p>
-        </p:txBody>
-      </p:sp>
-      <p:sp>
-        <p:nvSpPr>
-          <p:cNvPr id="81" name="PlaceHolder 7"/>
-          <p:cNvSpPr>
-            <a:spLocks noGrp="1"/>
-          </p:cNvSpPr>
-          <p:nvPr>
-            <p:ph type="body"/>
-          </p:nvPr>
-        </p:nvSpPr>
-        <p:spPr>
-          <a:xfrm>
-            <a:off x="838080" y="4098240"/>
-            <a:ext cx="3385800" cy="2075040"/>
-          </a:xfrm>
-          <a:prstGeom prst="rect">
-            <a:avLst/>
-          </a:prstGeom>
-        </p:spPr>
-        <p:txBody>
-          <a:bodyPr lIns="0" tIns="0" rIns="0" bIns="0">
-            <a:normAutofit/>
-          </a:bodyPr>
-          <a:lstStyle/>
-          <a:p>
-            <a:endParaRPr lang="fr-FR" sz="2800" b="0" strike="noStrike" spc="-1">
-              <a:solidFill>
-                <a:srgbClr val="000000"/>
-              </a:solidFill>
-              <a:latin typeface="Calibri"/>
             </a:endParaRPr>
           </a:p>
         </p:txBody>
@@ -2377,7 +845,7 @@
       </p:grpSpPr>
       <p:sp>
         <p:nvSpPr>
-          <p:cNvPr id="7" name="PlaceHolder 1"/>
+          <p:cNvPr id="48" name="PlaceHolder 1"/>
           <p:cNvSpPr>
             <a:spLocks noGrp="1"/>
           </p:cNvSpPr>
@@ -2409,7 +877,7 @@
       </p:sp>
       <p:sp>
         <p:nvSpPr>
-          <p:cNvPr id="8" name="PlaceHolder 2"/>
+          <p:cNvPr id="49" name="PlaceHolder 2"/>
           <p:cNvSpPr>
             <a:spLocks noGrp="1"/>
           </p:cNvSpPr>
@@ -2471,7 +939,7 @@
       </p:grpSpPr>
       <p:sp>
         <p:nvSpPr>
-          <p:cNvPr id="9" name="PlaceHolder 1"/>
+          <p:cNvPr id="50" name="PlaceHolder 1"/>
           <p:cNvSpPr>
             <a:spLocks noGrp="1"/>
           </p:cNvSpPr>
@@ -2503,7 +971,7 @@
       </p:sp>
       <p:sp>
         <p:nvSpPr>
-          <p:cNvPr id="10" name="PlaceHolder 2"/>
+          <p:cNvPr id="51" name="PlaceHolder 2"/>
           <p:cNvSpPr>
             <a:spLocks noGrp="1"/>
           </p:cNvSpPr>
@@ -2537,7 +1005,7 @@
       </p:sp>
       <p:sp>
         <p:nvSpPr>
-          <p:cNvPr id="11" name="PlaceHolder 3"/>
+          <p:cNvPr id="52" name="PlaceHolder 3"/>
           <p:cNvSpPr>
             <a:spLocks noGrp="1"/>
           </p:cNvSpPr>
@@ -2599,7 +1067,7 @@
       </p:grpSpPr>
       <p:sp>
         <p:nvSpPr>
-          <p:cNvPr id="12" name="PlaceHolder 1"/>
+          <p:cNvPr id="53" name="PlaceHolder 1"/>
           <p:cNvSpPr>
             <a:spLocks noGrp="1"/>
           </p:cNvSpPr>
@@ -2659,7 +1127,7 @@
       </p:grpSpPr>
       <p:sp>
         <p:nvSpPr>
-          <p:cNvPr id="13" name="PlaceHolder 1"/>
+          <p:cNvPr id="54" name="PlaceHolder 1"/>
           <p:cNvSpPr>
             <a:spLocks noGrp="1"/>
           </p:cNvSpPr>
@@ -2717,7 +1185,7 @@
       </p:grpSpPr>
       <p:sp>
         <p:nvSpPr>
-          <p:cNvPr id="14" name="PlaceHolder 1"/>
+          <p:cNvPr id="55" name="PlaceHolder 1"/>
           <p:cNvSpPr>
             <a:spLocks noGrp="1"/>
           </p:cNvSpPr>
@@ -2749,7 +1217,7 @@
       </p:sp>
       <p:sp>
         <p:nvSpPr>
-          <p:cNvPr id="15" name="PlaceHolder 2"/>
+          <p:cNvPr id="56" name="PlaceHolder 2"/>
           <p:cNvSpPr>
             <a:spLocks noGrp="1"/>
           </p:cNvSpPr>
@@ -2783,7 +1251,7 @@
       </p:sp>
       <p:sp>
         <p:nvSpPr>
-          <p:cNvPr id="16" name="PlaceHolder 3"/>
+          <p:cNvPr id="57" name="PlaceHolder 3"/>
           <p:cNvSpPr>
             <a:spLocks noGrp="1"/>
           </p:cNvSpPr>
@@ -2817,7 +1285,7 @@
       </p:sp>
       <p:sp>
         <p:nvSpPr>
-          <p:cNvPr id="17" name="PlaceHolder 4"/>
+          <p:cNvPr id="58" name="PlaceHolder 4"/>
           <p:cNvSpPr>
             <a:spLocks noGrp="1"/>
           </p:cNvSpPr>
@@ -2879,7 +1347,7 @@
       </p:grpSpPr>
       <p:sp>
         <p:nvSpPr>
-          <p:cNvPr id="18" name="PlaceHolder 1"/>
+          <p:cNvPr id="59" name="PlaceHolder 1"/>
           <p:cNvSpPr>
             <a:spLocks noGrp="1"/>
           </p:cNvSpPr>
@@ -2911,7 +1379,7 @@
       </p:sp>
       <p:sp>
         <p:nvSpPr>
-          <p:cNvPr id="19" name="PlaceHolder 2"/>
+          <p:cNvPr id="60" name="PlaceHolder 2"/>
           <p:cNvSpPr>
             <a:spLocks noGrp="1"/>
           </p:cNvSpPr>
@@ -2945,7 +1413,7 @@
       </p:sp>
       <p:sp>
         <p:nvSpPr>
-          <p:cNvPr id="20" name="PlaceHolder 3"/>
+          <p:cNvPr id="61" name="PlaceHolder 3"/>
           <p:cNvSpPr>
             <a:spLocks noGrp="1"/>
           </p:cNvSpPr>
@@ -2979,7 +1447,7 @@
       </p:sp>
       <p:sp>
         <p:nvSpPr>
-          <p:cNvPr id="21" name="PlaceHolder 4"/>
+          <p:cNvPr id="62" name="PlaceHolder 4"/>
           <p:cNvSpPr>
             <a:spLocks noGrp="1"/>
           </p:cNvSpPr>
@@ -3041,7 +1509,7 @@
       </p:grpSpPr>
       <p:sp>
         <p:nvSpPr>
-          <p:cNvPr id="22" name="PlaceHolder 1"/>
+          <p:cNvPr id="63" name="PlaceHolder 1"/>
           <p:cNvSpPr>
             <a:spLocks noGrp="1"/>
           </p:cNvSpPr>
@@ -3073,7 +1541,7 @@
       </p:sp>
       <p:sp>
         <p:nvSpPr>
-          <p:cNvPr id="23" name="PlaceHolder 2"/>
+          <p:cNvPr id="64" name="PlaceHolder 2"/>
           <p:cNvSpPr>
             <a:spLocks noGrp="1"/>
           </p:cNvSpPr>
@@ -3107,7 +1575,7 @@
       </p:sp>
       <p:sp>
         <p:nvSpPr>
-          <p:cNvPr id="24" name="PlaceHolder 3"/>
+          <p:cNvPr id="65" name="PlaceHolder 3"/>
           <p:cNvSpPr>
             <a:spLocks noGrp="1"/>
           </p:cNvSpPr>
@@ -3141,7 +1609,7 @@
       </p:sp>
       <p:sp>
         <p:nvSpPr>
-          <p:cNvPr id="25" name="PlaceHolder 4"/>
+          <p:cNvPr id="66" name="PlaceHolder 4"/>
           <p:cNvSpPr>
             <a:spLocks noGrp="1"/>
           </p:cNvSpPr>
@@ -3211,675 +1679,6 @@
       </p:grpSpPr>
       <p:sp>
         <p:nvSpPr>
-          <p:cNvPr id="5" name="PlaceHolder 1"/>
-          <p:cNvSpPr>
-            <a:spLocks noGrp="1"/>
-          </p:cNvSpPr>
-          <p:nvPr>
-            <p:ph type="title"/>
-          </p:nvPr>
-        </p:nvSpPr>
-        <p:spPr>
-          <a:xfrm>
-            <a:off x="1523880" y="1122480"/>
-            <a:ext cx="9143640" cy="2387160"/>
-          </a:xfrm>
-          <a:prstGeom prst="rect">
-            <a:avLst/>
-          </a:prstGeom>
-        </p:spPr>
-        <p:txBody>
-          <a:bodyPr anchor="b"/>
-          <a:lstStyle/>
-          <a:p>
-            <a:pPr algn="ctr">
-              <a:lnSpc>
-                <a:spcPct val="100000"/>
-              </a:lnSpc>
-            </a:pPr>
-            <a:r>
-              <a:rPr lang="fr-FR" sz="6000" b="0" strike="noStrike" spc="-1">
-                <a:solidFill>
-                  <a:srgbClr val="000000"/>
-                </a:solidFill>
-                <a:latin typeface="Calibri Light"/>
-              </a:rPr>
-              <a:t>Modifiez le style du titre</a:t>
-            </a:r>
-            <a:endParaRPr lang="fr-FR" sz="6000" b="0" strike="noStrike" spc="-1">
-              <a:solidFill>
-                <a:srgbClr val="000000"/>
-              </a:solidFill>
-              <a:latin typeface="Calibri"/>
-            </a:endParaRPr>
-          </a:p>
-        </p:txBody>
-      </p:sp>
-      <p:sp>
-        <p:nvSpPr>
-          <p:cNvPr id="6" name="PlaceHolder 2"/>
-          <p:cNvSpPr>
-            <a:spLocks noGrp="1"/>
-          </p:cNvSpPr>
-          <p:nvPr>
-            <p:ph type="dt"/>
-          </p:nvPr>
-        </p:nvSpPr>
-        <p:spPr>
-          <a:xfrm>
-            <a:off x="838080" y="6356520"/>
-            <a:ext cx="2742840" cy="364680"/>
-          </a:xfrm>
-          <a:prstGeom prst="rect">
-            <a:avLst/>
-          </a:prstGeom>
-        </p:spPr>
-        <p:txBody>
-          <a:bodyPr anchor="ctr"/>
-          <a:lstStyle/>
-          <a:p>
-            <a:pPr>
-              <a:lnSpc>
-                <a:spcPct val="100000"/>
-              </a:lnSpc>
-            </a:pPr>
-            <a:fld id="{F1E1F58D-53A2-4EC9-AC37-0AB7FB48AC54}" type="datetime">
-              <a:rPr lang="fr-FR" sz="1200" b="0" strike="noStrike" spc="-1">
-                <a:solidFill>
-                  <a:srgbClr val="8B8B8B"/>
-                </a:solidFill>
-                <a:latin typeface="Calibri"/>
-              </a:rPr>
-              <a:t>28/01/2019</a:t>
-            </a:fld>
-            <a:endParaRPr lang="fr-FR" sz="1200" b="0" strike="noStrike" spc="-1">
-              <a:latin typeface="Times New Roman"/>
-            </a:endParaRPr>
-          </a:p>
-        </p:txBody>
-      </p:sp>
-      <p:sp>
-        <p:nvSpPr>
-          <p:cNvPr id="2" name="PlaceHolder 3"/>
-          <p:cNvSpPr>
-            <a:spLocks noGrp="1"/>
-          </p:cNvSpPr>
-          <p:nvPr>
-            <p:ph type="ftr"/>
-          </p:nvPr>
-        </p:nvSpPr>
-        <p:spPr>
-          <a:xfrm>
-            <a:off x="4038480" y="6356520"/>
-            <a:ext cx="4114440" cy="364680"/>
-          </a:xfrm>
-          <a:prstGeom prst="rect">
-            <a:avLst/>
-          </a:prstGeom>
-        </p:spPr>
-        <p:txBody>
-          <a:bodyPr anchor="ctr"/>
-          <a:lstStyle/>
-          <a:p>
-            <a:endParaRPr lang="fr-FR" sz="2400" b="0" strike="noStrike" spc="-1">
-              <a:latin typeface="Times New Roman"/>
-            </a:endParaRPr>
-          </a:p>
-        </p:txBody>
-      </p:sp>
-      <p:sp>
-        <p:nvSpPr>
-          <p:cNvPr id="3" name="PlaceHolder 4"/>
-          <p:cNvSpPr>
-            <a:spLocks noGrp="1"/>
-          </p:cNvSpPr>
-          <p:nvPr>
-            <p:ph type="sldNum"/>
-          </p:nvPr>
-        </p:nvSpPr>
-        <p:spPr>
-          <a:xfrm>
-            <a:off x="8610480" y="6356520"/>
-            <a:ext cx="2742840" cy="364680"/>
-          </a:xfrm>
-          <a:prstGeom prst="rect">
-            <a:avLst/>
-          </a:prstGeom>
-        </p:spPr>
-        <p:txBody>
-          <a:bodyPr anchor="ctr"/>
-          <a:lstStyle/>
-          <a:p>
-            <a:pPr algn="r">
-              <a:lnSpc>
-                <a:spcPct val="100000"/>
-              </a:lnSpc>
-            </a:pPr>
-            <a:fld id="{7939B94F-485A-464A-99D1-EAAE2B31BA44}" type="slidenum">
-              <a:rPr lang="fr-FR" sz="1200" b="0" strike="noStrike" spc="-1">
-                <a:solidFill>
-                  <a:srgbClr val="8B8B8B"/>
-                </a:solidFill>
-                <a:latin typeface="Calibri"/>
-              </a:rPr>
-              <a:t>‹N°›</a:t>
-            </a:fld>
-            <a:endParaRPr lang="fr-FR" sz="1200" b="0" strike="noStrike" spc="-1">
-              <a:latin typeface="Times New Roman"/>
-            </a:endParaRPr>
-          </a:p>
-        </p:txBody>
-      </p:sp>
-      <p:sp>
-        <p:nvSpPr>
-          <p:cNvPr id="4" name="PlaceHolder 5"/>
-          <p:cNvSpPr>
-            <a:spLocks noGrp="1"/>
-          </p:cNvSpPr>
-          <p:nvPr>
-            <p:ph type="body"/>
-          </p:nvPr>
-        </p:nvSpPr>
-        <p:spPr>
-          <a:xfrm>
-            <a:off x="609480" y="1604520"/>
-            <a:ext cx="10972440" cy="3977280"/>
-          </a:xfrm>
-          <a:prstGeom prst="rect">
-            <a:avLst/>
-          </a:prstGeom>
-        </p:spPr>
-        <p:txBody>
-          <a:bodyPr lIns="0" tIns="0" rIns="0" bIns="0">
-            <a:normAutofit/>
-          </a:bodyPr>
-          <a:lstStyle/>
-          <a:p>
-            <a:pPr marL="432000" indent="-324000">
-              <a:spcBef>
-                <a:spcPts val="1417"/>
-              </a:spcBef>
-              <a:buClr>
-                <a:srgbClr val="000000"/>
-              </a:buClr>
-              <a:buSzPct val="45000"/>
-              <a:buFont typeface="Wingdings" charset="2"/>
-              <a:buChar char=""/>
-            </a:pPr>
-            <a:r>
-              <a:rPr lang="fr-FR" sz="2800" b="0" strike="noStrike" spc="-1">
-                <a:solidFill>
-                  <a:srgbClr val="000000"/>
-                </a:solidFill>
-                <a:latin typeface="Calibri"/>
-              </a:rPr>
-              <a:t>Cliquez pour éditer le format du plan de texte</a:t>
-            </a:r>
-          </a:p>
-          <a:p>
-            <a:pPr marL="864000" lvl="1" indent="-324000">
-              <a:spcBef>
-                <a:spcPts val="1134"/>
-              </a:spcBef>
-              <a:buClr>
-                <a:srgbClr val="000000"/>
-              </a:buClr>
-              <a:buSzPct val="75000"/>
-              <a:buFont typeface="Symbol" charset="2"/>
-              <a:buChar char=""/>
-            </a:pPr>
-            <a:r>
-              <a:rPr lang="fr-FR" sz="2000" b="0" strike="noStrike" spc="-1">
-                <a:solidFill>
-                  <a:srgbClr val="000000"/>
-                </a:solidFill>
-                <a:latin typeface="Calibri"/>
-              </a:rPr>
-              <a:t>Second niveau de plan</a:t>
-            </a:r>
-          </a:p>
-          <a:p>
-            <a:pPr marL="1296000" lvl="2" indent="-288000">
-              <a:spcBef>
-                <a:spcPts val="850"/>
-              </a:spcBef>
-              <a:buClr>
-                <a:srgbClr val="000000"/>
-              </a:buClr>
-              <a:buSzPct val="45000"/>
-              <a:buFont typeface="Wingdings" charset="2"/>
-              <a:buChar char=""/>
-            </a:pPr>
-            <a:r>
-              <a:rPr lang="fr-FR" sz="1800" b="0" strike="noStrike" spc="-1">
-                <a:solidFill>
-                  <a:srgbClr val="000000"/>
-                </a:solidFill>
-                <a:latin typeface="Calibri"/>
-              </a:rPr>
-              <a:t>Troisième niveau de plan</a:t>
-            </a:r>
-          </a:p>
-          <a:p>
-            <a:pPr marL="1728000" lvl="3" indent="-216000">
-              <a:spcBef>
-                <a:spcPts val="567"/>
-              </a:spcBef>
-              <a:buClr>
-                <a:srgbClr val="000000"/>
-              </a:buClr>
-              <a:buSzPct val="75000"/>
-              <a:buFont typeface="Symbol" charset="2"/>
-              <a:buChar char=""/>
-            </a:pPr>
-            <a:r>
-              <a:rPr lang="fr-FR" sz="1800" b="0" strike="noStrike" spc="-1">
-                <a:solidFill>
-                  <a:srgbClr val="000000"/>
-                </a:solidFill>
-                <a:latin typeface="Calibri"/>
-              </a:rPr>
-              <a:t>Quatrième niveau de plan</a:t>
-            </a:r>
-          </a:p>
-          <a:p>
-            <a:pPr marL="2160000" lvl="4" indent="-216000">
-              <a:spcBef>
-                <a:spcPts val="283"/>
-              </a:spcBef>
-              <a:buClr>
-                <a:srgbClr val="000000"/>
-              </a:buClr>
-              <a:buSzPct val="45000"/>
-              <a:buFont typeface="Wingdings" charset="2"/>
-              <a:buChar char=""/>
-            </a:pPr>
-            <a:r>
-              <a:rPr lang="fr-FR" sz="2000" b="0" strike="noStrike" spc="-1">
-                <a:solidFill>
-                  <a:srgbClr val="000000"/>
-                </a:solidFill>
-                <a:latin typeface="Calibri"/>
-              </a:rPr>
-              <a:t>Cinquième niveau de plan</a:t>
-            </a:r>
-          </a:p>
-          <a:p>
-            <a:pPr marL="2592000" lvl="5" indent="-216000">
-              <a:spcBef>
-                <a:spcPts val="283"/>
-              </a:spcBef>
-              <a:buClr>
-                <a:srgbClr val="000000"/>
-              </a:buClr>
-              <a:buSzPct val="45000"/>
-              <a:buFont typeface="Wingdings" charset="2"/>
-              <a:buChar char=""/>
-            </a:pPr>
-            <a:r>
-              <a:rPr lang="fr-FR" sz="2000" b="0" strike="noStrike" spc="-1">
-                <a:solidFill>
-                  <a:srgbClr val="000000"/>
-                </a:solidFill>
-                <a:latin typeface="Calibri"/>
-              </a:rPr>
-              <a:t>Sixième niveau de plan</a:t>
-            </a:r>
-          </a:p>
-          <a:p>
-            <a:pPr marL="3024000" lvl="6" indent="-216000">
-              <a:spcBef>
-                <a:spcPts val="283"/>
-              </a:spcBef>
-              <a:buClr>
-                <a:srgbClr val="000000"/>
-              </a:buClr>
-              <a:buSzPct val="45000"/>
-              <a:buFont typeface="Wingdings" charset="2"/>
-              <a:buChar char=""/>
-            </a:pPr>
-            <a:r>
-              <a:rPr lang="fr-FR" sz="2000" b="0" strike="noStrike" spc="-1">
-                <a:solidFill>
-                  <a:srgbClr val="000000"/>
-                </a:solidFill>
-                <a:latin typeface="Calibri"/>
-              </a:rPr>
-              <a:t>Septième niveau de plan</a:t>
-            </a:r>
-          </a:p>
-        </p:txBody>
-      </p:sp>
-    </p:spTree>
-  </p:cSld>
-  <p:clrMap bg1="lt1" tx1="dk1" bg2="lt2" tx2="dk2" accent1="accent1" accent2="accent2" accent3="accent3" accent4="accent4" accent5="accent5" accent6="accent6" hlink="hlink" folHlink="folHlink"/>
-  <p:sldLayoutIdLst>
-    <p:sldLayoutId id="2147483649" r:id="rId1"/>
-    <p:sldLayoutId id="2147483650" r:id="rId2"/>
-    <p:sldLayoutId id="2147483651" r:id="rId3"/>
-    <p:sldLayoutId id="2147483652" r:id="rId4"/>
-    <p:sldLayoutId id="2147483653" r:id="rId5"/>
-    <p:sldLayoutId id="2147483654" r:id="rId6"/>
-    <p:sldLayoutId id="2147483655" r:id="rId7"/>
-    <p:sldLayoutId id="2147483656" r:id="rId8"/>
-    <p:sldLayoutId id="2147483657" r:id="rId9"/>
-    <p:sldLayoutId id="2147483658" r:id="rId10"/>
-    <p:sldLayoutId id="2147483659" r:id="rId11"/>
-    <p:sldLayoutId id="2147483660" r:id="rId12"/>
-  </p:sldLayoutIdLst>
-  <p:transition spd="slow">
-    <p:cover/>
-  </p:transition>
-  <p:txStyles>
-    <p:titleStyle>
-      <a:lvl1pPr algn="l" defTabSz="914400" rtl="0" eaLnBrk="1" latinLnBrk="0" hangingPunct="1">
-        <a:lnSpc>
-          <a:spcPct val="90000"/>
-        </a:lnSpc>
-        <a:spcBef>
-          <a:spcPct val="0"/>
-        </a:spcBef>
-        <a:buNone/>
-        <a:defRPr sz="4400" kern="1200">
-          <a:solidFill>
-            <a:schemeClr val="tx1"/>
-          </a:solidFill>
-          <a:latin typeface="+mj-lt"/>
-          <a:ea typeface="+mj-ea"/>
-          <a:cs typeface="+mj-cs"/>
-        </a:defRPr>
-      </a:lvl1pPr>
-    </p:titleStyle>
-    <p:bodyStyle>
-      <a:lvl1pPr marL="228600" indent="-228600" algn="l" defTabSz="914400" rtl="0" eaLnBrk="1" latinLnBrk="0" hangingPunct="1">
-        <a:lnSpc>
-          <a:spcPct val="90000"/>
-        </a:lnSpc>
-        <a:spcBef>
-          <a:spcPts val="1000"/>
-        </a:spcBef>
-        <a:buFont typeface="Arial" panose="020B0604020202020204" pitchFamily="34" charset="0"/>
-        <a:buChar char="•"/>
-        <a:defRPr sz="2800" kern="1200">
-          <a:solidFill>
-            <a:schemeClr val="tx1"/>
-          </a:solidFill>
-          <a:latin typeface="+mn-lt"/>
-          <a:ea typeface="+mn-ea"/>
-          <a:cs typeface="+mn-cs"/>
-        </a:defRPr>
-      </a:lvl1pPr>
-      <a:lvl2pPr marL="685800" indent="-228600" algn="l" defTabSz="914400" rtl="0" eaLnBrk="1" latinLnBrk="0" hangingPunct="1">
-        <a:lnSpc>
-          <a:spcPct val="90000"/>
-        </a:lnSpc>
-        <a:spcBef>
-          <a:spcPts val="500"/>
-        </a:spcBef>
-        <a:buFont typeface="Arial" panose="020B0604020202020204" pitchFamily="34" charset="0"/>
-        <a:buChar char="•"/>
-        <a:defRPr sz="2400" kern="1200">
-          <a:solidFill>
-            <a:schemeClr val="tx1"/>
-          </a:solidFill>
-          <a:latin typeface="+mn-lt"/>
-          <a:ea typeface="+mn-ea"/>
-          <a:cs typeface="+mn-cs"/>
-        </a:defRPr>
-      </a:lvl2pPr>
-      <a:lvl3pPr marL="1143000" indent="-228600" algn="l" defTabSz="914400" rtl="0" eaLnBrk="1" latinLnBrk="0" hangingPunct="1">
-        <a:lnSpc>
-          <a:spcPct val="90000"/>
-        </a:lnSpc>
-        <a:spcBef>
-          <a:spcPts val="500"/>
-        </a:spcBef>
-        <a:buFont typeface="Arial" panose="020B0604020202020204" pitchFamily="34" charset="0"/>
-        <a:buChar char="•"/>
-        <a:defRPr sz="2000" kern="1200">
-          <a:solidFill>
-            <a:schemeClr val="tx1"/>
-          </a:solidFill>
-          <a:latin typeface="+mn-lt"/>
-          <a:ea typeface="+mn-ea"/>
-          <a:cs typeface="+mn-cs"/>
-        </a:defRPr>
-      </a:lvl3pPr>
-      <a:lvl4pPr marL="1600200" indent="-228600" algn="l" defTabSz="914400" rtl="0" eaLnBrk="1" latinLnBrk="0" hangingPunct="1">
-        <a:lnSpc>
-          <a:spcPct val="90000"/>
-        </a:lnSpc>
-        <a:spcBef>
-          <a:spcPts val="500"/>
-        </a:spcBef>
-        <a:buFont typeface="Arial" panose="020B0604020202020204" pitchFamily="34" charset="0"/>
-        <a:buChar char="•"/>
-        <a:defRPr sz="1800" kern="1200">
-          <a:solidFill>
-            <a:schemeClr val="tx1"/>
-          </a:solidFill>
-          <a:latin typeface="+mn-lt"/>
-          <a:ea typeface="+mn-ea"/>
-          <a:cs typeface="+mn-cs"/>
-        </a:defRPr>
-      </a:lvl4pPr>
-      <a:lvl5pPr marL="2057400" indent="-228600" algn="l" defTabSz="914400" rtl="0" eaLnBrk="1" latinLnBrk="0" hangingPunct="1">
-        <a:lnSpc>
-          <a:spcPct val="90000"/>
-        </a:lnSpc>
-        <a:spcBef>
-          <a:spcPts val="500"/>
-        </a:spcBef>
-        <a:buFont typeface="Arial" panose="020B0604020202020204" pitchFamily="34" charset="0"/>
-        <a:buChar char="•"/>
-        <a:defRPr sz="1800" kern="1200">
-          <a:solidFill>
-            <a:schemeClr val="tx1"/>
-          </a:solidFill>
-          <a:latin typeface="+mn-lt"/>
-          <a:ea typeface="+mn-ea"/>
-          <a:cs typeface="+mn-cs"/>
-        </a:defRPr>
-      </a:lvl5pPr>
-      <a:lvl6pPr marL="2514600" indent="-228600" algn="l" defTabSz="914400" rtl="0" eaLnBrk="1" latinLnBrk="0" hangingPunct="1">
-        <a:lnSpc>
-          <a:spcPct val="90000"/>
-        </a:lnSpc>
-        <a:spcBef>
-          <a:spcPts val="500"/>
-        </a:spcBef>
-        <a:buFont typeface="Arial" panose="020B0604020202020204" pitchFamily="34" charset="0"/>
-        <a:buChar char="•"/>
-        <a:defRPr sz="1800" kern="1200">
-          <a:solidFill>
-            <a:schemeClr val="tx1"/>
-          </a:solidFill>
-          <a:latin typeface="+mn-lt"/>
-          <a:ea typeface="+mn-ea"/>
-          <a:cs typeface="+mn-cs"/>
-        </a:defRPr>
-      </a:lvl6pPr>
-      <a:lvl7pPr marL="2971800" indent="-228600" algn="l" defTabSz="914400" rtl="0" eaLnBrk="1" latinLnBrk="0" hangingPunct="1">
-        <a:lnSpc>
-          <a:spcPct val="90000"/>
-        </a:lnSpc>
-        <a:spcBef>
-          <a:spcPts val="500"/>
-        </a:spcBef>
-        <a:buFont typeface="Arial" panose="020B0604020202020204" pitchFamily="34" charset="0"/>
-        <a:buChar char="•"/>
-        <a:defRPr sz="1800" kern="1200">
-          <a:solidFill>
-            <a:schemeClr val="tx1"/>
-          </a:solidFill>
-          <a:latin typeface="+mn-lt"/>
-          <a:ea typeface="+mn-ea"/>
-          <a:cs typeface="+mn-cs"/>
-        </a:defRPr>
-      </a:lvl7pPr>
-      <a:lvl8pPr marL="3429000" indent="-228600" algn="l" defTabSz="914400" rtl="0" eaLnBrk="1" latinLnBrk="0" hangingPunct="1">
-        <a:lnSpc>
-          <a:spcPct val="90000"/>
-        </a:lnSpc>
-        <a:spcBef>
-          <a:spcPts val="500"/>
-        </a:spcBef>
-        <a:buFont typeface="Arial" panose="020B0604020202020204" pitchFamily="34" charset="0"/>
-        <a:buChar char="•"/>
-        <a:defRPr sz="1800" kern="1200">
-          <a:solidFill>
-            <a:schemeClr val="tx1"/>
-          </a:solidFill>
-          <a:latin typeface="+mn-lt"/>
-          <a:ea typeface="+mn-ea"/>
-          <a:cs typeface="+mn-cs"/>
-        </a:defRPr>
-      </a:lvl8pPr>
-      <a:lvl9pPr marL="3886200" indent="-228600" algn="l" defTabSz="914400" rtl="0" eaLnBrk="1" latinLnBrk="0" hangingPunct="1">
-        <a:lnSpc>
-          <a:spcPct val="90000"/>
-        </a:lnSpc>
-        <a:spcBef>
-          <a:spcPts val="500"/>
-        </a:spcBef>
-        <a:buFont typeface="Arial" panose="020B0604020202020204" pitchFamily="34" charset="0"/>
-        <a:buChar char="•"/>
-        <a:defRPr sz="1800" kern="1200">
-          <a:solidFill>
-            <a:schemeClr val="tx1"/>
-          </a:solidFill>
-          <a:latin typeface="+mn-lt"/>
-          <a:ea typeface="+mn-ea"/>
-          <a:cs typeface="+mn-cs"/>
-        </a:defRPr>
-      </a:lvl9pPr>
-    </p:bodyStyle>
-    <p:otherStyle>
-      <a:defPPr>
-        <a:defRPr lang="fr-FR"/>
-      </a:defPPr>
-      <a:lvl1pPr marL="0" algn="l" defTabSz="914400" rtl="0" eaLnBrk="1" latinLnBrk="0" hangingPunct="1">
-        <a:defRPr sz="1800" kern="1200">
-          <a:solidFill>
-            <a:schemeClr val="tx1"/>
-          </a:solidFill>
-          <a:latin typeface="+mn-lt"/>
-          <a:ea typeface="+mn-ea"/>
-          <a:cs typeface="+mn-cs"/>
-        </a:defRPr>
-      </a:lvl1pPr>
-      <a:lvl2pPr marL="457200" algn="l" defTabSz="914400" rtl="0" eaLnBrk="1" latinLnBrk="0" hangingPunct="1">
-        <a:defRPr sz="1800" kern="1200">
-          <a:solidFill>
-            <a:schemeClr val="tx1"/>
-          </a:solidFill>
-          <a:latin typeface="+mn-lt"/>
-          <a:ea typeface="+mn-ea"/>
-          <a:cs typeface="+mn-cs"/>
-        </a:defRPr>
-      </a:lvl2pPr>
-      <a:lvl3pPr marL="914400" algn="l" defTabSz="914400" rtl="0" eaLnBrk="1" latinLnBrk="0" hangingPunct="1">
-        <a:defRPr sz="1800" kern="1200">
-          <a:solidFill>
-            <a:schemeClr val="tx1"/>
-          </a:solidFill>
-          <a:latin typeface="+mn-lt"/>
-          <a:ea typeface="+mn-ea"/>
-          <a:cs typeface="+mn-cs"/>
-        </a:defRPr>
-      </a:lvl3pPr>
-      <a:lvl4pPr marL="1371600" algn="l" defTabSz="914400" rtl="0" eaLnBrk="1" latinLnBrk="0" hangingPunct="1">
-        <a:defRPr sz="1800" kern="1200">
-          <a:solidFill>
-            <a:schemeClr val="tx1"/>
-          </a:solidFill>
-          <a:latin typeface="+mn-lt"/>
-          <a:ea typeface="+mn-ea"/>
-          <a:cs typeface="+mn-cs"/>
-        </a:defRPr>
-      </a:lvl4pPr>
-      <a:lvl5pPr marL="1828800" algn="l" defTabSz="914400" rtl="0" eaLnBrk="1" latinLnBrk="0" hangingPunct="1">
-        <a:defRPr sz="1800" kern="1200">
-          <a:solidFill>
-            <a:schemeClr val="tx1"/>
-          </a:solidFill>
-          <a:latin typeface="+mn-lt"/>
-          <a:ea typeface="+mn-ea"/>
-          <a:cs typeface="+mn-cs"/>
-        </a:defRPr>
-      </a:lvl5pPr>
-      <a:lvl6pPr marL="2286000" algn="l" defTabSz="914400" rtl="0" eaLnBrk="1" latinLnBrk="0" hangingPunct="1">
-        <a:defRPr sz="1800" kern="1200">
-          <a:solidFill>
-            <a:schemeClr val="tx1"/>
-          </a:solidFill>
-          <a:latin typeface="+mn-lt"/>
-          <a:ea typeface="+mn-ea"/>
-          <a:cs typeface="+mn-cs"/>
-        </a:defRPr>
-      </a:lvl6pPr>
-      <a:lvl7pPr marL="2743200" algn="l" defTabSz="914400" rtl="0" eaLnBrk="1" latinLnBrk="0" hangingPunct="1">
-        <a:defRPr sz="1800" kern="1200">
-          <a:solidFill>
-            <a:schemeClr val="tx1"/>
-          </a:solidFill>
-          <a:latin typeface="+mn-lt"/>
-          <a:ea typeface="+mn-ea"/>
-          <a:cs typeface="+mn-cs"/>
-        </a:defRPr>
-      </a:lvl7pPr>
-      <a:lvl8pPr marL="3200400" algn="l" defTabSz="914400" rtl="0" eaLnBrk="1" latinLnBrk="0" hangingPunct="1">
-        <a:defRPr sz="1800" kern="1200">
-          <a:solidFill>
-            <a:schemeClr val="tx1"/>
-          </a:solidFill>
-          <a:latin typeface="+mn-lt"/>
-          <a:ea typeface="+mn-ea"/>
-          <a:cs typeface="+mn-cs"/>
-        </a:defRPr>
-      </a:lvl8pPr>
-      <a:lvl9pPr marL="3657600" algn="l" defTabSz="914400" rtl="0" eaLnBrk="1" latinLnBrk="0" hangingPunct="1">
-        <a:defRPr sz="1800" kern="1200">
-          <a:solidFill>
-            <a:schemeClr val="tx1"/>
-          </a:solidFill>
-          <a:latin typeface="+mn-lt"/>
-          <a:ea typeface="+mn-ea"/>
-          <a:cs typeface="+mn-cs"/>
-        </a:defRPr>
-      </a:lvl9pPr>
-    </p:otherStyle>
-  </p:txStyles>
-</p:sldMaster>
-</file>
-
-<file path=ppt/slideMasters/slideMaster2.xml><?xml version="1.0" encoding="utf-8"?>
-<p:sldMaster xmlns:a="http://schemas.openxmlformats.org/drawingml/2006/main" xmlns:r="http://schemas.openxmlformats.org/officeDocument/2006/relationships" xmlns:p="http://schemas.openxmlformats.org/presentationml/2006/main">
-  <p:cSld>
-    <p:bg>
-      <p:bgPr>
-        <a:solidFill>
-          <a:srgbClr val="FFFFFF"/>
-        </a:solidFill>
-        <a:effectLst/>
-      </p:bgPr>
-    </p:bg>
-    <p:spTree>
-      <p:nvGrpSpPr>
-        <p:cNvPr id="1" name=""/>
-        <p:cNvGrpSpPr/>
-        <p:nvPr/>
-      </p:nvGrpSpPr>
-      <p:grpSpPr>
-        <a:xfrm>
-          <a:off x="0" y="0"/>
-          <a:ext cx="0" cy="0"/>
-          <a:chOff x="0" y="0"/>
-          <a:chExt cx="0" cy="0"/>
-        </a:xfrm>
-      </p:grpSpPr>
-      <p:sp>
-        <p:nvSpPr>
           <p:cNvPr id="41" name="PlaceHolder 1"/>
           <p:cNvSpPr>
             <a:spLocks noGrp="1"/>
@@ -4095,7 +1894,7 @@
                 </a:solidFill>
                 <a:latin typeface="Calibri"/>
               </a:rPr>
-              <a:t>28/01/2019</a:t>
+              <a:t>29/01/2019</a:t>
             </a:fld>
             <a:endParaRPr lang="fr-FR" sz="1200" b="0" strike="noStrike" spc="-1">
               <a:latin typeface="Times New Roman"/>
@@ -4838,10 +2637,10 @@
       </p:grpSpPr>
       <p:pic>
         <p:nvPicPr>
-          <p:cNvPr id="9" name="Image 8">
+          <p:cNvPr id="8" name="Image 7">
             <a:extLst>
               <a:ext uri="{FF2B5EF4-FFF2-40B4-BE49-F238E27FC236}">
-                <a16:creationId xmlns:a16="http://schemas.microsoft.com/office/drawing/2014/main" id="{A94D3568-DE33-47A3-8009-78B6DDB7CAD6}"/>
+                <a16:creationId xmlns:a16="http://schemas.microsoft.com/office/drawing/2014/main" id="{44D39BA9-132C-4E42-B536-400438D29BCD}"/>
               </a:ext>
             </a:extLst>
           </p:cNvPr>
@@ -4858,8 +2657,8 @@
         </p:blipFill>
         <p:spPr>
           <a:xfrm>
-            <a:off x="-6967" y="1724400"/>
-            <a:ext cx="12189007" cy="4569480"/>
+            <a:off x="0" y="1724400"/>
+            <a:ext cx="12189007" cy="4395240"/>
           </a:xfrm>
           <a:prstGeom prst="rect">
             <a:avLst/>
@@ -4952,8 +2751,8 @@
         </p:nvSpPr>
         <p:spPr>
           <a:xfrm>
-            <a:off x="829916" y="2592744"/>
-            <a:ext cx="10515240" cy="2832791"/>
+            <a:off x="838080" y="1724400"/>
+            <a:ext cx="10515240" cy="4395240"/>
           </a:xfrm>
           <a:prstGeom prst="rect">
             <a:avLst/>
@@ -4981,14 +2780,20 @@
               <a:buChar char="q"/>
             </a:pPr>
             <a:r>
-              <a:rPr lang="fr-FR" sz="4400" b="0" strike="noStrike" spc="-1" dirty="0">
+              <a:rPr lang="fr-FR" sz="3200" spc="-1" dirty="0">
                 <a:solidFill>
                   <a:srgbClr val="000000"/>
                 </a:solidFill>
                 <a:latin typeface="Calibri"/>
               </a:rPr>
-              <a:t>Présentation des flashcards</a:t>
+              <a:t>Concept des flashcards</a:t>
             </a:r>
+            <a:endParaRPr lang="fr-FR" sz="3200" b="0" strike="noStrike" spc="-1" dirty="0">
+              <a:solidFill>
+                <a:srgbClr val="000000"/>
+              </a:solidFill>
+              <a:latin typeface="Calibri"/>
+            </a:endParaRPr>
           </a:p>
           <a:p>
             <a:pPr marL="571860" indent="-571500">
@@ -5005,7 +2810,7 @@
               <a:buChar char="q"/>
             </a:pPr>
             <a:r>
-              <a:rPr lang="fr-FR" sz="4400" b="0" strike="noStrike" spc="-1" dirty="0">
+              <a:rPr lang="fr-FR" sz="3200" b="0" strike="noStrike" spc="-1" dirty="0">
                 <a:solidFill>
                   <a:srgbClr val="000000"/>
                 </a:solidFill>
@@ -5029,20 +2834,14 @@
               <a:buChar char="q"/>
             </a:pPr>
             <a:r>
-              <a:rPr lang="fr-FR" sz="4400" spc="-1" dirty="0">
+              <a:rPr lang="fr-FR" sz="3200" b="0" strike="noStrike" spc="-1" dirty="0">
                 <a:solidFill>
                   <a:srgbClr val="000000"/>
                 </a:solidFill>
                 <a:latin typeface="Calibri"/>
               </a:rPr>
-              <a:t>Outils utilisés</a:t>
+              <a:t>MCD (Modèle conceptuel de données)</a:t>
             </a:r>
-            <a:endParaRPr lang="fr-FR" sz="4400" b="0" strike="noStrike" spc="-1" dirty="0">
-              <a:solidFill>
-                <a:srgbClr val="000000"/>
-              </a:solidFill>
-              <a:latin typeface="Calibri"/>
-            </a:endParaRPr>
           </a:p>
           <a:p>
             <a:pPr marL="571860" indent="-571500">
@@ -5059,7 +2858,61 @@
               <a:buChar char="q"/>
             </a:pPr>
             <a:r>
-              <a:rPr lang="fr-FR" sz="4400" b="0" strike="noStrike" spc="-1" dirty="0">
+              <a:rPr lang="fr-FR" sz="3200" b="0" strike="noStrike" spc="-1" dirty="0">
+                <a:solidFill>
+                  <a:srgbClr val="000000"/>
+                </a:solidFill>
+                <a:latin typeface="Calibri"/>
+              </a:rPr>
+              <a:t>Différentes fonctionnalités</a:t>
+            </a:r>
+            <a:endParaRPr lang="fr-FR" sz="3200" spc="-1" dirty="0">
+              <a:solidFill>
+                <a:srgbClr val="000000"/>
+              </a:solidFill>
+              <a:latin typeface="Calibri"/>
+            </a:endParaRPr>
+          </a:p>
+          <a:p>
+            <a:pPr marL="571860" indent="-571500">
+              <a:lnSpc>
+                <a:spcPct val="90000"/>
+              </a:lnSpc>
+              <a:spcBef>
+                <a:spcPts val="1001"/>
+              </a:spcBef>
+              <a:buClr>
+                <a:srgbClr val="000000"/>
+              </a:buClr>
+              <a:buFont typeface="Wingdings" panose="05000000000000000000" pitchFamily="2" charset="2"/>
+              <a:buChar char="q"/>
+            </a:pPr>
+            <a:r>
+              <a:rPr lang="fr-FR" sz="3200" spc="-1" dirty="0">
+                <a:solidFill>
+                  <a:srgbClr val="000000"/>
+                </a:solidFill>
+                <a:latin typeface="Calibri"/>
+              </a:rPr>
+              <a:t>Outils utilisés</a:t>
+            </a:r>
+          </a:p>
+          <a:p>
+            <a:pPr marL="571860" indent="-571500">
+              <a:lnSpc>
+                <a:spcPct val="90000"/>
+              </a:lnSpc>
+              <a:spcBef>
+                <a:spcPts val="1001"/>
+              </a:spcBef>
+              <a:buClr>
+                <a:srgbClr val="000000"/>
+              </a:buClr>
+              <a:buFont typeface="Wingdings" panose="05000000000000000000" pitchFamily="2" charset="2"/>
+              <a:buChar char="q"/>
+            </a:pPr>
+            <a:r>
+              <a:rPr lang="fr-FR" sz="3200" b="0" strike="noStrike" spc="-1" dirty="0">
                 <a:solidFill>
                   <a:srgbClr val="000000"/>
                 </a:solidFill>
@@ -5067,6 +2920,36 @@
               </a:rPr>
               <a:t>Démonstration du site</a:t>
             </a:r>
+          </a:p>
+          <a:p>
+            <a:pPr marL="571860" indent="-571500">
+              <a:lnSpc>
+                <a:spcPct val="90000"/>
+              </a:lnSpc>
+              <a:spcBef>
+                <a:spcPts val="1001"/>
+              </a:spcBef>
+              <a:buClr>
+                <a:srgbClr val="000000"/>
+              </a:buClr>
+              <a:buFont typeface="Wingdings" panose="05000000000000000000" pitchFamily="2" charset="2"/>
+              <a:buChar char="q"/>
+            </a:pPr>
+            <a:r>
+              <a:rPr lang="fr-FR" sz="3200" spc="-1" dirty="0">
+                <a:solidFill>
+                  <a:srgbClr val="000000"/>
+                </a:solidFill>
+                <a:latin typeface="Calibri"/>
+              </a:rPr>
+              <a:t>Evolutions possibles</a:t>
+            </a:r>
+            <a:endParaRPr lang="fr-FR" sz="3200" b="0" strike="noStrike" spc="-1" dirty="0">
+              <a:solidFill>
+                <a:srgbClr val="000000"/>
+              </a:solidFill>
+              <a:latin typeface="Calibri"/>
+            </a:endParaRPr>
           </a:p>
           <a:p>
             <a:pPr>
@@ -5077,7 +2960,7 @@
                 <a:spcPts val="1001"/>
               </a:spcBef>
             </a:pPr>
-            <a:endParaRPr lang="fr-FR" sz="4400" b="0" strike="noStrike" spc="-1" dirty="0">
+            <a:endParaRPr lang="fr-FR" sz="3200" b="0" strike="noStrike" spc="-1" dirty="0">
               <a:solidFill>
                 <a:srgbClr val="000000"/>
               </a:solidFill>
@@ -5095,7 +2978,7 @@
               <a:buFont typeface="Wingdings" panose="05000000000000000000" pitchFamily="2" charset="2"/>
               <a:buChar char="q"/>
             </a:pPr>
-            <a:endParaRPr lang="fr-FR" sz="4400" b="0" strike="noStrike" spc="-1" dirty="0">
+            <a:endParaRPr lang="fr-FR" sz="3200" b="0" strike="noStrike" spc="-1" dirty="0">
               <a:solidFill>
                 <a:srgbClr val="000000"/>
               </a:solidFill>
@@ -5175,10 +3058,10 @@
       </p:pic>
       <p:pic>
         <p:nvPicPr>
-          <p:cNvPr id="5" name="Graphique 4" descr="Enseignant">
+          <p:cNvPr id="7" name="Graphique 6" descr="Enseignant">
             <a:extLst>
               <a:ext uri="{FF2B5EF4-FFF2-40B4-BE49-F238E27FC236}">
-                <a16:creationId xmlns:a16="http://schemas.microsoft.com/office/drawing/2014/main" id="{D9D7BA67-4D12-45BA-81F5-48BF861C1C30}"/>
+                <a16:creationId xmlns:a16="http://schemas.microsoft.com/office/drawing/2014/main" id="{8A0846A3-A392-4B82-AF45-4C3F262731D5}"/>
               </a:ext>
             </a:extLst>
           </p:cNvPr>
@@ -5267,36 +3150,6 @@
           <a:chExt cx="0" cy="0"/>
         </a:xfrm>
       </p:grpSpPr>
-      <p:pic>
-        <p:nvPicPr>
-          <p:cNvPr id="9" name="Image 8">
-            <a:extLst>
-              <a:ext uri="{FF2B5EF4-FFF2-40B4-BE49-F238E27FC236}">
-                <a16:creationId xmlns:a16="http://schemas.microsoft.com/office/drawing/2014/main" id="{A94D3568-DE33-47A3-8009-78B6DDB7CAD6}"/>
-              </a:ext>
-            </a:extLst>
-          </p:cNvPr>
-          <p:cNvPicPr>
-            <a:picLocks noChangeAspect="1"/>
-          </p:cNvPicPr>
-          <p:nvPr/>
-        </p:nvPicPr>
-        <p:blipFill>
-          <a:blip r:embed="rId2"/>
-          <a:stretch>
-            <a:fillRect/>
-          </a:stretch>
-        </p:blipFill>
-        <p:spPr>
-          <a:xfrm>
-            <a:off x="-6967" y="1724400"/>
-            <a:ext cx="12189007" cy="4569480"/>
-          </a:xfrm>
-          <a:prstGeom prst="rect">
-            <a:avLst/>
-          </a:prstGeom>
-        </p:spPr>
-      </p:pic>
       <p:sp>
         <p:nvSpPr>
           <p:cNvPr id="89" name="CustomShape 1"/>
@@ -5404,22 +3257,22 @@
               </a:lnSpc>
             </a:pPr>
             <a:r>
-              <a:rPr lang="fr-FR" sz="4400" b="1" strike="noStrike" spc="-1" dirty="0">
-                <a:solidFill>
-                  <a:srgbClr val="000000"/>
-                </a:solidFill>
-                <a:latin typeface="Calibri Light"/>
-              </a:rPr>
-              <a:t>Présentation des flashc</a:t>
-            </a:r>
-            <a:r>
               <a:rPr lang="fr-FR" sz="4400" b="1" spc="-1" dirty="0">
                 <a:solidFill>
                   <a:srgbClr val="000000"/>
                 </a:solidFill>
                 <a:latin typeface="Calibri Light"/>
               </a:rPr>
-              <a:t>ards</a:t>
+              <a:t>Concept des flash </a:t>
+            </a:r>
+            <a:r>
+              <a:rPr lang="fr-FR" sz="4400" b="1" spc="-1" dirty="0" err="1">
+                <a:solidFill>
+                  <a:srgbClr val="000000"/>
+                </a:solidFill>
+                <a:latin typeface="Calibri Light"/>
+              </a:rPr>
+              <a:t>cards</a:t>
             </a:r>
             <a:endParaRPr lang="fr-FR" sz="4400" b="0" strike="noStrike" spc="-1" dirty="0">
               <a:solidFill>
@@ -5437,7 +3290,7 @@
           <p:nvPr/>
         </p:nvPicPr>
         <p:blipFill>
-          <a:blip r:embed="rId3"/>
+          <a:blip r:embed="rId2"/>
           <a:stretch/>
         </p:blipFill>
         <p:spPr>
@@ -5455,10 +3308,10 @@
       </p:pic>
       <p:pic>
         <p:nvPicPr>
-          <p:cNvPr id="10" name="Image 9">
+          <p:cNvPr id="8" name="Image 7">
             <a:extLst>
               <a:ext uri="{FF2B5EF4-FFF2-40B4-BE49-F238E27FC236}">
-                <a16:creationId xmlns:a16="http://schemas.microsoft.com/office/drawing/2014/main" id="{C6FFF71B-F106-4D6B-92BB-DF8A67380548}"/>
+                <a16:creationId xmlns:a16="http://schemas.microsoft.com/office/drawing/2014/main" id="{4AD03A0D-A1A5-4695-9FFC-6757658FC6F9}"/>
               </a:ext>
             </a:extLst>
           </p:cNvPr>
@@ -5468,7 +3321,7 @@
           <p:nvPr/>
         </p:nvPicPr>
         <p:blipFill>
-          <a:blip r:embed="rId4">
+          <a:blip r:embed="rId3">
             <a:extLst>
               <a:ext uri="{28A0092B-C50C-407E-A947-70E740481C1C}">
                 <a14:useLocalDpi xmlns:a14="http://schemas.microsoft.com/office/drawing/2010/main" val="0"/>
@@ -5481,8 +3334,8 @@
         </p:blipFill>
         <p:spPr>
           <a:xfrm>
-            <a:off x="-6967" y="1998719"/>
-            <a:ext cx="12198967" cy="3833961"/>
+            <a:off x="241" y="2071225"/>
+            <a:ext cx="12191759" cy="3831695"/>
           </a:xfrm>
           <a:prstGeom prst="rect">
             <a:avLst/>
@@ -5492,7 +3345,7 @@
     </p:spTree>
     <p:extLst>
       <p:ext uri="{BB962C8B-B14F-4D97-AF65-F5344CB8AC3E}">
-        <p14:creationId xmlns:p14="http://schemas.microsoft.com/office/powerpoint/2010/main" val="3215640893"/>
+        <p14:creationId xmlns:p14="http://schemas.microsoft.com/office/powerpoint/2010/main" val="3004479353"/>
       </p:ext>
     </p:extLst>
   </p:cSld>
@@ -5554,7 +3407,7 @@
           <p:cNvPr id="8" name="Image 7">
             <a:extLst>
               <a:ext uri="{FF2B5EF4-FFF2-40B4-BE49-F238E27FC236}">
-                <a16:creationId xmlns:a16="http://schemas.microsoft.com/office/drawing/2014/main" id="{75F56856-5748-4B24-A94E-CBCC67247C9C}"/>
+                <a16:creationId xmlns:a16="http://schemas.microsoft.com/office/drawing/2014/main" id="{BBEF3EF1-1A65-4BC0-8248-30089ACD9B9D}"/>
               </a:ext>
             </a:extLst>
           </p:cNvPr>
@@ -5572,7 +3425,7 @@
         <p:spPr>
           <a:xfrm>
             <a:off x="-6967" y="1724400"/>
-            <a:ext cx="12189007" cy="4569480"/>
+            <a:ext cx="12189007" cy="4323240"/>
           </a:xfrm>
           <a:prstGeom prst="rect">
             <a:avLst/>
@@ -5700,7 +3553,7 @@
               </a:lnSpc>
             </a:pPr>
             <a:r>
-              <a:rPr lang="fr-FR" sz="4400" b="1" strike="noStrike" spc="-1" dirty="0">
+              <a:rPr lang="fr-FR" sz="4400" b="1" strike="noStrike" spc="-1">
                 <a:solidFill>
                   <a:srgbClr val="000000"/>
                 </a:solidFill>
@@ -5708,7 +3561,7 @@
               </a:rPr>
               <a:t>Objectifs du projet</a:t>
             </a:r>
-            <a:endParaRPr lang="fr-FR" sz="4400" b="0" strike="noStrike" spc="-1" dirty="0">
+            <a:endParaRPr lang="fr-FR" sz="4400" b="0" strike="noStrike" spc="-1">
               <a:latin typeface="Arial"/>
             </a:endParaRPr>
           </a:p>
@@ -5723,7 +3576,7 @@
         <p:spPr>
           <a:xfrm>
             <a:off x="0" y="1724400"/>
-            <a:ext cx="12192000" cy="4323240"/>
+            <a:ext cx="12115800" cy="4323240"/>
           </a:xfrm>
           <a:prstGeom prst="rect">
             <a:avLst/>
@@ -5910,10 +3763,33 @@
       </p:sp>
       <p:pic>
         <p:nvPicPr>
+          <p:cNvPr id="98" name="Image 11"/>
+          <p:cNvPicPr/>
+          <p:nvPr/>
+        </p:nvPicPr>
+        <p:blipFill>
+          <a:blip r:embed="rId3"/>
+          <a:stretch/>
+        </p:blipFill>
+        <p:spPr>
+          <a:xfrm>
+            <a:off x="10107720" y="6285960"/>
+            <a:ext cx="1938240" cy="497520"/>
+          </a:xfrm>
+          <a:prstGeom prst="rect">
+            <a:avLst/>
+          </a:prstGeom>
+          <a:ln>
+            <a:noFill/>
+          </a:ln>
+        </p:spPr>
+      </p:pic>
+      <p:pic>
+        <p:nvPicPr>
           <p:cNvPr id="7" name="Graphique 6" descr="Centre de cible">
             <a:extLst>
               <a:ext uri="{FF2B5EF4-FFF2-40B4-BE49-F238E27FC236}">
-                <a16:creationId xmlns:a16="http://schemas.microsoft.com/office/drawing/2014/main" id="{44F7BB8A-1FE8-4149-904A-204274B3D5C3}"/>
+                <a16:creationId xmlns:a16="http://schemas.microsoft.com/office/drawing/2014/main" id="{39474764-E119-4E24-8CB5-D09CD2674149}"/>
               </a:ext>
             </a:extLst>
           </p:cNvPr>
@@ -5923,13 +3799,13 @@
           <p:nvPr/>
         </p:nvPicPr>
         <p:blipFill>
-          <a:blip r:embed="rId3">
+          <a:blip r:embed="rId4">
             <a:extLst>
               <a:ext uri="{28A0092B-C50C-407E-A947-70E740481C1C}">
                 <a14:useLocalDpi xmlns:a14="http://schemas.microsoft.com/office/drawing/2010/main" val="0"/>
               </a:ext>
               <a:ext uri="{96DAC541-7B7A-43D3-8B79-37D633B846F1}">
-                <asvg:svgBlip xmlns:asvg="http://schemas.microsoft.com/office/drawing/2016/SVG/main" r:embed="rId4"/>
+                <asvg:svgBlip xmlns:asvg="http://schemas.microsoft.com/office/drawing/2016/SVG/main" r:embed="rId5"/>
               </a:ext>
             </a:extLst>
           </a:blip>
@@ -5945,35 +3821,6 @@
           <a:prstGeom prst="rect">
             <a:avLst/>
           </a:prstGeom>
-        </p:spPr>
-      </p:pic>
-      <p:pic>
-        <p:nvPicPr>
-          <p:cNvPr id="10" name="Image 12">
-            <a:extLst>
-              <a:ext uri="{FF2B5EF4-FFF2-40B4-BE49-F238E27FC236}">
-                <a16:creationId xmlns:a16="http://schemas.microsoft.com/office/drawing/2014/main" id="{047FE2FF-C58E-48FD-BEE8-FA6072EEB012}"/>
-              </a:ext>
-            </a:extLst>
-          </p:cNvPr>
-          <p:cNvPicPr/>
-          <p:nvPr/>
-        </p:nvPicPr>
-        <p:blipFill>
-          <a:blip r:embed="rId5"/>
-          <a:stretch/>
-        </p:blipFill>
-        <p:spPr>
-          <a:xfrm>
-            <a:off x="10153800" y="6291720"/>
-            <a:ext cx="1938240" cy="497520"/>
-          </a:xfrm>
-          <a:prstGeom prst="rect">
-            <a:avLst/>
-          </a:prstGeom>
-          <a:ln>
-            <a:noFill/>
-          </a:ln>
         </p:spPr>
       </p:pic>
     </p:spTree>
@@ -6036,7 +3883,7 @@
           <p:cNvPr id="7" name="Image 6">
             <a:extLst>
               <a:ext uri="{FF2B5EF4-FFF2-40B4-BE49-F238E27FC236}">
-                <a16:creationId xmlns:a16="http://schemas.microsoft.com/office/drawing/2014/main" id="{1A056EA6-4D8B-4A11-912A-3A37FBD39C7B}"/>
+                <a16:creationId xmlns:a16="http://schemas.microsoft.com/office/drawing/2014/main" id="{71D0B2F5-96BD-4807-850B-06C97FFCC209}"/>
               </a:ext>
             </a:extLst>
           </p:cNvPr>
@@ -6053,7 +3900,7 @@
         </p:blipFill>
         <p:spPr>
           <a:xfrm>
-            <a:off x="-8464" y="1724400"/>
+            <a:off x="-6967" y="1724400"/>
             <a:ext cx="12189007" cy="4323240"/>
           </a:xfrm>
           <a:prstGeom prst="rect">
@@ -6063,14 +3910,14 @@
       </p:pic>
       <p:sp>
         <p:nvSpPr>
-          <p:cNvPr id="114" name="CustomShape 1"/>
+          <p:cNvPr id="107" name="CustomShape 3"/>
           <p:cNvSpPr/>
           <p:nvPr/>
         </p:nvSpPr>
         <p:spPr>
           <a:xfrm flipH="1" flipV="1">
-            <a:off x="0" y="6047640"/>
-            <a:ext cx="12191760" cy="899640"/>
+            <a:off x="360" y="5957280"/>
+            <a:ext cx="12191760" cy="900360"/>
           </a:xfrm>
           <a:prstGeom prst="rect">
             <a:avLst/>
@@ -6102,7 +3949,7 @@
       </p:sp>
       <p:sp>
         <p:nvSpPr>
-          <p:cNvPr id="115" name="CustomShape 2"/>
+          <p:cNvPr id="104" name="CustomShape 1"/>
           <p:cNvSpPr/>
           <p:nvPr/>
         </p:nvSpPr>
@@ -6138,23 +3985,10 @@
           </a:effectRef>
           <a:fontRef idx="minor"/>
         </p:style>
-        <p:txBody>
-          <a:bodyPr/>
-          <a:lstStyle/>
-          <a:p>
-            <a:endParaRPr lang="fr-FR" dirty="0"/>
-          </a:p>
-        </p:txBody>
-      </p:sp>
-      <p:sp>
-        <p:nvSpPr>
-          <p:cNvPr id="14" name="CustomShape 3">
-            <a:extLst>
-              <a:ext uri="{FF2B5EF4-FFF2-40B4-BE49-F238E27FC236}">
-                <a16:creationId xmlns:a16="http://schemas.microsoft.com/office/drawing/2014/main" id="{A018A6DB-178A-4F0E-879F-A32CD8FF989E}"/>
-              </a:ext>
-            </a:extLst>
-          </p:cNvPr>
+      </p:sp>
+      <p:sp>
+        <p:nvSpPr>
+          <p:cNvPr id="105" name="CustomShape 2"/>
           <p:cNvSpPr/>
           <p:nvPr/>
         </p:nvSpPr>
@@ -6195,13 +4029,13 @@
               </a:lnSpc>
             </a:pPr>
             <a:r>
-              <a:rPr lang="fr-FR" sz="4400" b="1" spc="-1" dirty="0">
+              <a:rPr lang="fr-FR" sz="4400" b="1" strike="noStrike" spc="-1" dirty="0">
                 <a:solidFill>
                   <a:srgbClr val="000000"/>
                 </a:solidFill>
                 <a:latin typeface="Calibri Light"/>
               </a:rPr>
-              <a:t>Outils utilisés</a:t>
+              <a:t>MCD (Modèle conceptuel de données)</a:t>
             </a:r>
             <a:endParaRPr lang="fr-FR" sz="4400" b="0" strike="noStrike" spc="-1" dirty="0">
               <a:latin typeface="Arial"/>
@@ -6211,13 +4045,7 @@
       </p:sp>
       <p:pic>
         <p:nvPicPr>
-          <p:cNvPr id="9" name="Image 12">
-            <a:extLst>
-              <a:ext uri="{FF2B5EF4-FFF2-40B4-BE49-F238E27FC236}">
-                <a16:creationId xmlns:a16="http://schemas.microsoft.com/office/drawing/2014/main" id="{C525465B-22E6-4DCD-ABA9-AA798B6D1BE3}"/>
-              </a:ext>
-            </a:extLst>
-          </p:cNvPr>
+          <p:cNvPr id="108" name="Image 11"/>
           <p:cNvPicPr/>
           <p:nvPr/>
         </p:nvPicPr>
@@ -6227,7 +4055,7 @@
         </p:blipFill>
         <p:spPr>
           <a:xfrm>
-            <a:off x="10153800" y="6291720"/>
+            <a:off x="10157760" y="6198480"/>
             <a:ext cx="1938240" cy="497520"/>
           </a:xfrm>
           <a:prstGeom prst="rect">
@@ -6238,77 +4066,12 @@
           </a:ln>
         </p:spPr>
       </p:pic>
-      <p:sp>
-        <p:nvSpPr>
-          <p:cNvPr id="12" name="TextShape 4">
+      <p:pic>
+        <p:nvPicPr>
+          <p:cNvPr id="6" name="Image 5">
             <a:extLst>
               <a:ext uri="{FF2B5EF4-FFF2-40B4-BE49-F238E27FC236}">
-                <a16:creationId xmlns:a16="http://schemas.microsoft.com/office/drawing/2014/main" id="{4A1E2866-A398-49F9-900B-004111320EF5}"/>
-              </a:ext>
-            </a:extLst>
-          </p:cNvPr>
-          <p:cNvSpPr txBox="1"/>
-          <p:nvPr/>
-        </p:nvSpPr>
-        <p:spPr>
-          <a:xfrm>
-            <a:off x="11458" y="1854318"/>
-            <a:ext cx="12169086" cy="777071"/>
-          </a:xfrm>
-          <a:prstGeom prst="rect">
-            <a:avLst/>
-          </a:prstGeom>
-          <a:noFill/>
-          <a:ln>
-            <a:noFill/>
-          </a:ln>
-        </p:spPr>
-        <p:txBody>
-          <a:bodyPr lIns="90000" tIns="45000" rIns="90000" bIns="45000"/>
-          <a:lstStyle/>
-          <a:p>
-            <a:pPr>
-              <a:buClr>
-                <a:srgbClr val="000000"/>
-              </a:buClr>
-              <a:buSzPct val="45000"/>
-            </a:pPr>
-            <a:r>
-              <a:rPr lang="fr-FR" sz="4400" spc="-1" dirty="0">
-                <a:latin typeface="Arial"/>
-              </a:rPr>
-              <a:t>    </a:t>
-            </a:r>
-            <a:r>
-              <a:rPr lang="fr-FR" sz="4400" b="0" strike="noStrike" spc="-1" dirty="0">
-                <a:latin typeface="Arial"/>
-              </a:rPr>
-              <a:t>Gestion du projet 			  </a:t>
-            </a:r>
-            <a:r>
-              <a:rPr lang="fr-FR" sz="4400" spc="-1" dirty="0"/>
-              <a:t>Technologies</a:t>
-            </a:r>
-          </a:p>
-          <a:p>
-            <a:pPr>
-              <a:buClr>
-                <a:srgbClr val="000000"/>
-              </a:buClr>
-              <a:buSzPct val="45000"/>
-            </a:pPr>
-            <a:endParaRPr lang="fr-FR" sz="4400" b="0" strike="noStrike" spc="-1" dirty="0">
-              <a:latin typeface="Arial"/>
-            </a:endParaRPr>
-          </a:p>
-        </p:txBody>
-      </p:sp>
-      <p:pic>
-        <p:nvPicPr>
-          <p:cNvPr id="5" name="Image 4">
-            <a:extLst>
-              <a:ext uri="{FF2B5EF4-FFF2-40B4-BE49-F238E27FC236}">
-                <a16:creationId xmlns:a16="http://schemas.microsoft.com/office/drawing/2014/main" id="{DEBE286D-E486-41DF-BE04-1B164CC75C13}"/>
+                <a16:creationId xmlns:a16="http://schemas.microsoft.com/office/drawing/2014/main" id="{4ECBF500-4D86-4013-9F7D-666F4DFF050A}"/>
               </a:ext>
             </a:extLst>
           </p:cNvPr>
@@ -6331,337 +4094,12 @@
         </p:blipFill>
         <p:spPr>
           <a:xfrm>
-            <a:off x="262824" y="3176107"/>
-            <a:ext cx="2895600" cy="742950"/>
-          </a:xfrm>
-          <a:prstGeom prst="rect">
-            <a:avLst/>
-          </a:prstGeom>
-        </p:spPr>
-      </p:pic>
-      <p:pic>
-        <p:nvPicPr>
-          <p:cNvPr id="1028" name="Picture 4" descr="RÃ©sultat de recherche d'images pour &quot;trello logo&quot;">
-            <a:extLst>
-              <a:ext uri="{FF2B5EF4-FFF2-40B4-BE49-F238E27FC236}">
-                <a16:creationId xmlns:a16="http://schemas.microsoft.com/office/drawing/2014/main" id="{02ABE16C-75A1-4E12-AA7B-E67DBC1B28F0}"/>
-              </a:ext>
-            </a:extLst>
-          </p:cNvPr>
-          <p:cNvPicPr>
-            <a:picLocks noChangeAspect="1" noChangeArrowheads="1"/>
-          </p:cNvPicPr>
-          <p:nvPr/>
-        </p:nvPicPr>
-        <p:blipFill>
-          <a:blip r:embed="rId5">
-            <a:extLst>
-              <a:ext uri="{28A0092B-C50C-407E-A947-70E740481C1C}">
-                <a14:useLocalDpi xmlns:a14="http://schemas.microsoft.com/office/drawing/2010/main" val="0"/>
-              </a:ext>
-            </a:extLst>
-          </a:blip>
-          <a:srcRect/>
-          <a:stretch>
-            <a:fillRect/>
-          </a:stretch>
-        </p:blipFill>
-        <p:spPr bwMode="auto">
-          <a:xfrm>
-            <a:off x="2930385" y="4558108"/>
-            <a:ext cx="2767668" cy="850481"/>
-          </a:xfrm>
-          <a:prstGeom prst="rect">
-            <a:avLst/>
-          </a:prstGeom>
-          <a:noFill/>
-          <a:extLst>
-            <a:ext uri="{909E8E84-426E-40DD-AFC4-6F175D3DCCD1}">
-              <a14:hiddenFill xmlns:a14="http://schemas.microsoft.com/office/drawing/2010/main">
-                <a:solidFill>
-                  <a:srgbClr val="FFFFFF"/>
-                </a:solidFill>
-              </a14:hiddenFill>
-            </a:ext>
-          </a:extLst>
-        </p:spPr>
-      </p:pic>
-      <p:cxnSp>
-        <p:nvCxnSpPr>
-          <p:cNvPr id="13" name="Connecteur droit 12">
-            <a:extLst>
-              <a:ext uri="{FF2B5EF4-FFF2-40B4-BE49-F238E27FC236}">
-                <a16:creationId xmlns:a16="http://schemas.microsoft.com/office/drawing/2014/main" id="{FE13016C-4585-4208-A8C6-7B4BC58D51F6}"/>
-              </a:ext>
-            </a:extLst>
-          </p:cNvPr>
-          <p:cNvCxnSpPr>
-            <a:stCxn id="12" idx="2"/>
-          </p:cNvCxnSpPr>
-          <p:nvPr/>
-        </p:nvCxnSpPr>
-        <p:spPr>
-          <a:xfrm flipH="1">
-            <a:off x="6096000" y="2631389"/>
-            <a:ext cx="1" cy="3096080"/>
-          </a:xfrm>
-          <a:prstGeom prst="line">
-            <a:avLst/>
-          </a:prstGeom>
-          <a:ln>
-            <a:solidFill>
-              <a:schemeClr val="tx1"/>
-            </a:solidFill>
-          </a:ln>
-        </p:spPr>
-        <p:style>
-          <a:lnRef idx="1">
-            <a:schemeClr val="dk1"/>
-          </a:lnRef>
-          <a:fillRef idx="0">
-            <a:schemeClr val="dk1"/>
-          </a:fillRef>
-          <a:effectRef idx="0">
-            <a:schemeClr val="dk1"/>
-          </a:effectRef>
-          <a:fontRef idx="minor">
-            <a:schemeClr val="tx1"/>
-          </a:fontRef>
-        </p:style>
-      </p:cxnSp>
-      <p:pic>
-        <p:nvPicPr>
-          <p:cNvPr id="1030" name="Picture 6" descr="RÃ©sultat de recherche d'images pour &quot;php&quot;">
-            <a:extLst>
-              <a:ext uri="{FF2B5EF4-FFF2-40B4-BE49-F238E27FC236}">
-                <a16:creationId xmlns:a16="http://schemas.microsoft.com/office/drawing/2014/main" id="{ECF539ED-C701-4F39-B04C-3908C597B815}"/>
-              </a:ext>
-            </a:extLst>
-          </p:cNvPr>
-          <p:cNvPicPr>
-            <a:picLocks noChangeAspect="1" noChangeArrowheads="1"/>
-          </p:cNvPicPr>
-          <p:nvPr/>
-        </p:nvPicPr>
-        <p:blipFill>
-          <a:blip r:embed="rId6">
-            <a:extLst>
-              <a:ext uri="{28A0092B-C50C-407E-A947-70E740481C1C}">
-                <a14:useLocalDpi xmlns:a14="http://schemas.microsoft.com/office/drawing/2010/main" val="0"/>
-              </a:ext>
-            </a:extLst>
-          </a:blip>
-          <a:srcRect/>
-          <a:stretch>
-            <a:fillRect/>
-          </a:stretch>
-        </p:blipFill>
-        <p:spPr bwMode="auto">
-          <a:xfrm>
-            <a:off x="8673355" y="3919057"/>
-            <a:ext cx="1355646" cy="732049"/>
-          </a:xfrm>
-          <a:prstGeom prst="rect">
-            <a:avLst/>
-          </a:prstGeom>
-          <a:noFill/>
-          <a:extLst>
-            <a:ext uri="{909E8E84-426E-40DD-AFC4-6F175D3DCCD1}">
-              <a14:hiddenFill xmlns:a14="http://schemas.microsoft.com/office/drawing/2010/main">
-                <a:solidFill>
-                  <a:srgbClr val="FFFFFF"/>
-                </a:solidFill>
-              </a14:hiddenFill>
-            </a:ext>
-          </a:extLst>
-        </p:spPr>
-      </p:pic>
-      <p:pic>
-        <p:nvPicPr>
-          <p:cNvPr id="1032" name="Picture 8" descr="RÃ©sultat de recherche d'images pour &quot;mysql&quot;">
-            <a:extLst>
-              <a:ext uri="{FF2B5EF4-FFF2-40B4-BE49-F238E27FC236}">
-                <a16:creationId xmlns:a16="http://schemas.microsoft.com/office/drawing/2014/main" id="{95AC936F-ADC7-41B8-92BB-411D9751066D}"/>
-              </a:ext>
-            </a:extLst>
-          </p:cNvPr>
-          <p:cNvPicPr>
-            <a:picLocks noChangeAspect="1" noChangeArrowheads="1"/>
-          </p:cNvPicPr>
-          <p:nvPr/>
-        </p:nvPicPr>
-        <p:blipFill>
-          <a:blip r:embed="rId7">
-            <a:extLst>
-              <a:ext uri="{28A0092B-C50C-407E-A947-70E740481C1C}">
-                <a14:useLocalDpi xmlns:a14="http://schemas.microsoft.com/office/drawing/2010/main" val="0"/>
-              </a:ext>
-            </a:extLst>
-          </a:blip>
-          <a:srcRect/>
-          <a:stretch>
-            <a:fillRect/>
-          </a:stretch>
-        </p:blipFill>
-        <p:spPr bwMode="auto">
-          <a:xfrm>
-            <a:off x="10236289" y="2762070"/>
-            <a:ext cx="1603643" cy="829888"/>
-          </a:xfrm>
-          <a:prstGeom prst="rect">
-            <a:avLst/>
-          </a:prstGeom>
-          <a:noFill/>
-          <a:extLst>
-            <a:ext uri="{909E8E84-426E-40DD-AFC4-6F175D3DCCD1}">
-              <a14:hiddenFill xmlns:a14="http://schemas.microsoft.com/office/drawing/2010/main">
-                <a:solidFill>
-                  <a:srgbClr val="FFFFFF"/>
-                </a:solidFill>
-              </a14:hiddenFill>
-            </a:ext>
-          </a:extLst>
-        </p:spPr>
-      </p:pic>
-      <p:pic>
-        <p:nvPicPr>
-          <p:cNvPr id="1034" name="Picture 10" descr="RÃ©sultat de recherche d'images pour &quot;javascript&quot;">
-            <a:extLst>
-              <a:ext uri="{FF2B5EF4-FFF2-40B4-BE49-F238E27FC236}">
-                <a16:creationId xmlns:a16="http://schemas.microsoft.com/office/drawing/2014/main" id="{4F4E85AE-4FAC-4638-854F-78EA1A39451F}"/>
-              </a:ext>
-            </a:extLst>
-          </p:cNvPr>
-          <p:cNvPicPr>
-            <a:picLocks noChangeAspect="1" noChangeArrowheads="1"/>
-          </p:cNvPicPr>
-          <p:nvPr/>
-        </p:nvPicPr>
-        <p:blipFill>
-          <a:blip r:embed="rId8">
-            <a:extLst>
-              <a:ext uri="{28A0092B-C50C-407E-A947-70E740481C1C}">
-                <a14:useLocalDpi xmlns:a14="http://schemas.microsoft.com/office/drawing/2010/main" val="0"/>
-              </a:ext>
-            </a:extLst>
-          </a:blip>
-          <a:srcRect/>
-          <a:stretch>
-            <a:fillRect/>
-          </a:stretch>
-        </p:blipFill>
-        <p:spPr bwMode="auto">
-          <a:xfrm>
-            <a:off x="6951949" y="2674896"/>
-            <a:ext cx="829887" cy="829887"/>
-          </a:xfrm>
-          <a:prstGeom prst="rect">
-            <a:avLst/>
-          </a:prstGeom>
-          <a:noFill/>
-          <a:extLst>
-            <a:ext uri="{909E8E84-426E-40DD-AFC4-6F175D3DCCD1}">
-              <a14:hiddenFill xmlns:a14="http://schemas.microsoft.com/office/drawing/2010/main">
-                <a:solidFill>
-                  <a:srgbClr val="FFFFFF"/>
-                </a:solidFill>
-              </a14:hiddenFill>
-            </a:ext>
-          </a:extLst>
-        </p:spPr>
-      </p:pic>
-      <p:pic>
-        <p:nvPicPr>
-          <p:cNvPr id="1036" name="Picture 12" descr="RÃ©sultat de recherche d'images pour &quot;html&quot;">
-            <a:extLst>
-              <a:ext uri="{FF2B5EF4-FFF2-40B4-BE49-F238E27FC236}">
-                <a16:creationId xmlns:a16="http://schemas.microsoft.com/office/drawing/2014/main" id="{416A4E6A-3F25-4332-80E0-BDDD26FCEEE8}"/>
-              </a:ext>
-            </a:extLst>
-          </p:cNvPr>
-          <p:cNvPicPr>
-            <a:picLocks noChangeAspect="1" noChangeArrowheads="1"/>
-          </p:cNvPicPr>
-          <p:nvPr/>
-        </p:nvPicPr>
-        <p:blipFill>
-          <a:blip r:embed="rId9">
-            <a:extLst>
-              <a:ext uri="{28A0092B-C50C-407E-A947-70E740481C1C}">
-                <a14:useLocalDpi xmlns:a14="http://schemas.microsoft.com/office/drawing/2010/main" val="0"/>
-              </a:ext>
-            </a:extLst>
-          </a:blip>
-          <a:srcRect/>
-          <a:stretch>
-            <a:fillRect/>
-          </a:stretch>
-        </p:blipFill>
-        <p:spPr bwMode="auto">
-          <a:xfrm>
-            <a:off x="10997744" y="4831304"/>
-            <a:ext cx="1094296" cy="1094296"/>
-          </a:xfrm>
-          <a:prstGeom prst="rect">
-            <a:avLst/>
-          </a:prstGeom>
-          <a:noFill/>
-          <a:extLst>
-            <a:ext uri="{909E8E84-426E-40DD-AFC4-6F175D3DCCD1}">
-              <a14:hiddenFill xmlns:a14="http://schemas.microsoft.com/office/drawing/2010/main">
-                <a:solidFill>
-                  <a:srgbClr val="FFFFFF"/>
-                </a:solidFill>
-              </a14:hiddenFill>
-            </a:ext>
-          </a:extLst>
-        </p:spPr>
-      </p:pic>
-      <p:pic>
-        <p:nvPicPr>
-          <p:cNvPr id="1038" name="Picture 14" descr="RÃ©sultat de recherche d'images pour &quot;css&quot;">
-            <a:extLst>
-              <a:ext uri="{FF2B5EF4-FFF2-40B4-BE49-F238E27FC236}">
-                <a16:creationId xmlns:a16="http://schemas.microsoft.com/office/drawing/2014/main" id="{D072646B-B8B0-4C6D-B8CC-70B3F7F7B6CB}"/>
-              </a:ext>
-            </a:extLst>
-          </p:cNvPr>
-          <p:cNvPicPr>
-            <a:picLocks noChangeAspect="1" noChangeArrowheads="1"/>
-          </p:cNvPicPr>
-          <p:nvPr/>
-        </p:nvPicPr>
-        <p:blipFill>
-          <a:blip r:embed="rId10">
-            <a:extLst>
-              <a:ext uri="{28A0092B-C50C-407E-A947-70E740481C1C}">
-                <a14:useLocalDpi xmlns:a14="http://schemas.microsoft.com/office/drawing/2010/main" val="0"/>
-              </a:ext>
-            </a:extLst>
-          </a:blip>
-          <a:srcRect/>
-          <a:stretch>
-            <a:fillRect/>
-          </a:stretch>
-        </p:blipFill>
-        <p:spPr bwMode="auto">
-          <a:xfrm>
-            <a:off x="7018421" y="4651106"/>
-            <a:ext cx="859039" cy="1211969"/>
-          </a:xfrm>
-          <a:prstGeom prst="rect">
-            <a:avLst/>
-          </a:prstGeom>
-          <a:noFill/>
-          <a:extLst>
-            <a:ext uri="{909E8E84-426E-40DD-AFC4-6F175D3DCCD1}">
-              <a14:hiddenFill xmlns:a14="http://schemas.microsoft.com/office/drawing/2010/main">
-                <a:solidFill>
-                  <a:srgbClr val="FFFFFF"/>
-                </a:solidFill>
-              </a14:hiddenFill>
-            </a:ext>
-          </a:extLst>
+            <a:off x="1286391" y="1174271"/>
+            <a:ext cx="9278529" cy="5683369"/>
+          </a:xfrm>
+          <a:prstGeom prst="rect">
+            <a:avLst/>
+          </a:prstGeom>
         </p:spPr>
       </p:pic>
     </p:spTree>
@@ -6724,7 +4162,7 @@
           <p:cNvPr id="8" name="Image 7">
             <a:extLst>
               <a:ext uri="{FF2B5EF4-FFF2-40B4-BE49-F238E27FC236}">
-                <a16:creationId xmlns:a16="http://schemas.microsoft.com/office/drawing/2014/main" id="{50239648-C0D2-4B7C-A1F3-1A2C0EAC036F}"/>
+                <a16:creationId xmlns:a16="http://schemas.microsoft.com/office/drawing/2014/main" id="{A2850D16-3DA6-402C-9D00-58786679C98C}"/>
               </a:ext>
             </a:extLst>
           </p:cNvPr>
@@ -6787,13 +4225,6 @@
           </a:effectRef>
           <a:fontRef idx="minor"/>
         </p:style>
-        <p:txBody>
-          <a:bodyPr/>
-          <a:lstStyle/>
-          <a:p>
-            <a:endParaRPr lang="fr-FR" dirty="0"/>
-          </a:p>
-        </p:txBody>
       </p:sp>
       <p:sp>
         <p:nvSpPr>
@@ -6877,20 +4308,40 @@
               </a:lnSpc>
             </a:pPr>
             <a:r>
-              <a:rPr lang="fr-FR" sz="4400" b="1" spc="-1" dirty="0">
+              <a:rPr lang="fr-FR" sz="4400" b="1" strike="noStrike" spc="-1" dirty="0">
                 <a:solidFill>
                   <a:srgbClr val="000000"/>
                 </a:solidFill>
                 <a:latin typeface="Calibri Light"/>
               </a:rPr>
-              <a:t>Fonctions du site</a:t>
+              <a:t>Différentes fonctionnalités</a:t>
             </a:r>
-            <a:endParaRPr lang="fr-FR" sz="4400" b="0" strike="noStrike" spc="-1" dirty="0">
-              <a:latin typeface="Arial"/>
-            </a:endParaRPr>
           </a:p>
         </p:txBody>
       </p:sp>
+      <p:pic>
+        <p:nvPicPr>
+          <p:cNvPr id="112" name="Image 11"/>
+          <p:cNvPicPr/>
+          <p:nvPr/>
+        </p:nvPicPr>
+        <p:blipFill>
+          <a:blip r:embed="rId3"/>
+          <a:stretch/>
+        </p:blipFill>
+        <p:spPr>
+          <a:xfrm>
+            <a:off x="10064880" y="6201720"/>
+            <a:ext cx="1938240" cy="497520"/>
+          </a:xfrm>
+          <a:prstGeom prst="rect">
+            <a:avLst/>
+          </a:prstGeom>
+          <a:ln>
+            <a:noFill/>
+          </a:ln>
+        </p:spPr>
+      </p:pic>
       <p:sp>
         <p:nvSpPr>
           <p:cNvPr id="113" name="TextShape 4"/>
@@ -6923,7 +4374,7 @@
               <a:buChar char="q"/>
             </a:pPr>
             <a:r>
-              <a:rPr lang="fr-FR" sz="4400" b="0" strike="noStrike" spc="-1" dirty="0">
+              <a:rPr lang="fr-FR" sz="4800" b="0" strike="noStrike" spc="-1" dirty="0">
                 <a:latin typeface="Arial"/>
               </a:rPr>
               <a:t>I. Inscription</a:t>
@@ -6939,7 +4390,7 @@
               <a:buChar char="q"/>
             </a:pPr>
             <a:r>
-              <a:rPr lang="fr-FR" sz="4400" b="0" strike="noStrike" spc="-1" dirty="0">
+              <a:rPr lang="fr-FR" sz="4800" b="0" strike="noStrike" spc="-1" dirty="0">
                 <a:latin typeface="Arial"/>
               </a:rPr>
               <a:t>II. Profil</a:t>
@@ -6955,7 +4406,7 @@
               <a:buChar char="q"/>
             </a:pPr>
             <a:r>
-              <a:rPr lang="fr-FR" sz="4400" b="0" strike="noStrike" spc="-1" dirty="0">
+              <a:rPr lang="fr-FR" sz="4800" b="0" strike="noStrike" spc="-1" dirty="0">
                 <a:latin typeface="Arial"/>
               </a:rPr>
               <a:t>III. Inventaire de deck</a:t>
@@ -6971,7 +4422,7 @@
               <a:buChar char="q"/>
             </a:pPr>
             <a:r>
-              <a:rPr lang="fr-FR" sz="4400" b="0" strike="noStrike" spc="-1" dirty="0">
+              <a:rPr lang="fr-FR" sz="4800" b="0" strike="noStrike" spc="-1" dirty="0">
                 <a:latin typeface="Arial"/>
               </a:rPr>
               <a:t>IV. Forum</a:t>
@@ -6987,26 +4438,23 @@
               <a:buChar char="q"/>
             </a:pPr>
             <a:r>
-              <a:rPr lang="fr-FR" sz="4400" spc="-1" dirty="0">
+              <a:rPr lang="fr-FR" sz="4800" spc="-1" dirty="0">
                 <a:latin typeface="Arial"/>
               </a:rPr>
               <a:t>V. </a:t>
             </a:r>
             <a:r>
-              <a:rPr lang="fr-FR" sz="4400" spc="-1" dirty="0" err="1">
+              <a:rPr lang="fr-FR" sz="4800" spc="-1" dirty="0" err="1">
                 <a:latin typeface="Arial"/>
               </a:rPr>
               <a:t>Cards</a:t>
             </a:r>
             <a:r>
-              <a:rPr lang="fr-FR" sz="4400" spc="-1" dirty="0">
+              <a:rPr lang="fr-FR" sz="4800" spc="-1" dirty="0">
                 <a:latin typeface="Arial"/>
               </a:rPr>
               <a:t> Store</a:t>
             </a:r>
-            <a:endParaRPr lang="fr-FR" sz="4400" b="0" strike="noStrike" spc="-1" dirty="0">
-              <a:latin typeface="Arial"/>
-            </a:endParaRPr>
           </a:p>
           <a:p>
             <a:pPr marL="685800" indent="-685800">
@@ -7018,49 +4466,20 @@
               <a:buChar char="q"/>
             </a:pPr>
             <a:r>
-              <a:rPr lang="fr-FR" sz="4400" b="0" strike="noStrike" spc="-1" dirty="0">
+              <a:rPr lang="fr-FR" sz="4800" spc="-1" dirty="0">
                 <a:latin typeface="Arial"/>
               </a:rPr>
-              <a:t>Algorithme de jeu</a:t>
+              <a:t>Partie 	admin</a:t>
             </a:r>
           </a:p>
         </p:txBody>
       </p:sp>
       <p:pic>
         <p:nvPicPr>
-          <p:cNvPr id="10" name="Image 12">
+          <p:cNvPr id="7" name="Graphique 6" descr="Liste de vérification">
             <a:extLst>
               <a:ext uri="{FF2B5EF4-FFF2-40B4-BE49-F238E27FC236}">
-                <a16:creationId xmlns:a16="http://schemas.microsoft.com/office/drawing/2014/main" id="{84FB0011-4AF7-45E2-AD01-7C9A2C0CCA92}"/>
-              </a:ext>
-            </a:extLst>
-          </p:cNvPr>
-          <p:cNvPicPr/>
-          <p:nvPr/>
-        </p:nvPicPr>
-        <p:blipFill>
-          <a:blip r:embed="rId3"/>
-          <a:stretch/>
-        </p:blipFill>
-        <p:spPr>
-          <a:xfrm>
-            <a:off x="10153800" y="6291720"/>
-            <a:ext cx="1938240" cy="497520"/>
-          </a:xfrm>
-          <a:prstGeom prst="rect">
-            <a:avLst/>
-          </a:prstGeom>
-          <a:ln>
-            <a:noFill/>
-          </a:ln>
-        </p:spPr>
-      </p:pic>
-      <p:pic>
-        <p:nvPicPr>
-          <p:cNvPr id="3" name="Graphique 2" descr="Liste de vérification">
-            <a:extLst>
-              <a:ext uri="{FF2B5EF4-FFF2-40B4-BE49-F238E27FC236}">
-                <a16:creationId xmlns:a16="http://schemas.microsoft.com/office/drawing/2014/main" id="{9C808E2C-52CA-4036-A396-C9D491A87E98}"/>
+                <a16:creationId xmlns:a16="http://schemas.microsoft.com/office/drawing/2014/main" id="{3033DF42-8063-45ED-93C2-112ABDE082DF}"/>
               </a:ext>
             </a:extLst>
           </p:cNvPr>
@@ -7151,10 +4570,10 @@
       </p:grpSpPr>
       <p:pic>
         <p:nvPicPr>
-          <p:cNvPr id="8" name="Image 7">
+          <p:cNvPr id="7" name="Image 6">
             <a:extLst>
               <a:ext uri="{FF2B5EF4-FFF2-40B4-BE49-F238E27FC236}">
-                <a16:creationId xmlns:a16="http://schemas.microsoft.com/office/drawing/2014/main" id="{BDF6DAFE-D26A-4CC8-A799-FC0CE34D8166}"/>
+                <a16:creationId xmlns:a16="http://schemas.microsoft.com/office/drawing/2014/main" id="{1A056EA6-4D8B-4A11-912A-3A37FBD39C7B}"/>
               </a:ext>
             </a:extLst>
           </p:cNvPr>
@@ -7171,7 +4590,7 @@
         </p:blipFill>
         <p:spPr>
           <a:xfrm>
-            <a:off x="-6967" y="1724400"/>
+            <a:off x="-8464" y="1724400"/>
             <a:ext cx="12189007" cy="4323240"/>
           </a:xfrm>
           <a:prstGeom prst="rect">
@@ -7181,7 +4600,7 @@
       </p:pic>
       <p:sp>
         <p:nvSpPr>
-          <p:cNvPr id="122" name="CustomShape 1"/>
+          <p:cNvPr id="114" name="CustomShape 1"/>
           <p:cNvSpPr/>
           <p:nvPr/>
         </p:nvSpPr>
@@ -7220,7 +4639,7 @@
       </p:sp>
       <p:sp>
         <p:nvSpPr>
-          <p:cNvPr id="123" name="CustomShape 2"/>
+          <p:cNvPr id="115" name="CustomShape 2"/>
           <p:cNvSpPr/>
           <p:nvPr/>
         </p:nvSpPr>
@@ -7256,10 +4675,23 @@
           </a:effectRef>
           <a:fontRef idx="minor"/>
         </p:style>
-      </p:sp>
-      <p:sp>
-        <p:nvSpPr>
-          <p:cNvPr id="124" name="CustomShape 3"/>
+        <p:txBody>
+          <a:bodyPr/>
+          <a:lstStyle/>
+          <a:p>
+            <a:endParaRPr lang="fr-FR" dirty="0"/>
+          </a:p>
+        </p:txBody>
+      </p:sp>
+      <p:sp>
+        <p:nvSpPr>
+          <p:cNvPr id="14" name="CustomShape 3">
+            <a:extLst>
+              <a:ext uri="{FF2B5EF4-FFF2-40B4-BE49-F238E27FC236}">
+                <a16:creationId xmlns:a16="http://schemas.microsoft.com/office/drawing/2014/main" id="{A018A6DB-178A-4F0E-879F-A32CD8FF989E}"/>
+              </a:ext>
+            </a:extLst>
+          </p:cNvPr>
           <p:cNvSpPr/>
           <p:nvPr/>
         </p:nvSpPr>
@@ -7300,13 +4732,13 @@
               </a:lnSpc>
             </a:pPr>
             <a:r>
-              <a:rPr lang="fr-FR" sz="4400" b="1" strike="noStrike" spc="-1" dirty="0">
+              <a:rPr lang="fr-FR" sz="4400" b="1" spc="-1" dirty="0">
                 <a:solidFill>
                   <a:srgbClr val="000000"/>
                 </a:solidFill>
                 <a:latin typeface="Calibri Light"/>
               </a:rPr>
-              <a:t>Démonstration du site</a:t>
+              <a:t>Outils utilisés</a:t>
             </a:r>
             <a:endParaRPr lang="fr-FR" sz="4400" b="0" strike="noStrike" spc="-1" dirty="0">
               <a:latin typeface="Arial"/>
@@ -7316,10 +4748,104 @@
       </p:sp>
       <p:pic>
         <p:nvPicPr>
-          <p:cNvPr id="2" name="Image 1">
+          <p:cNvPr id="9" name="Image 12">
             <a:extLst>
               <a:ext uri="{FF2B5EF4-FFF2-40B4-BE49-F238E27FC236}">
-                <a16:creationId xmlns:a16="http://schemas.microsoft.com/office/drawing/2014/main" id="{C9274AC7-D411-455C-9681-1B9A86ADC904}"/>
+                <a16:creationId xmlns:a16="http://schemas.microsoft.com/office/drawing/2014/main" id="{C525465B-22E6-4DCD-ABA9-AA798B6D1BE3}"/>
+              </a:ext>
+            </a:extLst>
+          </p:cNvPr>
+          <p:cNvPicPr/>
+          <p:nvPr/>
+        </p:nvPicPr>
+        <p:blipFill>
+          <a:blip r:embed="rId3"/>
+          <a:stretch/>
+        </p:blipFill>
+        <p:spPr>
+          <a:xfrm>
+            <a:off x="10153800" y="6291720"/>
+            <a:ext cx="1938240" cy="497520"/>
+          </a:xfrm>
+          <a:prstGeom prst="rect">
+            <a:avLst/>
+          </a:prstGeom>
+          <a:ln>
+            <a:noFill/>
+          </a:ln>
+        </p:spPr>
+      </p:pic>
+      <p:sp>
+        <p:nvSpPr>
+          <p:cNvPr id="12" name="TextShape 4">
+            <a:extLst>
+              <a:ext uri="{FF2B5EF4-FFF2-40B4-BE49-F238E27FC236}">
+                <a16:creationId xmlns:a16="http://schemas.microsoft.com/office/drawing/2014/main" id="{4A1E2866-A398-49F9-900B-004111320EF5}"/>
+              </a:ext>
+            </a:extLst>
+          </p:cNvPr>
+          <p:cNvSpPr txBox="1"/>
+          <p:nvPr/>
+        </p:nvSpPr>
+        <p:spPr>
+          <a:xfrm>
+            <a:off x="11458" y="1854318"/>
+            <a:ext cx="12169086" cy="777071"/>
+          </a:xfrm>
+          <a:prstGeom prst="rect">
+            <a:avLst/>
+          </a:prstGeom>
+          <a:noFill/>
+          <a:ln>
+            <a:noFill/>
+          </a:ln>
+        </p:spPr>
+        <p:txBody>
+          <a:bodyPr lIns="90000" tIns="45000" rIns="90000" bIns="45000"/>
+          <a:lstStyle/>
+          <a:p>
+            <a:pPr>
+              <a:buClr>
+                <a:srgbClr val="000000"/>
+              </a:buClr>
+              <a:buSzPct val="45000"/>
+            </a:pPr>
+            <a:r>
+              <a:rPr lang="fr-FR" sz="4400" spc="-1" dirty="0">
+                <a:latin typeface="Arial"/>
+              </a:rPr>
+              <a:t>    </a:t>
+            </a:r>
+            <a:r>
+              <a:rPr lang="fr-FR" sz="4400" b="0" strike="noStrike" spc="-1" dirty="0">
+                <a:latin typeface="Arial"/>
+              </a:rPr>
+              <a:t>Gestion du projet 			  </a:t>
+            </a:r>
+            <a:r>
+              <a:rPr lang="fr-FR" sz="4400" spc="-1" dirty="0"/>
+              <a:t>Technologies</a:t>
+            </a:r>
+          </a:p>
+          <a:p>
+            <a:pPr>
+              <a:buClr>
+                <a:srgbClr val="000000"/>
+              </a:buClr>
+              <a:buSzPct val="45000"/>
+            </a:pPr>
+            <a:endParaRPr lang="fr-FR" sz="4400" b="0" strike="noStrike" spc="-1" dirty="0">
+              <a:latin typeface="Arial"/>
+            </a:endParaRPr>
+          </a:p>
+        </p:txBody>
+      </p:sp>
+      <p:pic>
+        <p:nvPicPr>
+          <p:cNvPr id="5" name="Image 4">
+            <a:extLst>
+              <a:ext uri="{FF2B5EF4-FFF2-40B4-BE49-F238E27FC236}">
+                <a16:creationId xmlns:a16="http://schemas.microsoft.com/office/drawing/2014/main" id="{DEBE286D-E486-41DF-BE04-1B164CC75C13}"/>
               </a:ext>
             </a:extLst>
           </p:cNvPr>
@@ -7329,15 +4855,21 @@
           <p:nvPr/>
         </p:nvPicPr>
         <p:blipFill>
-          <a:blip r:embed="rId3"/>
+          <a:blip r:embed="rId4">
+            <a:extLst>
+              <a:ext uri="{28A0092B-C50C-407E-A947-70E740481C1C}">
+                <a14:useLocalDpi xmlns:a14="http://schemas.microsoft.com/office/drawing/2010/main" val="0"/>
+              </a:ext>
+            </a:extLst>
+          </a:blip>
           <a:stretch>
             <a:fillRect/>
           </a:stretch>
         </p:blipFill>
         <p:spPr>
           <a:xfrm>
-            <a:off x="994224" y="1724401"/>
-            <a:ext cx="7685758" cy="4323239"/>
+            <a:off x="262824" y="3176107"/>
+            <a:ext cx="2895600" cy="742950"/>
           </a:xfrm>
           <a:prstGeom prst="rect">
             <a:avLst/>
@@ -7346,44 +4878,15 @@
       </p:pic>
       <p:pic>
         <p:nvPicPr>
-          <p:cNvPr id="9" name="Image 12">
+          <p:cNvPr id="1028" name="Picture 4" descr="RÃ©sultat de recherche d'images pour &quot;trello logo&quot;">
             <a:extLst>
               <a:ext uri="{FF2B5EF4-FFF2-40B4-BE49-F238E27FC236}">
-                <a16:creationId xmlns:a16="http://schemas.microsoft.com/office/drawing/2014/main" id="{3F27531E-73BB-43CF-99CF-7ED0B66E92F6}"/>
-              </a:ext>
-            </a:extLst>
-          </p:cNvPr>
-          <p:cNvPicPr/>
-          <p:nvPr/>
-        </p:nvPicPr>
-        <p:blipFill>
-          <a:blip r:embed="rId4"/>
-          <a:stretch/>
-        </p:blipFill>
-        <p:spPr>
-          <a:xfrm>
-            <a:off x="10153800" y="6291720"/>
-            <a:ext cx="1938240" cy="497520"/>
-          </a:xfrm>
-          <a:prstGeom prst="rect">
-            <a:avLst/>
-          </a:prstGeom>
-          <a:ln>
-            <a:noFill/>
-          </a:ln>
-        </p:spPr>
-      </p:pic>
-      <p:pic>
-        <p:nvPicPr>
-          <p:cNvPr id="4" name="Graphique 3" descr="Télévision">
-            <a:extLst>
-              <a:ext uri="{FF2B5EF4-FFF2-40B4-BE49-F238E27FC236}">
-                <a16:creationId xmlns:a16="http://schemas.microsoft.com/office/drawing/2014/main" id="{0ADCD81B-08D8-4925-A71B-E7324CDAA7F5}"/>
+                <a16:creationId xmlns:a16="http://schemas.microsoft.com/office/drawing/2014/main" id="{02ABE16C-75A1-4E12-AA7B-E67DBC1B28F0}"/>
               </a:ext>
             </a:extLst>
           </p:cNvPr>
           <p:cNvPicPr>
-            <a:picLocks noChangeAspect="1"/>
+            <a:picLocks noChangeAspect="1" noChangeArrowheads="1"/>
           </p:cNvPicPr>
           <p:nvPr/>
         </p:nvPicPr>
@@ -7393,23 +4896,309 @@
               <a:ext uri="{28A0092B-C50C-407E-A947-70E740481C1C}">
                 <a14:useLocalDpi xmlns:a14="http://schemas.microsoft.com/office/drawing/2010/main" val="0"/>
               </a:ext>
-              <a:ext uri="{96DAC541-7B7A-43D3-8B79-37D633B846F1}">
-                <asvg:svgBlip xmlns:asvg="http://schemas.microsoft.com/office/drawing/2016/SVG/main" r:embed="rId6"/>
-              </a:ext>
             </a:extLst>
           </a:blip>
+          <a:srcRect/>
           <a:stretch>
             <a:fillRect/>
           </a:stretch>
         </p:blipFill>
-        <p:spPr>
-          <a:xfrm>
-            <a:off x="10564920" y="1724399"/>
-            <a:ext cx="1617119" cy="1617119"/>
-          </a:xfrm>
-          <a:prstGeom prst="rect">
-            <a:avLst/>
-          </a:prstGeom>
+        <p:spPr bwMode="auto">
+          <a:xfrm>
+            <a:off x="2930385" y="4558108"/>
+            <a:ext cx="2767668" cy="850481"/>
+          </a:xfrm>
+          <a:prstGeom prst="rect">
+            <a:avLst/>
+          </a:prstGeom>
+          <a:noFill/>
+          <a:extLst>
+            <a:ext uri="{909E8E84-426E-40DD-AFC4-6F175D3DCCD1}">
+              <a14:hiddenFill xmlns:a14="http://schemas.microsoft.com/office/drawing/2010/main">
+                <a:solidFill>
+                  <a:srgbClr val="FFFFFF"/>
+                </a:solidFill>
+              </a14:hiddenFill>
+            </a:ext>
+          </a:extLst>
+        </p:spPr>
+      </p:pic>
+      <p:cxnSp>
+        <p:nvCxnSpPr>
+          <p:cNvPr id="13" name="Connecteur droit 12">
+            <a:extLst>
+              <a:ext uri="{FF2B5EF4-FFF2-40B4-BE49-F238E27FC236}">
+                <a16:creationId xmlns:a16="http://schemas.microsoft.com/office/drawing/2014/main" id="{FE13016C-4585-4208-A8C6-7B4BC58D51F6}"/>
+              </a:ext>
+            </a:extLst>
+          </p:cNvPr>
+          <p:cNvCxnSpPr>
+            <a:stCxn id="12" idx="2"/>
+          </p:cNvCxnSpPr>
+          <p:nvPr/>
+        </p:nvCxnSpPr>
+        <p:spPr>
+          <a:xfrm flipH="1">
+            <a:off x="6096000" y="2631389"/>
+            <a:ext cx="1" cy="3096080"/>
+          </a:xfrm>
+          <a:prstGeom prst="line">
+            <a:avLst/>
+          </a:prstGeom>
+          <a:ln>
+            <a:solidFill>
+              <a:schemeClr val="tx1"/>
+            </a:solidFill>
+          </a:ln>
+        </p:spPr>
+        <p:style>
+          <a:lnRef idx="1">
+            <a:schemeClr val="dk1"/>
+          </a:lnRef>
+          <a:fillRef idx="0">
+            <a:schemeClr val="dk1"/>
+          </a:fillRef>
+          <a:effectRef idx="0">
+            <a:schemeClr val="dk1"/>
+          </a:effectRef>
+          <a:fontRef idx="minor">
+            <a:schemeClr val="tx1"/>
+          </a:fontRef>
+        </p:style>
+      </p:cxnSp>
+      <p:pic>
+        <p:nvPicPr>
+          <p:cNvPr id="1030" name="Picture 6" descr="RÃ©sultat de recherche d'images pour &quot;php&quot;">
+            <a:extLst>
+              <a:ext uri="{FF2B5EF4-FFF2-40B4-BE49-F238E27FC236}">
+                <a16:creationId xmlns:a16="http://schemas.microsoft.com/office/drawing/2014/main" id="{ECF539ED-C701-4F39-B04C-3908C597B815}"/>
+              </a:ext>
+            </a:extLst>
+          </p:cNvPr>
+          <p:cNvPicPr>
+            <a:picLocks noChangeAspect="1" noChangeArrowheads="1"/>
+          </p:cNvPicPr>
+          <p:nvPr/>
+        </p:nvPicPr>
+        <p:blipFill>
+          <a:blip r:embed="rId6">
+            <a:extLst>
+              <a:ext uri="{28A0092B-C50C-407E-A947-70E740481C1C}">
+                <a14:useLocalDpi xmlns:a14="http://schemas.microsoft.com/office/drawing/2010/main" val="0"/>
+              </a:ext>
+            </a:extLst>
+          </a:blip>
+          <a:srcRect/>
+          <a:stretch>
+            <a:fillRect/>
+          </a:stretch>
+        </p:blipFill>
+        <p:spPr bwMode="auto">
+          <a:xfrm>
+            <a:off x="8673355" y="3919057"/>
+            <a:ext cx="1355646" cy="732049"/>
+          </a:xfrm>
+          <a:prstGeom prst="rect">
+            <a:avLst/>
+          </a:prstGeom>
+          <a:noFill/>
+          <a:extLst>
+            <a:ext uri="{909E8E84-426E-40DD-AFC4-6F175D3DCCD1}">
+              <a14:hiddenFill xmlns:a14="http://schemas.microsoft.com/office/drawing/2010/main">
+                <a:solidFill>
+                  <a:srgbClr val="FFFFFF"/>
+                </a:solidFill>
+              </a14:hiddenFill>
+            </a:ext>
+          </a:extLst>
+        </p:spPr>
+      </p:pic>
+      <p:pic>
+        <p:nvPicPr>
+          <p:cNvPr id="1032" name="Picture 8" descr="RÃ©sultat de recherche d'images pour &quot;mysql&quot;">
+            <a:extLst>
+              <a:ext uri="{FF2B5EF4-FFF2-40B4-BE49-F238E27FC236}">
+                <a16:creationId xmlns:a16="http://schemas.microsoft.com/office/drawing/2014/main" id="{95AC936F-ADC7-41B8-92BB-411D9751066D}"/>
+              </a:ext>
+            </a:extLst>
+          </p:cNvPr>
+          <p:cNvPicPr>
+            <a:picLocks noChangeAspect="1" noChangeArrowheads="1"/>
+          </p:cNvPicPr>
+          <p:nvPr/>
+        </p:nvPicPr>
+        <p:blipFill>
+          <a:blip r:embed="rId7">
+            <a:extLst>
+              <a:ext uri="{28A0092B-C50C-407E-A947-70E740481C1C}">
+                <a14:useLocalDpi xmlns:a14="http://schemas.microsoft.com/office/drawing/2010/main" val="0"/>
+              </a:ext>
+            </a:extLst>
+          </a:blip>
+          <a:srcRect/>
+          <a:stretch>
+            <a:fillRect/>
+          </a:stretch>
+        </p:blipFill>
+        <p:spPr bwMode="auto">
+          <a:xfrm>
+            <a:off x="10236289" y="2762070"/>
+            <a:ext cx="1603643" cy="829888"/>
+          </a:xfrm>
+          <a:prstGeom prst="rect">
+            <a:avLst/>
+          </a:prstGeom>
+          <a:noFill/>
+          <a:extLst>
+            <a:ext uri="{909E8E84-426E-40DD-AFC4-6F175D3DCCD1}">
+              <a14:hiddenFill xmlns:a14="http://schemas.microsoft.com/office/drawing/2010/main">
+                <a:solidFill>
+                  <a:srgbClr val="FFFFFF"/>
+                </a:solidFill>
+              </a14:hiddenFill>
+            </a:ext>
+          </a:extLst>
+        </p:spPr>
+      </p:pic>
+      <p:pic>
+        <p:nvPicPr>
+          <p:cNvPr id="1034" name="Picture 10" descr="RÃ©sultat de recherche d'images pour &quot;javascript&quot;">
+            <a:extLst>
+              <a:ext uri="{FF2B5EF4-FFF2-40B4-BE49-F238E27FC236}">
+                <a16:creationId xmlns:a16="http://schemas.microsoft.com/office/drawing/2014/main" id="{4F4E85AE-4FAC-4638-854F-78EA1A39451F}"/>
+              </a:ext>
+            </a:extLst>
+          </p:cNvPr>
+          <p:cNvPicPr>
+            <a:picLocks noChangeAspect="1" noChangeArrowheads="1"/>
+          </p:cNvPicPr>
+          <p:nvPr/>
+        </p:nvPicPr>
+        <p:blipFill>
+          <a:blip r:embed="rId8">
+            <a:extLst>
+              <a:ext uri="{28A0092B-C50C-407E-A947-70E740481C1C}">
+                <a14:useLocalDpi xmlns:a14="http://schemas.microsoft.com/office/drawing/2010/main" val="0"/>
+              </a:ext>
+            </a:extLst>
+          </a:blip>
+          <a:srcRect/>
+          <a:stretch>
+            <a:fillRect/>
+          </a:stretch>
+        </p:blipFill>
+        <p:spPr bwMode="auto">
+          <a:xfrm>
+            <a:off x="6951949" y="2674896"/>
+            <a:ext cx="829887" cy="829887"/>
+          </a:xfrm>
+          <a:prstGeom prst="rect">
+            <a:avLst/>
+          </a:prstGeom>
+          <a:noFill/>
+          <a:extLst>
+            <a:ext uri="{909E8E84-426E-40DD-AFC4-6F175D3DCCD1}">
+              <a14:hiddenFill xmlns:a14="http://schemas.microsoft.com/office/drawing/2010/main">
+                <a:solidFill>
+                  <a:srgbClr val="FFFFFF"/>
+                </a:solidFill>
+              </a14:hiddenFill>
+            </a:ext>
+          </a:extLst>
+        </p:spPr>
+      </p:pic>
+      <p:pic>
+        <p:nvPicPr>
+          <p:cNvPr id="1036" name="Picture 12" descr="RÃ©sultat de recherche d'images pour &quot;html&quot;">
+            <a:extLst>
+              <a:ext uri="{FF2B5EF4-FFF2-40B4-BE49-F238E27FC236}">
+                <a16:creationId xmlns:a16="http://schemas.microsoft.com/office/drawing/2014/main" id="{416A4E6A-3F25-4332-80E0-BDDD26FCEEE8}"/>
+              </a:ext>
+            </a:extLst>
+          </p:cNvPr>
+          <p:cNvPicPr>
+            <a:picLocks noChangeAspect="1" noChangeArrowheads="1"/>
+          </p:cNvPicPr>
+          <p:nvPr/>
+        </p:nvPicPr>
+        <p:blipFill>
+          <a:blip r:embed="rId9">
+            <a:extLst>
+              <a:ext uri="{28A0092B-C50C-407E-A947-70E740481C1C}">
+                <a14:useLocalDpi xmlns:a14="http://schemas.microsoft.com/office/drawing/2010/main" val="0"/>
+              </a:ext>
+            </a:extLst>
+          </a:blip>
+          <a:srcRect/>
+          <a:stretch>
+            <a:fillRect/>
+          </a:stretch>
+        </p:blipFill>
+        <p:spPr bwMode="auto">
+          <a:xfrm>
+            <a:off x="10997744" y="4831304"/>
+            <a:ext cx="1094296" cy="1094296"/>
+          </a:xfrm>
+          <a:prstGeom prst="rect">
+            <a:avLst/>
+          </a:prstGeom>
+          <a:noFill/>
+          <a:extLst>
+            <a:ext uri="{909E8E84-426E-40DD-AFC4-6F175D3DCCD1}">
+              <a14:hiddenFill xmlns:a14="http://schemas.microsoft.com/office/drawing/2010/main">
+                <a:solidFill>
+                  <a:srgbClr val="FFFFFF"/>
+                </a:solidFill>
+              </a14:hiddenFill>
+            </a:ext>
+          </a:extLst>
+        </p:spPr>
+      </p:pic>
+      <p:pic>
+        <p:nvPicPr>
+          <p:cNvPr id="1038" name="Picture 14" descr="RÃ©sultat de recherche d'images pour &quot;css&quot;">
+            <a:extLst>
+              <a:ext uri="{FF2B5EF4-FFF2-40B4-BE49-F238E27FC236}">
+                <a16:creationId xmlns:a16="http://schemas.microsoft.com/office/drawing/2014/main" id="{D072646B-B8B0-4C6D-B8CC-70B3F7F7B6CB}"/>
+              </a:ext>
+            </a:extLst>
+          </p:cNvPr>
+          <p:cNvPicPr>
+            <a:picLocks noChangeAspect="1" noChangeArrowheads="1"/>
+          </p:cNvPicPr>
+          <p:nvPr/>
+        </p:nvPicPr>
+        <p:blipFill>
+          <a:blip r:embed="rId10">
+            <a:extLst>
+              <a:ext uri="{28A0092B-C50C-407E-A947-70E740481C1C}">
+                <a14:useLocalDpi xmlns:a14="http://schemas.microsoft.com/office/drawing/2010/main" val="0"/>
+              </a:ext>
+            </a:extLst>
+          </a:blip>
+          <a:srcRect/>
+          <a:stretch>
+            <a:fillRect/>
+          </a:stretch>
+        </p:blipFill>
+        <p:spPr bwMode="auto">
+          <a:xfrm>
+            <a:off x="7018421" y="4651106"/>
+            <a:ext cx="859039" cy="1211969"/>
+          </a:xfrm>
+          <a:prstGeom prst="rect">
+            <a:avLst/>
+          </a:prstGeom>
+          <a:noFill/>
+          <a:extLst>
+            <a:ext uri="{909E8E84-426E-40DD-AFC4-6F175D3DCCD1}">
+              <a14:hiddenFill xmlns:a14="http://schemas.microsoft.com/office/drawing/2010/main">
+                <a:solidFill>
+                  <a:srgbClr val="FFFFFF"/>
+                </a:solidFill>
+              </a14:hiddenFill>
+            </a:ext>
+          </a:extLst>
         </p:spPr>
       </p:pic>
     </p:spTree>
@@ -7472,7 +5261,7 @@
           <p:cNvPr id="7" name="Image 6">
             <a:extLst>
               <a:ext uri="{FF2B5EF4-FFF2-40B4-BE49-F238E27FC236}">
-                <a16:creationId xmlns:a16="http://schemas.microsoft.com/office/drawing/2014/main" id="{65907812-D476-4D3F-A318-AEE3F83498ED}"/>
+                <a16:creationId xmlns:a16="http://schemas.microsoft.com/office/drawing/2014/main" id="{DD40A4E3-1245-4E99-9303-3B61B36DF6D7}"/>
               </a:ext>
             </a:extLst>
           </p:cNvPr>
@@ -7499,14 +5288,14 @@
       </p:pic>
       <p:sp>
         <p:nvSpPr>
-          <p:cNvPr id="127" name="CustomShape 1"/>
+          <p:cNvPr id="122" name="CustomShape 1"/>
           <p:cNvSpPr/>
           <p:nvPr/>
         </p:nvSpPr>
         <p:spPr>
           <a:xfrm flipH="1" flipV="1">
-            <a:off x="0" y="6047640"/>
-            <a:ext cx="12191760" cy="898920"/>
+            <a:off x="0" y="5634360"/>
+            <a:ext cx="12191760" cy="1312920"/>
           </a:xfrm>
           <a:prstGeom prst="rect">
             <a:avLst/>
@@ -7538,7 +5327,7 @@
       </p:sp>
       <p:sp>
         <p:nvSpPr>
-          <p:cNvPr id="128" name="CustomShape 2"/>
+          <p:cNvPr id="123" name="CustomShape 2"/>
           <p:cNvSpPr/>
           <p:nvPr/>
         </p:nvSpPr>
@@ -7577,7 +5366,7 @@
       </p:sp>
       <p:sp>
         <p:nvSpPr>
-          <p:cNvPr id="129" name="CustomShape 3"/>
+          <p:cNvPr id="124" name="CustomShape 3"/>
           <p:cNvSpPr/>
           <p:nvPr/>
         </p:nvSpPr>
@@ -7624,6 +5413,279 @@
                 </a:solidFill>
                 <a:latin typeface="Calibri Light"/>
               </a:rPr>
+              <a:t>Démonstration du site</a:t>
+            </a:r>
+            <a:endParaRPr lang="fr-FR" sz="4400" b="0" strike="noStrike" spc="-1" dirty="0">
+              <a:latin typeface="Arial"/>
+            </a:endParaRPr>
+          </a:p>
+        </p:txBody>
+      </p:sp>
+      <p:pic>
+        <p:nvPicPr>
+          <p:cNvPr id="126" name="Image 11"/>
+          <p:cNvPicPr/>
+          <p:nvPr/>
+        </p:nvPicPr>
+        <p:blipFill>
+          <a:blip r:embed="rId3"/>
+          <a:stretch/>
+        </p:blipFill>
+        <p:spPr>
+          <a:xfrm>
+            <a:off x="9976320" y="6177600"/>
+            <a:ext cx="1938240" cy="497520"/>
+          </a:xfrm>
+          <a:prstGeom prst="rect">
+            <a:avLst/>
+          </a:prstGeom>
+          <a:ln>
+            <a:noFill/>
+          </a:ln>
+        </p:spPr>
+      </p:pic>
+      <p:pic>
+        <p:nvPicPr>
+          <p:cNvPr id="2" name="Image 1">
+            <a:extLst>
+              <a:ext uri="{FF2B5EF4-FFF2-40B4-BE49-F238E27FC236}">
+                <a16:creationId xmlns:a16="http://schemas.microsoft.com/office/drawing/2014/main" id="{C9274AC7-D411-455C-9681-1B9A86ADC904}"/>
+              </a:ext>
+            </a:extLst>
+          </p:cNvPr>
+          <p:cNvPicPr>
+            <a:picLocks noChangeAspect="1"/>
+          </p:cNvPicPr>
+          <p:nvPr/>
+        </p:nvPicPr>
+        <p:blipFill>
+          <a:blip r:embed="rId4"/>
+          <a:stretch>
+            <a:fillRect/>
+          </a:stretch>
+        </p:blipFill>
+        <p:spPr>
+          <a:xfrm>
+            <a:off x="2620480" y="1724400"/>
+            <a:ext cx="6951040" cy="3909960"/>
+          </a:xfrm>
+          <a:prstGeom prst="rect">
+            <a:avLst/>
+          </a:prstGeom>
+        </p:spPr>
+      </p:pic>
+    </p:spTree>
+  </p:cSld>
+  <p:clrMapOvr>
+    <a:masterClrMapping/>
+  </p:clrMapOvr>
+  <p:transition spd="slow">
+    <p:cover/>
+  </p:transition>
+  <p:timing>
+    <p:tnLst>
+      <p:par>
+        <p:cTn id="1" dur="indefinite" restart="never" nodeType="tmRoot">
+          <p:childTnLst>
+            <p:seq>
+              <p:cTn id="2" nodeType="mainSeq"/>
+              <p:prevCondLst>
+                <p:cond evt="onPrev" delay="0">
+                  <p:tgtEl>
+                    <p:sldTgt/>
+                  </p:tgtEl>
+                </p:cond>
+              </p:prevCondLst>
+              <p:nextCondLst>
+                <p:cond evt="onNext" delay="0">
+                  <p:tgtEl>
+                    <p:sldTgt/>
+                  </p:tgtEl>
+                </p:cond>
+              </p:nextCondLst>
+            </p:seq>
+          </p:childTnLst>
+        </p:cTn>
+      </p:par>
+    </p:tnLst>
+  </p:timing>
+</p:sld>
+</file>
+
+<file path=ppt/slides/slide9.xml><?xml version="1.0" encoding="utf-8"?>
+<p:sld xmlns:a="http://schemas.openxmlformats.org/drawingml/2006/main" xmlns:r="http://schemas.openxmlformats.org/officeDocument/2006/relationships" xmlns:p="http://schemas.openxmlformats.org/presentationml/2006/main">
+  <p:cSld>
+    <p:spTree>
+      <p:nvGrpSpPr>
+        <p:cNvPr id="1" name=""/>
+        <p:cNvGrpSpPr/>
+        <p:nvPr/>
+      </p:nvGrpSpPr>
+      <p:grpSpPr>
+        <a:xfrm>
+          <a:off x="0" y="0"/>
+          <a:ext cx="0" cy="0"/>
+          <a:chOff x="0" y="0"/>
+          <a:chExt cx="0" cy="0"/>
+        </a:xfrm>
+      </p:grpSpPr>
+      <p:pic>
+        <p:nvPicPr>
+          <p:cNvPr id="8" name="Image 7">
+            <a:extLst>
+              <a:ext uri="{FF2B5EF4-FFF2-40B4-BE49-F238E27FC236}">
+                <a16:creationId xmlns:a16="http://schemas.microsoft.com/office/drawing/2014/main" id="{308C7AE3-1B29-40B5-A88B-8B7303F03832}"/>
+              </a:ext>
+            </a:extLst>
+          </p:cNvPr>
+          <p:cNvPicPr>
+            <a:picLocks noChangeAspect="1"/>
+          </p:cNvPicPr>
+          <p:nvPr/>
+        </p:nvPicPr>
+        <p:blipFill>
+          <a:blip r:embed="rId2"/>
+          <a:stretch>
+            <a:fillRect/>
+          </a:stretch>
+        </p:blipFill>
+        <p:spPr>
+          <a:xfrm>
+            <a:off x="0" y="1690200"/>
+            <a:ext cx="12189007" cy="4501800"/>
+          </a:xfrm>
+          <a:prstGeom prst="rect">
+            <a:avLst/>
+          </a:prstGeom>
+        </p:spPr>
+      </p:pic>
+      <p:sp>
+        <p:nvSpPr>
+          <p:cNvPr id="127" name="CustomShape 1"/>
+          <p:cNvSpPr/>
+          <p:nvPr/>
+        </p:nvSpPr>
+        <p:spPr>
+          <a:xfrm flipH="1" flipV="1">
+            <a:off x="0" y="6192000"/>
+            <a:ext cx="12191760" cy="754560"/>
+          </a:xfrm>
+          <a:prstGeom prst="rect">
+            <a:avLst/>
+          </a:prstGeom>
+          <a:solidFill>
+            <a:schemeClr val="accent3">
+              <a:lumMod val="60000"/>
+              <a:lumOff val="40000"/>
+            </a:schemeClr>
+          </a:solidFill>
+          <a:ln>
+            <a:noFill/>
+          </a:ln>
+        </p:spPr>
+        <p:style>
+          <a:lnRef idx="2">
+            <a:schemeClr val="accent1">
+              <a:shade val="50000"/>
+            </a:schemeClr>
+          </a:lnRef>
+          <a:fillRef idx="1">
+            <a:schemeClr val="accent1"/>
+          </a:fillRef>
+          <a:effectRef idx="0">
+            <a:schemeClr val="accent1"/>
+          </a:effectRef>
+          <a:fontRef idx="minor"/>
+        </p:style>
+      </p:sp>
+      <p:sp>
+        <p:nvSpPr>
+          <p:cNvPr id="128" name="CustomShape 2"/>
+          <p:cNvSpPr/>
+          <p:nvPr/>
+        </p:nvSpPr>
+        <p:spPr>
+          <a:xfrm flipH="1" flipV="1">
+            <a:off x="0" y="0"/>
+            <a:ext cx="12191760" cy="1724400"/>
+          </a:xfrm>
+          <a:prstGeom prst="rect">
+            <a:avLst/>
+          </a:prstGeom>
+          <a:solidFill>
+            <a:schemeClr val="accent3">
+              <a:lumMod val="60000"/>
+              <a:lumOff val="40000"/>
+            </a:schemeClr>
+          </a:solidFill>
+          <a:ln>
+            <a:noFill/>
+          </a:ln>
+        </p:spPr>
+        <p:style>
+          <a:lnRef idx="2">
+            <a:schemeClr val="accent1">
+              <a:shade val="50000"/>
+            </a:schemeClr>
+          </a:lnRef>
+          <a:fillRef idx="1">
+            <a:schemeClr val="accent1"/>
+          </a:fillRef>
+          <a:effectRef idx="0">
+            <a:schemeClr val="accent1"/>
+          </a:effectRef>
+          <a:fontRef idx="minor"/>
+        </p:style>
+      </p:sp>
+      <p:sp>
+        <p:nvSpPr>
+          <p:cNvPr id="129" name="CustomShape 3"/>
+          <p:cNvSpPr/>
+          <p:nvPr/>
+        </p:nvSpPr>
+        <p:spPr>
+          <a:xfrm>
+            <a:off x="1626840" y="182520"/>
+            <a:ext cx="8938080" cy="1325160"/>
+          </a:xfrm>
+          <a:prstGeom prst="rect">
+            <a:avLst/>
+          </a:prstGeom>
+          <a:noFill/>
+          <a:ln>
+            <a:noFill/>
+          </a:ln>
+        </p:spPr>
+        <p:style>
+          <a:lnRef idx="0">
+            <a:scrgbClr r="0" g="0" b="0"/>
+          </a:lnRef>
+          <a:fillRef idx="0">
+            <a:scrgbClr r="0" g="0" b="0"/>
+          </a:fillRef>
+          <a:effectRef idx="0">
+            <a:scrgbClr r="0" g="0" b="0"/>
+          </a:effectRef>
+          <a:fontRef idx="minor"/>
+        </p:style>
+        <p:txBody>
+          <a:bodyPr anchor="ctr">
+            <a:normAutofit/>
+          </a:bodyPr>
+          <a:lstStyle/>
+          <a:p>
+            <a:pPr algn="ctr">
+              <a:lnSpc>
+                <a:spcPct val="100000"/>
+              </a:lnSpc>
+            </a:pPr>
+            <a:r>
+              <a:rPr lang="fr-FR" sz="4400" b="1" strike="noStrike" spc="-1" dirty="0">
+                <a:solidFill>
+                  <a:srgbClr val="000000"/>
+                </a:solidFill>
+                <a:latin typeface="Calibri Light"/>
+              </a:rPr>
               <a:t>Evolutions possibles</a:t>
             </a:r>
             <a:endParaRPr lang="fr-FR" sz="4400" b="0" strike="noStrike" spc="-1" dirty="0">
@@ -7640,8 +5702,8 @@
         </p:nvSpPr>
         <p:spPr>
           <a:xfrm>
-            <a:off x="946326" y="3132180"/>
-            <a:ext cx="10515240" cy="1507680"/>
+            <a:off x="838260" y="2298992"/>
+            <a:ext cx="10515240" cy="3318416"/>
           </a:xfrm>
           <a:prstGeom prst="rect">
             <a:avLst/>
@@ -7666,13 +5728,13 @@
               <a:buChar char="q"/>
             </a:pPr>
             <a:r>
-              <a:rPr lang="fr-FR" sz="4800" b="0" strike="noStrike" spc="-1" dirty="0">
+              <a:rPr lang="fr-FR" sz="4000" b="0" strike="noStrike" spc="-1" dirty="0">
                 <a:solidFill>
                   <a:srgbClr val="000000"/>
                 </a:solidFill>
                 <a:latin typeface="Calibri"/>
               </a:rPr>
-              <a:t>Mobile</a:t>
+              <a:t>Plusieurs langues possibles</a:t>
             </a:r>
           </a:p>
           <a:p>
@@ -7687,20 +5749,83 @@
               <a:buChar char="q"/>
             </a:pPr>
             <a:r>
-              <a:rPr lang="fr-FR" sz="4800" spc="-1" dirty="0">
+              <a:rPr lang="fr-FR" sz="4000" spc="-1" dirty="0">
                 <a:solidFill>
                   <a:srgbClr val="000000"/>
                 </a:solidFill>
                 <a:latin typeface="Calibri"/>
               </a:rPr>
-              <a:t>Hébergement</a:t>
+              <a:t>Suggestions en fonction des hobbies</a:t>
             </a:r>
-            <a:endParaRPr lang="fr-FR" sz="4800" b="0" strike="noStrike" spc="-1" dirty="0">
+            <a:endParaRPr lang="fr-FR" sz="4000" b="0" strike="noStrike" spc="-1" dirty="0">
               <a:solidFill>
                 <a:srgbClr val="000000"/>
               </a:solidFill>
               <a:latin typeface="Calibri"/>
             </a:endParaRPr>
+          </a:p>
+          <a:p>
+            <a:pPr marL="457200" indent="-457200">
+              <a:lnSpc>
+                <a:spcPct val="90000"/>
+              </a:lnSpc>
+              <a:spcBef>
+                <a:spcPts val="1001"/>
+              </a:spcBef>
+              <a:buFont typeface="Wingdings" panose="05000000000000000000" pitchFamily="2" charset="2"/>
+              <a:buChar char="q"/>
+            </a:pPr>
+            <a:r>
+              <a:rPr lang="fr-FR" sz="4000" b="0" strike="noStrike" spc="-1" dirty="0">
+                <a:solidFill>
+                  <a:srgbClr val="000000"/>
+                </a:solidFill>
+                <a:latin typeface="Calibri"/>
+              </a:rPr>
+              <a:t>Date d’échéance</a:t>
+            </a:r>
+          </a:p>
+          <a:p>
+            <a:pPr marL="457200" indent="-457200">
+              <a:lnSpc>
+                <a:spcPct val="90000"/>
+              </a:lnSpc>
+              <a:spcBef>
+                <a:spcPts val="1001"/>
+              </a:spcBef>
+              <a:buFont typeface="Wingdings" panose="05000000000000000000" pitchFamily="2" charset="2"/>
+              <a:buChar char="q"/>
+            </a:pPr>
+            <a:r>
+              <a:rPr lang="fr-FR" sz="4000" spc="-1" dirty="0">
+                <a:solidFill>
+                  <a:srgbClr val="000000"/>
+                </a:solidFill>
+                <a:latin typeface="Calibri"/>
+              </a:rPr>
+              <a:t>Historique des parties jouées</a:t>
+            </a:r>
+          </a:p>
+          <a:p>
+            <a:pPr marL="457200" indent="-457200">
+              <a:lnSpc>
+                <a:spcPct val="90000"/>
+              </a:lnSpc>
+              <a:spcBef>
+                <a:spcPts val="1001"/>
+              </a:spcBef>
+              <a:buFont typeface="Wingdings" panose="05000000000000000000" pitchFamily="2" charset="2"/>
+              <a:buChar char="q"/>
+            </a:pPr>
+            <a:r>
+              <a:rPr lang="fr-FR" sz="4000" b="0" strike="noStrike" spc="-1" dirty="0">
+                <a:solidFill>
+                  <a:srgbClr val="000000"/>
+                </a:solidFill>
+                <a:latin typeface="Calibri"/>
+              </a:rPr>
+              <a:t>Back office</a:t>
+            </a:r>
           </a:p>
           <a:p>
             <a:pPr>
@@ -7711,7 +5836,7 @@
                 <a:spcPts val="1001"/>
               </a:spcBef>
             </a:pPr>
-            <a:endParaRPr lang="fr-FR" sz="4800" b="0" strike="noStrike" spc="-1" dirty="0">
+            <a:endParaRPr lang="fr-FR" sz="4000" b="0" strike="noStrike" spc="-1" dirty="0">
               <a:solidFill>
                 <a:srgbClr val="000000"/>
               </a:solidFill>
@@ -7722,13 +5847,7 @@
       </p:sp>
       <p:pic>
         <p:nvPicPr>
-          <p:cNvPr id="8" name="Image 12">
-            <a:extLst>
-              <a:ext uri="{FF2B5EF4-FFF2-40B4-BE49-F238E27FC236}">
-                <a16:creationId xmlns:a16="http://schemas.microsoft.com/office/drawing/2014/main" id="{3E0ED33C-2750-4D48-A733-E39F3857DFB9}"/>
-              </a:ext>
-            </a:extLst>
-          </p:cNvPr>
+          <p:cNvPr id="131" name="Image 2"/>
           <p:cNvPicPr/>
           <p:nvPr/>
         </p:nvPicPr>
@@ -7738,7 +5857,7 @@
         </p:blipFill>
         <p:spPr>
           <a:xfrm>
-            <a:off x="10153800" y="6291720"/>
+            <a:off x="10162800" y="6294600"/>
             <a:ext cx="1938240" cy="497520"/>
           </a:xfrm>
           <a:prstGeom prst="rect">
@@ -7751,10 +5870,10 @@
       </p:pic>
       <p:pic>
         <p:nvPicPr>
-          <p:cNvPr id="3" name="Graphique 2" descr="Tendance à la hausse">
+          <p:cNvPr id="7" name="Graphique 6" descr="Tendance à la hausse">
             <a:extLst>
               <a:ext uri="{FF2B5EF4-FFF2-40B4-BE49-F238E27FC236}">
-                <a16:creationId xmlns:a16="http://schemas.microsoft.com/office/drawing/2014/main" id="{2C81F1A9-4067-470A-A85C-A876E633E0C0}"/>
+                <a16:creationId xmlns:a16="http://schemas.microsoft.com/office/drawing/2014/main" id="{E9E6A170-F6F4-4196-A72B-2712DAF06FC2}"/>
               </a:ext>
             </a:extLst>
           </p:cNvPr>
@@ -7780,7 +5899,7 @@
         </p:blipFill>
         <p:spPr>
           <a:xfrm>
-            <a:off x="10489015" y="1724400"/>
+            <a:off x="9998564" y="3111687"/>
             <a:ext cx="1693025" cy="1693025"/>
           </a:xfrm>
           <a:prstGeom prst="rect">
@@ -8049,229 +6168,4 @@
   <a:objectDefaults/>
   <a:extraClrSchemeLst/>
 </a:theme>
-</file>
-
-<file path=ppt/theme/theme2.xml><?xml version="1.0" encoding="utf-8"?>
-<a:theme xmlns:a="http://schemas.openxmlformats.org/drawingml/2006/main" name="Office Theme">
-  <a:themeElements>
-    <a:clrScheme name="Office">
-      <a:dk1>
-        <a:sysClr val="windowText" lastClr="000000"/>
-      </a:dk1>
-      <a:lt1>
-        <a:sysClr val="window" lastClr="FFFFFF"/>
-      </a:lt1>
-      <a:dk2>
-        <a:srgbClr val="44546A"/>
-      </a:dk2>
-      <a:lt2>
-        <a:srgbClr val="E7E6E6"/>
-      </a:lt2>
-      <a:accent1>
-        <a:srgbClr val="4472C4"/>
-      </a:accent1>
-      <a:accent2>
-        <a:srgbClr val="ED7D31"/>
-      </a:accent2>
-      <a:accent3>
-        <a:srgbClr val="A5A5A5"/>
-      </a:accent3>
-      <a:accent4>
-        <a:srgbClr val="FFC000"/>
-      </a:accent4>
-      <a:accent5>
-        <a:srgbClr val="5B9BD5"/>
-      </a:accent5>
-      <a:accent6>
-        <a:srgbClr val="70AD47"/>
-      </a:accent6>
-      <a:hlink>
-        <a:srgbClr val="0563C1"/>
-      </a:hlink>
-      <a:folHlink>
-        <a:srgbClr val="954F72"/>
-      </a:folHlink>
-    </a:clrScheme>
-    <a:fontScheme name="Office">
-      <a:majorFont>
-        <a:latin typeface="Arial"/>
-        <a:ea typeface="DejaVu Sans"/>
-        <a:cs typeface="DejaVu Sans"/>
-      </a:majorFont>
-      <a:minorFont>
-        <a:latin typeface="Arial"/>
-        <a:ea typeface="DejaVu Sans"/>
-        <a:cs typeface="DejaVu Sans"/>
-      </a:minorFont>
-    </a:fontScheme>
-    <a:fmtScheme name="Office">
-      <a:fillStyleLst>
-        <a:solidFill>
-          <a:schemeClr val="phClr"/>
-        </a:solidFill>
-        <a:gradFill rotWithShape="1">
-          <a:gsLst>
-            <a:gs pos="0">
-              <a:schemeClr val="phClr">
-                <a:tint val="50000"/>
-                <a:satMod val="300000"/>
-              </a:schemeClr>
-            </a:gs>
-            <a:gs pos="35000">
-              <a:schemeClr val="phClr">
-                <a:tint val="37000"/>
-                <a:satMod val="300000"/>
-              </a:schemeClr>
-            </a:gs>
-            <a:gs pos="100000">
-              <a:schemeClr val="phClr">
-                <a:tint val="15000"/>
-                <a:satMod val="350000"/>
-              </a:schemeClr>
-            </a:gs>
-          </a:gsLst>
-          <a:lin ang="16200000" scaled="1"/>
-        </a:gradFill>
-        <a:gradFill rotWithShape="1">
-          <a:gsLst>
-            <a:gs pos="0">
-              <a:schemeClr val="phClr">
-                <a:shade val="51000"/>
-                <a:satMod val="130000"/>
-              </a:schemeClr>
-            </a:gs>
-            <a:gs pos="80000">
-              <a:schemeClr val="phClr">
-                <a:shade val="93000"/>
-                <a:satMod val="130000"/>
-              </a:schemeClr>
-            </a:gs>
-            <a:gs pos="100000">
-              <a:schemeClr val="phClr">
-                <a:shade val="94000"/>
-                <a:satMod val="135000"/>
-              </a:schemeClr>
-            </a:gs>
-          </a:gsLst>
-          <a:lin ang="16200000" scaled="0"/>
-        </a:gradFill>
-      </a:fillStyleLst>
-      <a:lnStyleLst>
-        <a:ln w="9525" cap="flat" cmpd="sng" algn="ctr">
-          <a:solidFill>
-            <a:schemeClr val="phClr">
-              <a:shade val="95000"/>
-              <a:satMod val="105000"/>
-            </a:schemeClr>
-          </a:solidFill>
-          <a:prstDash val="solid"/>
-        </a:ln>
-        <a:ln w="25400" cap="flat" cmpd="sng" algn="ctr">
-          <a:solidFill>
-            <a:schemeClr val="phClr"/>
-          </a:solidFill>
-          <a:prstDash val="solid"/>
-        </a:ln>
-        <a:ln w="38100" cap="flat" cmpd="sng" algn="ctr">
-          <a:solidFill>
-            <a:schemeClr val="phClr"/>
-          </a:solidFill>
-          <a:prstDash val="solid"/>
-        </a:ln>
-      </a:lnStyleLst>
-      <a:effectStyleLst>
-        <a:effectStyle>
-          <a:effectLst>
-            <a:outerShdw blurRad="40000" dist="20000" dir="5400000" rotWithShape="0">
-              <a:srgbClr val="000000">
-                <a:alpha val="38000"/>
-              </a:srgbClr>
-            </a:outerShdw>
-          </a:effectLst>
-        </a:effectStyle>
-        <a:effectStyle>
-          <a:effectLst>
-            <a:outerShdw blurRad="40000" dist="23000" dir="5400000" rotWithShape="0">
-              <a:srgbClr val="000000">
-                <a:alpha val="35000"/>
-              </a:srgbClr>
-            </a:outerShdw>
-          </a:effectLst>
-        </a:effectStyle>
-        <a:effectStyle>
-          <a:effectLst>
-            <a:outerShdw blurRad="40000" dist="23000" dir="5400000" rotWithShape="0">
-              <a:srgbClr val="000000">
-                <a:alpha val="35000"/>
-              </a:srgbClr>
-            </a:outerShdw>
-          </a:effectLst>
-          <a:scene3d>
-            <a:camera prst="orthographicFront">
-              <a:rot lat="0" lon="0" rev="0"/>
-            </a:camera>
-            <a:lightRig rig="threePt" dir="t">
-              <a:rot lat="0" lon="0" rev="1200000"/>
-            </a:lightRig>
-          </a:scene3d>
-          <a:sp3d>
-            <a:bevelT w="63500" h="25400"/>
-          </a:sp3d>
-        </a:effectStyle>
-      </a:effectStyleLst>
-      <a:bgFillStyleLst>
-        <a:solidFill>
-          <a:schemeClr val="phClr"/>
-        </a:solidFill>
-        <a:gradFill rotWithShape="1">
-          <a:gsLst>
-            <a:gs pos="0">
-              <a:schemeClr val="phClr">
-                <a:tint val="40000"/>
-                <a:satMod val="350000"/>
-              </a:schemeClr>
-            </a:gs>
-            <a:gs pos="40000">
-              <a:schemeClr val="phClr">
-                <a:tint val="45000"/>
-                <a:shade val="99000"/>
-                <a:satMod val="350000"/>
-              </a:schemeClr>
-            </a:gs>
-            <a:gs pos="100000">
-              <a:schemeClr val="phClr">
-                <a:shade val="20000"/>
-                <a:satMod val="255000"/>
-              </a:schemeClr>
-            </a:gs>
-          </a:gsLst>
-          <a:path path="circle">
-            <a:fillToRect l="50000" t="-80000" r="50000" b="180000"/>
-          </a:path>
-        </a:gradFill>
-        <a:gradFill rotWithShape="1">
-          <a:gsLst>
-            <a:gs pos="0">
-              <a:schemeClr val="phClr">
-                <a:tint val="80000"/>
-                <a:satMod val="300000"/>
-              </a:schemeClr>
-            </a:gs>
-            <a:gs pos="100000">
-              <a:schemeClr val="phClr">
-                <a:shade val="30000"/>
-                <a:satMod val="200000"/>
-              </a:schemeClr>
-            </a:gs>
-          </a:gsLst>
-          <a:path path="circle">
-            <a:fillToRect l="50000" t="50000" r="50000" b="50000"/>
-          </a:path>
-        </a:gradFill>
-      </a:bgFillStyleLst>
-    </a:fmtScheme>
-  </a:themeElements>
-  <a:objectDefaults/>
-  <a:extraClrSchemeLst/>
-</a:theme>
 </file>